--- a/Design/SQ web.pptx
+++ b/Design/SQ web.pptx
@@ -33,6 +33,9 @@
     <p:sldId id="331" r:id="rId27"/>
     <p:sldId id="332" r:id="rId28"/>
     <p:sldId id="343" r:id="rId29"/>
+    <p:sldId id="344" r:id="rId30"/>
+    <p:sldId id="345" r:id="rId31"/>
+    <p:sldId id="346" r:id="rId32"/>
   </p:sldIdLst>
   <p:sldSz cx="10799763" cy="6858000"/>
   <p:notesSz cx="6858000" cy="9144000"/>
@@ -316,7 +319,7 @@
             <a:fld id="{E97F63ED-244D-4346-A15C-DC13E53AAAF7}" type="datetimeFigureOut">
               <a:rPr lang="en-US" smtClean="0"/>
               <a:pPr/>
-              <a:t>10/20/14 </a:t>
+              <a:t>10/22/14 </a:t>
             </a:fld>
             <a:endParaRPr lang="en-US"/>
           </a:p>
@@ -488,7 +491,7 @@
             <a:fld id="{E97F63ED-244D-4346-A15C-DC13E53AAAF7}" type="datetimeFigureOut">
               <a:rPr lang="en-US" smtClean="0"/>
               <a:pPr/>
-              <a:t>10/20/14 </a:t>
+              <a:t>10/22/14 </a:t>
             </a:fld>
             <a:endParaRPr lang="en-US"/>
           </a:p>
@@ -670,7 +673,7 @@
             <a:fld id="{E97F63ED-244D-4346-A15C-DC13E53AAAF7}" type="datetimeFigureOut">
               <a:rPr lang="en-US" smtClean="0"/>
               <a:pPr/>
-              <a:t>10/20/14 </a:t>
+              <a:t>10/22/14 </a:t>
             </a:fld>
             <a:endParaRPr lang="en-US"/>
           </a:p>
@@ -842,7 +845,7 @@
             <a:fld id="{E97F63ED-244D-4346-A15C-DC13E53AAAF7}" type="datetimeFigureOut">
               <a:rPr lang="en-US" smtClean="0"/>
               <a:pPr/>
-              <a:t>10/20/14 </a:t>
+              <a:t>10/22/14 </a:t>
             </a:fld>
             <a:endParaRPr lang="en-US"/>
           </a:p>
@@ -1090,7 +1093,7 @@
             <a:fld id="{E97F63ED-244D-4346-A15C-DC13E53AAAF7}" type="datetimeFigureOut">
               <a:rPr lang="en-US" smtClean="0"/>
               <a:pPr/>
-              <a:t>10/20/14 </a:t>
+              <a:t>10/22/14 </a:t>
             </a:fld>
             <a:endParaRPr lang="en-US"/>
           </a:p>
@@ -1380,7 +1383,7 @@
             <a:fld id="{E97F63ED-244D-4346-A15C-DC13E53AAAF7}" type="datetimeFigureOut">
               <a:rPr lang="en-US" smtClean="0"/>
               <a:pPr/>
-              <a:t>10/20/14 </a:t>
+              <a:t>10/22/14 </a:t>
             </a:fld>
             <a:endParaRPr lang="en-US"/>
           </a:p>
@@ -1804,7 +1807,7 @@
             <a:fld id="{E97F63ED-244D-4346-A15C-DC13E53AAAF7}" type="datetimeFigureOut">
               <a:rPr lang="en-US" smtClean="0"/>
               <a:pPr/>
-              <a:t>10/20/14 </a:t>
+              <a:t>10/22/14 </a:t>
             </a:fld>
             <a:endParaRPr lang="en-US"/>
           </a:p>
@@ -1924,7 +1927,7 @@
             <a:fld id="{E97F63ED-244D-4346-A15C-DC13E53AAAF7}" type="datetimeFigureOut">
               <a:rPr lang="en-US" smtClean="0"/>
               <a:pPr/>
-              <a:t>10/20/14 </a:t>
+              <a:t>10/22/14 </a:t>
             </a:fld>
             <a:endParaRPr lang="en-US"/>
           </a:p>
@@ -2021,7 +2024,7 @@
             <a:fld id="{E97F63ED-244D-4346-A15C-DC13E53AAAF7}" type="datetimeFigureOut">
               <a:rPr lang="en-US" smtClean="0"/>
               <a:pPr/>
-              <a:t>10/20/14 </a:t>
+              <a:t>10/22/14 </a:t>
             </a:fld>
             <a:endParaRPr lang="en-US"/>
           </a:p>
@@ -2300,7 +2303,7 @@
             <a:fld id="{E97F63ED-244D-4346-A15C-DC13E53AAAF7}" type="datetimeFigureOut">
               <a:rPr lang="en-US" smtClean="0"/>
               <a:pPr/>
-              <a:t>10/20/14 </a:t>
+              <a:t>10/22/14 </a:t>
             </a:fld>
             <a:endParaRPr lang="en-US"/>
           </a:p>
@@ -2555,7 +2558,7 @@
             <a:fld id="{E97F63ED-244D-4346-A15C-DC13E53AAAF7}" type="datetimeFigureOut">
               <a:rPr lang="en-US" smtClean="0"/>
               <a:pPr/>
-              <a:t>10/20/14 </a:t>
+              <a:t>10/22/14 </a:t>
             </a:fld>
             <a:endParaRPr lang="en-US"/>
           </a:p>
@@ -2770,7 +2773,7 @@
             <a:fld id="{E97F63ED-244D-4346-A15C-DC13E53AAAF7}" type="datetimeFigureOut">
               <a:rPr lang="en-US" smtClean="0"/>
               <a:pPr/>
-              <a:t>10/20/14 </a:t>
+              <a:t>10/22/14 </a:t>
             </a:fld>
             <a:endParaRPr lang="en-US"/>
           </a:p>
@@ -34461,7 +34464,7 @@
         </p:nvSpPr>
         <p:spPr>
           <a:xfrm>
-            <a:off x="1395571" y="1042830"/>
+            <a:off x="429812" y="1042830"/>
             <a:ext cx="1285594" cy="511156"/>
           </a:xfrm>
           <a:prstGeom prst="rect">
@@ -34515,7 +34518,7 @@
         </p:nvCxnSpPr>
         <p:spPr>
           <a:xfrm>
-            <a:off x="2038368" y="1553986"/>
+            <a:off x="1072609" y="1553986"/>
             <a:ext cx="0" cy="5121677"/>
           </a:xfrm>
           <a:prstGeom prst="line">
@@ -34551,7 +34554,7 @@
         </p:nvSpPr>
         <p:spPr>
           <a:xfrm>
-            <a:off x="1968666" y="1848292"/>
+            <a:off x="1002907" y="1848292"/>
             <a:ext cx="139403" cy="4398344"/>
           </a:xfrm>
           <a:prstGeom prst="rect">
@@ -34596,7 +34599,7 @@
         </p:nvSpPr>
         <p:spPr>
           <a:xfrm>
-            <a:off x="3451379" y="1046310"/>
+            <a:off x="2485620" y="1046310"/>
             <a:ext cx="1271361" cy="511156"/>
           </a:xfrm>
           <a:prstGeom prst="rect">
@@ -34657,7 +34660,7 @@
         </p:nvCxnSpPr>
         <p:spPr>
           <a:xfrm>
-            <a:off x="4087060" y="1557466"/>
+            <a:off x="3121301" y="1557466"/>
             <a:ext cx="0" cy="5118197"/>
           </a:xfrm>
           <a:prstGeom prst="line">
@@ -34693,7 +34696,7 @@
         </p:nvCxnSpPr>
         <p:spPr>
           <a:xfrm>
-            <a:off x="2108069" y="1971607"/>
+            <a:off x="1142310" y="1971607"/>
             <a:ext cx="1909290" cy="0"/>
           </a:xfrm>
           <a:prstGeom prst="straightConnector1">
@@ -34730,7 +34733,7 @@
         </p:nvSpPr>
         <p:spPr>
           <a:xfrm>
-            <a:off x="2311582" y="1681012"/>
+            <a:off x="1345823" y="1681012"/>
             <a:ext cx="1222940" cy="954107"/>
           </a:xfrm>
           <a:prstGeom prst="rect">
@@ -34772,7 +34775,7 @@
         </p:nvSpPr>
         <p:spPr>
           <a:xfrm>
-            <a:off x="4278185" y="2187669"/>
+            <a:off x="3312426" y="2187669"/>
             <a:ext cx="1672503" cy="307777"/>
           </a:xfrm>
           <a:prstGeom prst="rect">
@@ -34806,7 +34809,7 @@
         </p:nvSpPr>
         <p:spPr>
           <a:xfrm>
-            <a:off x="4017359" y="1856355"/>
+            <a:off x="3051600" y="1856355"/>
             <a:ext cx="139402" cy="710969"/>
           </a:xfrm>
           <a:prstGeom prst="rect">
@@ -34851,7 +34854,7 @@
         </p:nvCxnSpPr>
         <p:spPr>
           <a:xfrm>
-            <a:off x="4132490" y="2471788"/>
+            <a:off x="3166731" y="2471788"/>
             <a:ext cx="1948160" cy="5386"/>
           </a:xfrm>
           <a:prstGeom prst="straightConnector1">
@@ -34902,7 +34905,7 @@
         </p:blipFill>
         <p:spPr>
           <a:xfrm>
-            <a:off x="1438742" y="13909"/>
+            <a:off x="472983" y="13909"/>
             <a:ext cx="1199252" cy="1199252"/>
           </a:xfrm>
           <a:prstGeom prst="rect">
@@ -34920,7 +34923,7 @@
         </p:nvCxnSpPr>
         <p:spPr>
           <a:xfrm>
-            <a:off x="6150351" y="1544205"/>
+            <a:off x="5184592" y="1544205"/>
             <a:ext cx="0" cy="5121677"/>
           </a:xfrm>
           <a:prstGeom prst="line">
@@ -34956,7 +34959,7 @@
         </p:nvSpPr>
         <p:spPr>
           <a:xfrm>
-            <a:off x="5464085" y="1033049"/>
+            <a:off x="4498326" y="1033049"/>
             <a:ext cx="1372532" cy="511156"/>
           </a:xfrm>
           <a:prstGeom prst="rect">
@@ -35010,7 +35013,7 @@
         </p:nvCxnSpPr>
         <p:spPr>
           <a:xfrm>
-            <a:off x="8138681" y="1534424"/>
+            <a:off x="7172922" y="1534424"/>
             <a:ext cx="0" cy="5131458"/>
           </a:xfrm>
           <a:prstGeom prst="line">
@@ -35046,7 +35049,7 @@
         </p:nvSpPr>
         <p:spPr>
           <a:xfrm>
-            <a:off x="7452415" y="1023268"/>
+            <a:off x="6486656" y="1023268"/>
             <a:ext cx="1372532" cy="511156"/>
           </a:xfrm>
           <a:prstGeom prst="rect">
@@ -35084,7 +35087,11 @@
             <a:pPr algn="ctr"/>
             <a:r>
               <a:rPr lang="en-US" sz="1600" dirty="0" smtClean="0"/>
-              <a:t>Message Database</a:t>
+              <a:t>Conversation </a:t>
+            </a:r>
+            <a:r>
+              <a:rPr lang="en-US" sz="1600" dirty="0" smtClean="0"/>
+              <a:t>Database</a:t>
             </a:r>
             <a:endParaRPr lang="en-US" sz="1600" dirty="0"/>
           </a:p>
@@ -35098,7 +35105,7 @@
         </p:nvSpPr>
         <p:spPr>
           <a:xfrm>
-            <a:off x="6080649" y="2364238"/>
+            <a:off x="5114890" y="2364238"/>
             <a:ext cx="166121" cy="3882398"/>
           </a:xfrm>
           <a:prstGeom prst="rect">
@@ -35143,8 +35150,8 @@
         </p:nvSpPr>
         <p:spPr>
           <a:xfrm>
-            <a:off x="8068979" y="2567324"/>
-            <a:ext cx="148824" cy="3301768"/>
+            <a:off x="7103220" y="2585729"/>
+            <a:ext cx="148824" cy="2568222"/>
           </a:xfrm>
           <a:prstGeom prst="rect">
             <a:avLst/>
@@ -35188,7 +35195,7 @@
         </p:nvSpPr>
         <p:spPr>
           <a:xfrm>
-            <a:off x="6509816" y="2413435"/>
+            <a:off x="5544057" y="2413435"/>
             <a:ext cx="1402948" cy="523220"/>
           </a:xfrm>
           <a:prstGeom prst="rect">
@@ -35228,7 +35235,7 @@
         </p:nvCxnSpPr>
         <p:spPr>
           <a:xfrm>
-            <a:off x="6190521" y="2697554"/>
+            <a:off x="5224762" y="2697554"/>
             <a:ext cx="1948160" cy="5386"/>
           </a:xfrm>
           <a:prstGeom prst="straightConnector1">
@@ -35265,7 +35272,7 @@
         </p:nvCxnSpPr>
         <p:spPr>
           <a:xfrm flipH="1">
-            <a:off x="8217803" y="3184551"/>
+            <a:off x="7252044" y="3184551"/>
             <a:ext cx="607144" cy="0"/>
           </a:xfrm>
           <a:prstGeom prst="straightConnector1">
@@ -35302,7 +35309,7 @@
         </p:nvCxnSpPr>
         <p:spPr>
           <a:xfrm flipV="1">
-            <a:off x="8824947" y="2823061"/>
+            <a:off x="7859188" y="2823061"/>
             <a:ext cx="0" cy="361490"/>
           </a:xfrm>
           <a:prstGeom prst="line">
@@ -35338,7 +35345,7 @@
         </p:nvCxnSpPr>
         <p:spPr>
           <a:xfrm flipH="1">
-            <a:off x="8217803" y="2823061"/>
+            <a:off x="7252044" y="2823061"/>
             <a:ext cx="607144" cy="0"/>
           </a:xfrm>
           <a:prstGeom prst="line">
@@ -35374,7 +35381,7 @@
         </p:nvSpPr>
         <p:spPr>
           <a:xfrm>
-            <a:off x="8548971" y="2522854"/>
+            <a:off x="7583212" y="2522854"/>
             <a:ext cx="979755" cy="523220"/>
           </a:xfrm>
           <a:prstGeom prst="rect">
@@ -35416,7 +35423,7 @@
         </p:nvCxnSpPr>
         <p:spPr>
           <a:xfrm flipH="1">
-            <a:off x="6220052" y="3440015"/>
+            <a:off x="5254293" y="3440015"/>
             <a:ext cx="1820805" cy="0"/>
           </a:xfrm>
           <a:prstGeom prst="straightConnector1">
@@ -35454,7 +35461,7 @@
         </p:nvSpPr>
         <p:spPr>
           <a:xfrm>
-            <a:off x="6509816" y="3133127"/>
+            <a:off x="5544057" y="3133127"/>
             <a:ext cx="1305891" cy="523220"/>
           </a:xfrm>
           <a:prstGeom prst="rect">
@@ -35494,7 +35501,7 @@
         </p:nvCxnSpPr>
         <p:spPr>
           <a:xfrm flipH="1">
-            <a:off x="2108069" y="3712543"/>
+            <a:off x="1142310" y="3712543"/>
             <a:ext cx="3972582" cy="0"/>
           </a:xfrm>
           <a:prstGeom prst="straightConnector1">
@@ -35532,7 +35539,7 @@
         </p:nvCxnSpPr>
         <p:spPr>
           <a:xfrm>
-            <a:off x="2069199" y="4326829"/>
+            <a:off x="1103440" y="4326829"/>
             <a:ext cx="4011451" cy="5386"/>
           </a:xfrm>
           <a:prstGeom prst="straightConnector1">
@@ -35569,7 +35576,7 @@
         </p:nvSpPr>
         <p:spPr>
           <a:xfrm>
-            <a:off x="2972294" y="3387605"/>
+            <a:off x="2006535" y="3387605"/>
             <a:ext cx="2665486" cy="307777"/>
           </a:xfrm>
           <a:prstGeom prst="rect">
@@ -35603,7 +35610,7 @@
         </p:nvSpPr>
         <p:spPr>
           <a:xfrm>
-            <a:off x="3235928" y="3999221"/>
+            <a:off x="2270169" y="3999221"/>
             <a:ext cx="2081947" cy="307777"/>
           </a:xfrm>
           <a:prstGeom prst="rect">
@@ -35637,7 +35644,7 @@
         </p:nvSpPr>
         <p:spPr>
           <a:xfrm>
-            <a:off x="6536535" y="4393413"/>
+            <a:off x="7523393" y="4788402"/>
             <a:ext cx="1270475" cy="523220"/>
           </a:xfrm>
           <a:prstGeom prst="rect">
@@ -35653,11 +35660,15 @@
           <a:p>
             <a:r>
               <a:rPr lang="en-US" sz="1400" dirty="0"/>
-              <a:t>8</a:t>
+              <a:t>9</a:t>
             </a:r>
             <a:r>
               <a:rPr lang="en-US" sz="1400" dirty="0" smtClean="0"/>
-              <a:t>: Request </a:t>
+              <a:t>: </a:t>
+            </a:r>
+            <a:r>
+              <a:rPr lang="en-US" sz="1400" dirty="0" smtClean="0"/>
+              <a:t>Request </a:t>
             </a:r>
           </a:p>
           <a:p>
@@ -35677,7 +35688,7 @@
         </p:nvCxnSpPr>
         <p:spPr>
           <a:xfrm>
-            <a:off x="6182914" y="4677532"/>
+            <a:off x="5217155" y="4677532"/>
             <a:ext cx="1948160" cy="5386"/>
           </a:xfrm>
           <a:prstGeom prst="straightConnector1">
@@ -35714,7 +35725,7 @@
         </p:nvCxnSpPr>
         <p:spPr>
           <a:xfrm flipH="1">
-            <a:off x="8217803" y="5314716"/>
+            <a:off x="9193720" y="5497036"/>
             <a:ext cx="607144" cy="0"/>
           </a:xfrm>
           <a:prstGeom prst="straightConnector1">
@@ -35751,7 +35762,7 @@
         </p:nvCxnSpPr>
         <p:spPr>
           <a:xfrm flipV="1">
-            <a:off x="8824947" y="4953226"/>
+            <a:off x="9800864" y="5135546"/>
             <a:ext cx="0" cy="361490"/>
           </a:xfrm>
           <a:prstGeom prst="line">
@@ -35787,7 +35798,7 @@
         </p:nvCxnSpPr>
         <p:spPr>
           <a:xfrm flipH="1">
-            <a:off x="8217803" y="4953226"/>
+            <a:off x="9193720" y="5135546"/>
             <a:ext cx="607144" cy="0"/>
           </a:xfrm>
           <a:prstGeom prst="line">
@@ -35823,8 +35834,8 @@
         </p:nvSpPr>
         <p:spPr>
           <a:xfrm>
-            <a:off x="8548971" y="4653019"/>
-            <a:ext cx="979755" cy="523220"/>
+            <a:off x="9480004" y="4835339"/>
+            <a:ext cx="1069524" cy="523220"/>
           </a:xfrm>
           <a:prstGeom prst="rect">
             <a:avLst/>
@@ -35839,12 +35850,16 @@
           <a:p>
             <a:pPr algn="ctr"/>
             <a:r>
-              <a:rPr lang="en-US" sz="1400" dirty="0"/>
-              <a:t>9</a:t>
-            </a:r>
-            <a:r>
               <a:rPr lang="en-US" sz="1400" dirty="0" smtClean="0"/>
-              <a:t>: Retrieve </a:t>
+              <a:t>10</a:t>
+            </a:r>
+            <a:r>
+              <a:rPr lang="en-US" sz="1400" dirty="0" smtClean="0"/>
+              <a:t>: </a:t>
+            </a:r>
+            <a:r>
+              <a:rPr lang="en-US" sz="1400" dirty="0" smtClean="0"/>
+              <a:t>Retrieve </a:t>
             </a:r>
             <a:br>
               <a:rPr lang="en-US" sz="1400" dirty="0" smtClean="0"/>
@@ -35865,8 +35880,8 @@
         </p:nvCxnSpPr>
         <p:spPr>
           <a:xfrm flipH="1">
-            <a:off x="6246771" y="5621604"/>
-            <a:ext cx="1820805" cy="0"/>
+            <a:off x="5281013" y="5621604"/>
+            <a:ext cx="3843006" cy="0"/>
           </a:xfrm>
           <a:prstGeom prst="straightConnector1">
             <a:avLst/>
@@ -35903,8 +35918,212 @@
         </p:nvSpPr>
         <p:spPr>
           <a:xfrm>
-            <a:off x="6536535" y="5331877"/>
-            <a:ext cx="1270475" cy="523220"/>
+            <a:off x="6306740" y="5342632"/>
+            <a:ext cx="2546302" cy="307777"/>
+          </a:xfrm>
+          <a:prstGeom prst="rect">
+            <a:avLst/>
+          </a:prstGeom>
+          <a:noFill/>
+        </p:spPr>
+        <p:txBody>
+          <a:bodyPr wrap="square" rtlCol="0">
+            <a:spAutoFit/>
+          </a:bodyPr>
+          <a:lstStyle/>
+          <a:p>
+            <a:r>
+              <a:rPr lang="en-US" sz="1400" dirty="0" smtClean="0"/>
+              <a:t>11: </a:t>
+            </a:r>
+            <a:r>
+              <a:rPr lang="en-US" sz="1400" dirty="0" smtClean="0"/>
+              <a:t>Return </a:t>
+            </a:r>
+            <a:r>
+              <a:rPr lang="en-US" sz="1400" dirty="0" smtClean="0"/>
+              <a:t>message </a:t>
+            </a:r>
+            <a:r>
+              <a:rPr lang="en-US" sz="1400" dirty="0" smtClean="0"/>
+              <a:t>detail</a:t>
+            </a:r>
+            <a:endParaRPr lang="en-US" sz="1400" dirty="0"/>
+          </a:p>
+        </p:txBody>
+      </p:sp>
+      <p:cxnSp>
+        <p:nvCxnSpPr>
+          <p:cNvPr id="49" name="Straight Arrow Connector 48"/>
+          <p:cNvCxnSpPr/>
+          <p:nvPr/>
+        </p:nvCxnSpPr>
+        <p:spPr>
+          <a:xfrm flipH="1">
+            <a:off x="1142310" y="6013143"/>
+            <a:ext cx="4103186" cy="0"/>
+          </a:xfrm>
+          <a:prstGeom prst="straightConnector1">
+            <a:avLst/>
+          </a:prstGeom>
+          <a:ln>
+            <a:solidFill>
+              <a:schemeClr val="tx1"/>
+            </a:solidFill>
+            <a:prstDash val="dash"/>
+            <a:tailEnd type="arrow"/>
+          </a:ln>
+          <a:effectLst/>
+        </p:spPr>
+        <p:style>
+          <a:lnRef idx="2">
+            <a:schemeClr val="accent1"/>
+          </a:lnRef>
+          <a:fillRef idx="0">
+            <a:schemeClr val="accent1"/>
+          </a:fillRef>
+          <a:effectRef idx="1">
+            <a:schemeClr val="accent1"/>
+          </a:effectRef>
+          <a:fontRef idx="minor">
+            <a:schemeClr val="tx1"/>
+          </a:fontRef>
+        </p:style>
+      </p:cxnSp>
+      <p:sp>
+        <p:nvSpPr>
+          <p:cNvPr id="52" name="TextBox 51"/>
+          <p:cNvSpPr txBox="1"/>
+          <p:nvPr/>
+        </p:nvSpPr>
+        <p:spPr>
+          <a:xfrm>
+            <a:off x="1858259" y="5674742"/>
+            <a:ext cx="2665486" cy="307777"/>
+          </a:xfrm>
+          <a:prstGeom prst="rect">
+            <a:avLst/>
+          </a:prstGeom>
+          <a:noFill/>
+        </p:spPr>
+        <p:txBody>
+          <a:bodyPr wrap="square" rtlCol="0">
+            <a:spAutoFit/>
+          </a:bodyPr>
+          <a:lstStyle/>
+          <a:p>
+            <a:r>
+              <a:rPr lang="en-US" sz="1400" dirty="0" smtClean="0"/>
+              <a:t>12: </a:t>
+            </a:r>
+            <a:r>
+              <a:rPr lang="en-US" sz="1400" dirty="0" smtClean="0"/>
+              <a:t>Display message detail</a:t>
+            </a:r>
+            <a:endParaRPr lang="en-US" sz="1400" dirty="0"/>
+          </a:p>
+        </p:txBody>
+      </p:sp>
+      <p:cxnSp>
+        <p:nvCxnSpPr>
+          <p:cNvPr id="50" name="Straight Connector 49"/>
+          <p:cNvCxnSpPr>
+            <a:stCxn id="51" idx="2"/>
+          </p:cNvCxnSpPr>
+          <p:nvPr/>
+        </p:nvCxnSpPr>
+        <p:spPr>
+          <a:xfrm>
+            <a:off x="9193720" y="1540490"/>
+            <a:ext cx="0" cy="5131458"/>
+          </a:xfrm>
+          <a:prstGeom prst="line">
+            <a:avLst/>
+          </a:prstGeom>
+          <a:ln>
+            <a:solidFill>
+              <a:schemeClr val="tx1"/>
+            </a:solidFill>
+          </a:ln>
+          <a:effectLst/>
+        </p:spPr>
+        <p:style>
+          <a:lnRef idx="2">
+            <a:schemeClr val="accent1"/>
+          </a:lnRef>
+          <a:fillRef idx="0">
+            <a:schemeClr val="accent1"/>
+          </a:fillRef>
+          <a:effectRef idx="1">
+            <a:schemeClr val="accent1"/>
+          </a:effectRef>
+          <a:fontRef idx="minor">
+            <a:schemeClr val="tx1"/>
+          </a:fontRef>
+        </p:style>
+      </p:cxnSp>
+      <p:sp>
+        <p:nvSpPr>
+          <p:cNvPr id="51" name="Rectangle 50"/>
+          <p:cNvSpPr/>
+          <p:nvPr/>
+        </p:nvSpPr>
+        <p:spPr>
+          <a:xfrm>
+            <a:off x="8507454" y="1029334"/>
+            <a:ext cx="1372532" cy="511156"/>
+          </a:xfrm>
+          <a:prstGeom prst="rect">
+            <a:avLst/>
+          </a:prstGeom>
+          <a:solidFill>
+            <a:schemeClr val="tx1">
+              <a:lumMod val="85000"/>
+              <a:lumOff val="15000"/>
+            </a:schemeClr>
+          </a:solidFill>
+          <a:ln>
+            <a:noFill/>
+          </a:ln>
+          <a:effectLst/>
+        </p:spPr>
+        <p:style>
+          <a:lnRef idx="1">
+            <a:schemeClr val="accent1"/>
+          </a:lnRef>
+          <a:fillRef idx="3">
+            <a:schemeClr val="accent1"/>
+          </a:fillRef>
+          <a:effectRef idx="2">
+            <a:schemeClr val="accent1"/>
+          </a:effectRef>
+          <a:fontRef idx="minor">
+            <a:schemeClr val="lt1"/>
+          </a:fontRef>
+        </p:style>
+        <p:txBody>
+          <a:bodyPr rtlCol="0" anchor="ctr"/>
+          <a:lstStyle/>
+          <a:p>
+            <a:pPr algn="ctr"/>
+            <a:r>
+              <a:rPr lang="en-US" sz="1600" dirty="0" smtClean="0"/>
+              <a:t>Message Database</a:t>
+            </a:r>
+            <a:endParaRPr lang="en-US" sz="1600" dirty="0"/>
+          </a:p>
+        </p:txBody>
+      </p:sp>
+      <p:sp>
+        <p:nvSpPr>
+          <p:cNvPr id="53" name="TextBox 52"/>
+          <p:cNvSpPr txBox="1"/>
+          <p:nvPr/>
+        </p:nvSpPr>
+        <p:spPr>
+          <a:xfrm>
+            <a:off x="5570776" y="4384498"/>
+            <a:ext cx="1303963" cy="523220"/>
           </a:xfrm>
           <a:prstGeom prst="rect">
             <a:avLst/>
@@ -35918,14 +36137,22 @@
           <a:lstStyle/>
           <a:p>
             <a:r>
+              <a:rPr lang="en-US" sz="1400" dirty="0"/>
+              <a:t>8</a:t>
+            </a:r>
+            <a:r>
               <a:rPr lang="en-US" sz="1400" dirty="0" smtClean="0"/>
-              <a:t>10: Return </a:t>
-            </a:r>
-          </a:p>
-          <a:p>
+              <a:t>: Request </a:t>
+            </a:r>
+          </a:p>
+          <a:p>
+            <a:r>
+              <a:rPr lang="en-US" sz="1400" dirty="0"/>
+              <a:t>c</a:t>
+            </a:r>
             <a:r>
               <a:rPr lang="en-US" sz="1400" dirty="0" smtClean="0"/>
-              <a:t>message detail</a:t>
+              <a:t>onversation id</a:t>
             </a:r>
             <a:endParaRPr lang="en-US" sz="1400" dirty="0"/>
           </a:p>
@@ -35933,14 +36160,14 @@
       </p:sp>
       <p:cxnSp>
         <p:nvCxnSpPr>
-          <p:cNvPr id="49" name="Straight Arrow Connector 48"/>
+          <p:cNvPr id="54" name="Straight Arrow Connector 53"/>
           <p:cNvCxnSpPr/>
           <p:nvPr/>
         </p:nvCxnSpPr>
         <p:spPr>
-          <a:xfrm flipH="1">
-            <a:off x="2108069" y="6013143"/>
-            <a:ext cx="4103186" cy="0"/>
+          <a:xfrm>
+            <a:off x="7220890" y="5077033"/>
+            <a:ext cx="1948160" cy="5386"/>
           </a:xfrm>
           <a:prstGeom prst="straightConnector1">
             <a:avLst/>
@@ -35949,7 +36176,6 @@
             <a:solidFill>
               <a:schemeClr val="tx1"/>
             </a:solidFill>
-            <a:prstDash val="dash"/>
             <a:tailEnd type="arrow"/>
           </a:ln>
           <a:effectLst/>
@@ -35971,31 +36197,46 @@
       </p:cxnSp>
       <p:sp>
         <p:nvSpPr>
-          <p:cNvPr id="52" name="TextBox 51"/>
-          <p:cNvSpPr txBox="1"/>
-          <p:nvPr/>
-        </p:nvSpPr>
-        <p:spPr>
-          <a:xfrm>
-            <a:off x="2824018" y="5674742"/>
-            <a:ext cx="2665486" cy="307777"/>
-          </a:xfrm>
-          <a:prstGeom prst="rect">
-            <a:avLst/>
-          </a:prstGeom>
-          <a:noFill/>
-        </p:spPr>
-        <p:txBody>
-          <a:bodyPr wrap="square" rtlCol="0">
-            <a:spAutoFit/>
-          </a:bodyPr>
-          <a:lstStyle/>
-          <a:p>
-            <a:r>
-              <a:rPr lang="en-US" sz="1400" dirty="0" smtClean="0"/>
-              <a:t>11: Display message detail</a:t>
-            </a:r>
-            <a:endParaRPr lang="en-US" sz="1400" dirty="0"/>
+          <p:cNvPr id="55" name="Rectangle 54"/>
+          <p:cNvSpPr/>
+          <p:nvPr/>
+        </p:nvSpPr>
+        <p:spPr>
+          <a:xfrm>
+            <a:off x="9124019" y="4976392"/>
+            <a:ext cx="139402" cy="710969"/>
+          </a:xfrm>
+          <a:prstGeom prst="rect">
+            <a:avLst/>
+          </a:prstGeom>
+          <a:solidFill>
+            <a:schemeClr val="tx1"/>
+          </a:solidFill>
+          <a:ln>
+            <a:noFill/>
+          </a:ln>
+          <a:effectLst/>
+        </p:spPr>
+        <p:style>
+          <a:lnRef idx="1">
+            <a:schemeClr val="accent1"/>
+          </a:lnRef>
+          <a:fillRef idx="3">
+            <a:schemeClr val="accent1"/>
+          </a:fillRef>
+          <a:effectRef idx="2">
+            <a:schemeClr val="accent1"/>
+          </a:effectRef>
+          <a:fontRef idx="minor">
+            <a:schemeClr val="lt1"/>
+          </a:fontRef>
+        </p:style>
+        <p:txBody>
+          <a:bodyPr rtlCol="0" anchor="ctr"/>
+          <a:lstStyle/>
+          <a:p>
+            <a:pPr algn="ctr"/>
+            <a:endParaRPr lang="en-US"/>
           </a:p>
         </p:txBody>
       </p:sp>
@@ -43175,11 +43416,7 @@
             </a:r>
             <a:r>
               <a:rPr lang="en-US" sz="1400" dirty="0" smtClean="0"/>
-              <a:t>: </a:t>
-            </a:r>
-            <a:r>
-              <a:rPr lang="en-US" sz="1400" dirty="0" smtClean="0"/>
-              <a:t>Display tutorial information</a:t>
+              <a:t>: Display tutorial information</a:t>
             </a:r>
           </a:p>
           <a:p>
@@ -43188,33 +43425,12 @@
               <a:rPr lang="en-US" sz="1400" dirty="0" smtClean="0"/>
               <a:t>(tutorial picture, title, category, </a:t>
             </a:r>
-            <a:endParaRPr lang="en-US" sz="1400" dirty="0" smtClean="0"/>
           </a:p>
           <a:p>
             <a:pPr algn="ctr"/>
             <a:r>
               <a:rPr lang="en-US" sz="1400" dirty="0" smtClean="0"/>
-              <a:t>owner username</a:t>
-            </a:r>
-            <a:r>
-              <a:rPr lang="en-US" sz="1400" dirty="0" smtClean="0"/>
-              <a:t>, </a:t>
-            </a:r>
-            <a:r>
-              <a:rPr lang="en-US" sz="1400" dirty="0" smtClean="0"/>
-              <a:t>number </a:t>
-            </a:r>
-            <a:r>
-              <a:rPr lang="en-US" sz="1400" dirty="0" smtClean="0"/>
-              <a:t>of like, material description, material picture</a:t>
-            </a:r>
-            <a:r>
-              <a:rPr lang="en-US" sz="1400" dirty="0" smtClean="0"/>
-              <a:t>, step </a:t>
-            </a:r>
-            <a:r>
-              <a:rPr lang="en-US" sz="1400" dirty="0" smtClean="0"/>
-              <a:t>number, step description, step picture, </a:t>
+              <a:t>owner username, number of like, material description, material picture, step number, step description, step picture, </a:t>
             </a:r>
             <a:r>
               <a:rPr lang="en-US" sz="1400" dirty="0"/>
@@ -43290,11 +43506,7 @@
             </a:r>
             <a:r>
               <a:rPr lang="en-US" sz="1400" dirty="0" smtClean="0"/>
-              <a:t>: </a:t>
-            </a:r>
-            <a:r>
-              <a:rPr lang="en-US" sz="1400" dirty="0" smtClean="0"/>
-              <a:t>Return selected </a:t>
+              <a:t>: Return selected </a:t>
             </a:r>
           </a:p>
           <a:p>
@@ -43790,11 +44002,7 @@
             </a:r>
             <a:r>
               <a:rPr lang="en-US" sz="1400" dirty="0" smtClean="0"/>
-              <a:t>: </a:t>
-            </a:r>
-            <a:r>
-              <a:rPr lang="en-US" sz="1400" dirty="0" smtClean="0"/>
-              <a:t>Retrieve </a:t>
+              <a:t>: Retrieve </a:t>
             </a:r>
             <a:br>
               <a:rPr lang="en-US" sz="1400" dirty="0" smtClean="0"/>
@@ -44494,11 +44702,7 @@
           <a:p>
             <a:r>
               <a:rPr lang="en-US" sz="1400" dirty="0" smtClean="0"/>
-              <a:t>11</a:t>
-            </a:r>
-            <a:r>
-              <a:rPr lang="en-US" sz="1400" dirty="0" smtClean="0"/>
-              <a:t>: Click post</a:t>
+              <a:t>11: Click post</a:t>
             </a:r>
             <a:endParaRPr lang="en-US" sz="1400" dirty="0"/>
           </a:p>
@@ -44628,13 +44832,8 @@
             </a:r>
             <a:r>
               <a:rPr lang="en-US" sz="1400" dirty="0" smtClean="0"/>
-              <a:t>: </a:t>
-            </a:r>
-            <a:r>
-              <a:rPr lang="en-US" sz="1400" dirty="0" smtClean="0"/>
-              <a:t>Request tutorial </a:t>
-            </a:r>
-            <a:endParaRPr lang="en-US" sz="1400" dirty="0" smtClean="0"/>
+              <a:t>: Request tutorial </a:t>
+            </a:r>
           </a:p>
           <a:p>
             <a:pPr algn="ctr"/>
@@ -44650,6 +44849,36 @@
     <p:extLst>
       <p:ext uri="{BB962C8B-B14F-4D97-AF65-F5344CB8AC3E}">
         <p14:creationId xmlns:p14="http://schemas.microsoft.com/office/powerpoint/2010/main" val="3508129248"/>
+      </p:ext>
+    </p:extLst>
+  </p:cSld>
+  <p:clrMapOvr>
+    <a:masterClrMapping/>
+  </p:clrMapOvr>
+</p:sld>
+</file>
+
+<file path=ppt/slides/slide29.xml><?xml version="1.0" encoding="utf-8"?>
+<p:sld xmlns:a="http://schemas.openxmlformats.org/drawingml/2006/main" xmlns:r="http://schemas.openxmlformats.org/officeDocument/2006/relationships" xmlns:p="http://schemas.openxmlformats.org/presentationml/2006/main">
+  <p:cSld>
+    <p:spTree>
+      <p:nvGrpSpPr>
+        <p:cNvPr id="1" name=""/>
+        <p:cNvGrpSpPr/>
+        <p:nvPr/>
+      </p:nvGrpSpPr>
+      <p:grpSpPr>
+        <a:xfrm>
+          <a:off x="0" y="0"/>
+          <a:ext cx="0" cy="0"/>
+          <a:chOff x="0" y="0"/>
+          <a:chExt cx="0" cy="0"/>
+        </a:xfrm>
+      </p:grpSpPr>
+    </p:spTree>
+    <p:extLst>
+      <p:ext uri="{BB962C8B-B14F-4D97-AF65-F5344CB8AC3E}">
+        <p14:creationId xmlns:p14="http://schemas.microsoft.com/office/powerpoint/2010/main" val="4112194480"/>
       </p:ext>
     </p:extLst>
   </p:cSld>
@@ -45697,6 +45926,5213 @@
       </p:par>
     </p:tnLst>
   </p:timing>
+</p:sld>
+</file>
+
+<file path=ppt/slides/slide30.xml><?xml version="1.0" encoding="utf-8"?>
+<p:sld xmlns:a="http://schemas.openxmlformats.org/drawingml/2006/main" xmlns:r="http://schemas.openxmlformats.org/officeDocument/2006/relationships" xmlns:p="http://schemas.openxmlformats.org/presentationml/2006/main">
+  <p:cSld>
+    <p:spTree>
+      <p:nvGrpSpPr>
+        <p:cNvPr id="1" name=""/>
+        <p:cNvGrpSpPr/>
+        <p:nvPr/>
+      </p:nvGrpSpPr>
+      <p:grpSpPr>
+        <a:xfrm>
+          <a:off x="0" y="0"/>
+          <a:ext cx="0" cy="0"/>
+          <a:chOff x="0" y="0"/>
+          <a:chExt cx="0" cy="0"/>
+        </a:xfrm>
+      </p:grpSpPr>
+      <p:sp>
+        <p:nvSpPr>
+          <p:cNvPr id="3" name="Rectangle 2"/>
+          <p:cNvSpPr/>
+          <p:nvPr/>
+        </p:nvSpPr>
+        <p:spPr>
+          <a:xfrm>
+            <a:off x="11662" y="767923"/>
+            <a:ext cx="1285594" cy="511156"/>
+          </a:xfrm>
+          <a:prstGeom prst="rect">
+            <a:avLst/>
+          </a:prstGeom>
+          <a:solidFill>
+            <a:schemeClr val="tx1">
+              <a:lumMod val="85000"/>
+              <a:lumOff val="15000"/>
+            </a:schemeClr>
+          </a:solidFill>
+          <a:ln>
+            <a:noFill/>
+          </a:ln>
+          <a:effectLst/>
+        </p:spPr>
+        <p:style>
+          <a:lnRef idx="1">
+            <a:schemeClr val="accent1"/>
+          </a:lnRef>
+          <a:fillRef idx="3">
+            <a:schemeClr val="accent1"/>
+          </a:fillRef>
+          <a:effectRef idx="2">
+            <a:schemeClr val="accent1"/>
+          </a:effectRef>
+          <a:fontRef idx="minor">
+            <a:schemeClr val="lt1"/>
+          </a:fontRef>
+        </p:style>
+        <p:txBody>
+          <a:bodyPr rtlCol="0" anchor="ctr"/>
+          <a:lstStyle/>
+          <a:p>
+            <a:pPr algn="ctr"/>
+            <a:r>
+              <a:rPr lang="en-US" dirty="0"/>
+              <a:t>Blogger</a:t>
+            </a:r>
+          </a:p>
+        </p:txBody>
+      </p:sp>
+      <p:cxnSp>
+        <p:nvCxnSpPr>
+          <p:cNvPr id="4" name="Straight Connector 3"/>
+          <p:cNvCxnSpPr>
+            <a:stCxn id="3" idx="2"/>
+          </p:cNvCxnSpPr>
+          <p:nvPr/>
+        </p:nvCxnSpPr>
+        <p:spPr>
+          <a:xfrm>
+            <a:off x="654459" y="1279079"/>
+            <a:ext cx="0" cy="5446993"/>
+          </a:xfrm>
+          <a:prstGeom prst="line">
+            <a:avLst/>
+          </a:prstGeom>
+          <a:ln>
+            <a:solidFill>
+              <a:schemeClr val="tx1"/>
+            </a:solidFill>
+          </a:ln>
+          <a:effectLst/>
+        </p:spPr>
+        <p:style>
+          <a:lnRef idx="2">
+            <a:schemeClr val="accent1"/>
+          </a:lnRef>
+          <a:fillRef idx="0">
+            <a:schemeClr val="accent1"/>
+          </a:fillRef>
+          <a:effectRef idx="1">
+            <a:schemeClr val="accent1"/>
+          </a:effectRef>
+          <a:fontRef idx="minor">
+            <a:schemeClr val="tx1"/>
+          </a:fontRef>
+        </p:style>
+      </p:cxnSp>
+      <p:sp>
+        <p:nvSpPr>
+          <p:cNvPr id="7" name="Rectangle 6"/>
+          <p:cNvSpPr/>
+          <p:nvPr/>
+        </p:nvSpPr>
+        <p:spPr>
+          <a:xfrm>
+            <a:off x="5799857" y="767923"/>
+            <a:ext cx="1615847" cy="511156"/>
+          </a:xfrm>
+          <a:prstGeom prst="rect">
+            <a:avLst/>
+          </a:prstGeom>
+          <a:solidFill>
+            <a:schemeClr val="tx1">
+              <a:lumMod val="85000"/>
+              <a:lumOff val="15000"/>
+            </a:schemeClr>
+          </a:solidFill>
+          <a:ln>
+            <a:noFill/>
+          </a:ln>
+          <a:effectLst/>
+        </p:spPr>
+        <p:style>
+          <a:lnRef idx="1">
+            <a:schemeClr val="accent1"/>
+          </a:lnRef>
+          <a:fillRef idx="3">
+            <a:schemeClr val="accent1"/>
+          </a:fillRef>
+          <a:effectRef idx="2">
+            <a:schemeClr val="accent1"/>
+          </a:effectRef>
+          <a:fontRef idx="minor">
+            <a:schemeClr val="lt1"/>
+          </a:fontRef>
+        </p:style>
+        <p:txBody>
+          <a:bodyPr rtlCol="0" anchor="ctr"/>
+          <a:lstStyle/>
+          <a:p>
+            <a:pPr algn="ctr"/>
+            <a:r>
+              <a:rPr lang="en-US" sz="1600" dirty="0"/>
+              <a:t>Tutorial Database</a:t>
+            </a:r>
+          </a:p>
+        </p:txBody>
+      </p:sp>
+      <p:cxnSp>
+        <p:nvCxnSpPr>
+          <p:cNvPr id="9" name="Straight Connector 8"/>
+          <p:cNvCxnSpPr/>
+          <p:nvPr/>
+        </p:nvCxnSpPr>
+        <p:spPr>
+          <a:xfrm>
+            <a:off x="4498255" y="1279079"/>
+            <a:ext cx="32236" cy="5446993"/>
+          </a:xfrm>
+          <a:prstGeom prst="line">
+            <a:avLst/>
+          </a:prstGeom>
+          <a:ln>
+            <a:solidFill>
+              <a:schemeClr val="tx1"/>
+            </a:solidFill>
+          </a:ln>
+          <a:effectLst/>
+        </p:spPr>
+        <p:style>
+          <a:lnRef idx="2">
+            <a:schemeClr val="accent1"/>
+          </a:lnRef>
+          <a:fillRef idx="0">
+            <a:schemeClr val="accent1"/>
+          </a:fillRef>
+          <a:effectRef idx="1">
+            <a:schemeClr val="accent1"/>
+          </a:effectRef>
+          <a:fontRef idx="minor">
+            <a:schemeClr val="tx1"/>
+          </a:fontRef>
+        </p:style>
+      </p:cxnSp>
+      <p:cxnSp>
+        <p:nvCxnSpPr>
+          <p:cNvPr id="10" name="Straight Connector 9"/>
+          <p:cNvCxnSpPr>
+            <a:stCxn id="7" idx="2"/>
+          </p:cNvCxnSpPr>
+          <p:nvPr/>
+        </p:nvCxnSpPr>
+        <p:spPr>
+          <a:xfrm>
+            <a:off x="6607781" y="1279079"/>
+            <a:ext cx="0" cy="5446993"/>
+          </a:xfrm>
+          <a:prstGeom prst="line">
+            <a:avLst/>
+          </a:prstGeom>
+          <a:ln>
+            <a:solidFill>
+              <a:schemeClr val="tx1"/>
+            </a:solidFill>
+          </a:ln>
+          <a:effectLst/>
+        </p:spPr>
+        <p:style>
+          <a:lnRef idx="2">
+            <a:schemeClr val="accent1"/>
+          </a:lnRef>
+          <a:fillRef idx="0">
+            <a:schemeClr val="accent1"/>
+          </a:fillRef>
+          <a:effectRef idx="1">
+            <a:schemeClr val="accent1"/>
+          </a:effectRef>
+          <a:fontRef idx="minor">
+            <a:schemeClr val="tx1"/>
+          </a:fontRef>
+        </p:style>
+      </p:cxnSp>
+      <p:sp>
+        <p:nvSpPr>
+          <p:cNvPr id="16" name="Rectangle 15"/>
+          <p:cNvSpPr/>
+          <p:nvPr/>
+        </p:nvSpPr>
+        <p:spPr>
+          <a:xfrm>
+            <a:off x="584757" y="1400204"/>
+            <a:ext cx="139406" cy="5199132"/>
+          </a:xfrm>
+          <a:prstGeom prst="rect">
+            <a:avLst/>
+          </a:prstGeom>
+          <a:solidFill>
+            <a:schemeClr val="tx1"/>
+          </a:solidFill>
+          <a:ln>
+            <a:noFill/>
+          </a:ln>
+          <a:effectLst/>
+        </p:spPr>
+        <p:style>
+          <a:lnRef idx="1">
+            <a:schemeClr val="accent1"/>
+          </a:lnRef>
+          <a:fillRef idx="3">
+            <a:schemeClr val="accent1"/>
+          </a:fillRef>
+          <a:effectRef idx="2">
+            <a:schemeClr val="accent1"/>
+          </a:effectRef>
+          <a:fontRef idx="minor">
+            <a:schemeClr val="lt1"/>
+          </a:fontRef>
+        </p:style>
+        <p:txBody>
+          <a:bodyPr rtlCol="0" anchor="ctr"/>
+          <a:lstStyle/>
+          <a:p>
+            <a:pPr algn="ctr"/>
+            <a:endParaRPr lang="en-US"/>
+          </a:p>
+        </p:txBody>
+      </p:sp>
+      <p:cxnSp>
+        <p:nvCxnSpPr>
+          <p:cNvPr id="37" name="Straight Arrow Connector 36"/>
+          <p:cNvCxnSpPr/>
+          <p:nvPr/>
+        </p:nvCxnSpPr>
+        <p:spPr>
+          <a:xfrm>
+            <a:off x="654459" y="2628786"/>
+            <a:ext cx="3790172" cy="18384"/>
+          </a:xfrm>
+          <a:prstGeom prst="straightConnector1">
+            <a:avLst/>
+          </a:prstGeom>
+          <a:ln>
+            <a:solidFill>
+              <a:schemeClr val="tx1"/>
+            </a:solidFill>
+            <a:tailEnd type="arrow"/>
+          </a:ln>
+          <a:effectLst/>
+        </p:spPr>
+        <p:style>
+          <a:lnRef idx="2">
+            <a:schemeClr val="accent1"/>
+          </a:lnRef>
+          <a:fillRef idx="0">
+            <a:schemeClr val="accent1"/>
+          </a:fillRef>
+          <a:effectRef idx="1">
+            <a:schemeClr val="accent1"/>
+          </a:effectRef>
+          <a:fontRef idx="minor">
+            <a:schemeClr val="tx1"/>
+          </a:fontRef>
+        </p:style>
+      </p:cxnSp>
+      <p:cxnSp>
+        <p:nvCxnSpPr>
+          <p:cNvPr id="40" name="Straight Arrow Connector 39"/>
+          <p:cNvCxnSpPr/>
+          <p:nvPr/>
+        </p:nvCxnSpPr>
+        <p:spPr>
+          <a:xfrm flipH="1" flipV="1">
+            <a:off x="724163" y="3539126"/>
+            <a:ext cx="3720468" cy="18170"/>
+          </a:xfrm>
+          <a:prstGeom prst="straightConnector1">
+            <a:avLst/>
+          </a:prstGeom>
+          <a:ln>
+            <a:solidFill>
+              <a:schemeClr val="tx1"/>
+            </a:solidFill>
+            <a:prstDash val="dash"/>
+            <a:tailEnd type="arrow"/>
+          </a:ln>
+          <a:effectLst/>
+        </p:spPr>
+        <p:style>
+          <a:lnRef idx="2">
+            <a:schemeClr val="accent1"/>
+          </a:lnRef>
+          <a:fillRef idx="0">
+            <a:schemeClr val="accent1"/>
+          </a:fillRef>
+          <a:effectRef idx="1">
+            <a:schemeClr val="accent1"/>
+          </a:effectRef>
+          <a:fontRef idx="minor">
+            <a:schemeClr val="tx1"/>
+          </a:fontRef>
+        </p:style>
+      </p:cxnSp>
+      <p:sp>
+        <p:nvSpPr>
+          <p:cNvPr id="49" name="TextBox 48"/>
+          <p:cNvSpPr txBox="1"/>
+          <p:nvPr/>
+        </p:nvSpPr>
+        <p:spPr>
+          <a:xfrm>
+            <a:off x="1393982" y="3249519"/>
+            <a:ext cx="2376447" cy="307777"/>
+          </a:xfrm>
+          <a:prstGeom prst="rect">
+            <a:avLst/>
+          </a:prstGeom>
+          <a:noFill/>
+        </p:spPr>
+        <p:txBody>
+          <a:bodyPr wrap="none" rtlCol="0">
+            <a:spAutoFit/>
+          </a:bodyPr>
+          <a:lstStyle/>
+          <a:p>
+            <a:pPr algn="ctr"/>
+            <a:r>
+              <a:rPr lang="en-US" sz="1400" dirty="0"/>
+              <a:t>9</a:t>
+            </a:r>
+            <a:r>
+              <a:rPr lang="en-US" sz="1400" dirty="0" smtClean="0"/>
+              <a:t>: Display tutorial </a:t>
+            </a:r>
+            <a:r>
+              <a:rPr lang="en-US" sz="1400" dirty="0" smtClean="0"/>
+              <a:t>information</a:t>
+            </a:r>
+            <a:endParaRPr lang="en-US" sz="1400" dirty="0" smtClean="0"/>
+          </a:p>
+        </p:txBody>
+      </p:sp>
+      <p:cxnSp>
+        <p:nvCxnSpPr>
+          <p:cNvPr id="42" name="Straight Arrow Connector 41"/>
+          <p:cNvCxnSpPr/>
+          <p:nvPr/>
+        </p:nvCxnSpPr>
+        <p:spPr>
+          <a:xfrm flipH="1">
+            <a:off x="4575992" y="3394451"/>
+            <a:ext cx="1962088" cy="0"/>
+          </a:xfrm>
+          <a:prstGeom prst="straightConnector1">
+            <a:avLst/>
+          </a:prstGeom>
+          <a:ln>
+            <a:solidFill>
+              <a:schemeClr val="tx1"/>
+            </a:solidFill>
+            <a:prstDash val="dash"/>
+            <a:tailEnd type="arrow"/>
+          </a:ln>
+          <a:effectLst/>
+        </p:spPr>
+        <p:style>
+          <a:lnRef idx="2">
+            <a:schemeClr val="accent1"/>
+          </a:lnRef>
+          <a:fillRef idx="0">
+            <a:schemeClr val="accent1"/>
+          </a:fillRef>
+          <a:effectRef idx="1">
+            <a:schemeClr val="accent1"/>
+          </a:effectRef>
+          <a:fontRef idx="minor">
+            <a:schemeClr val="tx1"/>
+          </a:fontRef>
+        </p:style>
+      </p:cxnSp>
+      <p:sp>
+        <p:nvSpPr>
+          <p:cNvPr id="50" name="TextBox 49"/>
+          <p:cNvSpPr txBox="1"/>
+          <p:nvPr/>
+        </p:nvSpPr>
+        <p:spPr>
+          <a:xfrm>
+            <a:off x="3789671" y="3099210"/>
+            <a:ext cx="3489212" cy="523220"/>
+          </a:xfrm>
+          <a:prstGeom prst="rect">
+            <a:avLst/>
+          </a:prstGeom>
+          <a:noFill/>
+        </p:spPr>
+        <p:txBody>
+          <a:bodyPr wrap="square" rtlCol="0">
+            <a:spAutoFit/>
+          </a:bodyPr>
+          <a:lstStyle/>
+          <a:p>
+            <a:pPr algn="ctr"/>
+            <a:r>
+              <a:rPr lang="en-US" sz="1400" dirty="0"/>
+              <a:t>8</a:t>
+            </a:r>
+            <a:r>
+              <a:rPr lang="en-US" sz="1400" dirty="0" smtClean="0"/>
+              <a:t>: Return selected </a:t>
+            </a:r>
+          </a:p>
+          <a:p>
+            <a:pPr algn="ctr"/>
+            <a:r>
+              <a:rPr lang="en-US" sz="1400" dirty="0" smtClean="0"/>
+              <a:t>tutorial </a:t>
+            </a:r>
+            <a:r>
+              <a:rPr lang="en-US" sz="1400" dirty="0" smtClean="0"/>
+              <a:t>information</a:t>
+            </a:r>
+            <a:endParaRPr lang="en-US" sz="1400" dirty="0"/>
+          </a:p>
+        </p:txBody>
+      </p:sp>
+      <p:sp>
+        <p:nvSpPr>
+          <p:cNvPr id="54" name="Rectangle 53"/>
+          <p:cNvSpPr/>
+          <p:nvPr/>
+        </p:nvSpPr>
+        <p:spPr>
+          <a:xfrm>
+            <a:off x="6538080" y="2749090"/>
+            <a:ext cx="146127" cy="2114030"/>
+          </a:xfrm>
+          <a:prstGeom prst="rect">
+            <a:avLst/>
+          </a:prstGeom>
+          <a:solidFill>
+            <a:schemeClr val="tx1"/>
+          </a:solidFill>
+          <a:ln>
+            <a:noFill/>
+          </a:ln>
+          <a:effectLst/>
+        </p:spPr>
+        <p:style>
+          <a:lnRef idx="1">
+            <a:schemeClr val="accent1"/>
+          </a:lnRef>
+          <a:fillRef idx="3">
+            <a:schemeClr val="accent1"/>
+          </a:fillRef>
+          <a:effectRef idx="2">
+            <a:schemeClr val="accent1"/>
+          </a:effectRef>
+          <a:fontRef idx="minor">
+            <a:schemeClr val="lt1"/>
+          </a:fontRef>
+        </p:style>
+        <p:txBody>
+          <a:bodyPr rtlCol="0" anchor="ctr"/>
+          <a:lstStyle/>
+          <a:p>
+            <a:pPr algn="ctr"/>
+            <a:endParaRPr lang="en-US"/>
+          </a:p>
+        </p:txBody>
+      </p:sp>
+      <p:sp>
+        <p:nvSpPr>
+          <p:cNvPr id="55" name="Rectangle 54"/>
+          <p:cNvSpPr/>
+          <p:nvPr/>
+        </p:nvSpPr>
+        <p:spPr>
+          <a:xfrm>
+            <a:off x="4444631" y="2549930"/>
+            <a:ext cx="131361" cy="4049406"/>
+          </a:xfrm>
+          <a:prstGeom prst="rect">
+            <a:avLst/>
+          </a:prstGeom>
+          <a:solidFill>
+            <a:schemeClr val="tx1"/>
+          </a:solidFill>
+          <a:ln>
+            <a:noFill/>
+          </a:ln>
+          <a:effectLst/>
+        </p:spPr>
+        <p:style>
+          <a:lnRef idx="1">
+            <a:schemeClr val="accent1"/>
+          </a:lnRef>
+          <a:fillRef idx="3">
+            <a:schemeClr val="accent1"/>
+          </a:fillRef>
+          <a:effectRef idx="2">
+            <a:schemeClr val="accent1"/>
+          </a:effectRef>
+          <a:fontRef idx="minor">
+            <a:schemeClr val="lt1"/>
+          </a:fontRef>
+        </p:style>
+        <p:txBody>
+          <a:bodyPr rtlCol="0" anchor="ctr"/>
+          <a:lstStyle/>
+          <a:p>
+            <a:pPr algn="ctr"/>
+            <a:endParaRPr lang="en-US"/>
+          </a:p>
+        </p:txBody>
+      </p:sp>
+      <p:pic>
+        <p:nvPicPr>
+          <p:cNvPr id="31" name="Picture 30" descr="user.png"/>
+          <p:cNvPicPr>
+            <a:picLocks noChangeAspect="1"/>
+          </p:cNvPicPr>
+          <p:nvPr/>
+        </p:nvPicPr>
+        <p:blipFill>
+          <a:blip r:embed="rId2">
+            <a:extLst>
+              <a:ext uri="{28A0092B-C50C-407E-A947-70E740481C1C}">
+                <a14:useLocalDpi xmlns:a14="http://schemas.microsoft.com/office/drawing/2010/main" val="0"/>
+              </a:ext>
+            </a:extLst>
+          </a:blip>
+          <a:stretch>
+            <a:fillRect/>
+          </a:stretch>
+        </p:blipFill>
+        <p:spPr>
+          <a:xfrm>
+            <a:off x="114612" y="-111634"/>
+            <a:ext cx="1040549" cy="1040549"/>
+          </a:xfrm>
+          <a:prstGeom prst="rect">
+            <a:avLst/>
+          </a:prstGeom>
+        </p:spPr>
+      </p:pic>
+      <p:sp>
+        <p:nvSpPr>
+          <p:cNvPr id="33" name="Rectangle 32"/>
+          <p:cNvSpPr/>
+          <p:nvPr/>
+        </p:nvSpPr>
+        <p:spPr>
+          <a:xfrm>
+            <a:off x="1635488" y="767923"/>
+            <a:ext cx="1639837" cy="511156"/>
+          </a:xfrm>
+          <a:prstGeom prst="rect">
+            <a:avLst/>
+          </a:prstGeom>
+          <a:solidFill>
+            <a:schemeClr val="tx1">
+              <a:lumMod val="85000"/>
+              <a:lumOff val="15000"/>
+            </a:schemeClr>
+          </a:solidFill>
+          <a:ln>
+            <a:noFill/>
+          </a:ln>
+          <a:effectLst/>
+        </p:spPr>
+        <p:style>
+          <a:lnRef idx="1">
+            <a:schemeClr val="accent1"/>
+          </a:lnRef>
+          <a:fillRef idx="3">
+            <a:schemeClr val="accent1"/>
+          </a:fillRef>
+          <a:effectRef idx="2">
+            <a:schemeClr val="accent1"/>
+          </a:effectRef>
+          <a:fontRef idx="minor">
+            <a:schemeClr val="lt1"/>
+          </a:fontRef>
+        </p:style>
+        <p:txBody>
+          <a:bodyPr rtlCol="0" anchor="ctr"/>
+          <a:lstStyle/>
+          <a:p>
+            <a:pPr algn="ctr"/>
+            <a:r>
+              <a:rPr lang="en-US" dirty="0" err="1" smtClean="0"/>
+              <a:t>HomeBlogger</a:t>
+            </a:r>
+            <a:endParaRPr lang="en-US" dirty="0"/>
+          </a:p>
+        </p:txBody>
+      </p:sp>
+      <p:cxnSp>
+        <p:nvCxnSpPr>
+          <p:cNvPr id="34" name="Straight Connector 33"/>
+          <p:cNvCxnSpPr>
+            <a:stCxn id="33" idx="2"/>
+          </p:cNvCxnSpPr>
+          <p:nvPr/>
+        </p:nvCxnSpPr>
+        <p:spPr>
+          <a:xfrm>
+            <a:off x="2455407" y="1279079"/>
+            <a:ext cx="0" cy="5446993"/>
+          </a:xfrm>
+          <a:prstGeom prst="line">
+            <a:avLst/>
+          </a:prstGeom>
+          <a:ln>
+            <a:solidFill>
+              <a:schemeClr val="tx1"/>
+            </a:solidFill>
+          </a:ln>
+          <a:effectLst/>
+        </p:spPr>
+        <p:style>
+          <a:lnRef idx="2">
+            <a:schemeClr val="accent1"/>
+          </a:lnRef>
+          <a:fillRef idx="0">
+            <a:schemeClr val="accent1"/>
+          </a:fillRef>
+          <a:effectRef idx="1">
+            <a:schemeClr val="accent1"/>
+          </a:effectRef>
+          <a:fontRef idx="minor">
+            <a:schemeClr val="tx1"/>
+          </a:fontRef>
+        </p:style>
+      </p:cxnSp>
+      <p:cxnSp>
+        <p:nvCxnSpPr>
+          <p:cNvPr id="43" name="Straight Arrow Connector 42"/>
+          <p:cNvCxnSpPr/>
+          <p:nvPr/>
+        </p:nvCxnSpPr>
+        <p:spPr>
+          <a:xfrm>
+            <a:off x="4444631" y="2820830"/>
+            <a:ext cx="2087381" cy="0"/>
+          </a:xfrm>
+          <a:prstGeom prst="straightConnector1">
+            <a:avLst/>
+          </a:prstGeom>
+          <a:ln>
+            <a:solidFill>
+              <a:schemeClr val="tx1"/>
+            </a:solidFill>
+            <a:tailEnd type="arrow"/>
+          </a:ln>
+          <a:effectLst/>
+        </p:spPr>
+        <p:style>
+          <a:lnRef idx="2">
+            <a:schemeClr val="accent1"/>
+          </a:lnRef>
+          <a:fillRef idx="0">
+            <a:schemeClr val="accent1"/>
+          </a:fillRef>
+          <a:effectRef idx="1">
+            <a:schemeClr val="accent1"/>
+          </a:effectRef>
+          <a:fontRef idx="minor">
+            <a:schemeClr val="tx1"/>
+          </a:fontRef>
+        </p:style>
+      </p:cxnSp>
+      <p:sp>
+        <p:nvSpPr>
+          <p:cNvPr id="52" name="TextBox 51"/>
+          <p:cNvSpPr txBox="1"/>
+          <p:nvPr/>
+        </p:nvSpPr>
+        <p:spPr>
+          <a:xfrm>
+            <a:off x="1618318" y="2327860"/>
+            <a:ext cx="1510149" cy="307777"/>
+          </a:xfrm>
+          <a:prstGeom prst="rect">
+            <a:avLst/>
+          </a:prstGeom>
+          <a:noFill/>
+        </p:spPr>
+        <p:txBody>
+          <a:bodyPr wrap="none" rtlCol="0">
+            <a:spAutoFit/>
+          </a:bodyPr>
+          <a:lstStyle/>
+          <a:p>
+            <a:r>
+              <a:rPr lang="en-US" sz="1400" dirty="0"/>
+              <a:t>6</a:t>
+            </a:r>
+            <a:r>
+              <a:rPr lang="en-US" sz="1400" dirty="0" smtClean="0"/>
+              <a:t>: </a:t>
+            </a:r>
+            <a:r>
+              <a:rPr lang="en-US" sz="1400" dirty="0"/>
+              <a:t>S</a:t>
+            </a:r>
+            <a:r>
+              <a:rPr lang="en-US" sz="1400" dirty="0" smtClean="0"/>
+              <a:t>elect a tutorial</a:t>
+            </a:r>
+            <a:endParaRPr lang="en-US" sz="1400" dirty="0"/>
+          </a:p>
+        </p:txBody>
+      </p:sp>
+      <p:sp>
+        <p:nvSpPr>
+          <p:cNvPr id="53" name="TextBox 52"/>
+          <p:cNvSpPr txBox="1"/>
+          <p:nvPr/>
+        </p:nvSpPr>
+        <p:spPr>
+          <a:xfrm>
+            <a:off x="4058102" y="2514434"/>
+            <a:ext cx="2927293" cy="523220"/>
+          </a:xfrm>
+          <a:prstGeom prst="rect">
+            <a:avLst/>
+          </a:prstGeom>
+          <a:noFill/>
+        </p:spPr>
+        <p:txBody>
+          <a:bodyPr wrap="square" rtlCol="0">
+            <a:spAutoFit/>
+          </a:bodyPr>
+          <a:lstStyle/>
+          <a:p>
+            <a:pPr algn="ctr"/>
+            <a:r>
+              <a:rPr lang="en-US" sz="1400" dirty="0"/>
+              <a:t>7</a:t>
+            </a:r>
+            <a:r>
+              <a:rPr lang="en-US" sz="1400" dirty="0" smtClean="0"/>
+              <a:t>: Request tutorial </a:t>
+            </a:r>
+          </a:p>
+          <a:p>
+            <a:pPr algn="ctr"/>
+            <a:r>
+              <a:rPr lang="en-US" sz="1400" dirty="0" smtClean="0"/>
+              <a:t>information</a:t>
+            </a:r>
+            <a:endParaRPr lang="en-US" sz="1400" dirty="0"/>
+          </a:p>
+        </p:txBody>
+      </p:sp>
+      <p:cxnSp>
+        <p:nvCxnSpPr>
+          <p:cNvPr id="62" name="Straight Arrow Connector 61"/>
+          <p:cNvCxnSpPr/>
+          <p:nvPr/>
+        </p:nvCxnSpPr>
+        <p:spPr>
+          <a:xfrm flipH="1">
+            <a:off x="6678749" y="2043528"/>
+            <a:ext cx="364372" cy="0"/>
+          </a:xfrm>
+          <a:prstGeom prst="straightConnector1">
+            <a:avLst/>
+          </a:prstGeom>
+          <a:ln>
+            <a:solidFill>
+              <a:schemeClr val="tx1"/>
+            </a:solidFill>
+            <a:tailEnd type="arrow"/>
+          </a:ln>
+          <a:effectLst/>
+        </p:spPr>
+        <p:style>
+          <a:lnRef idx="2">
+            <a:schemeClr val="accent1"/>
+          </a:lnRef>
+          <a:fillRef idx="0">
+            <a:schemeClr val="accent1"/>
+          </a:fillRef>
+          <a:effectRef idx="1">
+            <a:schemeClr val="accent1"/>
+          </a:effectRef>
+          <a:fontRef idx="minor">
+            <a:schemeClr val="tx1"/>
+          </a:fontRef>
+        </p:style>
+      </p:cxnSp>
+      <p:cxnSp>
+        <p:nvCxnSpPr>
+          <p:cNvPr id="63" name="Straight Connector 62"/>
+          <p:cNvCxnSpPr/>
+          <p:nvPr/>
+        </p:nvCxnSpPr>
+        <p:spPr>
+          <a:xfrm flipV="1">
+            <a:off x="7043121" y="1682038"/>
+            <a:ext cx="0" cy="361490"/>
+          </a:xfrm>
+          <a:prstGeom prst="line">
+            <a:avLst/>
+          </a:prstGeom>
+          <a:ln>
+            <a:solidFill>
+              <a:schemeClr val="tx1"/>
+            </a:solidFill>
+          </a:ln>
+          <a:effectLst/>
+        </p:spPr>
+        <p:style>
+          <a:lnRef idx="2">
+            <a:schemeClr val="accent1"/>
+          </a:lnRef>
+          <a:fillRef idx="0">
+            <a:schemeClr val="accent1"/>
+          </a:fillRef>
+          <a:effectRef idx="1">
+            <a:schemeClr val="accent1"/>
+          </a:effectRef>
+          <a:fontRef idx="minor">
+            <a:schemeClr val="tx1"/>
+          </a:fontRef>
+        </p:style>
+      </p:cxnSp>
+      <p:cxnSp>
+        <p:nvCxnSpPr>
+          <p:cNvPr id="64" name="Straight Connector 63"/>
+          <p:cNvCxnSpPr/>
+          <p:nvPr/>
+        </p:nvCxnSpPr>
+        <p:spPr>
+          <a:xfrm flipH="1">
+            <a:off x="6678749" y="1682038"/>
+            <a:ext cx="364372" cy="0"/>
+          </a:xfrm>
+          <a:prstGeom prst="line">
+            <a:avLst/>
+          </a:prstGeom>
+          <a:ln>
+            <a:solidFill>
+              <a:schemeClr val="tx1"/>
+            </a:solidFill>
+          </a:ln>
+          <a:effectLst/>
+        </p:spPr>
+        <p:style>
+          <a:lnRef idx="2">
+            <a:schemeClr val="accent1"/>
+          </a:lnRef>
+          <a:fillRef idx="0">
+            <a:schemeClr val="accent1"/>
+          </a:fillRef>
+          <a:effectRef idx="1">
+            <a:schemeClr val="accent1"/>
+          </a:effectRef>
+          <a:fontRef idx="minor">
+            <a:schemeClr val="tx1"/>
+          </a:fontRef>
+        </p:style>
+      </p:cxnSp>
+      <p:sp>
+        <p:nvSpPr>
+          <p:cNvPr id="65" name="TextBox 64"/>
+          <p:cNvSpPr txBox="1"/>
+          <p:nvPr/>
+        </p:nvSpPr>
+        <p:spPr>
+          <a:xfrm>
+            <a:off x="6760629" y="1369897"/>
+            <a:ext cx="979755" cy="523220"/>
+          </a:xfrm>
+          <a:prstGeom prst="rect">
+            <a:avLst/>
+          </a:prstGeom>
+          <a:noFill/>
+        </p:spPr>
+        <p:txBody>
+          <a:bodyPr wrap="none" rtlCol="0">
+            <a:spAutoFit/>
+          </a:bodyPr>
+          <a:lstStyle/>
+          <a:p>
+            <a:pPr algn="ctr"/>
+            <a:r>
+              <a:rPr lang="en-US" sz="1400" dirty="0"/>
+              <a:t>3</a:t>
+            </a:r>
+            <a:r>
+              <a:rPr lang="en-US" sz="1400" dirty="0" smtClean="0"/>
+              <a:t>: Retrieve </a:t>
+            </a:r>
+            <a:br>
+              <a:rPr lang="en-US" sz="1400" dirty="0" smtClean="0"/>
+            </a:br>
+            <a:r>
+              <a:rPr lang="en-US" sz="1400" dirty="0" smtClean="0"/>
+              <a:t>Data</a:t>
+            </a:r>
+            <a:endParaRPr lang="en-US" sz="1400" dirty="0"/>
+          </a:p>
+        </p:txBody>
+      </p:sp>
+      <p:sp>
+        <p:nvSpPr>
+          <p:cNvPr id="66" name="Rectangle 65"/>
+          <p:cNvSpPr/>
+          <p:nvPr/>
+        </p:nvSpPr>
+        <p:spPr>
+          <a:xfrm>
+            <a:off x="3442498" y="767923"/>
+            <a:ext cx="2136996" cy="511156"/>
+          </a:xfrm>
+          <a:prstGeom prst="rect">
+            <a:avLst/>
+          </a:prstGeom>
+          <a:solidFill>
+            <a:schemeClr val="tx1">
+              <a:lumMod val="85000"/>
+              <a:lumOff val="15000"/>
+            </a:schemeClr>
+          </a:solidFill>
+          <a:ln>
+            <a:noFill/>
+          </a:ln>
+          <a:effectLst/>
+        </p:spPr>
+        <p:style>
+          <a:lnRef idx="1">
+            <a:schemeClr val="accent1"/>
+          </a:lnRef>
+          <a:fillRef idx="3">
+            <a:schemeClr val="accent1"/>
+          </a:fillRef>
+          <a:effectRef idx="2">
+            <a:schemeClr val="accent1"/>
+          </a:effectRef>
+          <a:fontRef idx="minor">
+            <a:schemeClr val="lt1"/>
+          </a:fontRef>
+        </p:style>
+        <p:txBody>
+          <a:bodyPr rtlCol="0" anchor="ctr"/>
+          <a:lstStyle/>
+          <a:p>
+            <a:pPr algn="ctr"/>
+            <a:r>
+              <a:rPr lang="en-US" sz="1600" dirty="0" err="1" smtClean="0"/>
+              <a:t>TutorialManagement</a:t>
+            </a:r>
+            <a:endParaRPr lang="en-US" sz="1600" dirty="0"/>
+          </a:p>
+        </p:txBody>
+      </p:sp>
+      <p:cxnSp>
+        <p:nvCxnSpPr>
+          <p:cNvPr id="67" name="Straight Arrow Connector 66"/>
+          <p:cNvCxnSpPr/>
+          <p:nvPr/>
+        </p:nvCxnSpPr>
+        <p:spPr>
+          <a:xfrm>
+            <a:off x="717656" y="1496368"/>
+            <a:ext cx="1668049" cy="0"/>
+          </a:xfrm>
+          <a:prstGeom prst="straightConnector1">
+            <a:avLst/>
+          </a:prstGeom>
+          <a:ln>
+            <a:solidFill>
+              <a:schemeClr val="tx1"/>
+            </a:solidFill>
+            <a:tailEnd type="arrow"/>
+          </a:ln>
+          <a:effectLst/>
+        </p:spPr>
+        <p:style>
+          <a:lnRef idx="2">
+            <a:schemeClr val="accent1"/>
+          </a:lnRef>
+          <a:fillRef idx="0">
+            <a:schemeClr val="accent1"/>
+          </a:fillRef>
+          <a:effectRef idx="1">
+            <a:schemeClr val="accent1"/>
+          </a:effectRef>
+          <a:fontRef idx="minor">
+            <a:schemeClr val="tx1"/>
+          </a:fontRef>
+        </p:style>
+      </p:cxnSp>
+      <p:sp>
+        <p:nvSpPr>
+          <p:cNvPr id="68" name="TextBox 67"/>
+          <p:cNvSpPr txBox="1"/>
+          <p:nvPr/>
+        </p:nvSpPr>
+        <p:spPr>
+          <a:xfrm>
+            <a:off x="200844" y="1198388"/>
+            <a:ext cx="2683555" cy="523220"/>
+          </a:xfrm>
+          <a:prstGeom prst="rect">
+            <a:avLst/>
+          </a:prstGeom>
+          <a:noFill/>
+        </p:spPr>
+        <p:txBody>
+          <a:bodyPr wrap="square" rtlCol="0">
+            <a:spAutoFit/>
+          </a:bodyPr>
+          <a:lstStyle/>
+          <a:p>
+            <a:pPr algn="ctr"/>
+            <a:r>
+              <a:rPr lang="en-US" sz="1400" dirty="0"/>
+              <a:t>1</a:t>
+            </a:r>
+            <a:r>
+              <a:rPr lang="en-US" sz="1400" dirty="0" smtClean="0"/>
+              <a:t>: Click home page </a:t>
+            </a:r>
+          </a:p>
+          <a:p>
+            <a:pPr algn="ctr"/>
+            <a:r>
+              <a:rPr lang="en-US" sz="1400" dirty="0" smtClean="0"/>
+              <a:t>for blogger link </a:t>
+            </a:r>
+            <a:endParaRPr lang="en-US" sz="1400" dirty="0"/>
+          </a:p>
+        </p:txBody>
+      </p:sp>
+      <p:sp>
+        <p:nvSpPr>
+          <p:cNvPr id="71" name="Rectangle 70"/>
+          <p:cNvSpPr/>
+          <p:nvPr/>
+        </p:nvSpPr>
+        <p:spPr>
+          <a:xfrm>
+            <a:off x="2385705" y="1461253"/>
+            <a:ext cx="139403" cy="823199"/>
+          </a:xfrm>
+          <a:prstGeom prst="rect">
+            <a:avLst/>
+          </a:prstGeom>
+          <a:solidFill>
+            <a:schemeClr val="tx1"/>
+          </a:solidFill>
+          <a:ln>
+            <a:noFill/>
+          </a:ln>
+          <a:effectLst/>
+        </p:spPr>
+        <p:style>
+          <a:lnRef idx="1">
+            <a:schemeClr val="accent1"/>
+          </a:lnRef>
+          <a:fillRef idx="3">
+            <a:schemeClr val="accent1"/>
+          </a:fillRef>
+          <a:effectRef idx="2">
+            <a:schemeClr val="accent1"/>
+          </a:effectRef>
+          <a:fontRef idx="minor">
+            <a:schemeClr val="lt1"/>
+          </a:fontRef>
+        </p:style>
+        <p:txBody>
+          <a:bodyPr rtlCol="0" anchor="ctr"/>
+          <a:lstStyle/>
+          <a:p>
+            <a:pPr algn="ctr"/>
+            <a:endParaRPr lang="en-US" sz="1600"/>
+          </a:p>
+        </p:txBody>
+      </p:sp>
+      <p:cxnSp>
+        <p:nvCxnSpPr>
+          <p:cNvPr id="72" name="Straight Arrow Connector 71"/>
+          <p:cNvCxnSpPr/>
+          <p:nvPr/>
+        </p:nvCxnSpPr>
+        <p:spPr>
+          <a:xfrm flipH="1">
+            <a:off x="717656" y="2219451"/>
+            <a:ext cx="1668049" cy="0"/>
+          </a:xfrm>
+          <a:prstGeom prst="straightConnector1">
+            <a:avLst/>
+          </a:prstGeom>
+          <a:ln>
+            <a:solidFill>
+              <a:schemeClr val="tx1"/>
+            </a:solidFill>
+            <a:prstDash val="dash"/>
+            <a:tailEnd type="arrow"/>
+          </a:ln>
+          <a:effectLst/>
+        </p:spPr>
+        <p:style>
+          <a:lnRef idx="2">
+            <a:schemeClr val="accent1"/>
+          </a:lnRef>
+          <a:fillRef idx="0">
+            <a:schemeClr val="accent1"/>
+          </a:fillRef>
+          <a:effectRef idx="1">
+            <a:schemeClr val="accent1"/>
+          </a:effectRef>
+          <a:fontRef idx="minor">
+            <a:schemeClr val="tx1"/>
+          </a:fontRef>
+        </p:style>
+      </p:cxnSp>
+      <p:cxnSp>
+        <p:nvCxnSpPr>
+          <p:cNvPr id="73" name="Straight Arrow Connector 72"/>
+          <p:cNvCxnSpPr/>
+          <p:nvPr/>
+        </p:nvCxnSpPr>
+        <p:spPr>
+          <a:xfrm>
+            <a:off x="2455407" y="1682038"/>
+            <a:ext cx="4076605" cy="0"/>
+          </a:xfrm>
+          <a:prstGeom prst="straightConnector1">
+            <a:avLst/>
+          </a:prstGeom>
+          <a:ln>
+            <a:solidFill>
+              <a:schemeClr val="tx1"/>
+            </a:solidFill>
+            <a:tailEnd type="arrow"/>
+          </a:ln>
+          <a:effectLst/>
+        </p:spPr>
+        <p:style>
+          <a:lnRef idx="2">
+            <a:schemeClr val="accent1"/>
+          </a:lnRef>
+          <a:fillRef idx="0">
+            <a:schemeClr val="accent1"/>
+          </a:fillRef>
+          <a:effectRef idx="1">
+            <a:schemeClr val="accent1"/>
+          </a:effectRef>
+          <a:fontRef idx="minor">
+            <a:schemeClr val="tx1"/>
+          </a:fontRef>
+        </p:style>
+      </p:cxnSp>
+      <p:sp>
+        <p:nvSpPr>
+          <p:cNvPr id="74" name="Rectangle 73"/>
+          <p:cNvSpPr/>
+          <p:nvPr/>
+        </p:nvSpPr>
+        <p:spPr>
+          <a:xfrm>
+            <a:off x="6532012" y="1598665"/>
+            <a:ext cx="146736" cy="541589"/>
+          </a:xfrm>
+          <a:prstGeom prst="rect">
+            <a:avLst/>
+          </a:prstGeom>
+          <a:solidFill>
+            <a:schemeClr val="tx1"/>
+          </a:solidFill>
+          <a:ln>
+            <a:noFill/>
+          </a:ln>
+          <a:effectLst/>
+        </p:spPr>
+        <p:style>
+          <a:lnRef idx="1">
+            <a:schemeClr val="accent1"/>
+          </a:lnRef>
+          <a:fillRef idx="3">
+            <a:schemeClr val="accent1"/>
+          </a:fillRef>
+          <a:effectRef idx="2">
+            <a:schemeClr val="accent1"/>
+          </a:effectRef>
+          <a:fontRef idx="minor">
+            <a:schemeClr val="lt1"/>
+          </a:fontRef>
+        </p:style>
+        <p:txBody>
+          <a:bodyPr rtlCol="0" anchor="ctr"/>
+          <a:lstStyle/>
+          <a:p>
+            <a:pPr algn="ctr"/>
+            <a:endParaRPr lang="en-US" sz="1600"/>
+          </a:p>
+        </p:txBody>
+      </p:sp>
+      <p:cxnSp>
+        <p:nvCxnSpPr>
+          <p:cNvPr id="75" name="Straight Arrow Connector 74"/>
+          <p:cNvCxnSpPr/>
+          <p:nvPr/>
+        </p:nvCxnSpPr>
+        <p:spPr>
+          <a:xfrm flipH="1">
+            <a:off x="2525110" y="2091733"/>
+            <a:ext cx="4006902" cy="0"/>
+          </a:xfrm>
+          <a:prstGeom prst="straightConnector1">
+            <a:avLst/>
+          </a:prstGeom>
+          <a:ln>
+            <a:solidFill>
+              <a:schemeClr val="tx1"/>
+            </a:solidFill>
+            <a:prstDash val="dash"/>
+            <a:tailEnd type="arrow"/>
+          </a:ln>
+          <a:effectLst/>
+        </p:spPr>
+        <p:style>
+          <a:lnRef idx="2">
+            <a:schemeClr val="accent1"/>
+          </a:lnRef>
+          <a:fillRef idx="0">
+            <a:schemeClr val="accent1"/>
+          </a:fillRef>
+          <a:effectRef idx="1">
+            <a:schemeClr val="accent1"/>
+          </a:effectRef>
+          <a:fontRef idx="minor">
+            <a:schemeClr val="tx1"/>
+          </a:fontRef>
+        </p:style>
+      </p:cxnSp>
+      <p:sp>
+        <p:nvSpPr>
+          <p:cNvPr id="76" name="TextBox 75"/>
+          <p:cNvSpPr txBox="1"/>
+          <p:nvPr/>
+        </p:nvSpPr>
+        <p:spPr>
+          <a:xfrm>
+            <a:off x="3596434" y="1361723"/>
+            <a:ext cx="2927293" cy="307777"/>
+          </a:xfrm>
+          <a:prstGeom prst="rect">
+            <a:avLst/>
+          </a:prstGeom>
+          <a:noFill/>
+        </p:spPr>
+        <p:txBody>
+          <a:bodyPr wrap="square" rtlCol="0">
+            <a:spAutoFit/>
+          </a:bodyPr>
+          <a:lstStyle/>
+          <a:p>
+            <a:pPr algn="ctr"/>
+            <a:r>
+              <a:rPr lang="en-US" sz="1400" dirty="0"/>
+              <a:t>2</a:t>
+            </a:r>
+            <a:r>
+              <a:rPr lang="en-US" sz="1400" dirty="0" smtClean="0"/>
+              <a:t>: Request tutorials</a:t>
+            </a:r>
+            <a:endParaRPr lang="en-US" sz="1400" dirty="0"/>
+          </a:p>
+        </p:txBody>
+      </p:sp>
+      <p:sp>
+        <p:nvSpPr>
+          <p:cNvPr id="77" name="TextBox 76"/>
+          <p:cNvSpPr txBox="1"/>
+          <p:nvPr/>
+        </p:nvSpPr>
+        <p:spPr>
+          <a:xfrm>
+            <a:off x="3259091" y="1784539"/>
+            <a:ext cx="2927293" cy="307777"/>
+          </a:xfrm>
+          <a:prstGeom prst="rect">
+            <a:avLst/>
+          </a:prstGeom>
+          <a:noFill/>
+        </p:spPr>
+        <p:txBody>
+          <a:bodyPr wrap="square" rtlCol="0">
+            <a:spAutoFit/>
+          </a:bodyPr>
+          <a:lstStyle/>
+          <a:p>
+            <a:pPr algn="ctr"/>
+            <a:r>
+              <a:rPr lang="en-US" sz="1400" dirty="0" smtClean="0"/>
+              <a:t>4: Return tutorial results</a:t>
+            </a:r>
+            <a:endParaRPr lang="en-US" sz="1400" dirty="0"/>
+          </a:p>
+        </p:txBody>
+      </p:sp>
+      <p:sp>
+        <p:nvSpPr>
+          <p:cNvPr id="78" name="TextBox 77"/>
+          <p:cNvSpPr txBox="1"/>
+          <p:nvPr/>
+        </p:nvSpPr>
+        <p:spPr>
+          <a:xfrm>
+            <a:off x="114612" y="1929858"/>
+            <a:ext cx="2927293" cy="523220"/>
+          </a:xfrm>
+          <a:prstGeom prst="rect">
+            <a:avLst/>
+          </a:prstGeom>
+          <a:noFill/>
+        </p:spPr>
+        <p:txBody>
+          <a:bodyPr wrap="square" rtlCol="0">
+            <a:spAutoFit/>
+          </a:bodyPr>
+          <a:lstStyle/>
+          <a:p>
+            <a:pPr algn="ctr"/>
+            <a:r>
+              <a:rPr lang="en-US" sz="1400" dirty="0"/>
+              <a:t>5</a:t>
+            </a:r>
+            <a:r>
+              <a:rPr lang="en-US" sz="1400" dirty="0" smtClean="0"/>
+              <a:t>: Display list of </a:t>
+            </a:r>
+          </a:p>
+          <a:p>
+            <a:pPr algn="ctr"/>
+            <a:r>
+              <a:rPr lang="en-US" sz="1400" dirty="0" smtClean="0"/>
+              <a:t>tutorials</a:t>
+            </a:r>
+            <a:endParaRPr lang="en-US" sz="1400" dirty="0"/>
+          </a:p>
+        </p:txBody>
+      </p:sp>
+      <p:cxnSp>
+        <p:nvCxnSpPr>
+          <p:cNvPr id="51" name="Straight Arrow Connector 50"/>
+          <p:cNvCxnSpPr/>
+          <p:nvPr/>
+        </p:nvCxnSpPr>
+        <p:spPr>
+          <a:xfrm>
+            <a:off x="603125" y="4079557"/>
+            <a:ext cx="3883496" cy="0"/>
+          </a:xfrm>
+          <a:prstGeom prst="straightConnector1">
+            <a:avLst/>
+          </a:prstGeom>
+          <a:ln>
+            <a:solidFill>
+              <a:schemeClr val="tx1"/>
+            </a:solidFill>
+            <a:tailEnd type="arrow"/>
+          </a:ln>
+          <a:effectLst/>
+        </p:spPr>
+        <p:style>
+          <a:lnRef idx="2">
+            <a:schemeClr val="accent1"/>
+          </a:lnRef>
+          <a:fillRef idx="0">
+            <a:schemeClr val="accent1"/>
+          </a:fillRef>
+          <a:effectRef idx="1">
+            <a:schemeClr val="accent1"/>
+          </a:effectRef>
+          <a:fontRef idx="minor">
+            <a:schemeClr val="tx1"/>
+          </a:fontRef>
+        </p:style>
+      </p:cxnSp>
+      <p:sp>
+        <p:nvSpPr>
+          <p:cNvPr id="81" name="TextBox 80"/>
+          <p:cNvSpPr txBox="1"/>
+          <p:nvPr/>
+        </p:nvSpPr>
+        <p:spPr>
+          <a:xfrm>
+            <a:off x="1860263" y="3771780"/>
+            <a:ext cx="2712218" cy="307777"/>
+          </a:xfrm>
+          <a:prstGeom prst="rect">
+            <a:avLst/>
+          </a:prstGeom>
+          <a:noFill/>
+        </p:spPr>
+        <p:txBody>
+          <a:bodyPr wrap="square" rtlCol="0">
+            <a:spAutoFit/>
+          </a:bodyPr>
+          <a:lstStyle/>
+          <a:p>
+            <a:pPr algn="ctr"/>
+            <a:r>
+              <a:rPr lang="en-US" sz="1400" dirty="0" smtClean="0"/>
+              <a:t>10: Click like link</a:t>
+            </a:r>
+            <a:endParaRPr lang="en-US" sz="1400" dirty="0"/>
+          </a:p>
+        </p:txBody>
+      </p:sp>
+      <p:sp>
+        <p:nvSpPr>
+          <p:cNvPr id="58" name="Rectangle 57"/>
+          <p:cNvSpPr/>
+          <p:nvPr/>
+        </p:nvSpPr>
+        <p:spPr>
+          <a:xfrm>
+            <a:off x="7585506" y="767923"/>
+            <a:ext cx="1289561" cy="511156"/>
+          </a:xfrm>
+          <a:prstGeom prst="rect">
+            <a:avLst/>
+          </a:prstGeom>
+          <a:solidFill>
+            <a:schemeClr val="tx1">
+              <a:lumMod val="85000"/>
+              <a:lumOff val="15000"/>
+            </a:schemeClr>
+          </a:solidFill>
+          <a:ln>
+            <a:noFill/>
+          </a:ln>
+          <a:effectLst/>
+        </p:spPr>
+        <p:style>
+          <a:lnRef idx="1">
+            <a:schemeClr val="accent1"/>
+          </a:lnRef>
+          <a:fillRef idx="3">
+            <a:schemeClr val="accent1"/>
+          </a:fillRef>
+          <a:effectRef idx="2">
+            <a:schemeClr val="accent1"/>
+          </a:effectRef>
+          <a:fontRef idx="minor">
+            <a:schemeClr val="lt1"/>
+          </a:fontRef>
+        </p:style>
+        <p:txBody>
+          <a:bodyPr rtlCol="0" anchor="ctr"/>
+          <a:lstStyle/>
+          <a:p>
+            <a:pPr algn="ctr"/>
+            <a:r>
+              <a:rPr lang="en-US" sz="1600" dirty="0" smtClean="0"/>
+              <a:t>Like </a:t>
+            </a:r>
+          </a:p>
+          <a:p>
+            <a:pPr algn="ctr"/>
+            <a:r>
+              <a:rPr lang="en-US" sz="1600" dirty="0" smtClean="0"/>
+              <a:t>Database</a:t>
+            </a:r>
+            <a:endParaRPr lang="en-US" sz="1600" dirty="0"/>
+          </a:p>
+        </p:txBody>
+      </p:sp>
+      <p:cxnSp>
+        <p:nvCxnSpPr>
+          <p:cNvPr id="59" name="Straight Connector 58"/>
+          <p:cNvCxnSpPr>
+            <a:stCxn id="58" idx="2"/>
+          </p:cNvCxnSpPr>
+          <p:nvPr/>
+        </p:nvCxnSpPr>
+        <p:spPr>
+          <a:xfrm>
+            <a:off x="8230287" y="1279079"/>
+            <a:ext cx="0" cy="5446993"/>
+          </a:xfrm>
+          <a:prstGeom prst="line">
+            <a:avLst/>
+          </a:prstGeom>
+          <a:ln>
+            <a:solidFill>
+              <a:schemeClr val="tx1"/>
+            </a:solidFill>
+          </a:ln>
+          <a:effectLst/>
+        </p:spPr>
+        <p:style>
+          <a:lnRef idx="2">
+            <a:schemeClr val="accent1"/>
+          </a:lnRef>
+          <a:fillRef idx="0">
+            <a:schemeClr val="accent1"/>
+          </a:fillRef>
+          <a:effectRef idx="1">
+            <a:schemeClr val="accent1"/>
+          </a:effectRef>
+          <a:fontRef idx="minor">
+            <a:schemeClr val="tx1"/>
+          </a:fontRef>
+        </p:style>
+      </p:cxnSp>
+      <p:sp>
+        <p:nvSpPr>
+          <p:cNvPr id="60" name="TextBox 59"/>
+          <p:cNvSpPr txBox="1"/>
+          <p:nvPr/>
+        </p:nvSpPr>
+        <p:spPr>
+          <a:xfrm>
+            <a:off x="4578112" y="3985842"/>
+            <a:ext cx="2106095" cy="523220"/>
+          </a:xfrm>
+          <a:prstGeom prst="rect">
+            <a:avLst/>
+          </a:prstGeom>
+          <a:noFill/>
+        </p:spPr>
+        <p:txBody>
+          <a:bodyPr wrap="square" rtlCol="0">
+            <a:spAutoFit/>
+          </a:bodyPr>
+          <a:lstStyle/>
+          <a:p>
+            <a:pPr algn="ctr"/>
+            <a:r>
+              <a:rPr lang="en-US" sz="1400" dirty="0" smtClean="0"/>
+              <a:t>11: check blogger’s username</a:t>
+            </a:r>
+            <a:endParaRPr lang="en-US" sz="1400" dirty="0"/>
+          </a:p>
+        </p:txBody>
+      </p:sp>
+      <p:cxnSp>
+        <p:nvCxnSpPr>
+          <p:cNvPr id="61" name="Straight Arrow Connector 60"/>
+          <p:cNvCxnSpPr/>
+          <p:nvPr/>
+        </p:nvCxnSpPr>
+        <p:spPr>
+          <a:xfrm>
+            <a:off x="4557088" y="4287264"/>
+            <a:ext cx="2092683" cy="0"/>
+          </a:xfrm>
+          <a:prstGeom prst="straightConnector1">
+            <a:avLst/>
+          </a:prstGeom>
+          <a:ln>
+            <a:solidFill>
+              <a:schemeClr val="tx1"/>
+            </a:solidFill>
+            <a:tailEnd type="arrow"/>
+          </a:ln>
+          <a:effectLst/>
+        </p:spPr>
+        <p:style>
+          <a:lnRef idx="2">
+            <a:schemeClr val="accent1"/>
+          </a:lnRef>
+          <a:fillRef idx="0">
+            <a:schemeClr val="accent1"/>
+          </a:fillRef>
+          <a:effectRef idx="1">
+            <a:schemeClr val="accent1"/>
+          </a:effectRef>
+          <a:fontRef idx="minor">
+            <a:schemeClr val="tx1"/>
+          </a:fontRef>
+        </p:style>
+      </p:cxnSp>
+      <p:cxnSp>
+        <p:nvCxnSpPr>
+          <p:cNvPr id="82" name="Straight Arrow Connector 81"/>
+          <p:cNvCxnSpPr/>
+          <p:nvPr/>
+        </p:nvCxnSpPr>
+        <p:spPr>
+          <a:xfrm flipH="1">
+            <a:off x="8293744" y="5549556"/>
+            <a:ext cx="371539" cy="0"/>
+          </a:xfrm>
+          <a:prstGeom prst="straightConnector1">
+            <a:avLst/>
+          </a:prstGeom>
+          <a:ln>
+            <a:solidFill>
+              <a:schemeClr val="tx1"/>
+            </a:solidFill>
+            <a:tailEnd type="arrow"/>
+          </a:ln>
+          <a:effectLst/>
+        </p:spPr>
+        <p:style>
+          <a:lnRef idx="2">
+            <a:schemeClr val="accent1"/>
+          </a:lnRef>
+          <a:fillRef idx="0">
+            <a:schemeClr val="accent1"/>
+          </a:fillRef>
+          <a:effectRef idx="1">
+            <a:schemeClr val="accent1"/>
+          </a:effectRef>
+          <a:fontRef idx="minor">
+            <a:schemeClr val="tx1"/>
+          </a:fontRef>
+        </p:style>
+      </p:cxnSp>
+      <p:cxnSp>
+        <p:nvCxnSpPr>
+          <p:cNvPr id="83" name="Straight Connector 82"/>
+          <p:cNvCxnSpPr/>
+          <p:nvPr/>
+        </p:nvCxnSpPr>
+        <p:spPr>
+          <a:xfrm flipV="1">
+            <a:off x="8665283" y="5188066"/>
+            <a:ext cx="0" cy="361490"/>
+          </a:xfrm>
+          <a:prstGeom prst="line">
+            <a:avLst/>
+          </a:prstGeom>
+          <a:ln>
+            <a:solidFill>
+              <a:schemeClr val="tx1"/>
+            </a:solidFill>
+          </a:ln>
+          <a:effectLst/>
+        </p:spPr>
+        <p:style>
+          <a:lnRef idx="2">
+            <a:schemeClr val="accent1"/>
+          </a:lnRef>
+          <a:fillRef idx="0">
+            <a:schemeClr val="accent1"/>
+          </a:fillRef>
+          <a:effectRef idx="1">
+            <a:schemeClr val="accent1"/>
+          </a:effectRef>
+          <a:fontRef idx="minor">
+            <a:schemeClr val="tx1"/>
+          </a:fontRef>
+        </p:style>
+      </p:cxnSp>
+      <p:cxnSp>
+        <p:nvCxnSpPr>
+          <p:cNvPr id="84" name="Straight Connector 83"/>
+          <p:cNvCxnSpPr/>
+          <p:nvPr/>
+        </p:nvCxnSpPr>
+        <p:spPr>
+          <a:xfrm flipH="1">
+            <a:off x="8293744" y="5188066"/>
+            <a:ext cx="371539" cy="0"/>
+          </a:xfrm>
+          <a:prstGeom prst="line">
+            <a:avLst/>
+          </a:prstGeom>
+          <a:ln>
+            <a:solidFill>
+              <a:schemeClr val="tx1"/>
+            </a:solidFill>
+          </a:ln>
+          <a:effectLst/>
+        </p:spPr>
+        <p:style>
+          <a:lnRef idx="2">
+            <a:schemeClr val="accent1"/>
+          </a:lnRef>
+          <a:fillRef idx="0">
+            <a:schemeClr val="accent1"/>
+          </a:fillRef>
+          <a:effectRef idx="1">
+            <a:schemeClr val="accent1"/>
+          </a:effectRef>
+          <a:fontRef idx="minor">
+            <a:schemeClr val="tx1"/>
+          </a:fontRef>
+        </p:style>
+      </p:cxnSp>
+      <p:sp>
+        <p:nvSpPr>
+          <p:cNvPr id="85" name="TextBox 84"/>
+          <p:cNvSpPr txBox="1"/>
+          <p:nvPr/>
+        </p:nvSpPr>
+        <p:spPr>
+          <a:xfrm>
+            <a:off x="8629620" y="4748360"/>
+            <a:ext cx="925429" cy="954107"/>
+          </a:xfrm>
+          <a:prstGeom prst="rect">
+            <a:avLst/>
+          </a:prstGeom>
+          <a:noFill/>
+        </p:spPr>
+        <p:txBody>
+          <a:bodyPr wrap="none" rtlCol="0">
+            <a:spAutoFit/>
+          </a:bodyPr>
+          <a:lstStyle/>
+          <a:p>
+            <a:r>
+              <a:rPr lang="en-US" sz="1400" dirty="0" smtClean="0"/>
+              <a:t>14: add </a:t>
+            </a:r>
+          </a:p>
+          <a:p>
+            <a:r>
+              <a:rPr lang="en-US" sz="1400" dirty="0"/>
+              <a:t>(</a:t>
+            </a:r>
+            <a:r>
+              <a:rPr lang="en-US" sz="1400" dirty="0" err="1"/>
+              <a:t>likeID</a:t>
+            </a:r>
+            <a:r>
+              <a:rPr lang="en-US" sz="1400" dirty="0"/>
+              <a:t>, </a:t>
+            </a:r>
+          </a:p>
+          <a:p>
+            <a:r>
+              <a:rPr lang="en-US" sz="1400" dirty="0" err="1"/>
+              <a:t>tutorialID</a:t>
+            </a:r>
+            <a:r>
+              <a:rPr lang="en-US" sz="1400" dirty="0"/>
+              <a:t>, </a:t>
+            </a:r>
+          </a:p>
+          <a:p>
+            <a:r>
+              <a:rPr lang="en-US" sz="1400" dirty="0" err="1"/>
+              <a:t>userID</a:t>
+            </a:r>
+            <a:endParaRPr lang="en-US" sz="1400" dirty="0"/>
+          </a:p>
+        </p:txBody>
+      </p:sp>
+      <p:cxnSp>
+        <p:nvCxnSpPr>
+          <p:cNvPr id="86" name="Straight Arrow Connector 85"/>
+          <p:cNvCxnSpPr/>
+          <p:nvPr/>
+        </p:nvCxnSpPr>
+        <p:spPr>
+          <a:xfrm flipH="1">
+            <a:off x="4588358" y="4798017"/>
+            <a:ext cx="1977359" cy="0"/>
+          </a:xfrm>
+          <a:prstGeom prst="straightConnector1">
+            <a:avLst/>
+          </a:prstGeom>
+          <a:ln>
+            <a:solidFill>
+              <a:schemeClr val="tx1"/>
+            </a:solidFill>
+            <a:prstDash val="dash"/>
+            <a:tailEnd type="arrow"/>
+          </a:ln>
+          <a:effectLst/>
+        </p:spPr>
+        <p:style>
+          <a:lnRef idx="2">
+            <a:schemeClr val="accent1"/>
+          </a:lnRef>
+          <a:fillRef idx="0">
+            <a:schemeClr val="accent1"/>
+          </a:fillRef>
+          <a:effectRef idx="1">
+            <a:schemeClr val="accent1"/>
+          </a:effectRef>
+          <a:fontRef idx="minor">
+            <a:schemeClr val="tx1"/>
+          </a:fontRef>
+        </p:style>
+      </p:cxnSp>
+      <p:sp>
+        <p:nvSpPr>
+          <p:cNvPr id="87" name="TextBox 86"/>
+          <p:cNvSpPr txBox="1"/>
+          <p:nvPr/>
+        </p:nvSpPr>
+        <p:spPr>
+          <a:xfrm>
+            <a:off x="5017095" y="4499760"/>
+            <a:ext cx="1376987" cy="307777"/>
+          </a:xfrm>
+          <a:prstGeom prst="rect">
+            <a:avLst/>
+          </a:prstGeom>
+          <a:noFill/>
+        </p:spPr>
+        <p:txBody>
+          <a:bodyPr wrap="none" rtlCol="0">
+            <a:spAutoFit/>
+          </a:bodyPr>
+          <a:lstStyle/>
+          <a:p>
+            <a:pPr algn="ctr"/>
+            <a:r>
+              <a:rPr lang="en-US" sz="1400" dirty="0" smtClean="0"/>
+              <a:t>12: return result</a:t>
+            </a:r>
+            <a:endParaRPr lang="en-US" sz="1400" dirty="0"/>
+          </a:p>
+        </p:txBody>
+      </p:sp>
+      <p:cxnSp>
+        <p:nvCxnSpPr>
+          <p:cNvPr id="88" name="Straight Arrow Connector 87"/>
+          <p:cNvCxnSpPr/>
+          <p:nvPr/>
+        </p:nvCxnSpPr>
+        <p:spPr>
+          <a:xfrm flipH="1" flipV="1">
+            <a:off x="4557088" y="5597555"/>
+            <a:ext cx="3673200" cy="5345"/>
+          </a:xfrm>
+          <a:prstGeom prst="straightConnector1">
+            <a:avLst/>
+          </a:prstGeom>
+          <a:ln>
+            <a:solidFill>
+              <a:schemeClr val="tx1"/>
+            </a:solidFill>
+            <a:prstDash val="dash"/>
+            <a:tailEnd type="arrow"/>
+          </a:ln>
+          <a:effectLst/>
+        </p:spPr>
+        <p:style>
+          <a:lnRef idx="2">
+            <a:schemeClr val="accent1"/>
+          </a:lnRef>
+          <a:fillRef idx="0">
+            <a:schemeClr val="accent1"/>
+          </a:fillRef>
+          <a:effectRef idx="1">
+            <a:schemeClr val="accent1"/>
+          </a:effectRef>
+          <a:fontRef idx="minor">
+            <a:schemeClr val="tx1"/>
+          </a:fontRef>
+        </p:style>
+      </p:cxnSp>
+      <p:sp>
+        <p:nvSpPr>
+          <p:cNvPr id="90" name="Rectangle 89"/>
+          <p:cNvSpPr/>
+          <p:nvPr/>
+        </p:nvSpPr>
+        <p:spPr>
+          <a:xfrm>
+            <a:off x="8172561" y="5039476"/>
+            <a:ext cx="136486" cy="662991"/>
+          </a:xfrm>
+          <a:prstGeom prst="rect">
+            <a:avLst/>
+          </a:prstGeom>
+          <a:solidFill>
+            <a:schemeClr val="tx1"/>
+          </a:solidFill>
+          <a:ln>
+            <a:noFill/>
+          </a:ln>
+          <a:effectLst/>
+        </p:spPr>
+        <p:style>
+          <a:lnRef idx="1">
+            <a:schemeClr val="accent1"/>
+          </a:lnRef>
+          <a:fillRef idx="3">
+            <a:schemeClr val="accent1"/>
+          </a:fillRef>
+          <a:effectRef idx="2">
+            <a:schemeClr val="accent1"/>
+          </a:effectRef>
+          <a:fontRef idx="minor">
+            <a:schemeClr val="lt1"/>
+          </a:fontRef>
+        </p:style>
+        <p:txBody>
+          <a:bodyPr rtlCol="0" anchor="ctr"/>
+          <a:lstStyle/>
+          <a:p>
+            <a:pPr algn="ctr"/>
+            <a:endParaRPr lang="en-US"/>
+          </a:p>
+        </p:txBody>
+      </p:sp>
+      <p:cxnSp>
+        <p:nvCxnSpPr>
+          <p:cNvPr id="91" name="Straight Arrow Connector 90"/>
+          <p:cNvCxnSpPr/>
+          <p:nvPr/>
+        </p:nvCxnSpPr>
+        <p:spPr>
+          <a:xfrm flipV="1">
+            <a:off x="4572481" y="5147379"/>
+            <a:ext cx="3600080" cy="2"/>
+          </a:xfrm>
+          <a:prstGeom prst="straightConnector1">
+            <a:avLst/>
+          </a:prstGeom>
+          <a:ln>
+            <a:solidFill>
+              <a:schemeClr val="tx1"/>
+            </a:solidFill>
+            <a:tailEnd type="arrow"/>
+          </a:ln>
+          <a:effectLst/>
+        </p:spPr>
+        <p:style>
+          <a:lnRef idx="2">
+            <a:schemeClr val="accent1"/>
+          </a:lnRef>
+          <a:fillRef idx="0">
+            <a:schemeClr val="accent1"/>
+          </a:fillRef>
+          <a:effectRef idx="1">
+            <a:schemeClr val="accent1"/>
+          </a:effectRef>
+          <a:fontRef idx="minor">
+            <a:schemeClr val="tx1"/>
+          </a:fontRef>
+        </p:style>
+      </p:cxnSp>
+      <p:sp>
+        <p:nvSpPr>
+          <p:cNvPr id="92" name="TextBox 91"/>
+          <p:cNvSpPr txBox="1"/>
+          <p:nvPr/>
+        </p:nvSpPr>
+        <p:spPr>
+          <a:xfrm>
+            <a:off x="5148204" y="4863120"/>
+            <a:ext cx="1243042" cy="307777"/>
+          </a:xfrm>
+          <a:prstGeom prst="rect">
+            <a:avLst/>
+          </a:prstGeom>
+          <a:noFill/>
+        </p:spPr>
+        <p:txBody>
+          <a:bodyPr wrap="square" rtlCol="0">
+            <a:spAutoFit/>
+          </a:bodyPr>
+          <a:lstStyle/>
+          <a:p>
+            <a:pPr algn="ctr"/>
+            <a:r>
+              <a:rPr lang="en-US" sz="1400" dirty="0" smtClean="0"/>
+              <a:t>13: add like</a:t>
+            </a:r>
+            <a:endParaRPr lang="en-US" sz="1400" dirty="0"/>
+          </a:p>
+        </p:txBody>
+      </p:sp>
+      <p:sp>
+        <p:nvSpPr>
+          <p:cNvPr id="94" name="TextBox 93"/>
+          <p:cNvSpPr txBox="1"/>
+          <p:nvPr/>
+        </p:nvSpPr>
+        <p:spPr>
+          <a:xfrm>
+            <a:off x="5786153" y="5289778"/>
+            <a:ext cx="1376987" cy="307777"/>
+          </a:xfrm>
+          <a:prstGeom prst="rect">
+            <a:avLst/>
+          </a:prstGeom>
+          <a:noFill/>
+        </p:spPr>
+        <p:txBody>
+          <a:bodyPr wrap="none" rtlCol="0">
+            <a:spAutoFit/>
+          </a:bodyPr>
+          <a:lstStyle/>
+          <a:p>
+            <a:pPr algn="ctr"/>
+            <a:r>
+              <a:rPr lang="en-US" sz="1400" dirty="0" smtClean="0"/>
+              <a:t>15: return result</a:t>
+            </a:r>
+            <a:endParaRPr lang="en-US" sz="1400" dirty="0"/>
+          </a:p>
+        </p:txBody>
+      </p:sp>
+      <p:cxnSp>
+        <p:nvCxnSpPr>
+          <p:cNvPr id="95" name="Straight Arrow Connector 94"/>
+          <p:cNvCxnSpPr/>
+          <p:nvPr/>
+        </p:nvCxnSpPr>
+        <p:spPr>
+          <a:xfrm flipH="1">
+            <a:off x="717698" y="6555133"/>
+            <a:ext cx="3726974" cy="1"/>
+          </a:xfrm>
+          <a:prstGeom prst="straightConnector1">
+            <a:avLst/>
+          </a:prstGeom>
+          <a:ln>
+            <a:solidFill>
+              <a:schemeClr val="tx1"/>
+            </a:solidFill>
+            <a:prstDash val="dash"/>
+            <a:tailEnd type="arrow"/>
+          </a:ln>
+          <a:effectLst/>
+        </p:spPr>
+        <p:style>
+          <a:lnRef idx="2">
+            <a:schemeClr val="accent1"/>
+          </a:lnRef>
+          <a:fillRef idx="0">
+            <a:schemeClr val="accent1"/>
+          </a:fillRef>
+          <a:effectRef idx="1">
+            <a:schemeClr val="accent1"/>
+          </a:effectRef>
+          <a:fontRef idx="minor">
+            <a:schemeClr val="tx1"/>
+          </a:fontRef>
+        </p:style>
+      </p:cxnSp>
+      <p:sp>
+        <p:nvSpPr>
+          <p:cNvPr id="100" name="TextBox 99"/>
+          <p:cNvSpPr txBox="1"/>
+          <p:nvPr/>
+        </p:nvSpPr>
+        <p:spPr>
+          <a:xfrm>
+            <a:off x="842398" y="6247356"/>
+            <a:ext cx="3583032" cy="307777"/>
+          </a:xfrm>
+          <a:prstGeom prst="rect">
+            <a:avLst/>
+          </a:prstGeom>
+          <a:noFill/>
+        </p:spPr>
+        <p:txBody>
+          <a:bodyPr wrap="none" rtlCol="0">
+            <a:spAutoFit/>
+          </a:bodyPr>
+          <a:lstStyle/>
+          <a:p>
+            <a:r>
+              <a:rPr lang="en-US" sz="1400" dirty="0" smtClean="0"/>
+              <a:t>19: </a:t>
+            </a:r>
+            <a:r>
+              <a:rPr lang="en-US" sz="1400" dirty="0" smtClean="0"/>
+              <a:t>Display liked sign and updated like number</a:t>
+            </a:r>
+            <a:endParaRPr lang="en-US" sz="1400" dirty="0"/>
+          </a:p>
+        </p:txBody>
+      </p:sp>
+      <p:sp>
+        <p:nvSpPr>
+          <p:cNvPr id="79" name="Rectangle 78"/>
+          <p:cNvSpPr/>
+          <p:nvPr/>
+        </p:nvSpPr>
+        <p:spPr>
+          <a:xfrm>
+            <a:off x="9055238" y="767923"/>
+            <a:ext cx="1267610" cy="511156"/>
+          </a:xfrm>
+          <a:prstGeom prst="rect">
+            <a:avLst/>
+          </a:prstGeom>
+          <a:solidFill>
+            <a:schemeClr val="tx1">
+              <a:lumMod val="85000"/>
+              <a:lumOff val="15000"/>
+            </a:schemeClr>
+          </a:solidFill>
+          <a:ln>
+            <a:noFill/>
+          </a:ln>
+          <a:effectLst/>
+        </p:spPr>
+        <p:style>
+          <a:lnRef idx="1">
+            <a:schemeClr val="accent1"/>
+          </a:lnRef>
+          <a:fillRef idx="3">
+            <a:schemeClr val="accent1"/>
+          </a:fillRef>
+          <a:effectRef idx="2">
+            <a:schemeClr val="accent1"/>
+          </a:effectRef>
+          <a:fontRef idx="minor">
+            <a:schemeClr val="lt1"/>
+          </a:fontRef>
+        </p:style>
+        <p:txBody>
+          <a:bodyPr rtlCol="0" anchor="ctr"/>
+          <a:lstStyle/>
+          <a:p>
+            <a:pPr algn="ctr"/>
+            <a:r>
+              <a:rPr lang="en-US" sz="1600" dirty="0" smtClean="0"/>
+              <a:t>Popular</a:t>
+            </a:r>
+            <a:r>
+              <a:rPr lang="en-US" sz="1600" dirty="0" smtClean="0"/>
+              <a:t> </a:t>
+            </a:r>
+            <a:r>
+              <a:rPr lang="en-US" sz="1600" dirty="0"/>
+              <a:t>Database</a:t>
+            </a:r>
+          </a:p>
+        </p:txBody>
+      </p:sp>
+      <p:cxnSp>
+        <p:nvCxnSpPr>
+          <p:cNvPr id="80" name="Straight Connector 79"/>
+          <p:cNvCxnSpPr>
+            <a:stCxn id="79" idx="2"/>
+          </p:cNvCxnSpPr>
+          <p:nvPr/>
+        </p:nvCxnSpPr>
+        <p:spPr>
+          <a:xfrm>
+            <a:off x="9689043" y="1279079"/>
+            <a:ext cx="0" cy="5446993"/>
+          </a:xfrm>
+          <a:prstGeom prst="line">
+            <a:avLst/>
+          </a:prstGeom>
+          <a:ln>
+            <a:solidFill>
+              <a:schemeClr val="tx1"/>
+            </a:solidFill>
+          </a:ln>
+          <a:effectLst/>
+        </p:spPr>
+        <p:style>
+          <a:lnRef idx="2">
+            <a:schemeClr val="accent1"/>
+          </a:lnRef>
+          <a:fillRef idx="0">
+            <a:schemeClr val="accent1"/>
+          </a:fillRef>
+          <a:effectRef idx="1">
+            <a:schemeClr val="accent1"/>
+          </a:effectRef>
+          <a:fontRef idx="minor">
+            <a:schemeClr val="tx1"/>
+          </a:fontRef>
+        </p:style>
+      </p:cxnSp>
+      <p:cxnSp>
+        <p:nvCxnSpPr>
+          <p:cNvPr id="89" name="Straight Arrow Connector 88"/>
+          <p:cNvCxnSpPr/>
+          <p:nvPr/>
+        </p:nvCxnSpPr>
+        <p:spPr>
+          <a:xfrm flipH="1">
+            <a:off x="9751454" y="6350752"/>
+            <a:ext cx="371539" cy="0"/>
+          </a:xfrm>
+          <a:prstGeom prst="straightConnector1">
+            <a:avLst/>
+          </a:prstGeom>
+          <a:ln>
+            <a:solidFill>
+              <a:schemeClr val="tx1"/>
+            </a:solidFill>
+            <a:tailEnd type="arrow"/>
+          </a:ln>
+          <a:effectLst/>
+        </p:spPr>
+        <p:style>
+          <a:lnRef idx="2">
+            <a:schemeClr val="accent1"/>
+          </a:lnRef>
+          <a:fillRef idx="0">
+            <a:schemeClr val="accent1"/>
+          </a:fillRef>
+          <a:effectRef idx="1">
+            <a:schemeClr val="accent1"/>
+          </a:effectRef>
+          <a:fontRef idx="minor">
+            <a:schemeClr val="tx1"/>
+          </a:fontRef>
+        </p:style>
+      </p:cxnSp>
+      <p:cxnSp>
+        <p:nvCxnSpPr>
+          <p:cNvPr id="93" name="Straight Connector 92"/>
+          <p:cNvCxnSpPr/>
+          <p:nvPr/>
+        </p:nvCxnSpPr>
+        <p:spPr>
+          <a:xfrm flipV="1">
+            <a:off x="10122993" y="5989262"/>
+            <a:ext cx="0" cy="361490"/>
+          </a:xfrm>
+          <a:prstGeom prst="line">
+            <a:avLst/>
+          </a:prstGeom>
+          <a:ln>
+            <a:solidFill>
+              <a:schemeClr val="tx1"/>
+            </a:solidFill>
+          </a:ln>
+          <a:effectLst/>
+        </p:spPr>
+        <p:style>
+          <a:lnRef idx="2">
+            <a:schemeClr val="accent1"/>
+          </a:lnRef>
+          <a:fillRef idx="0">
+            <a:schemeClr val="accent1"/>
+          </a:fillRef>
+          <a:effectRef idx="1">
+            <a:schemeClr val="accent1"/>
+          </a:effectRef>
+          <a:fontRef idx="minor">
+            <a:schemeClr val="tx1"/>
+          </a:fontRef>
+        </p:style>
+      </p:cxnSp>
+      <p:cxnSp>
+        <p:nvCxnSpPr>
+          <p:cNvPr id="96" name="Straight Connector 95"/>
+          <p:cNvCxnSpPr/>
+          <p:nvPr/>
+        </p:nvCxnSpPr>
+        <p:spPr>
+          <a:xfrm flipH="1">
+            <a:off x="9751454" y="5989262"/>
+            <a:ext cx="371539" cy="0"/>
+          </a:xfrm>
+          <a:prstGeom prst="line">
+            <a:avLst/>
+          </a:prstGeom>
+          <a:ln>
+            <a:solidFill>
+              <a:schemeClr val="tx1"/>
+            </a:solidFill>
+          </a:ln>
+          <a:effectLst/>
+        </p:spPr>
+        <p:style>
+          <a:lnRef idx="2">
+            <a:schemeClr val="accent1"/>
+          </a:lnRef>
+          <a:fillRef idx="0">
+            <a:schemeClr val="accent1"/>
+          </a:fillRef>
+          <a:effectRef idx="1">
+            <a:schemeClr val="accent1"/>
+          </a:effectRef>
+          <a:fontRef idx="minor">
+            <a:schemeClr val="tx1"/>
+          </a:fontRef>
+        </p:style>
+      </p:cxnSp>
+      <p:sp>
+        <p:nvSpPr>
+          <p:cNvPr id="98" name="Rectangle 97"/>
+          <p:cNvSpPr/>
+          <p:nvPr/>
+        </p:nvSpPr>
+        <p:spPr>
+          <a:xfrm>
+            <a:off x="9630271" y="5840672"/>
+            <a:ext cx="136486" cy="662991"/>
+          </a:xfrm>
+          <a:prstGeom prst="rect">
+            <a:avLst/>
+          </a:prstGeom>
+          <a:solidFill>
+            <a:schemeClr val="tx1"/>
+          </a:solidFill>
+          <a:ln>
+            <a:noFill/>
+          </a:ln>
+          <a:effectLst/>
+        </p:spPr>
+        <p:style>
+          <a:lnRef idx="1">
+            <a:schemeClr val="accent1"/>
+          </a:lnRef>
+          <a:fillRef idx="3">
+            <a:schemeClr val="accent1"/>
+          </a:fillRef>
+          <a:effectRef idx="2">
+            <a:schemeClr val="accent1"/>
+          </a:effectRef>
+          <a:fontRef idx="minor">
+            <a:schemeClr val="lt1"/>
+          </a:fontRef>
+        </p:style>
+        <p:txBody>
+          <a:bodyPr rtlCol="0" anchor="ctr"/>
+          <a:lstStyle/>
+          <a:p>
+            <a:pPr algn="ctr"/>
+            <a:endParaRPr lang="en-US"/>
+          </a:p>
+        </p:txBody>
+      </p:sp>
+      <p:cxnSp>
+        <p:nvCxnSpPr>
+          <p:cNvPr id="99" name="Straight Arrow Connector 98"/>
+          <p:cNvCxnSpPr/>
+          <p:nvPr/>
+        </p:nvCxnSpPr>
+        <p:spPr>
+          <a:xfrm flipH="1">
+            <a:off x="4563307" y="6369157"/>
+            <a:ext cx="5180954" cy="1"/>
+          </a:xfrm>
+          <a:prstGeom prst="straightConnector1">
+            <a:avLst/>
+          </a:prstGeom>
+          <a:ln>
+            <a:solidFill>
+              <a:schemeClr val="tx1"/>
+            </a:solidFill>
+            <a:prstDash val="dash"/>
+            <a:tailEnd type="arrow"/>
+          </a:ln>
+          <a:effectLst/>
+        </p:spPr>
+        <p:style>
+          <a:lnRef idx="2">
+            <a:schemeClr val="accent1"/>
+          </a:lnRef>
+          <a:fillRef idx="0">
+            <a:schemeClr val="accent1"/>
+          </a:fillRef>
+          <a:effectRef idx="1">
+            <a:schemeClr val="accent1"/>
+          </a:effectRef>
+          <a:fontRef idx="minor">
+            <a:schemeClr val="tx1"/>
+          </a:fontRef>
+        </p:style>
+      </p:cxnSp>
+      <p:cxnSp>
+        <p:nvCxnSpPr>
+          <p:cNvPr id="101" name="Straight Arrow Connector 100"/>
+          <p:cNvCxnSpPr/>
+          <p:nvPr/>
+        </p:nvCxnSpPr>
+        <p:spPr>
+          <a:xfrm>
+            <a:off x="4578700" y="5918983"/>
+            <a:ext cx="5051571" cy="5215"/>
+          </a:xfrm>
+          <a:prstGeom prst="straightConnector1">
+            <a:avLst/>
+          </a:prstGeom>
+          <a:ln>
+            <a:solidFill>
+              <a:schemeClr val="tx1"/>
+            </a:solidFill>
+            <a:tailEnd type="arrow"/>
+          </a:ln>
+          <a:effectLst/>
+        </p:spPr>
+        <p:style>
+          <a:lnRef idx="2">
+            <a:schemeClr val="accent1"/>
+          </a:lnRef>
+          <a:fillRef idx="0">
+            <a:schemeClr val="accent1"/>
+          </a:fillRef>
+          <a:effectRef idx="1">
+            <a:schemeClr val="accent1"/>
+          </a:effectRef>
+          <a:fontRef idx="minor">
+            <a:schemeClr val="tx1"/>
+          </a:fontRef>
+        </p:style>
+      </p:cxnSp>
+      <p:sp>
+        <p:nvSpPr>
+          <p:cNvPr id="102" name="TextBox 101"/>
+          <p:cNvSpPr txBox="1"/>
+          <p:nvPr/>
+        </p:nvSpPr>
+        <p:spPr>
+          <a:xfrm>
+            <a:off x="5567887" y="5616421"/>
+            <a:ext cx="2106095" cy="307777"/>
+          </a:xfrm>
+          <a:prstGeom prst="rect">
+            <a:avLst/>
+          </a:prstGeom>
+          <a:noFill/>
+        </p:spPr>
+        <p:txBody>
+          <a:bodyPr wrap="square" rtlCol="0">
+            <a:spAutoFit/>
+          </a:bodyPr>
+          <a:lstStyle/>
+          <a:p>
+            <a:pPr algn="ctr"/>
+            <a:r>
+              <a:rPr lang="en-US" sz="1400" dirty="0" smtClean="0"/>
+              <a:t>16: </a:t>
+            </a:r>
+            <a:r>
+              <a:rPr lang="en-US" sz="1400" dirty="0" smtClean="0"/>
+              <a:t>check </a:t>
+            </a:r>
+            <a:r>
+              <a:rPr lang="en-US" sz="1400" dirty="0" smtClean="0"/>
+              <a:t>tutorial id</a:t>
+            </a:r>
+            <a:endParaRPr lang="en-US" sz="1400" dirty="0"/>
+          </a:p>
+        </p:txBody>
+      </p:sp>
+      <p:sp>
+        <p:nvSpPr>
+          <p:cNvPr id="103" name="TextBox 102"/>
+          <p:cNvSpPr txBox="1"/>
+          <p:nvPr/>
+        </p:nvSpPr>
+        <p:spPr>
+          <a:xfrm>
+            <a:off x="6678748" y="6045543"/>
+            <a:ext cx="1376987" cy="307777"/>
+          </a:xfrm>
+          <a:prstGeom prst="rect">
+            <a:avLst/>
+          </a:prstGeom>
+          <a:noFill/>
+        </p:spPr>
+        <p:txBody>
+          <a:bodyPr wrap="none" rtlCol="0">
+            <a:spAutoFit/>
+          </a:bodyPr>
+          <a:lstStyle/>
+          <a:p>
+            <a:pPr algn="ctr"/>
+            <a:r>
+              <a:rPr lang="en-US" sz="1400" dirty="0" smtClean="0"/>
+              <a:t>18: </a:t>
+            </a:r>
+            <a:r>
+              <a:rPr lang="en-US" sz="1400" dirty="0" smtClean="0"/>
+              <a:t>return result</a:t>
+            </a:r>
+            <a:endParaRPr lang="en-US" sz="1400" dirty="0"/>
+          </a:p>
+        </p:txBody>
+      </p:sp>
+      <p:sp>
+        <p:nvSpPr>
+          <p:cNvPr id="104" name="TextBox 103"/>
+          <p:cNvSpPr txBox="1"/>
+          <p:nvPr/>
+        </p:nvSpPr>
+        <p:spPr>
+          <a:xfrm>
+            <a:off x="9803009" y="5235439"/>
+            <a:ext cx="817426" cy="738664"/>
+          </a:xfrm>
+          <a:prstGeom prst="rect">
+            <a:avLst/>
+          </a:prstGeom>
+          <a:noFill/>
+        </p:spPr>
+        <p:txBody>
+          <a:bodyPr wrap="none" rtlCol="0">
+            <a:spAutoFit/>
+          </a:bodyPr>
+          <a:lstStyle/>
+          <a:p>
+            <a:r>
+              <a:rPr lang="en-US" sz="1400" dirty="0" smtClean="0"/>
+              <a:t>17: add</a:t>
+            </a:r>
+            <a:endParaRPr lang="en-US" sz="1400" dirty="0" smtClean="0"/>
+          </a:p>
+          <a:p>
+            <a:r>
+              <a:rPr lang="en-US" sz="1400" dirty="0"/>
+              <a:t>(</a:t>
+            </a:r>
+            <a:r>
+              <a:rPr lang="en-US" sz="1400" dirty="0" smtClean="0"/>
+              <a:t>like </a:t>
+            </a:r>
+          </a:p>
+          <a:p>
+            <a:r>
+              <a:rPr lang="en-US" sz="1400" dirty="0"/>
+              <a:t>n</a:t>
+            </a:r>
+            <a:r>
+              <a:rPr lang="en-US" sz="1400" dirty="0" smtClean="0"/>
+              <a:t>umber)</a:t>
+            </a:r>
+            <a:endParaRPr lang="en-US" sz="1400" dirty="0"/>
+          </a:p>
+        </p:txBody>
+      </p:sp>
+    </p:spTree>
+    <p:extLst>
+      <p:ext uri="{BB962C8B-B14F-4D97-AF65-F5344CB8AC3E}">
+        <p14:creationId xmlns:p14="http://schemas.microsoft.com/office/powerpoint/2010/main" val="1394437334"/>
+      </p:ext>
+    </p:extLst>
+  </p:cSld>
+  <p:clrMapOvr>
+    <a:masterClrMapping/>
+  </p:clrMapOvr>
+</p:sld>
+</file>
+
+<file path=ppt/slides/slide31.xml><?xml version="1.0" encoding="utf-8"?>
+<p:sld xmlns:a="http://schemas.openxmlformats.org/drawingml/2006/main" xmlns:r="http://schemas.openxmlformats.org/officeDocument/2006/relationships" xmlns:p="http://schemas.openxmlformats.org/presentationml/2006/main">
+  <p:cSld>
+    <p:spTree>
+      <p:nvGrpSpPr>
+        <p:cNvPr id="1" name=""/>
+        <p:cNvGrpSpPr/>
+        <p:nvPr/>
+      </p:nvGrpSpPr>
+      <p:grpSpPr>
+        <a:xfrm>
+          <a:off x="0" y="0"/>
+          <a:ext cx="0" cy="0"/>
+          <a:chOff x="0" y="0"/>
+          <a:chExt cx="0" cy="0"/>
+        </a:xfrm>
+      </p:grpSpPr>
+      <p:sp>
+        <p:nvSpPr>
+          <p:cNvPr id="3" name="Rectangle 2"/>
+          <p:cNvSpPr/>
+          <p:nvPr/>
+        </p:nvSpPr>
+        <p:spPr>
+          <a:xfrm>
+            <a:off x="11662" y="767923"/>
+            <a:ext cx="1285594" cy="511156"/>
+          </a:xfrm>
+          <a:prstGeom prst="rect">
+            <a:avLst/>
+          </a:prstGeom>
+          <a:solidFill>
+            <a:schemeClr val="tx1">
+              <a:lumMod val="85000"/>
+              <a:lumOff val="15000"/>
+            </a:schemeClr>
+          </a:solidFill>
+          <a:ln>
+            <a:noFill/>
+          </a:ln>
+          <a:effectLst/>
+        </p:spPr>
+        <p:style>
+          <a:lnRef idx="1">
+            <a:schemeClr val="accent1"/>
+          </a:lnRef>
+          <a:fillRef idx="3">
+            <a:schemeClr val="accent1"/>
+          </a:fillRef>
+          <a:effectRef idx="2">
+            <a:schemeClr val="accent1"/>
+          </a:effectRef>
+          <a:fontRef idx="minor">
+            <a:schemeClr val="lt1"/>
+          </a:fontRef>
+        </p:style>
+        <p:txBody>
+          <a:bodyPr rtlCol="0" anchor="ctr"/>
+          <a:lstStyle/>
+          <a:p>
+            <a:pPr algn="ctr"/>
+            <a:r>
+              <a:rPr lang="en-US" dirty="0"/>
+              <a:t>Blogger</a:t>
+            </a:r>
+          </a:p>
+        </p:txBody>
+      </p:sp>
+      <p:cxnSp>
+        <p:nvCxnSpPr>
+          <p:cNvPr id="4" name="Straight Connector 3"/>
+          <p:cNvCxnSpPr>
+            <a:stCxn id="3" idx="2"/>
+          </p:cNvCxnSpPr>
+          <p:nvPr/>
+        </p:nvCxnSpPr>
+        <p:spPr>
+          <a:xfrm>
+            <a:off x="654459" y="1279079"/>
+            <a:ext cx="0" cy="5446993"/>
+          </a:xfrm>
+          <a:prstGeom prst="line">
+            <a:avLst/>
+          </a:prstGeom>
+          <a:ln>
+            <a:solidFill>
+              <a:schemeClr val="tx1"/>
+            </a:solidFill>
+          </a:ln>
+          <a:effectLst/>
+        </p:spPr>
+        <p:style>
+          <a:lnRef idx="2">
+            <a:schemeClr val="accent1"/>
+          </a:lnRef>
+          <a:fillRef idx="0">
+            <a:schemeClr val="accent1"/>
+          </a:fillRef>
+          <a:effectRef idx="1">
+            <a:schemeClr val="accent1"/>
+          </a:effectRef>
+          <a:fontRef idx="minor">
+            <a:schemeClr val="tx1"/>
+          </a:fontRef>
+        </p:style>
+      </p:cxnSp>
+      <p:sp>
+        <p:nvSpPr>
+          <p:cNvPr id="7" name="Rectangle 6"/>
+          <p:cNvSpPr/>
+          <p:nvPr/>
+        </p:nvSpPr>
+        <p:spPr>
+          <a:xfrm>
+            <a:off x="5799857" y="767923"/>
+            <a:ext cx="1615847" cy="511156"/>
+          </a:xfrm>
+          <a:prstGeom prst="rect">
+            <a:avLst/>
+          </a:prstGeom>
+          <a:solidFill>
+            <a:schemeClr val="tx1">
+              <a:lumMod val="85000"/>
+              <a:lumOff val="15000"/>
+            </a:schemeClr>
+          </a:solidFill>
+          <a:ln>
+            <a:noFill/>
+          </a:ln>
+          <a:effectLst/>
+        </p:spPr>
+        <p:style>
+          <a:lnRef idx="1">
+            <a:schemeClr val="accent1"/>
+          </a:lnRef>
+          <a:fillRef idx="3">
+            <a:schemeClr val="accent1"/>
+          </a:fillRef>
+          <a:effectRef idx="2">
+            <a:schemeClr val="accent1"/>
+          </a:effectRef>
+          <a:fontRef idx="minor">
+            <a:schemeClr val="lt1"/>
+          </a:fontRef>
+        </p:style>
+        <p:txBody>
+          <a:bodyPr rtlCol="0" anchor="ctr"/>
+          <a:lstStyle/>
+          <a:p>
+            <a:pPr algn="ctr"/>
+            <a:r>
+              <a:rPr lang="en-US" sz="1600" dirty="0"/>
+              <a:t>Tutorial Database</a:t>
+            </a:r>
+          </a:p>
+        </p:txBody>
+      </p:sp>
+      <p:cxnSp>
+        <p:nvCxnSpPr>
+          <p:cNvPr id="9" name="Straight Connector 8"/>
+          <p:cNvCxnSpPr/>
+          <p:nvPr/>
+        </p:nvCxnSpPr>
+        <p:spPr>
+          <a:xfrm>
+            <a:off x="4498255" y="1279079"/>
+            <a:ext cx="32236" cy="5446993"/>
+          </a:xfrm>
+          <a:prstGeom prst="line">
+            <a:avLst/>
+          </a:prstGeom>
+          <a:ln>
+            <a:solidFill>
+              <a:schemeClr val="tx1"/>
+            </a:solidFill>
+          </a:ln>
+          <a:effectLst/>
+        </p:spPr>
+        <p:style>
+          <a:lnRef idx="2">
+            <a:schemeClr val="accent1"/>
+          </a:lnRef>
+          <a:fillRef idx="0">
+            <a:schemeClr val="accent1"/>
+          </a:fillRef>
+          <a:effectRef idx="1">
+            <a:schemeClr val="accent1"/>
+          </a:effectRef>
+          <a:fontRef idx="minor">
+            <a:schemeClr val="tx1"/>
+          </a:fontRef>
+        </p:style>
+      </p:cxnSp>
+      <p:cxnSp>
+        <p:nvCxnSpPr>
+          <p:cNvPr id="10" name="Straight Connector 9"/>
+          <p:cNvCxnSpPr>
+            <a:stCxn id="7" idx="2"/>
+          </p:cNvCxnSpPr>
+          <p:nvPr/>
+        </p:nvCxnSpPr>
+        <p:spPr>
+          <a:xfrm>
+            <a:off x="6607781" y="1279079"/>
+            <a:ext cx="0" cy="5446993"/>
+          </a:xfrm>
+          <a:prstGeom prst="line">
+            <a:avLst/>
+          </a:prstGeom>
+          <a:ln>
+            <a:solidFill>
+              <a:schemeClr val="tx1"/>
+            </a:solidFill>
+          </a:ln>
+          <a:effectLst/>
+        </p:spPr>
+        <p:style>
+          <a:lnRef idx="2">
+            <a:schemeClr val="accent1"/>
+          </a:lnRef>
+          <a:fillRef idx="0">
+            <a:schemeClr val="accent1"/>
+          </a:fillRef>
+          <a:effectRef idx="1">
+            <a:schemeClr val="accent1"/>
+          </a:effectRef>
+          <a:fontRef idx="minor">
+            <a:schemeClr val="tx1"/>
+          </a:fontRef>
+        </p:style>
+      </p:cxnSp>
+      <p:sp>
+        <p:nvSpPr>
+          <p:cNvPr id="16" name="Rectangle 15"/>
+          <p:cNvSpPr/>
+          <p:nvPr/>
+        </p:nvSpPr>
+        <p:spPr>
+          <a:xfrm>
+            <a:off x="584757" y="1400204"/>
+            <a:ext cx="139406" cy="5199132"/>
+          </a:xfrm>
+          <a:prstGeom prst="rect">
+            <a:avLst/>
+          </a:prstGeom>
+          <a:solidFill>
+            <a:schemeClr val="tx1"/>
+          </a:solidFill>
+          <a:ln>
+            <a:noFill/>
+          </a:ln>
+          <a:effectLst/>
+        </p:spPr>
+        <p:style>
+          <a:lnRef idx="1">
+            <a:schemeClr val="accent1"/>
+          </a:lnRef>
+          <a:fillRef idx="3">
+            <a:schemeClr val="accent1"/>
+          </a:fillRef>
+          <a:effectRef idx="2">
+            <a:schemeClr val="accent1"/>
+          </a:effectRef>
+          <a:fontRef idx="minor">
+            <a:schemeClr val="lt1"/>
+          </a:fontRef>
+        </p:style>
+        <p:txBody>
+          <a:bodyPr rtlCol="0" anchor="ctr"/>
+          <a:lstStyle/>
+          <a:p>
+            <a:pPr algn="ctr"/>
+            <a:endParaRPr lang="en-US"/>
+          </a:p>
+        </p:txBody>
+      </p:sp>
+      <p:cxnSp>
+        <p:nvCxnSpPr>
+          <p:cNvPr id="37" name="Straight Arrow Connector 36"/>
+          <p:cNvCxnSpPr/>
+          <p:nvPr/>
+        </p:nvCxnSpPr>
+        <p:spPr>
+          <a:xfrm>
+            <a:off x="654459" y="2628786"/>
+            <a:ext cx="3790172" cy="18384"/>
+          </a:xfrm>
+          <a:prstGeom prst="straightConnector1">
+            <a:avLst/>
+          </a:prstGeom>
+          <a:ln>
+            <a:solidFill>
+              <a:schemeClr val="tx1"/>
+            </a:solidFill>
+            <a:tailEnd type="arrow"/>
+          </a:ln>
+          <a:effectLst/>
+        </p:spPr>
+        <p:style>
+          <a:lnRef idx="2">
+            <a:schemeClr val="accent1"/>
+          </a:lnRef>
+          <a:fillRef idx="0">
+            <a:schemeClr val="accent1"/>
+          </a:fillRef>
+          <a:effectRef idx="1">
+            <a:schemeClr val="accent1"/>
+          </a:effectRef>
+          <a:fontRef idx="minor">
+            <a:schemeClr val="tx1"/>
+          </a:fontRef>
+        </p:style>
+      </p:cxnSp>
+      <p:cxnSp>
+        <p:nvCxnSpPr>
+          <p:cNvPr id="40" name="Straight Arrow Connector 39"/>
+          <p:cNvCxnSpPr/>
+          <p:nvPr/>
+        </p:nvCxnSpPr>
+        <p:spPr>
+          <a:xfrm flipH="1" flipV="1">
+            <a:off x="724163" y="3539126"/>
+            <a:ext cx="3720468" cy="18170"/>
+          </a:xfrm>
+          <a:prstGeom prst="straightConnector1">
+            <a:avLst/>
+          </a:prstGeom>
+          <a:ln>
+            <a:solidFill>
+              <a:schemeClr val="tx1"/>
+            </a:solidFill>
+            <a:prstDash val="dash"/>
+            <a:tailEnd type="arrow"/>
+          </a:ln>
+          <a:effectLst/>
+        </p:spPr>
+        <p:style>
+          <a:lnRef idx="2">
+            <a:schemeClr val="accent1"/>
+          </a:lnRef>
+          <a:fillRef idx="0">
+            <a:schemeClr val="accent1"/>
+          </a:fillRef>
+          <a:effectRef idx="1">
+            <a:schemeClr val="accent1"/>
+          </a:effectRef>
+          <a:fontRef idx="minor">
+            <a:schemeClr val="tx1"/>
+          </a:fontRef>
+        </p:style>
+      </p:cxnSp>
+      <p:sp>
+        <p:nvSpPr>
+          <p:cNvPr id="49" name="TextBox 48"/>
+          <p:cNvSpPr txBox="1"/>
+          <p:nvPr/>
+        </p:nvSpPr>
+        <p:spPr>
+          <a:xfrm>
+            <a:off x="1393982" y="3249519"/>
+            <a:ext cx="2376447" cy="307777"/>
+          </a:xfrm>
+          <a:prstGeom prst="rect">
+            <a:avLst/>
+          </a:prstGeom>
+          <a:noFill/>
+        </p:spPr>
+        <p:txBody>
+          <a:bodyPr wrap="none" rtlCol="0">
+            <a:spAutoFit/>
+          </a:bodyPr>
+          <a:lstStyle/>
+          <a:p>
+            <a:pPr algn="ctr"/>
+            <a:r>
+              <a:rPr lang="en-US" sz="1400" dirty="0"/>
+              <a:t>9</a:t>
+            </a:r>
+            <a:r>
+              <a:rPr lang="en-US" sz="1400" dirty="0" smtClean="0"/>
+              <a:t>: Display tutorial </a:t>
+            </a:r>
+            <a:r>
+              <a:rPr lang="en-US" sz="1400" dirty="0" smtClean="0"/>
+              <a:t>information</a:t>
+            </a:r>
+            <a:endParaRPr lang="en-US" sz="1400" dirty="0" smtClean="0"/>
+          </a:p>
+        </p:txBody>
+      </p:sp>
+      <p:cxnSp>
+        <p:nvCxnSpPr>
+          <p:cNvPr id="42" name="Straight Arrow Connector 41"/>
+          <p:cNvCxnSpPr/>
+          <p:nvPr/>
+        </p:nvCxnSpPr>
+        <p:spPr>
+          <a:xfrm flipH="1">
+            <a:off x="4575992" y="3394451"/>
+            <a:ext cx="1962088" cy="0"/>
+          </a:xfrm>
+          <a:prstGeom prst="straightConnector1">
+            <a:avLst/>
+          </a:prstGeom>
+          <a:ln>
+            <a:solidFill>
+              <a:schemeClr val="tx1"/>
+            </a:solidFill>
+            <a:prstDash val="dash"/>
+            <a:tailEnd type="arrow"/>
+          </a:ln>
+          <a:effectLst/>
+        </p:spPr>
+        <p:style>
+          <a:lnRef idx="2">
+            <a:schemeClr val="accent1"/>
+          </a:lnRef>
+          <a:fillRef idx="0">
+            <a:schemeClr val="accent1"/>
+          </a:fillRef>
+          <a:effectRef idx="1">
+            <a:schemeClr val="accent1"/>
+          </a:effectRef>
+          <a:fontRef idx="minor">
+            <a:schemeClr val="tx1"/>
+          </a:fontRef>
+        </p:style>
+      </p:cxnSp>
+      <p:sp>
+        <p:nvSpPr>
+          <p:cNvPr id="50" name="TextBox 49"/>
+          <p:cNvSpPr txBox="1"/>
+          <p:nvPr/>
+        </p:nvSpPr>
+        <p:spPr>
+          <a:xfrm>
+            <a:off x="3789671" y="3099210"/>
+            <a:ext cx="3489212" cy="523220"/>
+          </a:xfrm>
+          <a:prstGeom prst="rect">
+            <a:avLst/>
+          </a:prstGeom>
+          <a:noFill/>
+        </p:spPr>
+        <p:txBody>
+          <a:bodyPr wrap="square" rtlCol="0">
+            <a:spAutoFit/>
+          </a:bodyPr>
+          <a:lstStyle/>
+          <a:p>
+            <a:pPr algn="ctr"/>
+            <a:r>
+              <a:rPr lang="en-US" sz="1400" dirty="0"/>
+              <a:t>8</a:t>
+            </a:r>
+            <a:r>
+              <a:rPr lang="en-US" sz="1400" dirty="0" smtClean="0"/>
+              <a:t>: Return selected </a:t>
+            </a:r>
+          </a:p>
+          <a:p>
+            <a:pPr algn="ctr"/>
+            <a:r>
+              <a:rPr lang="en-US" sz="1400" dirty="0" smtClean="0"/>
+              <a:t>tutorial </a:t>
+            </a:r>
+            <a:r>
+              <a:rPr lang="en-US" sz="1400" dirty="0" smtClean="0"/>
+              <a:t>information</a:t>
+            </a:r>
+            <a:endParaRPr lang="en-US" sz="1400" dirty="0"/>
+          </a:p>
+        </p:txBody>
+      </p:sp>
+      <p:sp>
+        <p:nvSpPr>
+          <p:cNvPr id="54" name="Rectangle 53"/>
+          <p:cNvSpPr/>
+          <p:nvPr/>
+        </p:nvSpPr>
+        <p:spPr>
+          <a:xfrm>
+            <a:off x="6538080" y="2749090"/>
+            <a:ext cx="146127" cy="2114030"/>
+          </a:xfrm>
+          <a:prstGeom prst="rect">
+            <a:avLst/>
+          </a:prstGeom>
+          <a:solidFill>
+            <a:schemeClr val="tx1"/>
+          </a:solidFill>
+          <a:ln>
+            <a:noFill/>
+          </a:ln>
+          <a:effectLst/>
+        </p:spPr>
+        <p:style>
+          <a:lnRef idx="1">
+            <a:schemeClr val="accent1"/>
+          </a:lnRef>
+          <a:fillRef idx="3">
+            <a:schemeClr val="accent1"/>
+          </a:fillRef>
+          <a:effectRef idx="2">
+            <a:schemeClr val="accent1"/>
+          </a:effectRef>
+          <a:fontRef idx="minor">
+            <a:schemeClr val="lt1"/>
+          </a:fontRef>
+        </p:style>
+        <p:txBody>
+          <a:bodyPr rtlCol="0" anchor="ctr"/>
+          <a:lstStyle/>
+          <a:p>
+            <a:pPr algn="ctr"/>
+            <a:endParaRPr lang="en-US"/>
+          </a:p>
+        </p:txBody>
+      </p:sp>
+      <p:sp>
+        <p:nvSpPr>
+          <p:cNvPr id="55" name="Rectangle 54"/>
+          <p:cNvSpPr/>
+          <p:nvPr/>
+        </p:nvSpPr>
+        <p:spPr>
+          <a:xfrm>
+            <a:off x="4444631" y="2549930"/>
+            <a:ext cx="131361" cy="4049406"/>
+          </a:xfrm>
+          <a:prstGeom prst="rect">
+            <a:avLst/>
+          </a:prstGeom>
+          <a:solidFill>
+            <a:schemeClr val="tx1"/>
+          </a:solidFill>
+          <a:ln>
+            <a:noFill/>
+          </a:ln>
+          <a:effectLst/>
+        </p:spPr>
+        <p:style>
+          <a:lnRef idx="1">
+            <a:schemeClr val="accent1"/>
+          </a:lnRef>
+          <a:fillRef idx="3">
+            <a:schemeClr val="accent1"/>
+          </a:fillRef>
+          <a:effectRef idx="2">
+            <a:schemeClr val="accent1"/>
+          </a:effectRef>
+          <a:fontRef idx="minor">
+            <a:schemeClr val="lt1"/>
+          </a:fontRef>
+        </p:style>
+        <p:txBody>
+          <a:bodyPr rtlCol="0" anchor="ctr"/>
+          <a:lstStyle/>
+          <a:p>
+            <a:pPr algn="ctr"/>
+            <a:endParaRPr lang="en-US"/>
+          </a:p>
+        </p:txBody>
+      </p:sp>
+      <p:pic>
+        <p:nvPicPr>
+          <p:cNvPr id="31" name="Picture 30" descr="user.png"/>
+          <p:cNvPicPr>
+            <a:picLocks noChangeAspect="1"/>
+          </p:cNvPicPr>
+          <p:nvPr/>
+        </p:nvPicPr>
+        <p:blipFill>
+          <a:blip r:embed="rId2">
+            <a:extLst>
+              <a:ext uri="{28A0092B-C50C-407E-A947-70E740481C1C}">
+                <a14:useLocalDpi xmlns:a14="http://schemas.microsoft.com/office/drawing/2010/main" val="0"/>
+              </a:ext>
+            </a:extLst>
+          </a:blip>
+          <a:stretch>
+            <a:fillRect/>
+          </a:stretch>
+        </p:blipFill>
+        <p:spPr>
+          <a:xfrm>
+            <a:off x="114612" y="-111634"/>
+            <a:ext cx="1040549" cy="1040549"/>
+          </a:xfrm>
+          <a:prstGeom prst="rect">
+            <a:avLst/>
+          </a:prstGeom>
+        </p:spPr>
+      </p:pic>
+      <p:sp>
+        <p:nvSpPr>
+          <p:cNvPr id="33" name="Rectangle 32"/>
+          <p:cNvSpPr/>
+          <p:nvPr/>
+        </p:nvSpPr>
+        <p:spPr>
+          <a:xfrm>
+            <a:off x="1635488" y="767923"/>
+            <a:ext cx="1639837" cy="511156"/>
+          </a:xfrm>
+          <a:prstGeom prst="rect">
+            <a:avLst/>
+          </a:prstGeom>
+          <a:solidFill>
+            <a:schemeClr val="tx1">
+              <a:lumMod val="85000"/>
+              <a:lumOff val="15000"/>
+            </a:schemeClr>
+          </a:solidFill>
+          <a:ln>
+            <a:noFill/>
+          </a:ln>
+          <a:effectLst/>
+        </p:spPr>
+        <p:style>
+          <a:lnRef idx="1">
+            <a:schemeClr val="accent1"/>
+          </a:lnRef>
+          <a:fillRef idx="3">
+            <a:schemeClr val="accent1"/>
+          </a:fillRef>
+          <a:effectRef idx="2">
+            <a:schemeClr val="accent1"/>
+          </a:effectRef>
+          <a:fontRef idx="minor">
+            <a:schemeClr val="lt1"/>
+          </a:fontRef>
+        </p:style>
+        <p:txBody>
+          <a:bodyPr rtlCol="0" anchor="ctr"/>
+          <a:lstStyle/>
+          <a:p>
+            <a:pPr algn="ctr"/>
+            <a:r>
+              <a:rPr lang="en-US" dirty="0" err="1" smtClean="0"/>
+              <a:t>HomeBlogger</a:t>
+            </a:r>
+            <a:endParaRPr lang="en-US" dirty="0"/>
+          </a:p>
+        </p:txBody>
+      </p:sp>
+      <p:cxnSp>
+        <p:nvCxnSpPr>
+          <p:cNvPr id="34" name="Straight Connector 33"/>
+          <p:cNvCxnSpPr>
+            <a:stCxn id="33" idx="2"/>
+          </p:cNvCxnSpPr>
+          <p:nvPr/>
+        </p:nvCxnSpPr>
+        <p:spPr>
+          <a:xfrm>
+            <a:off x="2455407" y="1279079"/>
+            <a:ext cx="0" cy="5446993"/>
+          </a:xfrm>
+          <a:prstGeom prst="line">
+            <a:avLst/>
+          </a:prstGeom>
+          <a:ln>
+            <a:solidFill>
+              <a:schemeClr val="tx1"/>
+            </a:solidFill>
+          </a:ln>
+          <a:effectLst/>
+        </p:spPr>
+        <p:style>
+          <a:lnRef idx="2">
+            <a:schemeClr val="accent1"/>
+          </a:lnRef>
+          <a:fillRef idx="0">
+            <a:schemeClr val="accent1"/>
+          </a:fillRef>
+          <a:effectRef idx="1">
+            <a:schemeClr val="accent1"/>
+          </a:effectRef>
+          <a:fontRef idx="minor">
+            <a:schemeClr val="tx1"/>
+          </a:fontRef>
+        </p:style>
+      </p:cxnSp>
+      <p:cxnSp>
+        <p:nvCxnSpPr>
+          <p:cNvPr id="43" name="Straight Arrow Connector 42"/>
+          <p:cNvCxnSpPr/>
+          <p:nvPr/>
+        </p:nvCxnSpPr>
+        <p:spPr>
+          <a:xfrm>
+            <a:off x="4444631" y="2820830"/>
+            <a:ext cx="2087381" cy="0"/>
+          </a:xfrm>
+          <a:prstGeom prst="straightConnector1">
+            <a:avLst/>
+          </a:prstGeom>
+          <a:ln>
+            <a:solidFill>
+              <a:schemeClr val="tx1"/>
+            </a:solidFill>
+            <a:tailEnd type="arrow"/>
+          </a:ln>
+          <a:effectLst/>
+        </p:spPr>
+        <p:style>
+          <a:lnRef idx="2">
+            <a:schemeClr val="accent1"/>
+          </a:lnRef>
+          <a:fillRef idx="0">
+            <a:schemeClr val="accent1"/>
+          </a:fillRef>
+          <a:effectRef idx="1">
+            <a:schemeClr val="accent1"/>
+          </a:effectRef>
+          <a:fontRef idx="minor">
+            <a:schemeClr val="tx1"/>
+          </a:fontRef>
+        </p:style>
+      </p:cxnSp>
+      <p:sp>
+        <p:nvSpPr>
+          <p:cNvPr id="52" name="TextBox 51"/>
+          <p:cNvSpPr txBox="1"/>
+          <p:nvPr/>
+        </p:nvSpPr>
+        <p:spPr>
+          <a:xfrm>
+            <a:off x="1618318" y="2327860"/>
+            <a:ext cx="1510149" cy="307777"/>
+          </a:xfrm>
+          <a:prstGeom prst="rect">
+            <a:avLst/>
+          </a:prstGeom>
+          <a:noFill/>
+        </p:spPr>
+        <p:txBody>
+          <a:bodyPr wrap="none" rtlCol="0">
+            <a:spAutoFit/>
+          </a:bodyPr>
+          <a:lstStyle/>
+          <a:p>
+            <a:r>
+              <a:rPr lang="en-US" sz="1400" dirty="0"/>
+              <a:t>6</a:t>
+            </a:r>
+            <a:r>
+              <a:rPr lang="en-US" sz="1400" dirty="0" smtClean="0"/>
+              <a:t>: </a:t>
+            </a:r>
+            <a:r>
+              <a:rPr lang="en-US" sz="1400" dirty="0"/>
+              <a:t>S</a:t>
+            </a:r>
+            <a:r>
+              <a:rPr lang="en-US" sz="1400" dirty="0" smtClean="0"/>
+              <a:t>elect a tutorial</a:t>
+            </a:r>
+            <a:endParaRPr lang="en-US" sz="1400" dirty="0"/>
+          </a:p>
+        </p:txBody>
+      </p:sp>
+      <p:sp>
+        <p:nvSpPr>
+          <p:cNvPr id="53" name="TextBox 52"/>
+          <p:cNvSpPr txBox="1"/>
+          <p:nvPr/>
+        </p:nvSpPr>
+        <p:spPr>
+          <a:xfrm>
+            <a:off x="4058102" y="2514434"/>
+            <a:ext cx="2927293" cy="523220"/>
+          </a:xfrm>
+          <a:prstGeom prst="rect">
+            <a:avLst/>
+          </a:prstGeom>
+          <a:noFill/>
+        </p:spPr>
+        <p:txBody>
+          <a:bodyPr wrap="square" rtlCol="0">
+            <a:spAutoFit/>
+          </a:bodyPr>
+          <a:lstStyle/>
+          <a:p>
+            <a:pPr algn="ctr"/>
+            <a:r>
+              <a:rPr lang="en-US" sz="1400" dirty="0"/>
+              <a:t>7</a:t>
+            </a:r>
+            <a:r>
+              <a:rPr lang="en-US" sz="1400" dirty="0" smtClean="0"/>
+              <a:t>: Request tutorial </a:t>
+            </a:r>
+          </a:p>
+          <a:p>
+            <a:pPr algn="ctr"/>
+            <a:r>
+              <a:rPr lang="en-US" sz="1400" dirty="0" smtClean="0"/>
+              <a:t>information</a:t>
+            </a:r>
+            <a:endParaRPr lang="en-US" sz="1400" dirty="0"/>
+          </a:p>
+        </p:txBody>
+      </p:sp>
+      <p:cxnSp>
+        <p:nvCxnSpPr>
+          <p:cNvPr id="62" name="Straight Arrow Connector 61"/>
+          <p:cNvCxnSpPr/>
+          <p:nvPr/>
+        </p:nvCxnSpPr>
+        <p:spPr>
+          <a:xfrm flipH="1">
+            <a:off x="6678749" y="2043528"/>
+            <a:ext cx="364372" cy="0"/>
+          </a:xfrm>
+          <a:prstGeom prst="straightConnector1">
+            <a:avLst/>
+          </a:prstGeom>
+          <a:ln>
+            <a:solidFill>
+              <a:schemeClr val="tx1"/>
+            </a:solidFill>
+            <a:tailEnd type="arrow"/>
+          </a:ln>
+          <a:effectLst/>
+        </p:spPr>
+        <p:style>
+          <a:lnRef idx="2">
+            <a:schemeClr val="accent1"/>
+          </a:lnRef>
+          <a:fillRef idx="0">
+            <a:schemeClr val="accent1"/>
+          </a:fillRef>
+          <a:effectRef idx="1">
+            <a:schemeClr val="accent1"/>
+          </a:effectRef>
+          <a:fontRef idx="minor">
+            <a:schemeClr val="tx1"/>
+          </a:fontRef>
+        </p:style>
+      </p:cxnSp>
+      <p:cxnSp>
+        <p:nvCxnSpPr>
+          <p:cNvPr id="63" name="Straight Connector 62"/>
+          <p:cNvCxnSpPr/>
+          <p:nvPr/>
+        </p:nvCxnSpPr>
+        <p:spPr>
+          <a:xfrm flipV="1">
+            <a:off x="7043121" y="1682038"/>
+            <a:ext cx="0" cy="361490"/>
+          </a:xfrm>
+          <a:prstGeom prst="line">
+            <a:avLst/>
+          </a:prstGeom>
+          <a:ln>
+            <a:solidFill>
+              <a:schemeClr val="tx1"/>
+            </a:solidFill>
+          </a:ln>
+          <a:effectLst/>
+        </p:spPr>
+        <p:style>
+          <a:lnRef idx="2">
+            <a:schemeClr val="accent1"/>
+          </a:lnRef>
+          <a:fillRef idx="0">
+            <a:schemeClr val="accent1"/>
+          </a:fillRef>
+          <a:effectRef idx="1">
+            <a:schemeClr val="accent1"/>
+          </a:effectRef>
+          <a:fontRef idx="minor">
+            <a:schemeClr val="tx1"/>
+          </a:fontRef>
+        </p:style>
+      </p:cxnSp>
+      <p:cxnSp>
+        <p:nvCxnSpPr>
+          <p:cNvPr id="64" name="Straight Connector 63"/>
+          <p:cNvCxnSpPr/>
+          <p:nvPr/>
+        </p:nvCxnSpPr>
+        <p:spPr>
+          <a:xfrm flipH="1">
+            <a:off x="6678749" y="1682038"/>
+            <a:ext cx="364372" cy="0"/>
+          </a:xfrm>
+          <a:prstGeom prst="line">
+            <a:avLst/>
+          </a:prstGeom>
+          <a:ln>
+            <a:solidFill>
+              <a:schemeClr val="tx1"/>
+            </a:solidFill>
+          </a:ln>
+          <a:effectLst/>
+        </p:spPr>
+        <p:style>
+          <a:lnRef idx="2">
+            <a:schemeClr val="accent1"/>
+          </a:lnRef>
+          <a:fillRef idx="0">
+            <a:schemeClr val="accent1"/>
+          </a:fillRef>
+          <a:effectRef idx="1">
+            <a:schemeClr val="accent1"/>
+          </a:effectRef>
+          <a:fontRef idx="minor">
+            <a:schemeClr val="tx1"/>
+          </a:fontRef>
+        </p:style>
+      </p:cxnSp>
+      <p:sp>
+        <p:nvSpPr>
+          <p:cNvPr id="65" name="TextBox 64"/>
+          <p:cNvSpPr txBox="1"/>
+          <p:nvPr/>
+        </p:nvSpPr>
+        <p:spPr>
+          <a:xfrm>
+            <a:off x="6760629" y="1369897"/>
+            <a:ext cx="979755" cy="523220"/>
+          </a:xfrm>
+          <a:prstGeom prst="rect">
+            <a:avLst/>
+          </a:prstGeom>
+          <a:noFill/>
+        </p:spPr>
+        <p:txBody>
+          <a:bodyPr wrap="none" rtlCol="0">
+            <a:spAutoFit/>
+          </a:bodyPr>
+          <a:lstStyle/>
+          <a:p>
+            <a:pPr algn="ctr"/>
+            <a:r>
+              <a:rPr lang="en-US" sz="1400" dirty="0"/>
+              <a:t>3</a:t>
+            </a:r>
+            <a:r>
+              <a:rPr lang="en-US" sz="1400" dirty="0" smtClean="0"/>
+              <a:t>: Retrieve </a:t>
+            </a:r>
+            <a:br>
+              <a:rPr lang="en-US" sz="1400" dirty="0" smtClean="0"/>
+            </a:br>
+            <a:r>
+              <a:rPr lang="en-US" sz="1400" dirty="0" smtClean="0"/>
+              <a:t>Data</a:t>
+            </a:r>
+            <a:endParaRPr lang="en-US" sz="1400" dirty="0"/>
+          </a:p>
+        </p:txBody>
+      </p:sp>
+      <p:sp>
+        <p:nvSpPr>
+          <p:cNvPr id="66" name="Rectangle 65"/>
+          <p:cNvSpPr/>
+          <p:nvPr/>
+        </p:nvSpPr>
+        <p:spPr>
+          <a:xfrm>
+            <a:off x="3442498" y="767923"/>
+            <a:ext cx="2136996" cy="511156"/>
+          </a:xfrm>
+          <a:prstGeom prst="rect">
+            <a:avLst/>
+          </a:prstGeom>
+          <a:solidFill>
+            <a:schemeClr val="tx1">
+              <a:lumMod val="85000"/>
+              <a:lumOff val="15000"/>
+            </a:schemeClr>
+          </a:solidFill>
+          <a:ln>
+            <a:noFill/>
+          </a:ln>
+          <a:effectLst/>
+        </p:spPr>
+        <p:style>
+          <a:lnRef idx="1">
+            <a:schemeClr val="accent1"/>
+          </a:lnRef>
+          <a:fillRef idx="3">
+            <a:schemeClr val="accent1"/>
+          </a:fillRef>
+          <a:effectRef idx="2">
+            <a:schemeClr val="accent1"/>
+          </a:effectRef>
+          <a:fontRef idx="minor">
+            <a:schemeClr val="lt1"/>
+          </a:fontRef>
+        </p:style>
+        <p:txBody>
+          <a:bodyPr rtlCol="0" anchor="ctr"/>
+          <a:lstStyle/>
+          <a:p>
+            <a:pPr algn="ctr"/>
+            <a:r>
+              <a:rPr lang="en-US" sz="1600" dirty="0" err="1" smtClean="0"/>
+              <a:t>TutorialManagement</a:t>
+            </a:r>
+            <a:endParaRPr lang="en-US" sz="1600" dirty="0"/>
+          </a:p>
+        </p:txBody>
+      </p:sp>
+      <p:cxnSp>
+        <p:nvCxnSpPr>
+          <p:cNvPr id="67" name="Straight Arrow Connector 66"/>
+          <p:cNvCxnSpPr/>
+          <p:nvPr/>
+        </p:nvCxnSpPr>
+        <p:spPr>
+          <a:xfrm>
+            <a:off x="717656" y="1496368"/>
+            <a:ext cx="1668049" cy="0"/>
+          </a:xfrm>
+          <a:prstGeom prst="straightConnector1">
+            <a:avLst/>
+          </a:prstGeom>
+          <a:ln>
+            <a:solidFill>
+              <a:schemeClr val="tx1"/>
+            </a:solidFill>
+            <a:tailEnd type="arrow"/>
+          </a:ln>
+          <a:effectLst/>
+        </p:spPr>
+        <p:style>
+          <a:lnRef idx="2">
+            <a:schemeClr val="accent1"/>
+          </a:lnRef>
+          <a:fillRef idx="0">
+            <a:schemeClr val="accent1"/>
+          </a:fillRef>
+          <a:effectRef idx="1">
+            <a:schemeClr val="accent1"/>
+          </a:effectRef>
+          <a:fontRef idx="minor">
+            <a:schemeClr val="tx1"/>
+          </a:fontRef>
+        </p:style>
+      </p:cxnSp>
+      <p:sp>
+        <p:nvSpPr>
+          <p:cNvPr id="68" name="TextBox 67"/>
+          <p:cNvSpPr txBox="1"/>
+          <p:nvPr/>
+        </p:nvSpPr>
+        <p:spPr>
+          <a:xfrm>
+            <a:off x="200844" y="1198388"/>
+            <a:ext cx="2683555" cy="523220"/>
+          </a:xfrm>
+          <a:prstGeom prst="rect">
+            <a:avLst/>
+          </a:prstGeom>
+          <a:noFill/>
+        </p:spPr>
+        <p:txBody>
+          <a:bodyPr wrap="square" rtlCol="0">
+            <a:spAutoFit/>
+          </a:bodyPr>
+          <a:lstStyle/>
+          <a:p>
+            <a:pPr algn="ctr"/>
+            <a:r>
+              <a:rPr lang="en-US" sz="1400" dirty="0"/>
+              <a:t>1</a:t>
+            </a:r>
+            <a:r>
+              <a:rPr lang="en-US" sz="1400" dirty="0" smtClean="0"/>
+              <a:t>: Click home page </a:t>
+            </a:r>
+          </a:p>
+          <a:p>
+            <a:pPr algn="ctr"/>
+            <a:r>
+              <a:rPr lang="en-US" sz="1400" dirty="0" smtClean="0"/>
+              <a:t>for blogger link </a:t>
+            </a:r>
+            <a:endParaRPr lang="en-US" sz="1400" dirty="0"/>
+          </a:p>
+        </p:txBody>
+      </p:sp>
+      <p:sp>
+        <p:nvSpPr>
+          <p:cNvPr id="71" name="Rectangle 70"/>
+          <p:cNvSpPr/>
+          <p:nvPr/>
+        </p:nvSpPr>
+        <p:spPr>
+          <a:xfrm>
+            <a:off x="2385705" y="1461253"/>
+            <a:ext cx="139403" cy="823199"/>
+          </a:xfrm>
+          <a:prstGeom prst="rect">
+            <a:avLst/>
+          </a:prstGeom>
+          <a:solidFill>
+            <a:schemeClr val="tx1"/>
+          </a:solidFill>
+          <a:ln>
+            <a:noFill/>
+          </a:ln>
+          <a:effectLst/>
+        </p:spPr>
+        <p:style>
+          <a:lnRef idx="1">
+            <a:schemeClr val="accent1"/>
+          </a:lnRef>
+          <a:fillRef idx="3">
+            <a:schemeClr val="accent1"/>
+          </a:fillRef>
+          <a:effectRef idx="2">
+            <a:schemeClr val="accent1"/>
+          </a:effectRef>
+          <a:fontRef idx="minor">
+            <a:schemeClr val="lt1"/>
+          </a:fontRef>
+        </p:style>
+        <p:txBody>
+          <a:bodyPr rtlCol="0" anchor="ctr"/>
+          <a:lstStyle/>
+          <a:p>
+            <a:pPr algn="ctr"/>
+            <a:endParaRPr lang="en-US" sz="1600"/>
+          </a:p>
+        </p:txBody>
+      </p:sp>
+      <p:cxnSp>
+        <p:nvCxnSpPr>
+          <p:cNvPr id="72" name="Straight Arrow Connector 71"/>
+          <p:cNvCxnSpPr/>
+          <p:nvPr/>
+        </p:nvCxnSpPr>
+        <p:spPr>
+          <a:xfrm flipH="1">
+            <a:off x="717656" y="2219451"/>
+            <a:ext cx="1668049" cy="0"/>
+          </a:xfrm>
+          <a:prstGeom prst="straightConnector1">
+            <a:avLst/>
+          </a:prstGeom>
+          <a:ln>
+            <a:solidFill>
+              <a:schemeClr val="tx1"/>
+            </a:solidFill>
+            <a:prstDash val="dash"/>
+            <a:tailEnd type="arrow"/>
+          </a:ln>
+          <a:effectLst/>
+        </p:spPr>
+        <p:style>
+          <a:lnRef idx="2">
+            <a:schemeClr val="accent1"/>
+          </a:lnRef>
+          <a:fillRef idx="0">
+            <a:schemeClr val="accent1"/>
+          </a:fillRef>
+          <a:effectRef idx="1">
+            <a:schemeClr val="accent1"/>
+          </a:effectRef>
+          <a:fontRef idx="minor">
+            <a:schemeClr val="tx1"/>
+          </a:fontRef>
+        </p:style>
+      </p:cxnSp>
+      <p:cxnSp>
+        <p:nvCxnSpPr>
+          <p:cNvPr id="73" name="Straight Arrow Connector 72"/>
+          <p:cNvCxnSpPr/>
+          <p:nvPr/>
+        </p:nvCxnSpPr>
+        <p:spPr>
+          <a:xfrm>
+            <a:off x="2455407" y="1682038"/>
+            <a:ext cx="4076605" cy="0"/>
+          </a:xfrm>
+          <a:prstGeom prst="straightConnector1">
+            <a:avLst/>
+          </a:prstGeom>
+          <a:ln>
+            <a:solidFill>
+              <a:schemeClr val="tx1"/>
+            </a:solidFill>
+            <a:tailEnd type="arrow"/>
+          </a:ln>
+          <a:effectLst/>
+        </p:spPr>
+        <p:style>
+          <a:lnRef idx="2">
+            <a:schemeClr val="accent1"/>
+          </a:lnRef>
+          <a:fillRef idx="0">
+            <a:schemeClr val="accent1"/>
+          </a:fillRef>
+          <a:effectRef idx="1">
+            <a:schemeClr val="accent1"/>
+          </a:effectRef>
+          <a:fontRef idx="minor">
+            <a:schemeClr val="tx1"/>
+          </a:fontRef>
+        </p:style>
+      </p:cxnSp>
+      <p:sp>
+        <p:nvSpPr>
+          <p:cNvPr id="74" name="Rectangle 73"/>
+          <p:cNvSpPr/>
+          <p:nvPr/>
+        </p:nvSpPr>
+        <p:spPr>
+          <a:xfrm>
+            <a:off x="6532012" y="1598665"/>
+            <a:ext cx="146736" cy="541589"/>
+          </a:xfrm>
+          <a:prstGeom prst="rect">
+            <a:avLst/>
+          </a:prstGeom>
+          <a:solidFill>
+            <a:schemeClr val="tx1"/>
+          </a:solidFill>
+          <a:ln>
+            <a:noFill/>
+          </a:ln>
+          <a:effectLst/>
+        </p:spPr>
+        <p:style>
+          <a:lnRef idx="1">
+            <a:schemeClr val="accent1"/>
+          </a:lnRef>
+          <a:fillRef idx="3">
+            <a:schemeClr val="accent1"/>
+          </a:fillRef>
+          <a:effectRef idx="2">
+            <a:schemeClr val="accent1"/>
+          </a:effectRef>
+          <a:fontRef idx="minor">
+            <a:schemeClr val="lt1"/>
+          </a:fontRef>
+        </p:style>
+        <p:txBody>
+          <a:bodyPr rtlCol="0" anchor="ctr"/>
+          <a:lstStyle/>
+          <a:p>
+            <a:pPr algn="ctr"/>
+            <a:endParaRPr lang="en-US" sz="1600"/>
+          </a:p>
+        </p:txBody>
+      </p:sp>
+      <p:cxnSp>
+        <p:nvCxnSpPr>
+          <p:cNvPr id="75" name="Straight Arrow Connector 74"/>
+          <p:cNvCxnSpPr/>
+          <p:nvPr/>
+        </p:nvCxnSpPr>
+        <p:spPr>
+          <a:xfrm flipH="1">
+            <a:off x="2525110" y="2091733"/>
+            <a:ext cx="4006902" cy="0"/>
+          </a:xfrm>
+          <a:prstGeom prst="straightConnector1">
+            <a:avLst/>
+          </a:prstGeom>
+          <a:ln>
+            <a:solidFill>
+              <a:schemeClr val="tx1"/>
+            </a:solidFill>
+            <a:prstDash val="dash"/>
+            <a:tailEnd type="arrow"/>
+          </a:ln>
+          <a:effectLst/>
+        </p:spPr>
+        <p:style>
+          <a:lnRef idx="2">
+            <a:schemeClr val="accent1"/>
+          </a:lnRef>
+          <a:fillRef idx="0">
+            <a:schemeClr val="accent1"/>
+          </a:fillRef>
+          <a:effectRef idx="1">
+            <a:schemeClr val="accent1"/>
+          </a:effectRef>
+          <a:fontRef idx="minor">
+            <a:schemeClr val="tx1"/>
+          </a:fontRef>
+        </p:style>
+      </p:cxnSp>
+      <p:sp>
+        <p:nvSpPr>
+          <p:cNvPr id="76" name="TextBox 75"/>
+          <p:cNvSpPr txBox="1"/>
+          <p:nvPr/>
+        </p:nvSpPr>
+        <p:spPr>
+          <a:xfrm>
+            <a:off x="3596434" y="1361723"/>
+            <a:ext cx="2927293" cy="307777"/>
+          </a:xfrm>
+          <a:prstGeom prst="rect">
+            <a:avLst/>
+          </a:prstGeom>
+          <a:noFill/>
+        </p:spPr>
+        <p:txBody>
+          <a:bodyPr wrap="square" rtlCol="0">
+            <a:spAutoFit/>
+          </a:bodyPr>
+          <a:lstStyle/>
+          <a:p>
+            <a:pPr algn="ctr"/>
+            <a:r>
+              <a:rPr lang="en-US" sz="1400" dirty="0"/>
+              <a:t>2</a:t>
+            </a:r>
+            <a:r>
+              <a:rPr lang="en-US" sz="1400" dirty="0" smtClean="0"/>
+              <a:t>: Request tutorials</a:t>
+            </a:r>
+            <a:endParaRPr lang="en-US" sz="1400" dirty="0"/>
+          </a:p>
+        </p:txBody>
+      </p:sp>
+      <p:sp>
+        <p:nvSpPr>
+          <p:cNvPr id="77" name="TextBox 76"/>
+          <p:cNvSpPr txBox="1"/>
+          <p:nvPr/>
+        </p:nvSpPr>
+        <p:spPr>
+          <a:xfrm>
+            <a:off x="3259091" y="1784539"/>
+            <a:ext cx="2927293" cy="307777"/>
+          </a:xfrm>
+          <a:prstGeom prst="rect">
+            <a:avLst/>
+          </a:prstGeom>
+          <a:noFill/>
+        </p:spPr>
+        <p:txBody>
+          <a:bodyPr wrap="square" rtlCol="0">
+            <a:spAutoFit/>
+          </a:bodyPr>
+          <a:lstStyle/>
+          <a:p>
+            <a:pPr algn="ctr"/>
+            <a:r>
+              <a:rPr lang="en-US" sz="1400" dirty="0" smtClean="0"/>
+              <a:t>4: Return tutorial results</a:t>
+            </a:r>
+            <a:endParaRPr lang="en-US" sz="1400" dirty="0"/>
+          </a:p>
+        </p:txBody>
+      </p:sp>
+      <p:sp>
+        <p:nvSpPr>
+          <p:cNvPr id="78" name="TextBox 77"/>
+          <p:cNvSpPr txBox="1"/>
+          <p:nvPr/>
+        </p:nvSpPr>
+        <p:spPr>
+          <a:xfrm>
+            <a:off x="114612" y="1929858"/>
+            <a:ext cx="2927293" cy="523220"/>
+          </a:xfrm>
+          <a:prstGeom prst="rect">
+            <a:avLst/>
+          </a:prstGeom>
+          <a:noFill/>
+        </p:spPr>
+        <p:txBody>
+          <a:bodyPr wrap="square" rtlCol="0">
+            <a:spAutoFit/>
+          </a:bodyPr>
+          <a:lstStyle/>
+          <a:p>
+            <a:pPr algn="ctr"/>
+            <a:r>
+              <a:rPr lang="en-US" sz="1400" dirty="0"/>
+              <a:t>5</a:t>
+            </a:r>
+            <a:r>
+              <a:rPr lang="en-US" sz="1400" dirty="0" smtClean="0"/>
+              <a:t>: Display list of </a:t>
+            </a:r>
+          </a:p>
+          <a:p>
+            <a:pPr algn="ctr"/>
+            <a:r>
+              <a:rPr lang="en-US" sz="1400" dirty="0" smtClean="0"/>
+              <a:t>tutorials</a:t>
+            </a:r>
+            <a:endParaRPr lang="en-US" sz="1400" dirty="0"/>
+          </a:p>
+        </p:txBody>
+      </p:sp>
+      <p:cxnSp>
+        <p:nvCxnSpPr>
+          <p:cNvPr id="51" name="Straight Arrow Connector 50"/>
+          <p:cNvCxnSpPr/>
+          <p:nvPr/>
+        </p:nvCxnSpPr>
+        <p:spPr>
+          <a:xfrm>
+            <a:off x="603125" y="4079557"/>
+            <a:ext cx="3883496" cy="0"/>
+          </a:xfrm>
+          <a:prstGeom prst="straightConnector1">
+            <a:avLst/>
+          </a:prstGeom>
+          <a:ln>
+            <a:solidFill>
+              <a:schemeClr val="tx1"/>
+            </a:solidFill>
+            <a:tailEnd type="arrow"/>
+          </a:ln>
+          <a:effectLst/>
+        </p:spPr>
+        <p:style>
+          <a:lnRef idx="2">
+            <a:schemeClr val="accent1"/>
+          </a:lnRef>
+          <a:fillRef idx="0">
+            <a:schemeClr val="accent1"/>
+          </a:fillRef>
+          <a:effectRef idx="1">
+            <a:schemeClr val="accent1"/>
+          </a:effectRef>
+          <a:fontRef idx="minor">
+            <a:schemeClr val="tx1"/>
+          </a:fontRef>
+        </p:style>
+      </p:cxnSp>
+      <p:sp>
+        <p:nvSpPr>
+          <p:cNvPr id="81" name="TextBox 80"/>
+          <p:cNvSpPr txBox="1"/>
+          <p:nvPr/>
+        </p:nvSpPr>
+        <p:spPr>
+          <a:xfrm>
+            <a:off x="1860263" y="3771780"/>
+            <a:ext cx="2712218" cy="307777"/>
+          </a:xfrm>
+          <a:prstGeom prst="rect">
+            <a:avLst/>
+          </a:prstGeom>
+          <a:noFill/>
+        </p:spPr>
+        <p:txBody>
+          <a:bodyPr wrap="square" rtlCol="0">
+            <a:spAutoFit/>
+          </a:bodyPr>
+          <a:lstStyle/>
+          <a:p>
+            <a:pPr algn="ctr"/>
+            <a:r>
+              <a:rPr lang="en-US" sz="1400" dirty="0" smtClean="0"/>
+              <a:t>10: Click </a:t>
+            </a:r>
+            <a:r>
+              <a:rPr lang="en-US" sz="1400" dirty="0" smtClean="0"/>
+              <a:t>liked </a:t>
+            </a:r>
+            <a:r>
+              <a:rPr lang="en-US" sz="1400" dirty="0" smtClean="0"/>
+              <a:t>link</a:t>
+            </a:r>
+            <a:endParaRPr lang="en-US" sz="1400" dirty="0"/>
+          </a:p>
+        </p:txBody>
+      </p:sp>
+      <p:sp>
+        <p:nvSpPr>
+          <p:cNvPr id="58" name="Rectangle 57"/>
+          <p:cNvSpPr/>
+          <p:nvPr/>
+        </p:nvSpPr>
+        <p:spPr>
+          <a:xfrm>
+            <a:off x="7585506" y="767923"/>
+            <a:ext cx="1289561" cy="511156"/>
+          </a:xfrm>
+          <a:prstGeom prst="rect">
+            <a:avLst/>
+          </a:prstGeom>
+          <a:solidFill>
+            <a:schemeClr val="tx1">
+              <a:lumMod val="85000"/>
+              <a:lumOff val="15000"/>
+            </a:schemeClr>
+          </a:solidFill>
+          <a:ln>
+            <a:noFill/>
+          </a:ln>
+          <a:effectLst/>
+        </p:spPr>
+        <p:style>
+          <a:lnRef idx="1">
+            <a:schemeClr val="accent1"/>
+          </a:lnRef>
+          <a:fillRef idx="3">
+            <a:schemeClr val="accent1"/>
+          </a:fillRef>
+          <a:effectRef idx="2">
+            <a:schemeClr val="accent1"/>
+          </a:effectRef>
+          <a:fontRef idx="minor">
+            <a:schemeClr val="lt1"/>
+          </a:fontRef>
+        </p:style>
+        <p:txBody>
+          <a:bodyPr rtlCol="0" anchor="ctr"/>
+          <a:lstStyle/>
+          <a:p>
+            <a:pPr algn="ctr"/>
+            <a:r>
+              <a:rPr lang="en-US" sz="1600" dirty="0" smtClean="0"/>
+              <a:t>Like </a:t>
+            </a:r>
+          </a:p>
+          <a:p>
+            <a:pPr algn="ctr"/>
+            <a:r>
+              <a:rPr lang="en-US" sz="1600" dirty="0" smtClean="0"/>
+              <a:t>Database</a:t>
+            </a:r>
+            <a:endParaRPr lang="en-US" sz="1600" dirty="0"/>
+          </a:p>
+        </p:txBody>
+      </p:sp>
+      <p:cxnSp>
+        <p:nvCxnSpPr>
+          <p:cNvPr id="59" name="Straight Connector 58"/>
+          <p:cNvCxnSpPr>
+            <a:stCxn id="58" idx="2"/>
+          </p:cNvCxnSpPr>
+          <p:nvPr/>
+        </p:nvCxnSpPr>
+        <p:spPr>
+          <a:xfrm>
+            <a:off x="8230287" y="1279079"/>
+            <a:ext cx="0" cy="5446993"/>
+          </a:xfrm>
+          <a:prstGeom prst="line">
+            <a:avLst/>
+          </a:prstGeom>
+          <a:ln>
+            <a:solidFill>
+              <a:schemeClr val="tx1"/>
+            </a:solidFill>
+          </a:ln>
+          <a:effectLst/>
+        </p:spPr>
+        <p:style>
+          <a:lnRef idx="2">
+            <a:schemeClr val="accent1"/>
+          </a:lnRef>
+          <a:fillRef idx="0">
+            <a:schemeClr val="accent1"/>
+          </a:fillRef>
+          <a:effectRef idx="1">
+            <a:schemeClr val="accent1"/>
+          </a:effectRef>
+          <a:fontRef idx="minor">
+            <a:schemeClr val="tx1"/>
+          </a:fontRef>
+        </p:style>
+      </p:cxnSp>
+      <p:sp>
+        <p:nvSpPr>
+          <p:cNvPr id="60" name="TextBox 59"/>
+          <p:cNvSpPr txBox="1"/>
+          <p:nvPr/>
+        </p:nvSpPr>
+        <p:spPr>
+          <a:xfrm>
+            <a:off x="4578112" y="3985842"/>
+            <a:ext cx="2106095" cy="523220"/>
+          </a:xfrm>
+          <a:prstGeom prst="rect">
+            <a:avLst/>
+          </a:prstGeom>
+          <a:noFill/>
+        </p:spPr>
+        <p:txBody>
+          <a:bodyPr wrap="square" rtlCol="0">
+            <a:spAutoFit/>
+          </a:bodyPr>
+          <a:lstStyle/>
+          <a:p>
+            <a:pPr algn="ctr"/>
+            <a:r>
+              <a:rPr lang="en-US" sz="1400" dirty="0" smtClean="0"/>
+              <a:t>11: check blogger’s username</a:t>
+            </a:r>
+            <a:endParaRPr lang="en-US" sz="1400" dirty="0"/>
+          </a:p>
+        </p:txBody>
+      </p:sp>
+      <p:cxnSp>
+        <p:nvCxnSpPr>
+          <p:cNvPr id="61" name="Straight Arrow Connector 60"/>
+          <p:cNvCxnSpPr/>
+          <p:nvPr/>
+        </p:nvCxnSpPr>
+        <p:spPr>
+          <a:xfrm>
+            <a:off x="4557088" y="4287264"/>
+            <a:ext cx="2092683" cy="0"/>
+          </a:xfrm>
+          <a:prstGeom prst="straightConnector1">
+            <a:avLst/>
+          </a:prstGeom>
+          <a:ln>
+            <a:solidFill>
+              <a:schemeClr val="tx1"/>
+            </a:solidFill>
+            <a:tailEnd type="arrow"/>
+          </a:ln>
+          <a:effectLst/>
+        </p:spPr>
+        <p:style>
+          <a:lnRef idx="2">
+            <a:schemeClr val="accent1"/>
+          </a:lnRef>
+          <a:fillRef idx="0">
+            <a:schemeClr val="accent1"/>
+          </a:fillRef>
+          <a:effectRef idx="1">
+            <a:schemeClr val="accent1"/>
+          </a:effectRef>
+          <a:fontRef idx="minor">
+            <a:schemeClr val="tx1"/>
+          </a:fontRef>
+        </p:style>
+      </p:cxnSp>
+      <p:cxnSp>
+        <p:nvCxnSpPr>
+          <p:cNvPr id="82" name="Straight Arrow Connector 81"/>
+          <p:cNvCxnSpPr/>
+          <p:nvPr/>
+        </p:nvCxnSpPr>
+        <p:spPr>
+          <a:xfrm flipH="1">
+            <a:off x="8293744" y="5549556"/>
+            <a:ext cx="371539" cy="0"/>
+          </a:xfrm>
+          <a:prstGeom prst="straightConnector1">
+            <a:avLst/>
+          </a:prstGeom>
+          <a:ln>
+            <a:solidFill>
+              <a:schemeClr val="tx1"/>
+            </a:solidFill>
+            <a:tailEnd type="arrow"/>
+          </a:ln>
+          <a:effectLst/>
+        </p:spPr>
+        <p:style>
+          <a:lnRef idx="2">
+            <a:schemeClr val="accent1"/>
+          </a:lnRef>
+          <a:fillRef idx="0">
+            <a:schemeClr val="accent1"/>
+          </a:fillRef>
+          <a:effectRef idx="1">
+            <a:schemeClr val="accent1"/>
+          </a:effectRef>
+          <a:fontRef idx="minor">
+            <a:schemeClr val="tx1"/>
+          </a:fontRef>
+        </p:style>
+      </p:cxnSp>
+      <p:cxnSp>
+        <p:nvCxnSpPr>
+          <p:cNvPr id="83" name="Straight Connector 82"/>
+          <p:cNvCxnSpPr/>
+          <p:nvPr/>
+        </p:nvCxnSpPr>
+        <p:spPr>
+          <a:xfrm flipV="1">
+            <a:off x="8665283" y="5188066"/>
+            <a:ext cx="0" cy="361490"/>
+          </a:xfrm>
+          <a:prstGeom prst="line">
+            <a:avLst/>
+          </a:prstGeom>
+          <a:ln>
+            <a:solidFill>
+              <a:schemeClr val="tx1"/>
+            </a:solidFill>
+          </a:ln>
+          <a:effectLst/>
+        </p:spPr>
+        <p:style>
+          <a:lnRef idx="2">
+            <a:schemeClr val="accent1"/>
+          </a:lnRef>
+          <a:fillRef idx="0">
+            <a:schemeClr val="accent1"/>
+          </a:fillRef>
+          <a:effectRef idx="1">
+            <a:schemeClr val="accent1"/>
+          </a:effectRef>
+          <a:fontRef idx="minor">
+            <a:schemeClr val="tx1"/>
+          </a:fontRef>
+        </p:style>
+      </p:cxnSp>
+      <p:cxnSp>
+        <p:nvCxnSpPr>
+          <p:cNvPr id="84" name="Straight Connector 83"/>
+          <p:cNvCxnSpPr/>
+          <p:nvPr/>
+        </p:nvCxnSpPr>
+        <p:spPr>
+          <a:xfrm flipH="1">
+            <a:off x="8293744" y="5188066"/>
+            <a:ext cx="371539" cy="0"/>
+          </a:xfrm>
+          <a:prstGeom prst="line">
+            <a:avLst/>
+          </a:prstGeom>
+          <a:ln>
+            <a:solidFill>
+              <a:schemeClr val="tx1"/>
+            </a:solidFill>
+          </a:ln>
+          <a:effectLst/>
+        </p:spPr>
+        <p:style>
+          <a:lnRef idx="2">
+            <a:schemeClr val="accent1"/>
+          </a:lnRef>
+          <a:fillRef idx="0">
+            <a:schemeClr val="accent1"/>
+          </a:fillRef>
+          <a:effectRef idx="1">
+            <a:schemeClr val="accent1"/>
+          </a:effectRef>
+          <a:fontRef idx="minor">
+            <a:schemeClr val="tx1"/>
+          </a:fontRef>
+        </p:style>
+      </p:cxnSp>
+      <p:sp>
+        <p:nvSpPr>
+          <p:cNvPr id="85" name="TextBox 84"/>
+          <p:cNvSpPr txBox="1"/>
+          <p:nvPr/>
+        </p:nvSpPr>
+        <p:spPr>
+          <a:xfrm>
+            <a:off x="8629620" y="4748360"/>
+            <a:ext cx="925429" cy="954107"/>
+          </a:xfrm>
+          <a:prstGeom prst="rect">
+            <a:avLst/>
+          </a:prstGeom>
+          <a:noFill/>
+        </p:spPr>
+        <p:txBody>
+          <a:bodyPr wrap="none" rtlCol="0">
+            <a:spAutoFit/>
+          </a:bodyPr>
+          <a:lstStyle/>
+          <a:p>
+            <a:r>
+              <a:rPr lang="en-US" sz="1400" dirty="0" smtClean="0"/>
+              <a:t>14: </a:t>
+            </a:r>
+            <a:r>
+              <a:rPr lang="en-US" sz="1400" dirty="0" smtClean="0"/>
+              <a:t>delete </a:t>
+            </a:r>
+            <a:endParaRPr lang="en-US" sz="1400" dirty="0" smtClean="0"/>
+          </a:p>
+          <a:p>
+            <a:r>
+              <a:rPr lang="en-US" sz="1400" dirty="0"/>
+              <a:t>(</a:t>
+            </a:r>
+            <a:r>
+              <a:rPr lang="en-US" sz="1400" dirty="0" err="1"/>
+              <a:t>likeID</a:t>
+            </a:r>
+            <a:r>
+              <a:rPr lang="en-US" sz="1400" dirty="0"/>
+              <a:t>, </a:t>
+            </a:r>
+          </a:p>
+          <a:p>
+            <a:r>
+              <a:rPr lang="en-US" sz="1400" dirty="0" err="1"/>
+              <a:t>tutorialID</a:t>
+            </a:r>
+            <a:r>
+              <a:rPr lang="en-US" sz="1400" dirty="0"/>
+              <a:t>, </a:t>
+            </a:r>
+          </a:p>
+          <a:p>
+            <a:r>
+              <a:rPr lang="en-US" sz="1400" dirty="0" err="1"/>
+              <a:t>userID</a:t>
+            </a:r>
+            <a:endParaRPr lang="en-US" sz="1400" dirty="0"/>
+          </a:p>
+        </p:txBody>
+      </p:sp>
+      <p:cxnSp>
+        <p:nvCxnSpPr>
+          <p:cNvPr id="86" name="Straight Arrow Connector 85"/>
+          <p:cNvCxnSpPr/>
+          <p:nvPr/>
+        </p:nvCxnSpPr>
+        <p:spPr>
+          <a:xfrm flipH="1">
+            <a:off x="4588358" y="4798017"/>
+            <a:ext cx="1977359" cy="0"/>
+          </a:xfrm>
+          <a:prstGeom prst="straightConnector1">
+            <a:avLst/>
+          </a:prstGeom>
+          <a:ln>
+            <a:solidFill>
+              <a:schemeClr val="tx1"/>
+            </a:solidFill>
+            <a:prstDash val="dash"/>
+            <a:tailEnd type="arrow"/>
+          </a:ln>
+          <a:effectLst/>
+        </p:spPr>
+        <p:style>
+          <a:lnRef idx="2">
+            <a:schemeClr val="accent1"/>
+          </a:lnRef>
+          <a:fillRef idx="0">
+            <a:schemeClr val="accent1"/>
+          </a:fillRef>
+          <a:effectRef idx="1">
+            <a:schemeClr val="accent1"/>
+          </a:effectRef>
+          <a:fontRef idx="minor">
+            <a:schemeClr val="tx1"/>
+          </a:fontRef>
+        </p:style>
+      </p:cxnSp>
+      <p:sp>
+        <p:nvSpPr>
+          <p:cNvPr id="87" name="TextBox 86"/>
+          <p:cNvSpPr txBox="1"/>
+          <p:nvPr/>
+        </p:nvSpPr>
+        <p:spPr>
+          <a:xfrm>
+            <a:off x="5017095" y="4499760"/>
+            <a:ext cx="1376987" cy="307777"/>
+          </a:xfrm>
+          <a:prstGeom prst="rect">
+            <a:avLst/>
+          </a:prstGeom>
+          <a:noFill/>
+        </p:spPr>
+        <p:txBody>
+          <a:bodyPr wrap="none" rtlCol="0">
+            <a:spAutoFit/>
+          </a:bodyPr>
+          <a:lstStyle/>
+          <a:p>
+            <a:pPr algn="ctr"/>
+            <a:r>
+              <a:rPr lang="en-US" sz="1400" dirty="0" smtClean="0"/>
+              <a:t>12: return result</a:t>
+            </a:r>
+            <a:endParaRPr lang="en-US" sz="1400" dirty="0"/>
+          </a:p>
+        </p:txBody>
+      </p:sp>
+      <p:cxnSp>
+        <p:nvCxnSpPr>
+          <p:cNvPr id="88" name="Straight Arrow Connector 87"/>
+          <p:cNvCxnSpPr/>
+          <p:nvPr/>
+        </p:nvCxnSpPr>
+        <p:spPr>
+          <a:xfrm flipH="1" flipV="1">
+            <a:off x="4557088" y="5597555"/>
+            <a:ext cx="3673200" cy="5345"/>
+          </a:xfrm>
+          <a:prstGeom prst="straightConnector1">
+            <a:avLst/>
+          </a:prstGeom>
+          <a:ln>
+            <a:solidFill>
+              <a:schemeClr val="tx1"/>
+            </a:solidFill>
+            <a:prstDash val="dash"/>
+            <a:tailEnd type="arrow"/>
+          </a:ln>
+          <a:effectLst/>
+        </p:spPr>
+        <p:style>
+          <a:lnRef idx="2">
+            <a:schemeClr val="accent1"/>
+          </a:lnRef>
+          <a:fillRef idx="0">
+            <a:schemeClr val="accent1"/>
+          </a:fillRef>
+          <a:effectRef idx="1">
+            <a:schemeClr val="accent1"/>
+          </a:effectRef>
+          <a:fontRef idx="minor">
+            <a:schemeClr val="tx1"/>
+          </a:fontRef>
+        </p:style>
+      </p:cxnSp>
+      <p:sp>
+        <p:nvSpPr>
+          <p:cNvPr id="90" name="Rectangle 89"/>
+          <p:cNvSpPr/>
+          <p:nvPr/>
+        </p:nvSpPr>
+        <p:spPr>
+          <a:xfrm>
+            <a:off x="8172561" y="5039476"/>
+            <a:ext cx="136486" cy="662991"/>
+          </a:xfrm>
+          <a:prstGeom prst="rect">
+            <a:avLst/>
+          </a:prstGeom>
+          <a:solidFill>
+            <a:schemeClr val="tx1"/>
+          </a:solidFill>
+          <a:ln>
+            <a:noFill/>
+          </a:ln>
+          <a:effectLst/>
+        </p:spPr>
+        <p:style>
+          <a:lnRef idx="1">
+            <a:schemeClr val="accent1"/>
+          </a:lnRef>
+          <a:fillRef idx="3">
+            <a:schemeClr val="accent1"/>
+          </a:fillRef>
+          <a:effectRef idx="2">
+            <a:schemeClr val="accent1"/>
+          </a:effectRef>
+          <a:fontRef idx="minor">
+            <a:schemeClr val="lt1"/>
+          </a:fontRef>
+        </p:style>
+        <p:txBody>
+          <a:bodyPr rtlCol="0" anchor="ctr"/>
+          <a:lstStyle/>
+          <a:p>
+            <a:pPr algn="ctr"/>
+            <a:endParaRPr lang="en-US"/>
+          </a:p>
+        </p:txBody>
+      </p:sp>
+      <p:cxnSp>
+        <p:nvCxnSpPr>
+          <p:cNvPr id="91" name="Straight Arrow Connector 90"/>
+          <p:cNvCxnSpPr/>
+          <p:nvPr/>
+        </p:nvCxnSpPr>
+        <p:spPr>
+          <a:xfrm flipV="1">
+            <a:off x="4572481" y="5147379"/>
+            <a:ext cx="3600080" cy="2"/>
+          </a:xfrm>
+          <a:prstGeom prst="straightConnector1">
+            <a:avLst/>
+          </a:prstGeom>
+          <a:ln>
+            <a:solidFill>
+              <a:schemeClr val="tx1"/>
+            </a:solidFill>
+            <a:tailEnd type="arrow"/>
+          </a:ln>
+          <a:effectLst/>
+        </p:spPr>
+        <p:style>
+          <a:lnRef idx="2">
+            <a:schemeClr val="accent1"/>
+          </a:lnRef>
+          <a:fillRef idx="0">
+            <a:schemeClr val="accent1"/>
+          </a:fillRef>
+          <a:effectRef idx="1">
+            <a:schemeClr val="accent1"/>
+          </a:effectRef>
+          <a:fontRef idx="minor">
+            <a:schemeClr val="tx1"/>
+          </a:fontRef>
+        </p:style>
+      </p:cxnSp>
+      <p:sp>
+        <p:nvSpPr>
+          <p:cNvPr id="92" name="TextBox 91"/>
+          <p:cNvSpPr txBox="1"/>
+          <p:nvPr/>
+        </p:nvSpPr>
+        <p:spPr>
+          <a:xfrm>
+            <a:off x="5148204" y="4863120"/>
+            <a:ext cx="1243042" cy="307777"/>
+          </a:xfrm>
+          <a:prstGeom prst="rect">
+            <a:avLst/>
+          </a:prstGeom>
+          <a:noFill/>
+        </p:spPr>
+        <p:txBody>
+          <a:bodyPr wrap="square" rtlCol="0">
+            <a:spAutoFit/>
+          </a:bodyPr>
+          <a:lstStyle/>
+          <a:p>
+            <a:pPr algn="ctr"/>
+            <a:r>
+              <a:rPr lang="en-US" sz="1400" dirty="0" smtClean="0"/>
+              <a:t>13: </a:t>
+            </a:r>
+            <a:r>
+              <a:rPr lang="en-US" sz="1400" dirty="0" smtClean="0"/>
+              <a:t>minus</a:t>
+            </a:r>
+            <a:r>
+              <a:rPr lang="en-US" sz="1400" dirty="0" smtClean="0"/>
+              <a:t> </a:t>
+            </a:r>
+            <a:r>
+              <a:rPr lang="en-US" sz="1400" dirty="0" smtClean="0"/>
+              <a:t>like</a:t>
+            </a:r>
+            <a:endParaRPr lang="en-US" sz="1400" dirty="0"/>
+          </a:p>
+        </p:txBody>
+      </p:sp>
+      <p:sp>
+        <p:nvSpPr>
+          <p:cNvPr id="94" name="TextBox 93"/>
+          <p:cNvSpPr txBox="1"/>
+          <p:nvPr/>
+        </p:nvSpPr>
+        <p:spPr>
+          <a:xfrm>
+            <a:off x="5786153" y="5289778"/>
+            <a:ext cx="1376987" cy="307777"/>
+          </a:xfrm>
+          <a:prstGeom prst="rect">
+            <a:avLst/>
+          </a:prstGeom>
+          <a:noFill/>
+        </p:spPr>
+        <p:txBody>
+          <a:bodyPr wrap="none" rtlCol="0">
+            <a:spAutoFit/>
+          </a:bodyPr>
+          <a:lstStyle/>
+          <a:p>
+            <a:pPr algn="ctr"/>
+            <a:r>
+              <a:rPr lang="en-US" sz="1400" dirty="0" smtClean="0"/>
+              <a:t>15: return result</a:t>
+            </a:r>
+            <a:endParaRPr lang="en-US" sz="1400" dirty="0"/>
+          </a:p>
+        </p:txBody>
+      </p:sp>
+      <p:cxnSp>
+        <p:nvCxnSpPr>
+          <p:cNvPr id="95" name="Straight Arrow Connector 94"/>
+          <p:cNvCxnSpPr/>
+          <p:nvPr/>
+        </p:nvCxnSpPr>
+        <p:spPr>
+          <a:xfrm flipH="1">
+            <a:off x="717698" y="6555133"/>
+            <a:ext cx="3726974" cy="1"/>
+          </a:xfrm>
+          <a:prstGeom prst="straightConnector1">
+            <a:avLst/>
+          </a:prstGeom>
+          <a:ln>
+            <a:solidFill>
+              <a:schemeClr val="tx1"/>
+            </a:solidFill>
+            <a:prstDash val="dash"/>
+            <a:tailEnd type="arrow"/>
+          </a:ln>
+          <a:effectLst/>
+        </p:spPr>
+        <p:style>
+          <a:lnRef idx="2">
+            <a:schemeClr val="accent1"/>
+          </a:lnRef>
+          <a:fillRef idx="0">
+            <a:schemeClr val="accent1"/>
+          </a:fillRef>
+          <a:effectRef idx="1">
+            <a:schemeClr val="accent1"/>
+          </a:effectRef>
+          <a:fontRef idx="minor">
+            <a:schemeClr val="tx1"/>
+          </a:fontRef>
+        </p:style>
+      </p:cxnSp>
+      <p:sp>
+        <p:nvSpPr>
+          <p:cNvPr id="100" name="TextBox 99"/>
+          <p:cNvSpPr txBox="1"/>
+          <p:nvPr/>
+        </p:nvSpPr>
+        <p:spPr>
+          <a:xfrm>
+            <a:off x="842398" y="6247356"/>
+            <a:ext cx="3583032" cy="307777"/>
+          </a:xfrm>
+          <a:prstGeom prst="rect">
+            <a:avLst/>
+          </a:prstGeom>
+          <a:noFill/>
+        </p:spPr>
+        <p:txBody>
+          <a:bodyPr wrap="none" rtlCol="0">
+            <a:spAutoFit/>
+          </a:bodyPr>
+          <a:lstStyle/>
+          <a:p>
+            <a:r>
+              <a:rPr lang="en-US" sz="1400" dirty="0" smtClean="0"/>
+              <a:t>19: </a:t>
+            </a:r>
+            <a:r>
+              <a:rPr lang="en-US" sz="1400" dirty="0" smtClean="0"/>
+              <a:t>Display </a:t>
+            </a:r>
+            <a:r>
+              <a:rPr lang="en-US" sz="1400" dirty="0" smtClean="0"/>
+              <a:t>like </a:t>
+            </a:r>
+            <a:r>
+              <a:rPr lang="en-US" sz="1400" dirty="0" smtClean="0"/>
+              <a:t>sign and updated like number</a:t>
+            </a:r>
+            <a:endParaRPr lang="en-US" sz="1400" dirty="0"/>
+          </a:p>
+        </p:txBody>
+      </p:sp>
+      <p:sp>
+        <p:nvSpPr>
+          <p:cNvPr id="79" name="Rectangle 78"/>
+          <p:cNvSpPr/>
+          <p:nvPr/>
+        </p:nvSpPr>
+        <p:spPr>
+          <a:xfrm>
+            <a:off x="9055238" y="767923"/>
+            <a:ext cx="1267610" cy="511156"/>
+          </a:xfrm>
+          <a:prstGeom prst="rect">
+            <a:avLst/>
+          </a:prstGeom>
+          <a:solidFill>
+            <a:schemeClr val="tx1">
+              <a:lumMod val="85000"/>
+              <a:lumOff val="15000"/>
+            </a:schemeClr>
+          </a:solidFill>
+          <a:ln>
+            <a:noFill/>
+          </a:ln>
+          <a:effectLst/>
+        </p:spPr>
+        <p:style>
+          <a:lnRef idx="1">
+            <a:schemeClr val="accent1"/>
+          </a:lnRef>
+          <a:fillRef idx="3">
+            <a:schemeClr val="accent1"/>
+          </a:fillRef>
+          <a:effectRef idx="2">
+            <a:schemeClr val="accent1"/>
+          </a:effectRef>
+          <a:fontRef idx="minor">
+            <a:schemeClr val="lt1"/>
+          </a:fontRef>
+        </p:style>
+        <p:txBody>
+          <a:bodyPr rtlCol="0" anchor="ctr"/>
+          <a:lstStyle/>
+          <a:p>
+            <a:pPr algn="ctr"/>
+            <a:r>
+              <a:rPr lang="en-US" sz="1600" dirty="0" smtClean="0"/>
+              <a:t>Popular</a:t>
+            </a:r>
+            <a:r>
+              <a:rPr lang="en-US" sz="1600" dirty="0" smtClean="0"/>
+              <a:t> </a:t>
+            </a:r>
+            <a:r>
+              <a:rPr lang="en-US" sz="1600" dirty="0"/>
+              <a:t>Database</a:t>
+            </a:r>
+          </a:p>
+        </p:txBody>
+      </p:sp>
+      <p:cxnSp>
+        <p:nvCxnSpPr>
+          <p:cNvPr id="80" name="Straight Connector 79"/>
+          <p:cNvCxnSpPr>
+            <a:stCxn id="79" idx="2"/>
+          </p:cNvCxnSpPr>
+          <p:nvPr/>
+        </p:nvCxnSpPr>
+        <p:spPr>
+          <a:xfrm>
+            <a:off x="9689043" y="1279079"/>
+            <a:ext cx="0" cy="5446993"/>
+          </a:xfrm>
+          <a:prstGeom prst="line">
+            <a:avLst/>
+          </a:prstGeom>
+          <a:ln>
+            <a:solidFill>
+              <a:schemeClr val="tx1"/>
+            </a:solidFill>
+          </a:ln>
+          <a:effectLst/>
+        </p:spPr>
+        <p:style>
+          <a:lnRef idx="2">
+            <a:schemeClr val="accent1"/>
+          </a:lnRef>
+          <a:fillRef idx="0">
+            <a:schemeClr val="accent1"/>
+          </a:fillRef>
+          <a:effectRef idx="1">
+            <a:schemeClr val="accent1"/>
+          </a:effectRef>
+          <a:fontRef idx="minor">
+            <a:schemeClr val="tx1"/>
+          </a:fontRef>
+        </p:style>
+      </p:cxnSp>
+      <p:cxnSp>
+        <p:nvCxnSpPr>
+          <p:cNvPr id="89" name="Straight Arrow Connector 88"/>
+          <p:cNvCxnSpPr/>
+          <p:nvPr/>
+        </p:nvCxnSpPr>
+        <p:spPr>
+          <a:xfrm flipH="1">
+            <a:off x="9751454" y="6350752"/>
+            <a:ext cx="371539" cy="0"/>
+          </a:xfrm>
+          <a:prstGeom prst="straightConnector1">
+            <a:avLst/>
+          </a:prstGeom>
+          <a:ln>
+            <a:solidFill>
+              <a:schemeClr val="tx1"/>
+            </a:solidFill>
+            <a:tailEnd type="arrow"/>
+          </a:ln>
+          <a:effectLst/>
+        </p:spPr>
+        <p:style>
+          <a:lnRef idx="2">
+            <a:schemeClr val="accent1"/>
+          </a:lnRef>
+          <a:fillRef idx="0">
+            <a:schemeClr val="accent1"/>
+          </a:fillRef>
+          <a:effectRef idx="1">
+            <a:schemeClr val="accent1"/>
+          </a:effectRef>
+          <a:fontRef idx="minor">
+            <a:schemeClr val="tx1"/>
+          </a:fontRef>
+        </p:style>
+      </p:cxnSp>
+      <p:cxnSp>
+        <p:nvCxnSpPr>
+          <p:cNvPr id="93" name="Straight Connector 92"/>
+          <p:cNvCxnSpPr/>
+          <p:nvPr/>
+        </p:nvCxnSpPr>
+        <p:spPr>
+          <a:xfrm flipV="1">
+            <a:off x="10122993" y="5989262"/>
+            <a:ext cx="0" cy="361490"/>
+          </a:xfrm>
+          <a:prstGeom prst="line">
+            <a:avLst/>
+          </a:prstGeom>
+          <a:ln>
+            <a:solidFill>
+              <a:schemeClr val="tx1"/>
+            </a:solidFill>
+          </a:ln>
+          <a:effectLst/>
+        </p:spPr>
+        <p:style>
+          <a:lnRef idx="2">
+            <a:schemeClr val="accent1"/>
+          </a:lnRef>
+          <a:fillRef idx="0">
+            <a:schemeClr val="accent1"/>
+          </a:fillRef>
+          <a:effectRef idx="1">
+            <a:schemeClr val="accent1"/>
+          </a:effectRef>
+          <a:fontRef idx="minor">
+            <a:schemeClr val="tx1"/>
+          </a:fontRef>
+        </p:style>
+      </p:cxnSp>
+      <p:cxnSp>
+        <p:nvCxnSpPr>
+          <p:cNvPr id="96" name="Straight Connector 95"/>
+          <p:cNvCxnSpPr/>
+          <p:nvPr/>
+        </p:nvCxnSpPr>
+        <p:spPr>
+          <a:xfrm flipH="1">
+            <a:off x="9751454" y="5989262"/>
+            <a:ext cx="371539" cy="0"/>
+          </a:xfrm>
+          <a:prstGeom prst="line">
+            <a:avLst/>
+          </a:prstGeom>
+          <a:ln>
+            <a:solidFill>
+              <a:schemeClr val="tx1"/>
+            </a:solidFill>
+          </a:ln>
+          <a:effectLst/>
+        </p:spPr>
+        <p:style>
+          <a:lnRef idx="2">
+            <a:schemeClr val="accent1"/>
+          </a:lnRef>
+          <a:fillRef idx="0">
+            <a:schemeClr val="accent1"/>
+          </a:fillRef>
+          <a:effectRef idx="1">
+            <a:schemeClr val="accent1"/>
+          </a:effectRef>
+          <a:fontRef idx="minor">
+            <a:schemeClr val="tx1"/>
+          </a:fontRef>
+        </p:style>
+      </p:cxnSp>
+      <p:sp>
+        <p:nvSpPr>
+          <p:cNvPr id="97" name="TextBox 96"/>
+          <p:cNvSpPr txBox="1"/>
+          <p:nvPr/>
+        </p:nvSpPr>
+        <p:spPr>
+          <a:xfrm>
+            <a:off x="9803009" y="5235439"/>
+            <a:ext cx="918941" cy="738664"/>
+          </a:xfrm>
+          <a:prstGeom prst="rect">
+            <a:avLst/>
+          </a:prstGeom>
+          <a:noFill/>
+        </p:spPr>
+        <p:txBody>
+          <a:bodyPr wrap="none" rtlCol="0">
+            <a:spAutoFit/>
+          </a:bodyPr>
+          <a:lstStyle/>
+          <a:p>
+            <a:r>
+              <a:rPr lang="en-US" sz="1400" dirty="0" smtClean="0"/>
+              <a:t>17: delete</a:t>
+            </a:r>
+            <a:endParaRPr lang="en-US" sz="1400" dirty="0" smtClean="0"/>
+          </a:p>
+          <a:p>
+            <a:r>
+              <a:rPr lang="en-US" sz="1400" dirty="0"/>
+              <a:t>(</a:t>
+            </a:r>
+            <a:r>
+              <a:rPr lang="en-US" sz="1400" dirty="0" smtClean="0"/>
+              <a:t>like </a:t>
+            </a:r>
+          </a:p>
+          <a:p>
+            <a:r>
+              <a:rPr lang="en-US" sz="1400" dirty="0"/>
+              <a:t>n</a:t>
+            </a:r>
+            <a:r>
+              <a:rPr lang="en-US" sz="1400" dirty="0" smtClean="0"/>
+              <a:t>umber)</a:t>
+            </a:r>
+            <a:endParaRPr lang="en-US" sz="1400" dirty="0"/>
+          </a:p>
+        </p:txBody>
+      </p:sp>
+      <p:sp>
+        <p:nvSpPr>
+          <p:cNvPr id="98" name="Rectangle 97"/>
+          <p:cNvSpPr/>
+          <p:nvPr/>
+        </p:nvSpPr>
+        <p:spPr>
+          <a:xfrm>
+            <a:off x="9630271" y="5840672"/>
+            <a:ext cx="136486" cy="662991"/>
+          </a:xfrm>
+          <a:prstGeom prst="rect">
+            <a:avLst/>
+          </a:prstGeom>
+          <a:solidFill>
+            <a:schemeClr val="tx1"/>
+          </a:solidFill>
+          <a:ln>
+            <a:noFill/>
+          </a:ln>
+          <a:effectLst/>
+        </p:spPr>
+        <p:style>
+          <a:lnRef idx="1">
+            <a:schemeClr val="accent1"/>
+          </a:lnRef>
+          <a:fillRef idx="3">
+            <a:schemeClr val="accent1"/>
+          </a:fillRef>
+          <a:effectRef idx="2">
+            <a:schemeClr val="accent1"/>
+          </a:effectRef>
+          <a:fontRef idx="minor">
+            <a:schemeClr val="lt1"/>
+          </a:fontRef>
+        </p:style>
+        <p:txBody>
+          <a:bodyPr rtlCol="0" anchor="ctr"/>
+          <a:lstStyle/>
+          <a:p>
+            <a:pPr algn="ctr"/>
+            <a:endParaRPr lang="en-US"/>
+          </a:p>
+        </p:txBody>
+      </p:sp>
+      <p:cxnSp>
+        <p:nvCxnSpPr>
+          <p:cNvPr id="99" name="Straight Arrow Connector 98"/>
+          <p:cNvCxnSpPr/>
+          <p:nvPr/>
+        </p:nvCxnSpPr>
+        <p:spPr>
+          <a:xfrm flipH="1">
+            <a:off x="4563307" y="6369157"/>
+            <a:ext cx="5180954" cy="1"/>
+          </a:xfrm>
+          <a:prstGeom prst="straightConnector1">
+            <a:avLst/>
+          </a:prstGeom>
+          <a:ln>
+            <a:solidFill>
+              <a:schemeClr val="tx1"/>
+            </a:solidFill>
+            <a:prstDash val="dash"/>
+            <a:tailEnd type="arrow"/>
+          </a:ln>
+          <a:effectLst/>
+        </p:spPr>
+        <p:style>
+          <a:lnRef idx="2">
+            <a:schemeClr val="accent1"/>
+          </a:lnRef>
+          <a:fillRef idx="0">
+            <a:schemeClr val="accent1"/>
+          </a:fillRef>
+          <a:effectRef idx="1">
+            <a:schemeClr val="accent1"/>
+          </a:effectRef>
+          <a:fontRef idx="minor">
+            <a:schemeClr val="tx1"/>
+          </a:fontRef>
+        </p:style>
+      </p:cxnSp>
+      <p:cxnSp>
+        <p:nvCxnSpPr>
+          <p:cNvPr id="101" name="Straight Arrow Connector 100"/>
+          <p:cNvCxnSpPr/>
+          <p:nvPr/>
+        </p:nvCxnSpPr>
+        <p:spPr>
+          <a:xfrm>
+            <a:off x="4578700" y="5918983"/>
+            <a:ext cx="5051571" cy="5215"/>
+          </a:xfrm>
+          <a:prstGeom prst="straightConnector1">
+            <a:avLst/>
+          </a:prstGeom>
+          <a:ln>
+            <a:solidFill>
+              <a:schemeClr val="tx1"/>
+            </a:solidFill>
+            <a:tailEnd type="arrow"/>
+          </a:ln>
+          <a:effectLst/>
+        </p:spPr>
+        <p:style>
+          <a:lnRef idx="2">
+            <a:schemeClr val="accent1"/>
+          </a:lnRef>
+          <a:fillRef idx="0">
+            <a:schemeClr val="accent1"/>
+          </a:fillRef>
+          <a:effectRef idx="1">
+            <a:schemeClr val="accent1"/>
+          </a:effectRef>
+          <a:fontRef idx="minor">
+            <a:schemeClr val="tx1"/>
+          </a:fontRef>
+        </p:style>
+      </p:cxnSp>
+      <p:sp>
+        <p:nvSpPr>
+          <p:cNvPr id="102" name="TextBox 101"/>
+          <p:cNvSpPr txBox="1"/>
+          <p:nvPr/>
+        </p:nvSpPr>
+        <p:spPr>
+          <a:xfrm>
+            <a:off x="5567887" y="5616421"/>
+            <a:ext cx="2106095" cy="307777"/>
+          </a:xfrm>
+          <a:prstGeom prst="rect">
+            <a:avLst/>
+          </a:prstGeom>
+          <a:noFill/>
+        </p:spPr>
+        <p:txBody>
+          <a:bodyPr wrap="square" rtlCol="0">
+            <a:spAutoFit/>
+          </a:bodyPr>
+          <a:lstStyle/>
+          <a:p>
+            <a:pPr algn="ctr"/>
+            <a:r>
+              <a:rPr lang="en-US" sz="1400" dirty="0" smtClean="0"/>
+              <a:t>16: </a:t>
+            </a:r>
+            <a:r>
+              <a:rPr lang="en-US" sz="1400" dirty="0" smtClean="0"/>
+              <a:t>check </a:t>
+            </a:r>
+            <a:r>
+              <a:rPr lang="en-US" sz="1400" dirty="0" smtClean="0"/>
+              <a:t>tutorial id</a:t>
+            </a:r>
+            <a:endParaRPr lang="en-US" sz="1400" dirty="0"/>
+          </a:p>
+        </p:txBody>
+      </p:sp>
+      <p:sp>
+        <p:nvSpPr>
+          <p:cNvPr id="103" name="TextBox 102"/>
+          <p:cNvSpPr txBox="1"/>
+          <p:nvPr/>
+        </p:nvSpPr>
+        <p:spPr>
+          <a:xfrm>
+            <a:off x="6678748" y="6045543"/>
+            <a:ext cx="1376987" cy="307777"/>
+          </a:xfrm>
+          <a:prstGeom prst="rect">
+            <a:avLst/>
+          </a:prstGeom>
+          <a:noFill/>
+        </p:spPr>
+        <p:txBody>
+          <a:bodyPr wrap="none" rtlCol="0">
+            <a:spAutoFit/>
+          </a:bodyPr>
+          <a:lstStyle/>
+          <a:p>
+            <a:pPr algn="ctr"/>
+            <a:r>
+              <a:rPr lang="en-US" sz="1400" dirty="0" smtClean="0"/>
+              <a:t>18: </a:t>
+            </a:r>
+            <a:r>
+              <a:rPr lang="en-US" sz="1400" dirty="0" smtClean="0"/>
+              <a:t>return result</a:t>
+            </a:r>
+            <a:endParaRPr lang="en-US" sz="1400" dirty="0"/>
+          </a:p>
+        </p:txBody>
+      </p:sp>
+    </p:spTree>
+    <p:extLst>
+      <p:ext uri="{BB962C8B-B14F-4D97-AF65-F5344CB8AC3E}">
+        <p14:creationId xmlns:p14="http://schemas.microsoft.com/office/powerpoint/2010/main" val="1995792929"/>
+      </p:ext>
+    </p:extLst>
+  </p:cSld>
+  <p:clrMapOvr>
+    <a:masterClrMapping/>
+  </p:clrMapOvr>
 </p:sld>
 </file>
 

--- a/Design/SQ web.pptx
+++ b/Design/SQ web.pptx
@@ -36,6 +36,10 @@
     <p:sldId id="344" r:id="rId30"/>
     <p:sldId id="345" r:id="rId31"/>
     <p:sldId id="346" r:id="rId32"/>
+    <p:sldId id="347" r:id="rId33"/>
+    <p:sldId id="348" r:id="rId34"/>
+    <p:sldId id="351" r:id="rId35"/>
+    <p:sldId id="352" r:id="rId36"/>
   </p:sldIdLst>
   <p:sldSz cx="10799763" cy="6858000"/>
   <p:notesSz cx="6858000" cy="9144000"/>
@@ -319,7 +323,7 @@
             <a:fld id="{E97F63ED-244D-4346-A15C-DC13E53AAAF7}" type="datetimeFigureOut">
               <a:rPr lang="en-US" smtClean="0"/>
               <a:pPr/>
-              <a:t>10/22/14 </a:t>
+              <a:t>12/2/14 </a:t>
             </a:fld>
             <a:endParaRPr lang="en-US"/>
           </a:p>
@@ -491,7 +495,7 @@
             <a:fld id="{E97F63ED-244D-4346-A15C-DC13E53AAAF7}" type="datetimeFigureOut">
               <a:rPr lang="en-US" smtClean="0"/>
               <a:pPr/>
-              <a:t>10/22/14 </a:t>
+              <a:t>12/2/14 </a:t>
             </a:fld>
             <a:endParaRPr lang="en-US"/>
           </a:p>
@@ -673,7 +677,7 @@
             <a:fld id="{E97F63ED-244D-4346-A15C-DC13E53AAAF7}" type="datetimeFigureOut">
               <a:rPr lang="en-US" smtClean="0"/>
               <a:pPr/>
-              <a:t>10/22/14 </a:t>
+              <a:t>12/2/14 </a:t>
             </a:fld>
             <a:endParaRPr lang="en-US"/>
           </a:p>
@@ -845,7 +849,7 @@
             <a:fld id="{E97F63ED-244D-4346-A15C-DC13E53AAAF7}" type="datetimeFigureOut">
               <a:rPr lang="en-US" smtClean="0"/>
               <a:pPr/>
-              <a:t>10/22/14 </a:t>
+              <a:t>12/2/14 </a:t>
             </a:fld>
             <a:endParaRPr lang="en-US"/>
           </a:p>
@@ -1093,7 +1097,7 @@
             <a:fld id="{E97F63ED-244D-4346-A15C-DC13E53AAAF7}" type="datetimeFigureOut">
               <a:rPr lang="en-US" smtClean="0"/>
               <a:pPr/>
-              <a:t>10/22/14 </a:t>
+              <a:t>12/2/14 </a:t>
             </a:fld>
             <a:endParaRPr lang="en-US"/>
           </a:p>
@@ -1383,7 +1387,7 @@
             <a:fld id="{E97F63ED-244D-4346-A15C-DC13E53AAAF7}" type="datetimeFigureOut">
               <a:rPr lang="en-US" smtClean="0"/>
               <a:pPr/>
-              <a:t>10/22/14 </a:t>
+              <a:t>12/2/14 </a:t>
             </a:fld>
             <a:endParaRPr lang="en-US"/>
           </a:p>
@@ -1807,7 +1811,7 @@
             <a:fld id="{E97F63ED-244D-4346-A15C-DC13E53AAAF7}" type="datetimeFigureOut">
               <a:rPr lang="en-US" smtClean="0"/>
               <a:pPr/>
-              <a:t>10/22/14 </a:t>
+              <a:t>12/2/14 </a:t>
             </a:fld>
             <a:endParaRPr lang="en-US"/>
           </a:p>
@@ -1927,7 +1931,7 @@
             <a:fld id="{E97F63ED-244D-4346-A15C-DC13E53AAAF7}" type="datetimeFigureOut">
               <a:rPr lang="en-US" smtClean="0"/>
               <a:pPr/>
-              <a:t>10/22/14 </a:t>
+              <a:t>12/2/14 </a:t>
             </a:fld>
             <a:endParaRPr lang="en-US"/>
           </a:p>
@@ -2024,7 +2028,7 @@
             <a:fld id="{E97F63ED-244D-4346-A15C-DC13E53AAAF7}" type="datetimeFigureOut">
               <a:rPr lang="en-US" smtClean="0"/>
               <a:pPr/>
-              <a:t>10/22/14 </a:t>
+              <a:t>12/2/14 </a:t>
             </a:fld>
             <a:endParaRPr lang="en-US"/>
           </a:p>
@@ -2303,7 +2307,7 @@
             <a:fld id="{E97F63ED-244D-4346-A15C-DC13E53AAAF7}" type="datetimeFigureOut">
               <a:rPr lang="en-US" smtClean="0"/>
               <a:pPr/>
-              <a:t>10/22/14 </a:t>
+              <a:t>12/2/14 </a:t>
             </a:fld>
             <a:endParaRPr lang="en-US"/>
           </a:p>
@@ -2558,7 +2562,7 @@
             <a:fld id="{E97F63ED-244D-4346-A15C-DC13E53AAAF7}" type="datetimeFigureOut">
               <a:rPr lang="en-US" smtClean="0"/>
               <a:pPr/>
-              <a:t>10/22/14 </a:t>
+              <a:t>12/2/14 </a:t>
             </a:fld>
             <a:endParaRPr lang="en-US"/>
           </a:p>
@@ -2773,7 +2777,7 @@
             <a:fld id="{E97F63ED-244D-4346-A15C-DC13E53AAAF7}" type="datetimeFigureOut">
               <a:rPr lang="en-US" smtClean="0"/>
               <a:pPr/>
-              <a:t>10/22/14 </a:t>
+              <a:t>12/2/14 </a:t>
             </a:fld>
             <a:endParaRPr lang="en-US"/>
           </a:p>
@@ -35087,11 +35091,7 @@
             <a:pPr algn="ctr"/>
             <a:r>
               <a:rPr lang="en-US" sz="1600" dirty="0" smtClean="0"/>
-              <a:t>Conversation </a:t>
-            </a:r>
-            <a:r>
-              <a:rPr lang="en-US" sz="1600" dirty="0" smtClean="0"/>
-              <a:t>Database</a:t>
+              <a:t>Conversation Database</a:t>
             </a:r>
             <a:endParaRPr lang="en-US" sz="1600" dirty="0"/>
           </a:p>
@@ -35664,11 +35664,7 @@
             </a:r>
             <a:r>
               <a:rPr lang="en-US" sz="1400" dirty="0" smtClean="0"/>
-              <a:t>: </a:t>
-            </a:r>
-            <a:r>
-              <a:rPr lang="en-US" sz="1400" dirty="0" smtClean="0"/>
-              <a:t>Request </a:t>
+              <a:t>: Request </a:t>
             </a:r>
           </a:p>
           <a:p>
@@ -35851,15 +35847,7 @@
             <a:pPr algn="ctr"/>
             <a:r>
               <a:rPr lang="en-US" sz="1400" dirty="0" smtClean="0"/>
-              <a:t>10</a:t>
-            </a:r>
-            <a:r>
-              <a:rPr lang="en-US" sz="1400" dirty="0" smtClean="0"/>
-              <a:t>: </a:t>
-            </a:r>
-            <a:r>
-              <a:rPr lang="en-US" sz="1400" dirty="0" smtClean="0"/>
-              <a:t>Retrieve </a:t>
+              <a:t>10: Retrieve </a:t>
             </a:r>
             <a:br>
               <a:rPr lang="en-US" sz="1400" dirty="0" smtClean="0"/>
@@ -35934,19 +35922,7 @@
           <a:p>
             <a:r>
               <a:rPr lang="en-US" sz="1400" dirty="0" smtClean="0"/>
-              <a:t>11: </a:t>
-            </a:r>
-            <a:r>
-              <a:rPr lang="en-US" sz="1400" dirty="0" smtClean="0"/>
-              <a:t>Return </a:t>
-            </a:r>
-            <a:r>
-              <a:rPr lang="en-US" sz="1400" dirty="0" smtClean="0"/>
-              <a:t>message </a:t>
-            </a:r>
-            <a:r>
-              <a:rPr lang="en-US" sz="1400" dirty="0" smtClean="0"/>
-              <a:t>detail</a:t>
+              <a:t>11: Return message detail</a:t>
             </a:r>
             <a:endParaRPr lang="en-US" sz="1400" dirty="0"/>
           </a:p>
@@ -36014,11 +35990,7 @@
           <a:p>
             <a:r>
               <a:rPr lang="en-US" sz="1400" dirty="0" smtClean="0"/>
-              <a:t>12: </a:t>
-            </a:r>
-            <a:r>
-              <a:rPr lang="en-US" sz="1400" dirty="0" smtClean="0"/>
-              <a:t>Display message detail</a:t>
+              <a:t>12: Display message detail</a:t>
             </a:r>
             <a:endParaRPr lang="en-US" sz="1400" dirty="0"/>
           </a:p>
@@ -46309,13 +46281,8 @@
             </a:r>
             <a:r>
               <a:rPr lang="en-US" sz="1400" dirty="0" smtClean="0"/>
-              <a:t>: Display tutorial </a:t>
-            </a:r>
-            <a:r>
-              <a:rPr lang="en-US" sz="1400" dirty="0" smtClean="0"/>
-              <a:t>information</a:t>
-            </a:r>
-            <a:endParaRPr lang="en-US" sz="1400" dirty="0" smtClean="0"/>
+              <a:t>: Display tutorial information</a:t>
+            </a:r>
           </a:p>
         </p:txBody>
       </p:sp>
@@ -46393,11 +46360,7 @@
             <a:pPr algn="ctr"/>
             <a:r>
               <a:rPr lang="en-US" sz="1400" dirty="0" smtClean="0"/>
-              <a:t>tutorial </a:t>
-            </a:r>
-            <a:r>
-              <a:rPr lang="en-US" sz="1400" dirty="0" smtClean="0"/>
-              <a:t>information</a:t>
+              <a:t>tutorial information</a:t>
             </a:r>
             <a:endParaRPr lang="en-US" sz="1400" dirty="0"/>
           </a:p>
@@ -48042,11 +48005,7 @@
           <a:p>
             <a:r>
               <a:rPr lang="en-US" sz="1400" dirty="0" smtClean="0"/>
-              <a:t>19: </a:t>
-            </a:r>
-            <a:r>
-              <a:rPr lang="en-US" sz="1400" dirty="0" smtClean="0"/>
-              <a:t>Display liked sign and updated like number</a:t>
+              <a:t>19: Display liked sign and updated like number</a:t>
             </a:r>
             <a:endParaRPr lang="en-US" sz="1400" dirty="0"/>
           </a:p>
@@ -48098,11 +48057,7 @@
             <a:pPr algn="ctr"/>
             <a:r>
               <a:rPr lang="en-US" sz="1600" dirty="0" smtClean="0"/>
-              <a:t>Popular</a:t>
-            </a:r>
-            <a:r>
-              <a:rPr lang="en-US" sz="1600" dirty="0" smtClean="0"/>
-              <a:t> </a:t>
+              <a:t>Popular </a:t>
             </a:r>
             <a:r>
               <a:rPr lang="en-US" sz="1600" dirty="0"/>
@@ -48403,15 +48358,7 @@
             <a:pPr algn="ctr"/>
             <a:r>
               <a:rPr lang="en-US" sz="1400" dirty="0" smtClean="0"/>
-              <a:t>16: </a:t>
-            </a:r>
-            <a:r>
-              <a:rPr lang="en-US" sz="1400" dirty="0" smtClean="0"/>
-              <a:t>check </a:t>
-            </a:r>
-            <a:r>
-              <a:rPr lang="en-US" sz="1400" dirty="0" smtClean="0"/>
-              <a:t>tutorial id</a:t>
+              <a:t>16: check tutorial id</a:t>
             </a:r>
             <a:endParaRPr lang="en-US" sz="1400" dirty="0"/>
           </a:p>
@@ -48442,11 +48389,7 @@
             <a:pPr algn="ctr"/>
             <a:r>
               <a:rPr lang="en-US" sz="1400" dirty="0" smtClean="0"/>
-              <a:t>18: </a:t>
-            </a:r>
-            <a:r>
-              <a:rPr lang="en-US" sz="1400" dirty="0" smtClean="0"/>
-              <a:t>return result</a:t>
+              <a:t>18: return result</a:t>
             </a:r>
             <a:endParaRPr lang="en-US" sz="1400" dirty="0"/>
           </a:p>
@@ -48478,7 +48421,6 @@
               <a:rPr lang="en-US" sz="1400" dirty="0" smtClean="0"/>
               <a:t>17: add</a:t>
             </a:r>
-            <a:endParaRPr lang="en-US" sz="1400" dirty="0" smtClean="0"/>
           </a:p>
           <a:p>
             <a:r>
@@ -48896,13 +48838,8 @@
             </a:r>
             <a:r>
               <a:rPr lang="en-US" sz="1400" dirty="0" smtClean="0"/>
-              <a:t>: Display tutorial </a:t>
-            </a:r>
-            <a:r>
-              <a:rPr lang="en-US" sz="1400" dirty="0" smtClean="0"/>
-              <a:t>information</a:t>
-            </a:r>
-            <a:endParaRPr lang="en-US" sz="1400" dirty="0" smtClean="0"/>
+              <a:t>: Display tutorial information</a:t>
+            </a:r>
           </a:p>
         </p:txBody>
       </p:sp>
@@ -48980,11 +48917,7 @@
             <a:pPr algn="ctr"/>
             <a:r>
               <a:rPr lang="en-US" sz="1400" dirty="0" smtClean="0"/>
-              <a:t>tutorial </a:t>
-            </a:r>
-            <a:r>
-              <a:rPr lang="en-US" sz="1400" dirty="0" smtClean="0"/>
-              <a:t>information</a:t>
+              <a:t>tutorial information</a:t>
             </a:r>
             <a:endParaRPr lang="en-US" sz="1400" dirty="0"/>
           </a:p>
@@ -49976,15 +49909,7 @@
             <a:pPr algn="ctr"/>
             <a:r>
               <a:rPr lang="en-US" sz="1400" dirty="0" smtClean="0"/>
-              <a:t>10: Click </a:t>
-            </a:r>
-            <a:r>
-              <a:rPr lang="en-US" sz="1400" dirty="0" smtClean="0"/>
-              <a:t>liked </a:t>
-            </a:r>
-            <a:r>
-              <a:rPr lang="en-US" sz="1400" dirty="0" smtClean="0"/>
-              <a:t>link</a:t>
+              <a:t>10: Click liked link</a:t>
             </a:r>
             <a:endParaRPr lang="en-US" sz="1400" dirty="0"/>
           </a:p>
@@ -50288,13 +50213,8 @@
           <a:p>
             <a:r>
               <a:rPr lang="en-US" sz="1400" dirty="0" smtClean="0"/>
-              <a:t>14: </a:t>
-            </a:r>
-            <a:r>
-              <a:rPr lang="en-US" sz="1400" dirty="0" smtClean="0"/>
-              <a:t>delete </a:t>
-            </a:r>
-            <a:endParaRPr lang="en-US" sz="1400" dirty="0" smtClean="0"/>
+              <a:t>14: delete </a:t>
+            </a:r>
           </a:p>
           <a:p>
             <a:r>
@@ -50543,19 +50463,7 @@
             <a:pPr algn="ctr"/>
             <a:r>
               <a:rPr lang="en-US" sz="1400" dirty="0" smtClean="0"/>
-              <a:t>13: </a:t>
-            </a:r>
-            <a:r>
-              <a:rPr lang="en-US" sz="1400" dirty="0" smtClean="0"/>
-              <a:t>minus</a:t>
-            </a:r>
-            <a:r>
-              <a:rPr lang="en-US" sz="1400" dirty="0" smtClean="0"/>
-              <a:t> </a:t>
-            </a:r>
-            <a:r>
-              <a:rPr lang="en-US" sz="1400" dirty="0" smtClean="0"/>
-              <a:t>like</a:t>
+              <a:t>13: minus like</a:t>
             </a:r>
             <a:endParaRPr lang="en-US" sz="1400" dirty="0"/>
           </a:p>
@@ -50654,19 +50562,7 @@
           <a:p>
             <a:r>
               <a:rPr lang="en-US" sz="1400" dirty="0" smtClean="0"/>
-              <a:t>19: </a:t>
-            </a:r>
-            <a:r>
-              <a:rPr lang="en-US" sz="1400" dirty="0" smtClean="0"/>
-              <a:t>Display </a:t>
-            </a:r>
-            <a:r>
-              <a:rPr lang="en-US" sz="1400" dirty="0" smtClean="0"/>
-              <a:t>like </a:t>
-            </a:r>
-            <a:r>
-              <a:rPr lang="en-US" sz="1400" dirty="0" smtClean="0"/>
-              <a:t>sign and updated like number</a:t>
+              <a:t>19: Display like sign and updated like number</a:t>
             </a:r>
             <a:endParaRPr lang="en-US" sz="1400" dirty="0"/>
           </a:p>
@@ -50718,11 +50614,7 @@
             <a:pPr algn="ctr"/>
             <a:r>
               <a:rPr lang="en-US" sz="1600" dirty="0" smtClean="0"/>
-              <a:t>Popular</a:t>
-            </a:r>
-            <a:r>
-              <a:rPr lang="en-US" sz="1600" dirty="0" smtClean="0"/>
-              <a:t> </a:t>
+              <a:t>Popular </a:t>
             </a:r>
             <a:r>
               <a:rPr lang="en-US" sz="1600" dirty="0"/>
@@ -50904,7 +50796,6 @@
               <a:rPr lang="en-US" sz="1400" dirty="0" smtClean="0"/>
               <a:t>17: delete</a:t>
             </a:r>
-            <a:endParaRPr lang="en-US" sz="1400" dirty="0" smtClean="0"/>
           </a:p>
           <a:p>
             <a:r>
@@ -51074,15 +50965,7 @@
             <a:pPr algn="ctr"/>
             <a:r>
               <a:rPr lang="en-US" sz="1400" dirty="0" smtClean="0"/>
-              <a:t>16: </a:t>
-            </a:r>
-            <a:r>
-              <a:rPr lang="en-US" sz="1400" dirty="0" smtClean="0"/>
-              <a:t>check </a:t>
-            </a:r>
-            <a:r>
-              <a:rPr lang="en-US" sz="1400" dirty="0" smtClean="0"/>
-              <a:t>tutorial id</a:t>
+              <a:t>16: check tutorial id</a:t>
             </a:r>
             <a:endParaRPr lang="en-US" sz="1400" dirty="0"/>
           </a:p>
@@ -51113,11 +50996,7 @@
             <a:pPr algn="ctr"/>
             <a:r>
               <a:rPr lang="en-US" sz="1400" dirty="0" smtClean="0"/>
-              <a:t>18: </a:t>
-            </a:r>
-            <a:r>
-              <a:rPr lang="en-US" sz="1400" dirty="0" smtClean="0"/>
-              <a:t>return result</a:t>
+              <a:t>18: return result</a:t>
             </a:r>
             <a:endParaRPr lang="en-US" sz="1400" dirty="0"/>
           </a:p>
@@ -51133,6 +51012,6336 @@
   <p:clrMapOvr>
     <a:masterClrMapping/>
   </p:clrMapOvr>
+</p:sld>
+</file>
+
+<file path=ppt/slides/slide32.xml><?xml version="1.0" encoding="utf-8"?>
+<p:sld xmlns:a="http://schemas.openxmlformats.org/drawingml/2006/main" xmlns:r="http://schemas.openxmlformats.org/officeDocument/2006/relationships" xmlns:p="http://schemas.openxmlformats.org/presentationml/2006/main">
+  <p:cSld>
+    <p:spTree>
+      <p:nvGrpSpPr>
+        <p:cNvPr id="1" name=""/>
+        <p:cNvGrpSpPr/>
+        <p:nvPr/>
+      </p:nvGrpSpPr>
+      <p:grpSpPr>
+        <a:xfrm>
+          <a:off x="0" y="0"/>
+          <a:ext cx="0" cy="0"/>
+          <a:chOff x="0" y="0"/>
+          <a:chExt cx="0" cy="0"/>
+        </a:xfrm>
+      </p:grpSpPr>
+    </p:spTree>
+    <p:extLst>
+      <p:ext uri="{BB962C8B-B14F-4D97-AF65-F5344CB8AC3E}">
+        <p14:creationId xmlns:p14="http://schemas.microsoft.com/office/powerpoint/2010/main" val="1526812191"/>
+      </p:ext>
+    </p:extLst>
+  </p:cSld>
+  <p:clrMapOvr>
+    <a:masterClrMapping/>
+  </p:clrMapOvr>
+</p:sld>
+</file>
+
+<file path=ppt/slides/slide33.xml><?xml version="1.0" encoding="utf-8"?>
+<p:sld xmlns:a="http://schemas.openxmlformats.org/drawingml/2006/main" xmlns:r="http://schemas.openxmlformats.org/officeDocument/2006/relationships" xmlns:p="http://schemas.openxmlformats.org/presentationml/2006/main">
+  <p:cSld>
+    <p:spTree>
+      <p:nvGrpSpPr>
+        <p:cNvPr id="1" name=""/>
+        <p:cNvGrpSpPr/>
+        <p:nvPr/>
+      </p:nvGrpSpPr>
+      <p:grpSpPr>
+        <a:xfrm>
+          <a:off x="0" y="0"/>
+          <a:ext cx="0" cy="0"/>
+          <a:chOff x="0" y="0"/>
+          <a:chExt cx="0" cy="0"/>
+        </a:xfrm>
+      </p:grpSpPr>
+      <p:sp>
+        <p:nvSpPr>
+          <p:cNvPr id="3" name="Rectangle 2"/>
+          <p:cNvSpPr/>
+          <p:nvPr/>
+        </p:nvSpPr>
+        <p:spPr>
+          <a:xfrm>
+            <a:off x="244291" y="1929810"/>
+            <a:ext cx="1285594" cy="511156"/>
+          </a:xfrm>
+          <a:prstGeom prst="rect">
+            <a:avLst/>
+          </a:prstGeom>
+          <a:solidFill>
+            <a:schemeClr val="tx1">
+              <a:lumMod val="85000"/>
+              <a:lumOff val="15000"/>
+            </a:schemeClr>
+          </a:solidFill>
+          <a:ln>
+            <a:noFill/>
+          </a:ln>
+          <a:effectLst/>
+        </p:spPr>
+        <p:style>
+          <a:lnRef idx="1">
+            <a:schemeClr val="accent1"/>
+          </a:lnRef>
+          <a:fillRef idx="3">
+            <a:schemeClr val="accent1"/>
+          </a:fillRef>
+          <a:effectRef idx="2">
+            <a:schemeClr val="accent1"/>
+          </a:effectRef>
+          <a:fontRef idx="minor">
+            <a:schemeClr val="lt1"/>
+          </a:fontRef>
+        </p:style>
+        <p:txBody>
+          <a:bodyPr rtlCol="0" anchor="ctr"/>
+          <a:lstStyle/>
+          <a:p>
+            <a:pPr algn="ctr"/>
+            <a:r>
+              <a:rPr lang="en-US" sz="1600" dirty="0" smtClean="0"/>
+              <a:t>Blogger</a:t>
+            </a:r>
+            <a:endParaRPr lang="en-US" sz="1600" dirty="0"/>
+          </a:p>
+        </p:txBody>
+      </p:sp>
+      <p:cxnSp>
+        <p:nvCxnSpPr>
+          <p:cNvPr id="4" name="Straight Connector 3"/>
+          <p:cNvCxnSpPr>
+            <a:stCxn id="3" idx="2"/>
+          </p:cNvCxnSpPr>
+          <p:nvPr/>
+        </p:nvCxnSpPr>
+        <p:spPr>
+          <a:xfrm>
+            <a:off x="887088" y="2440966"/>
+            <a:ext cx="0" cy="3263570"/>
+          </a:xfrm>
+          <a:prstGeom prst="line">
+            <a:avLst/>
+          </a:prstGeom>
+          <a:ln>
+            <a:solidFill>
+              <a:schemeClr val="tx1"/>
+            </a:solidFill>
+          </a:ln>
+          <a:effectLst/>
+        </p:spPr>
+        <p:style>
+          <a:lnRef idx="2">
+            <a:schemeClr val="accent1"/>
+          </a:lnRef>
+          <a:fillRef idx="0">
+            <a:schemeClr val="accent1"/>
+          </a:fillRef>
+          <a:effectRef idx="1">
+            <a:schemeClr val="accent1"/>
+          </a:effectRef>
+          <a:fontRef idx="minor">
+            <a:schemeClr val="tx1"/>
+          </a:fontRef>
+        </p:style>
+      </p:cxnSp>
+      <p:sp>
+        <p:nvSpPr>
+          <p:cNvPr id="6" name="Rectangle 5"/>
+          <p:cNvSpPr/>
+          <p:nvPr/>
+        </p:nvSpPr>
+        <p:spPr>
+          <a:xfrm>
+            <a:off x="4203832" y="1929810"/>
+            <a:ext cx="2181137" cy="511156"/>
+          </a:xfrm>
+          <a:prstGeom prst="rect">
+            <a:avLst/>
+          </a:prstGeom>
+          <a:solidFill>
+            <a:schemeClr val="tx1">
+              <a:lumMod val="85000"/>
+              <a:lumOff val="15000"/>
+            </a:schemeClr>
+          </a:solidFill>
+          <a:ln>
+            <a:noFill/>
+          </a:ln>
+          <a:effectLst/>
+        </p:spPr>
+        <p:style>
+          <a:lnRef idx="1">
+            <a:schemeClr val="accent1"/>
+          </a:lnRef>
+          <a:fillRef idx="3">
+            <a:schemeClr val="accent1"/>
+          </a:fillRef>
+          <a:effectRef idx="2">
+            <a:schemeClr val="accent1"/>
+          </a:effectRef>
+          <a:fontRef idx="minor">
+            <a:schemeClr val="lt1"/>
+          </a:fontRef>
+        </p:style>
+        <p:txBody>
+          <a:bodyPr rtlCol="0" anchor="ctr"/>
+          <a:lstStyle/>
+          <a:p>
+            <a:pPr algn="ctr"/>
+            <a:r>
+              <a:rPr lang="en-US" sz="1600" dirty="0" smtClean="0"/>
+              <a:t>Notification</a:t>
+            </a:r>
+            <a:br>
+              <a:rPr lang="en-US" sz="1600" dirty="0" smtClean="0"/>
+            </a:br>
+            <a:r>
+              <a:rPr lang="en-US" sz="1600" dirty="0" smtClean="0"/>
+              <a:t>Management</a:t>
+            </a:r>
+            <a:endParaRPr lang="en-US" sz="1600" dirty="0"/>
+          </a:p>
+        </p:txBody>
+      </p:sp>
+      <p:sp>
+        <p:nvSpPr>
+          <p:cNvPr id="7" name="Rectangle 6"/>
+          <p:cNvSpPr/>
+          <p:nvPr/>
+        </p:nvSpPr>
+        <p:spPr>
+          <a:xfrm>
+            <a:off x="6985129" y="1929810"/>
+            <a:ext cx="1615847" cy="511156"/>
+          </a:xfrm>
+          <a:prstGeom prst="rect">
+            <a:avLst/>
+          </a:prstGeom>
+          <a:solidFill>
+            <a:schemeClr val="tx1">
+              <a:lumMod val="85000"/>
+              <a:lumOff val="15000"/>
+            </a:schemeClr>
+          </a:solidFill>
+          <a:ln>
+            <a:noFill/>
+          </a:ln>
+          <a:effectLst/>
+        </p:spPr>
+        <p:style>
+          <a:lnRef idx="1">
+            <a:schemeClr val="accent1"/>
+          </a:lnRef>
+          <a:fillRef idx="3">
+            <a:schemeClr val="accent1"/>
+          </a:fillRef>
+          <a:effectRef idx="2">
+            <a:schemeClr val="accent1"/>
+          </a:effectRef>
+          <a:fontRef idx="minor">
+            <a:schemeClr val="lt1"/>
+          </a:fontRef>
+        </p:style>
+        <p:txBody>
+          <a:bodyPr rtlCol="0" anchor="ctr"/>
+          <a:lstStyle/>
+          <a:p>
+            <a:pPr algn="ctr"/>
+            <a:r>
+              <a:rPr lang="en-US" sz="1600" dirty="0" smtClean="0"/>
+              <a:t>Notification</a:t>
+            </a:r>
+            <a:br>
+              <a:rPr lang="en-US" sz="1600" dirty="0" smtClean="0"/>
+            </a:br>
+            <a:r>
+              <a:rPr lang="en-US" sz="1600" dirty="0" smtClean="0"/>
+              <a:t>Database</a:t>
+            </a:r>
+            <a:endParaRPr lang="en-US" sz="1600" dirty="0"/>
+          </a:p>
+        </p:txBody>
+      </p:sp>
+      <p:cxnSp>
+        <p:nvCxnSpPr>
+          <p:cNvPr id="9" name="Straight Connector 8"/>
+          <p:cNvCxnSpPr>
+            <a:stCxn id="6" idx="2"/>
+          </p:cNvCxnSpPr>
+          <p:nvPr/>
+        </p:nvCxnSpPr>
+        <p:spPr>
+          <a:xfrm>
+            <a:off x="5294401" y="2440966"/>
+            <a:ext cx="10770" cy="3263570"/>
+          </a:xfrm>
+          <a:prstGeom prst="line">
+            <a:avLst/>
+          </a:prstGeom>
+          <a:ln>
+            <a:solidFill>
+              <a:schemeClr val="tx1"/>
+            </a:solidFill>
+          </a:ln>
+          <a:effectLst/>
+        </p:spPr>
+        <p:style>
+          <a:lnRef idx="2">
+            <a:schemeClr val="accent1"/>
+          </a:lnRef>
+          <a:fillRef idx="0">
+            <a:schemeClr val="accent1"/>
+          </a:fillRef>
+          <a:effectRef idx="1">
+            <a:schemeClr val="accent1"/>
+          </a:effectRef>
+          <a:fontRef idx="minor">
+            <a:schemeClr val="tx1"/>
+          </a:fontRef>
+        </p:style>
+      </p:cxnSp>
+      <p:cxnSp>
+        <p:nvCxnSpPr>
+          <p:cNvPr id="10" name="Straight Connector 9"/>
+          <p:cNvCxnSpPr>
+            <a:stCxn id="7" idx="2"/>
+          </p:cNvCxnSpPr>
+          <p:nvPr/>
+        </p:nvCxnSpPr>
+        <p:spPr>
+          <a:xfrm>
+            <a:off x="7793053" y="2440966"/>
+            <a:ext cx="0" cy="3263570"/>
+          </a:xfrm>
+          <a:prstGeom prst="line">
+            <a:avLst/>
+          </a:prstGeom>
+          <a:ln>
+            <a:solidFill>
+              <a:schemeClr val="tx1"/>
+            </a:solidFill>
+          </a:ln>
+          <a:effectLst/>
+        </p:spPr>
+        <p:style>
+          <a:lnRef idx="2">
+            <a:schemeClr val="accent1"/>
+          </a:lnRef>
+          <a:fillRef idx="0">
+            <a:schemeClr val="accent1"/>
+          </a:fillRef>
+          <a:effectRef idx="1">
+            <a:schemeClr val="accent1"/>
+          </a:effectRef>
+          <a:fontRef idx="minor">
+            <a:schemeClr val="tx1"/>
+          </a:fontRef>
+        </p:style>
+      </p:cxnSp>
+      <p:sp>
+        <p:nvSpPr>
+          <p:cNvPr id="16" name="Rectangle 15"/>
+          <p:cNvSpPr/>
+          <p:nvPr/>
+        </p:nvSpPr>
+        <p:spPr>
+          <a:xfrm>
+            <a:off x="828157" y="3050006"/>
+            <a:ext cx="139402" cy="2046424"/>
+          </a:xfrm>
+          <a:prstGeom prst="rect">
+            <a:avLst/>
+          </a:prstGeom>
+          <a:solidFill>
+            <a:schemeClr val="tx1"/>
+          </a:solidFill>
+          <a:ln>
+            <a:noFill/>
+          </a:ln>
+          <a:effectLst/>
+        </p:spPr>
+        <p:style>
+          <a:lnRef idx="1">
+            <a:schemeClr val="accent1"/>
+          </a:lnRef>
+          <a:fillRef idx="3">
+            <a:schemeClr val="accent1"/>
+          </a:fillRef>
+          <a:effectRef idx="2">
+            <a:schemeClr val="accent1"/>
+          </a:effectRef>
+          <a:fontRef idx="minor">
+            <a:schemeClr val="lt1"/>
+          </a:fontRef>
+        </p:style>
+        <p:txBody>
+          <a:bodyPr rtlCol="0" anchor="ctr"/>
+          <a:lstStyle/>
+          <a:p>
+            <a:pPr algn="ctr"/>
+            <a:endParaRPr lang="en-US"/>
+          </a:p>
+        </p:txBody>
+      </p:sp>
+      <p:sp>
+        <p:nvSpPr>
+          <p:cNvPr id="22" name="Rectangle 21"/>
+          <p:cNvSpPr/>
+          <p:nvPr/>
+        </p:nvSpPr>
+        <p:spPr>
+          <a:xfrm>
+            <a:off x="2726113" y="3065494"/>
+            <a:ext cx="139402" cy="557624"/>
+          </a:xfrm>
+          <a:prstGeom prst="rect">
+            <a:avLst/>
+          </a:prstGeom>
+          <a:solidFill>
+            <a:schemeClr val="tx1"/>
+          </a:solidFill>
+          <a:ln>
+            <a:noFill/>
+          </a:ln>
+          <a:effectLst/>
+        </p:spPr>
+        <p:style>
+          <a:lnRef idx="1">
+            <a:schemeClr val="accent1"/>
+          </a:lnRef>
+          <a:fillRef idx="3">
+            <a:schemeClr val="accent1"/>
+          </a:fillRef>
+          <a:effectRef idx="2">
+            <a:schemeClr val="accent1"/>
+          </a:effectRef>
+          <a:fontRef idx="minor">
+            <a:schemeClr val="lt1"/>
+          </a:fontRef>
+        </p:style>
+        <p:txBody>
+          <a:bodyPr rtlCol="0" anchor="ctr"/>
+          <a:lstStyle/>
+          <a:p>
+            <a:pPr algn="ctr"/>
+            <a:endParaRPr lang="en-US"/>
+          </a:p>
+        </p:txBody>
+      </p:sp>
+      <p:cxnSp>
+        <p:nvCxnSpPr>
+          <p:cNvPr id="26" name="Straight Arrow Connector 25"/>
+          <p:cNvCxnSpPr/>
+          <p:nvPr/>
+        </p:nvCxnSpPr>
+        <p:spPr>
+          <a:xfrm>
+            <a:off x="897858" y="3142940"/>
+            <a:ext cx="1828255" cy="0"/>
+          </a:xfrm>
+          <a:prstGeom prst="straightConnector1">
+            <a:avLst/>
+          </a:prstGeom>
+          <a:ln>
+            <a:solidFill>
+              <a:schemeClr val="tx1"/>
+            </a:solidFill>
+            <a:tailEnd type="arrow"/>
+          </a:ln>
+          <a:effectLst/>
+        </p:spPr>
+        <p:style>
+          <a:lnRef idx="2">
+            <a:schemeClr val="accent1"/>
+          </a:lnRef>
+          <a:fillRef idx="0">
+            <a:schemeClr val="accent1"/>
+          </a:fillRef>
+          <a:effectRef idx="1">
+            <a:schemeClr val="accent1"/>
+          </a:effectRef>
+          <a:fontRef idx="minor">
+            <a:schemeClr val="tx1"/>
+          </a:fontRef>
+        </p:style>
+      </p:cxnSp>
+      <p:cxnSp>
+        <p:nvCxnSpPr>
+          <p:cNvPr id="27" name="Straight Arrow Connector 26"/>
+          <p:cNvCxnSpPr/>
+          <p:nvPr/>
+        </p:nvCxnSpPr>
+        <p:spPr>
+          <a:xfrm>
+            <a:off x="2865515" y="3530178"/>
+            <a:ext cx="2386697" cy="0"/>
+          </a:xfrm>
+          <a:prstGeom prst="straightConnector1">
+            <a:avLst/>
+          </a:prstGeom>
+          <a:ln>
+            <a:solidFill>
+              <a:schemeClr val="tx1"/>
+            </a:solidFill>
+            <a:tailEnd type="arrow"/>
+          </a:ln>
+          <a:effectLst/>
+        </p:spPr>
+        <p:style>
+          <a:lnRef idx="2">
+            <a:schemeClr val="accent1"/>
+          </a:lnRef>
+          <a:fillRef idx="0">
+            <a:schemeClr val="accent1"/>
+          </a:fillRef>
+          <a:effectRef idx="1">
+            <a:schemeClr val="accent1"/>
+          </a:effectRef>
+          <a:fontRef idx="minor">
+            <a:schemeClr val="tx1"/>
+          </a:fontRef>
+        </p:style>
+      </p:cxnSp>
+      <p:cxnSp>
+        <p:nvCxnSpPr>
+          <p:cNvPr id="40" name="Straight Arrow Connector 39"/>
+          <p:cNvCxnSpPr/>
+          <p:nvPr/>
+        </p:nvCxnSpPr>
+        <p:spPr>
+          <a:xfrm flipH="1">
+            <a:off x="953473" y="4944232"/>
+            <a:ext cx="4290791" cy="0"/>
+          </a:xfrm>
+          <a:prstGeom prst="straightConnector1">
+            <a:avLst/>
+          </a:prstGeom>
+          <a:ln>
+            <a:solidFill>
+              <a:schemeClr val="tx1"/>
+            </a:solidFill>
+            <a:prstDash val="dash"/>
+            <a:tailEnd type="arrow"/>
+          </a:ln>
+          <a:effectLst/>
+        </p:spPr>
+        <p:style>
+          <a:lnRef idx="2">
+            <a:schemeClr val="accent1"/>
+          </a:lnRef>
+          <a:fillRef idx="0">
+            <a:schemeClr val="accent1"/>
+          </a:fillRef>
+          <a:effectRef idx="1">
+            <a:schemeClr val="accent1"/>
+          </a:effectRef>
+          <a:fontRef idx="minor">
+            <a:schemeClr val="tx1"/>
+          </a:fontRef>
+        </p:style>
+      </p:cxnSp>
+      <p:cxnSp>
+        <p:nvCxnSpPr>
+          <p:cNvPr id="42" name="Straight Arrow Connector 41"/>
+          <p:cNvCxnSpPr/>
+          <p:nvPr/>
+        </p:nvCxnSpPr>
+        <p:spPr>
+          <a:xfrm flipH="1">
+            <a:off x="5372101" y="4570752"/>
+            <a:ext cx="4311155" cy="0"/>
+          </a:xfrm>
+          <a:prstGeom prst="straightConnector1">
+            <a:avLst/>
+          </a:prstGeom>
+          <a:ln>
+            <a:solidFill>
+              <a:schemeClr val="tx1"/>
+            </a:solidFill>
+            <a:prstDash val="dash"/>
+            <a:tailEnd type="arrow"/>
+          </a:ln>
+          <a:effectLst/>
+        </p:spPr>
+        <p:style>
+          <a:lnRef idx="2">
+            <a:schemeClr val="accent1"/>
+          </a:lnRef>
+          <a:fillRef idx="0">
+            <a:schemeClr val="accent1"/>
+          </a:fillRef>
+          <a:effectRef idx="1">
+            <a:schemeClr val="accent1"/>
+          </a:effectRef>
+          <a:fontRef idx="minor">
+            <a:schemeClr val="tx1"/>
+          </a:fontRef>
+        </p:style>
+      </p:cxnSp>
+      <p:sp>
+        <p:nvSpPr>
+          <p:cNvPr id="50" name="TextBox 49"/>
+          <p:cNvSpPr txBox="1"/>
+          <p:nvPr/>
+        </p:nvSpPr>
+        <p:spPr>
+          <a:xfrm>
+            <a:off x="7011968" y="4307122"/>
+            <a:ext cx="1391101" cy="307777"/>
+          </a:xfrm>
+          <a:prstGeom prst="rect">
+            <a:avLst/>
+          </a:prstGeom>
+          <a:noFill/>
+        </p:spPr>
+        <p:txBody>
+          <a:bodyPr wrap="none" rtlCol="0">
+            <a:spAutoFit/>
+          </a:bodyPr>
+          <a:lstStyle/>
+          <a:p>
+            <a:pPr algn="ctr"/>
+            <a:r>
+              <a:rPr lang="en-US" sz="1400" dirty="0"/>
+              <a:t>6</a:t>
+            </a:r>
+            <a:r>
+              <a:rPr lang="en-US" sz="1400" dirty="0" smtClean="0"/>
+              <a:t>: </a:t>
+            </a:r>
+            <a:r>
+              <a:rPr lang="en-US" sz="1400" dirty="0" smtClean="0"/>
+              <a:t>Return </a:t>
+            </a:r>
+            <a:r>
+              <a:rPr lang="en-US" sz="1400" dirty="0" smtClean="0"/>
+              <a:t>results</a:t>
+            </a:r>
+            <a:endParaRPr lang="en-US" sz="1400" dirty="0" smtClean="0"/>
+          </a:p>
+        </p:txBody>
+      </p:sp>
+      <p:sp>
+        <p:nvSpPr>
+          <p:cNvPr id="54" name="Rectangle 53"/>
+          <p:cNvSpPr/>
+          <p:nvPr/>
+        </p:nvSpPr>
+        <p:spPr>
+          <a:xfrm>
+            <a:off x="9687456" y="3846328"/>
+            <a:ext cx="139402" cy="814634"/>
+          </a:xfrm>
+          <a:prstGeom prst="rect">
+            <a:avLst/>
+          </a:prstGeom>
+          <a:solidFill>
+            <a:schemeClr val="tx1"/>
+          </a:solidFill>
+          <a:ln>
+            <a:noFill/>
+          </a:ln>
+          <a:effectLst/>
+        </p:spPr>
+        <p:style>
+          <a:lnRef idx="1">
+            <a:schemeClr val="accent1"/>
+          </a:lnRef>
+          <a:fillRef idx="3">
+            <a:schemeClr val="accent1"/>
+          </a:fillRef>
+          <a:effectRef idx="2">
+            <a:schemeClr val="accent1"/>
+          </a:effectRef>
+          <a:fontRef idx="minor">
+            <a:schemeClr val="lt1"/>
+          </a:fontRef>
+        </p:style>
+        <p:txBody>
+          <a:bodyPr rtlCol="0" anchor="ctr"/>
+          <a:lstStyle/>
+          <a:p>
+            <a:pPr algn="ctr"/>
+            <a:endParaRPr lang="en-US"/>
+          </a:p>
+        </p:txBody>
+      </p:sp>
+      <p:sp>
+        <p:nvSpPr>
+          <p:cNvPr id="55" name="Rectangle 54"/>
+          <p:cNvSpPr/>
+          <p:nvPr/>
+        </p:nvSpPr>
+        <p:spPr>
+          <a:xfrm>
+            <a:off x="5228775" y="3419523"/>
+            <a:ext cx="154096" cy="1676906"/>
+          </a:xfrm>
+          <a:prstGeom prst="rect">
+            <a:avLst/>
+          </a:prstGeom>
+          <a:solidFill>
+            <a:schemeClr val="tx1"/>
+          </a:solidFill>
+          <a:ln>
+            <a:noFill/>
+          </a:ln>
+          <a:effectLst/>
+        </p:spPr>
+        <p:style>
+          <a:lnRef idx="1">
+            <a:schemeClr val="accent1"/>
+          </a:lnRef>
+          <a:fillRef idx="3">
+            <a:schemeClr val="accent1"/>
+          </a:fillRef>
+          <a:effectRef idx="2">
+            <a:schemeClr val="accent1"/>
+          </a:effectRef>
+          <a:fontRef idx="minor">
+            <a:schemeClr val="lt1"/>
+          </a:fontRef>
+        </p:style>
+        <p:txBody>
+          <a:bodyPr rtlCol="0" anchor="ctr"/>
+          <a:lstStyle/>
+          <a:p>
+            <a:pPr algn="ctr"/>
+            <a:endParaRPr lang="en-US"/>
+          </a:p>
+        </p:txBody>
+      </p:sp>
+      <p:pic>
+        <p:nvPicPr>
+          <p:cNvPr id="31" name="Picture 30" descr="user.png"/>
+          <p:cNvPicPr>
+            <a:picLocks noChangeAspect="1"/>
+          </p:cNvPicPr>
+          <p:nvPr/>
+        </p:nvPicPr>
+        <p:blipFill>
+          <a:blip r:embed="rId2">
+            <a:extLst>
+              <a:ext uri="{28A0092B-C50C-407E-A947-70E740481C1C}">
+                <a14:useLocalDpi xmlns:a14="http://schemas.microsoft.com/office/drawing/2010/main" val="0"/>
+              </a:ext>
+            </a:extLst>
+          </a:blip>
+          <a:stretch>
+            <a:fillRect/>
+          </a:stretch>
+        </p:blipFill>
+        <p:spPr>
+          <a:xfrm>
+            <a:off x="315711" y="983961"/>
+            <a:ext cx="1124734" cy="1124734"/>
+          </a:xfrm>
+          <a:prstGeom prst="rect">
+            <a:avLst/>
+          </a:prstGeom>
+        </p:spPr>
+      </p:pic>
+      <p:sp>
+        <p:nvSpPr>
+          <p:cNvPr id="33" name="Rectangle 32"/>
+          <p:cNvSpPr/>
+          <p:nvPr/>
+        </p:nvSpPr>
+        <p:spPr>
+          <a:xfrm>
+            <a:off x="1879595" y="1929810"/>
+            <a:ext cx="1810897" cy="511156"/>
+          </a:xfrm>
+          <a:prstGeom prst="rect">
+            <a:avLst/>
+          </a:prstGeom>
+          <a:solidFill>
+            <a:schemeClr val="tx1">
+              <a:lumMod val="85000"/>
+              <a:lumOff val="15000"/>
+            </a:schemeClr>
+          </a:solidFill>
+          <a:ln>
+            <a:noFill/>
+          </a:ln>
+          <a:effectLst/>
+        </p:spPr>
+        <p:style>
+          <a:lnRef idx="1">
+            <a:schemeClr val="accent1"/>
+          </a:lnRef>
+          <a:fillRef idx="3">
+            <a:schemeClr val="accent1"/>
+          </a:fillRef>
+          <a:effectRef idx="2">
+            <a:schemeClr val="accent1"/>
+          </a:effectRef>
+          <a:fontRef idx="minor">
+            <a:schemeClr val="lt1"/>
+          </a:fontRef>
+        </p:style>
+        <p:txBody>
+          <a:bodyPr rtlCol="0" anchor="ctr"/>
+          <a:lstStyle/>
+          <a:p>
+            <a:pPr algn="ctr"/>
+            <a:r>
+              <a:rPr lang="en-US" sz="1600" dirty="0" err="1" smtClean="0"/>
+              <a:t>HomeBlogger</a:t>
+            </a:r>
+            <a:endParaRPr lang="en-US" sz="1600" dirty="0"/>
+          </a:p>
+        </p:txBody>
+      </p:sp>
+      <p:cxnSp>
+        <p:nvCxnSpPr>
+          <p:cNvPr id="34" name="Straight Connector 33"/>
+          <p:cNvCxnSpPr>
+            <a:stCxn id="33" idx="2"/>
+          </p:cNvCxnSpPr>
+          <p:nvPr/>
+        </p:nvCxnSpPr>
+        <p:spPr>
+          <a:xfrm>
+            <a:off x="2785044" y="2440966"/>
+            <a:ext cx="0" cy="3263570"/>
+          </a:xfrm>
+          <a:prstGeom prst="line">
+            <a:avLst/>
+          </a:prstGeom>
+          <a:ln>
+            <a:solidFill>
+              <a:schemeClr val="tx1"/>
+            </a:solidFill>
+          </a:ln>
+          <a:effectLst/>
+        </p:spPr>
+        <p:style>
+          <a:lnRef idx="2">
+            <a:schemeClr val="accent1"/>
+          </a:lnRef>
+          <a:fillRef idx="0">
+            <a:schemeClr val="accent1"/>
+          </a:fillRef>
+          <a:effectRef idx="1">
+            <a:schemeClr val="accent1"/>
+          </a:effectRef>
+          <a:fontRef idx="minor">
+            <a:schemeClr val="tx1"/>
+          </a:fontRef>
+        </p:style>
+      </p:cxnSp>
+      <p:cxnSp>
+        <p:nvCxnSpPr>
+          <p:cNvPr id="43" name="Straight Arrow Connector 42"/>
+          <p:cNvCxnSpPr/>
+          <p:nvPr/>
+        </p:nvCxnSpPr>
+        <p:spPr>
+          <a:xfrm>
+            <a:off x="5372100" y="3710946"/>
+            <a:ext cx="2361670" cy="863"/>
+          </a:xfrm>
+          <a:prstGeom prst="straightConnector1">
+            <a:avLst/>
+          </a:prstGeom>
+          <a:ln>
+            <a:solidFill>
+              <a:schemeClr val="tx1"/>
+            </a:solidFill>
+            <a:tailEnd type="arrow"/>
+          </a:ln>
+          <a:effectLst/>
+        </p:spPr>
+        <p:style>
+          <a:lnRef idx="2">
+            <a:schemeClr val="accent1"/>
+          </a:lnRef>
+          <a:fillRef idx="0">
+            <a:schemeClr val="accent1"/>
+          </a:fillRef>
+          <a:effectRef idx="1">
+            <a:schemeClr val="accent1"/>
+          </a:effectRef>
+          <a:fontRef idx="minor">
+            <a:schemeClr val="tx1"/>
+          </a:fontRef>
+        </p:style>
+      </p:cxnSp>
+      <p:cxnSp>
+        <p:nvCxnSpPr>
+          <p:cNvPr id="56" name="Straight Arrow Connector 55"/>
+          <p:cNvCxnSpPr/>
+          <p:nvPr/>
+        </p:nvCxnSpPr>
+        <p:spPr>
+          <a:xfrm flipH="1">
+            <a:off x="9791565" y="4406582"/>
+            <a:ext cx="741959" cy="0"/>
+          </a:xfrm>
+          <a:prstGeom prst="straightConnector1">
+            <a:avLst/>
+          </a:prstGeom>
+          <a:ln>
+            <a:solidFill>
+              <a:schemeClr val="tx1"/>
+            </a:solidFill>
+            <a:tailEnd type="arrow"/>
+          </a:ln>
+          <a:effectLst/>
+        </p:spPr>
+        <p:style>
+          <a:lnRef idx="2">
+            <a:schemeClr val="accent1"/>
+          </a:lnRef>
+          <a:fillRef idx="0">
+            <a:schemeClr val="accent1"/>
+          </a:fillRef>
+          <a:effectRef idx="1">
+            <a:schemeClr val="accent1"/>
+          </a:effectRef>
+          <a:fontRef idx="minor">
+            <a:schemeClr val="tx1"/>
+          </a:fontRef>
+        </p:style>
+      </p:cxnSp>
+      <p:cxnSp>
+        <p:nvCxnSpPr>
+          <p:cNvPr id="57" name="Straight Connector 56"/>
+          <p:cNvCxnSpPr/>
+          <p:nvPr/>
+        </p:nvCxnSpPr>
+        <p:spPr>
+          <a:xfrm flipV="1">
+            <a:off x="10533524" y="4045092"/>
+            <a:ext cx="0" cy="361490"/>
+          </a:xfrm>
+          <a:prstGeom prst="line">
+            <a:avLst/>
+          </a:prstGeom>
+          <a:ln>
+            <a:solidFill>
+              <a:schemeClr val="tx1"/>
+            </a:solidFill>
+          </a:ln>
+          <a:effectLst/>
+        </p:spPr>
+        <p:style>
+          <a:lnRef idx="2">
+            <a:schemeClr val="accent1"/>
+          </a:lnRef>
+          <a:fillRef idx="0">
+            <a:schemeClr val="accent1"/>
+          </a:fillRef>
+          <a:effectRef idx="1">
+            <a:schemeClr val="accent1"/>
+          </a:effectRef>
+          <a:fontRef idx="minor">
+            <a:schemeClr val="tx1"/>
+          </a:fontRef>
+        </p:style>
+      </p:cxnSp>
+      <p:cxnSp>
+        <p:nvCxnSpPr>
+          <p:cNvPr id="58" name="Straight Connector 57"/>
+          <p:cNvCxnSpPr/>
+          <p:nvPr/>
+        </p:nvCxnSpPr>
+        <p:spPr>
+          <a:xfrm flipH="1">
+            <a:off x="9791565" y="4045092"/>
+            <a:ext cx="741959" cy="0"/>
+          </a:xfrm>
+          <a:prstGeom prst="line">
+            <a:avLst/>
+          </a:prstGeom>
+          <a:ln>
+            <a:solidFill>
+              <a:schemeClr val="tx1"/>
+            </a:solidFill>
+          </a:ln>
+          <a:effectLst/>
+        </p:spPr>
+        <p:style>
+          <a:lnRef idx="2">
+            <a:schemeClr val="accent1"/>
+          </a:lnRef>
+          <a:fillRef idx="0">
+            <a:schemeClr val="accent1"/>
+          </a:fillRef>
+          <a:effectRef idx="1">
+            <a:schemeClr val="accent1"/>
+          </a:effectRef>
+          <a:fontRef idx="minor">
+            <a:schemeClr val="tx1"/>
+          </a:fontRef>
+        </p:style>
+      </p:cxnSp>
+      <p:sp>
+        <p:nvSpPr>
+          <p:cNvPr id="59" name="TextBox 58"/>
+          <p:cNvSpPr txBox="1"/>
+          <p:nvPr/>
+        </p:nvSpPr>
+        <p:spPr>
+          <a:xfrm>
+            <a:off x="9766395" y="3546978"/>
+            <a:ext cx="979755" cy="523220"/>
+          </a:xfrm>
+          <a:prstGeom prst="rect">
+            <a:avLst/>
+          </a:prstGeom>
+          <a:noFill/>
+        </p:spPr>
+        <p:txBody>
+          <a:bodyPr wrap="none" rtlCol="0">
+            <a:spAutoFit/>
+          </a:bodyPr>
+          <a:lstStyle/>
+          <a:p>
+            <a:pPr algn="ctr"/>
+            <a:r>
+              <a:rPr lang="en-US" sz="1400" dirty="0"/>
+              <a:t>5</a:t>
+            </a:r>
+            <a:r>
+              <a:rPr lang="en-US" sz="1400" dirty="0" smtClean="0"/>
+              <a:t>: </a:t>
+            </a:r>
+            <a:r>
+              <a:rPr lang="en-US" sz="1400" dirty="0" smtClean="0"/>
+              <a:t>Retrieve </a:t>
+            </a:r>
+            <a:br>
+              <a:rPr lang="en-US" sz="1400" dirty="0" smtClean="0"/>
+            </a:br>
+            <a:r>
+              <a:rPr lang="en-US" sz="1400" dirty="0" smtClean="0"/>
+              <a:t>Data</a:t>
+            </a:r>
+            <a:endParaRPr lang="en-US" sz="1400" dirty="0"/>
+          </a:p>
+        </p:txBody>
+      </p:sp>
+      <p:sp>
+        <p:nvSpPr>
+          <p:cNvPr id="62" name="Rectangle 61"/>
+          <p:cNvSpPr/>
+          <p:nvPr/>
+        </p:nvSpPr>
+        <p:spPr>
+          <a:xfrm>
+            <a:off x="8934262" y="1929810"/>
+            <a:ext cx="1615847" cy="511156"/>
+          </a:xfrm>
+          <a:prstGeom prst="rect">
+            <a:avLst/>
+          </a:prstGeom>
+          <a:solidFill>
+            <a:schemeClr val="tx1">
+              <a:lumMod val="85000"/>
+              <a:lumOff val="15000"/>
+            </a:schemeClr>
+          </a:solidFill>
+          <a:ln>
+            <a:noFill/>
+          </a:ln>
+          <a:effectLst/>
+        </p:spPr>
+        <p:style>
+          <a:lnRef idx="1">
+            <a:schemeClr val="accent1"/>
+          </a:lnRef>
+          <a:fillRef idx="3">
+            <a:schemeClr val="accent1"/>
+          </a:fillRef>
+          <a:effectRef idx="2">
+            <a:schemeClr val="accent1"/>
+          </a:effectRef>
+          <a:fontRef idx="minor">
+            <a:schemeClr val="lt1"/>
+          </a:fontRef>
+        </p:style>
+        <p:txBody>
+          <a:bodyPr rtlCol="0" anchor="ctr"/>
+          <a:lstStyle/>
+          <a:p>
+            <a:pPr algn="ctr"/>
+            <a:r>
+              <a:rPr lang="en-US" sz="1600" dirty="0" smtClean="0"/>
+              <a:t>Activity</a:t>
+            </a:r>
+            <a:br>
+              <a:rPr lang="en-US" sz="1600" dirty="0" smtClean="0"/>
+            </a:br>
+            <a:r>
+              <a:rPr lang="en-US" sz="1600" dirty="0" smtClean="0"/>
+              <a:t>Database</a:t>
+            </a:r>
+            <a:endParaRPr lang="en-US" sz="1600" dirty="0"/>
+          </a:p>
+        </p:txBody>
+      </p:sp>
+      <p:cxnSp>
+        <p:nvCxnSpPr>
+          <p:cNvPr id="63" name="Straight Connector 62"/>
+          <p:cNvCxnSpPr>
+            <a:stCxn id="62" idx="2"/>
+          </p:cNvCxnSpPr>
+          <p:nvPr/>
+        </p:nvCxnSpPr>
+        <p:spPr>
+          <a:xfrm>
+            <a:off x="9742186" y="2440966"/>
+            <a:ext cx="1" cy="3263570"/>
+          </a:xfrm>
+          <a:prstGeom prst="line">
+            <a:avLst/>
+          </a:prstGeom>
+          <a:ln>
+            <a:solidFill>
+              <a:schemeClr val="tx1"/>
+            </a:solidFill>
+          </a:ln>
+          <a:effectLst/>
+        </p:spPr>
+        <p:style>
+          <a:lnRef idx="2">
+            <a:schemeClr val="accent1"/>
+          </a:lnRef>
+          <a:fillRef idx="0">
+            <a:schemeClr val="accent1"/>
+          </a:fillRef>
+          <a:effectRef idx="1">
+            <a:schemeClr val="accent1"/>
+          </a:effectRef>
+          <a:fontRef idx="minor">
+            <a:schemeClr val="tx1"/>
+          </a:fontRef>
+        </p:style>
+      </p:cxnSp>
+      <p:sp>
+        <p:nvSpPr>
+          <p:cNvPr id="53" name="TextBox 52"/>
+          <p:cNvSpPr txBox="1"/>
+          <p:nvPr/>
+        </p:nvSpPr>
+        <p:spPr>
+          <a:xfrm>
+            <a:off x="960324" y="2846180"/>
+            <a:ext cx="1635372" cy="738664"/>
+          </a:xfrm>
+          <a:prstGeom prst="rect">
+            <a:avLst/>
+          </a:prstGeom>
+          <a:noFill/>
+        </p:spPr>
+        <p:txBody>
+          <a:bodyPr wrap="square" rtlCol="0">
+            <a:spAutoFit/>
+          </a:bodyPr>
+          <a:lstStyle/>
+          <a:p>
+            <a:pPr algn="ctr"/>
+            <a:r>
+              <a:rPr lang="en-US" sz="1400" dirty="0"/>
+              <a:t>1</a:t>
+            </a:r>
+            <a:r>
+              <a:rPr lang="en-US" sz="1400" dirty="0" smtClean="0"/>
+              <a:t>: Click home </a:t>
+            </a:r>
+          </a:p>
+          <a:p>
+            <a:pPr algn="ctr"/>
+            <a:r>
+              <a:rPr lang="en-US" sz="1400" dirty="0"/>
+              <a:t>p</a:t>
+            </a:r>
+            <a:r>
+              <a:rPr lang="en-US" sz="1400" dirty="0" smtClean="0"/>
+              <a:t>age for </a:t>
+            </a:r>
+          </a:p>
+          <a:p>
+            <a:pPr algn="ctr"/>
+            <a:r>
+              <a:rPr lang="en-US" sz="1400" dirty="0" smtClean="0"/>
+              <a:t>blogger link</a:t>
+            </a:r>
+            <a:endParaRPr lang="en-US" sz="1400" dirty="0"/>
+          </a:p>
+        </p:txBody>
+      </p:sp>
+      <p:sp>
+        <p:nvSpPr>
+          <p:cNvPr id="73" name="TextBox 72"/>
+          <p:cNvSpPr txBox="1"/>
+          <p:nvPr/>
+        </p:nvSpPr>
+        <p:spPr>
+          <a:xfrm>
+            <a:off x="2990617" y="3214367"/>
+            <a:ext cx="2140279" cy="307777"/>
+          </a:xfrm>
+          <a:prstGeom prst="rect">
+            <a:avLst/>
+          </a:prstGeom>
+          <a:noFill/>
+        </p:spPr>
+        <p:txBody>
+          <a:bodyPr wrap="none" rtlCol="0">
+            <a:spAutoFit/>
+          </a:bodyPr>
+          <a:lstStyle/>
+          <a:p>
+            <a:r>
+              <a:rPr lang="en-US" sz="1400" dirty="0"/>
+              <a:t>2</a:t>
+            </a:r>
+            <a:r>
+              <a:rPr lang="en-US" sz="1400" dirty="0" smtClean="0"/>
+              <a:t>: </a:t>
+            </a:r>
+            <a:r>
+              <a:rPr lang="en-US" sz="1400" dirty="0"/>
+              <a:t>S</a:t>
+            </a:r>
+            <a:r>
+              <a:rPr lang="en-US" sz="1400" dirty="0" smtClean="0"/>
+              <a:t>elect </a:t>
+            </a:r>
+            <a:r>
+              <a:rPr lang="en-US" sz="1400" dirty="0" smtClean="0"/>
+              <a:t>notification menu</a:t>
+            </a:r>
+            <a:endParaRPr lang="en-US" sz="1400" dirty="0"/>
+          </a:p>
+        </p:txBody>
+      </p:sp>
+      <p:sp>
+        <p:nvSpPr>
+          <p:cNvPr id="74" name="TextBox 73"/>
+          <p:cNvSpPr txBox="1"/>
+          <p:nvPr/>
+        </p:nvSpPr>
+        <p:spPr>
+          <a:xfrm>
+            <a:off x="5305171" y="3421991"/>
+            <a:ext cx="2507033" cy="307777"/>
+          </a:xfrm>
+          <a:prstGeom prst="rect">
+            <a:avLst/>
+          </a:prstGeom>
+          <a:noFill/>
+        </p:spPr>
+        <p:txBody>
+          <a:bodyPr wrap="square" rtlCol="0">
+            <a:spAutoFit/>
+          </a:bodyPr>
+          <a:lstStyle/>
+          <a:p>
+            <a:pPr algn="ctr"/>
+            <a:r>
+              <a:rPr lang="en-US" sz="1400" dirty="0"/>
+              <a:t>3</a:t>
+            </a:r>
+            <a:r>
+              <a:rPr lang="en-US" sz="1400" dirty="0" smtClean="0"/>
+              <a:t>: Request </a:t>
+            </a:r>
+            <a:r>
+              <a:rPr lang="en-US" sz="1400" dirty="0" smtClean="0"/>
+              <a:t>notifications</a:t>
+            </a:r>
+            <a:endParaRPr lang="en-US" sz="1400" dirty="0"/>
+          </a:p>
+        </p:txBody>
+      </p:sp>
+      <p:cxnSp>
+        <p:nvCxnSpPr>
+          <p:cNvPr id="48" name="Straight Arrow Connector 47"/>
+          <p:cNvCxnSpPr/>
+          <p:nvPr/>
+        </p:nvCxnSpPr>
+        <p:spPr>
+          <a:xfrm>
+            <a:off x="7803823" y="3911197"/>
+            <a:ext cx="1879433" cy="0"/>
+          </a:xfrm>
+          <a:prstGeom prst="straightConnector1">
+            <a:avLst/>
+          </a:prstGeom>
+          <a:ln>
+            <a:solidFill>
+              <a:schemeClr val="tx1"/>
+            </a:solidFill>
+            <a:tailEnd type="arrow"/>
+          </a:ln>
+          <a:effectLst/>
+        </p:spPr>
+        <p:style>
+          <a:lnRef idx="2">
+            <a:schemeClr val="accent1"/>
+          </a:lnRef>
+          <a:fillRef idx="0">
+            <a:schemeClr val="accent1"/>
+          </a:fillRef>
+          <a:effectRef idx="1">
+            <a:schemeClr val="accent1"/>
+          </a:effectRef>
+          <a:fontRef idx="minor">
+            <a:schemeClr val="tx1"/>
+          </a:fontRef>
+        </p:style>
+      </p:cxnSp>
+      <p:sp>
+        <p:nvSpPr>
+          <p:cNvPr id="79" name="TextBox 78"/>
+          <p:cNvSpPr txBox="1"/>
+          <p:nvPr/>
+        </p:nvSpPr>
+        <p:spPr>
+          <a:xfrm>
+            <a:off x="7844119" y="3623118"/>
+            <a:ext cx="1679464" cy="523220"/>
+          </a:xfrm>
+          <a:prstGeom prst="rect">
+            <a:avLst/>
+          </a:prstGeom>
+          <a:noFill/>
+        </p:spPr>
+        <p:txBody>
+          <a:bodyPr wrap="square" rtlCol="0">
+            <a:spAutoFit/>
+          </a:bodyPr>
+          <a:lstStyle/>
+          <a:p>
+            <a:pPr algn="ctr"/>
+            <a:r>
+              <a:rPr lang="en-US" sz="1400" dirty="0"/>
+              <a:t>4</a:t>
+            </a:r>
+            <a:r>
+              <a:rPr lang="en-US" sz="1400" dirty="0" smtClean="0"/>
+              <a:t>: </a:t>
+            </a:r>
+            <a:r>
+              <a:rPr lang="en-US" sz="1400" dirty="0" smtClean="0"/>
+              <a:t>Request </a:t>
+            </a:r>
+            <a:r>
+              <a:rPr lang="en-US" sz="1400" dirty="0" smtClean="0"/>
+              <a:t/>
+            </a:r>
+            <a:br>
+              <a:rPr lang="en-US" sz="1400" dirty="0" smtClean="0"/>
+            </a:br>
+            <a:r>
+              <a:rPr lang="en-US" sz="1400" dirty="0" smtClean="0"/>
+              <a:t>new activities</a:t>
+            </a:r>
+            <a:endParaRPr lang="en-US" sz="1400" dirty="0"/>
+          </a:p>
+        </p:txBody>
+      </p:sp>
+      <p:sp>
+        <p:nvSpPr>
+          <p:cNvPr id="82" name="TextBox 81"/>
+          <p:cNvSpPr txBox="1"/>
+          <p:nvPr/>
+        </p:nvSpPr>
+        <p:spPr>
+          <a:xfrm>
+            <a:off x="1413654" y="4658208"/>
+            <a:ext cx="3018775" cy="738664"/>
+          </a:xfrm>
+          <a:prstGeom prst="rect">
+            <a:avLst/>
+          </a:prstGeom>
+          <a:noFill/>
+        </p:spPr>
+        <p:txBody>
+          <a:bodyPr wrap="none" rtlCol="0">
+            <a:spAutoFit/>
+          </a:bodyPr>
+          <a:lstStyle/>
+          <a:p>
+            <a:pPr algn="ctr"/>
+            <a:r>
+              <a:rPr lang="en-US" sz="1400" dirty="0"/>
+              <a:t>7</a:t>
+            </a:r>
+            <a:r>
+              <a:rPr lang="en-US" sz="1400" dirty="0" smtClean="0"/>
+              <a:t>: </a:t>
+            </a:r>
+            <a:r>
+              <a:rPr lang="en-US" sz="1400" dirty="0" smtClean="0"/>
+              <a:t>Return </a:t>
+            </a:r>
+            <a:r>
+              <a:rPr lang="en-US" sz="1400" dirty="0" smtClean="0"/>
+              <a:t>list of new activities</a:t>
+            </a:r>
+            <a:br>
+              <a:rPr lang="en-US" sz="1400" dirty="0" smtClean="0"/>
+            </a:br>
+            <a:r>
+              <a:rPr lang="en-US" sz="1400" dirty="0" smtClean="0"/>
+              <a:t>(activity type, username of the blogger </a:t>
+            </a:r>
+            <a:br>
+              <a:rPr lang="en-US" sz="1400" dirty="0" smtClean="0"/>
+            </a:br>
+            <a:r>
+              <a:rPr lang="en-US" sz="1400" dirty="0" smtClean="0"/>
+              <a:t>that create the activity) </a:t>
+            </a:r>
+            <a:endParaRPr lang="en-US" sz="1400" dirty="0" smtClean="0"/>
+          </a:p>
+        </p:txBody>
+      </p:sp>
+    </p:spTree>
+    <p:extLst>
+      <p:ext uri="{BB962C8B-B14F-4D97-AF65-F5344CB8AC3E}">
+        <p14:creationId xmlns:p14="http://schemas.microsoft.com/office/powerpoint/2010/main" val="1694363124"/>
+      </p:ext>
+    </p:extLst>
+  </p:cSld>
+  <p:clrMapOvr>
+    <a:masterClrMapping/>
+  </p:clrMapOvr>
+</p:sld>
+</file>
+
+<file path=ppt/slides/slide34.xml><?xml version="1.0" encoding="utf-8"?>
+<p:sld xmlns:a="http://schemas.openxmlformats.org/drawingml/2006/main" xmlns:r="http://schemas.openxmlformats.org/officeDocument/2006/relationships" xmlns:p="http://schemas.openxmlformats.org/presentationml/2006/main">
+  <p:cSld>
+    <p:spTree>
+      <p:nvGrpSpPr>
+        <p:cNvPr id="1" name=""/>
+        <p:cNvGrpSpPr/>
+        <p:nvPr/>
+      </p:nvGrpSpPr>
+      <p:grpSpPr>
+        <a:xfrm>
+          <a:off x="0" y="0"/>
+          <a:ext cx="0" cy="0"/>
+          <a:chOff x="0" y="0"/>
+          <a:chExt cx="0" cy="0"/>
+        </a:xfrm>
+      </p:grpSpPr>
+      <p:sp>
+        <p:nvSpPr>
+          <p:cNvPr id="3" name="Rectangle 2"/>
+          <p:cNvSpPr/>
+          <p:nvPr/>
+        </p:nvSpPr>
+        <p:spPr>
+          <a:xfrm>
+            <a:off x="35656" y="920336"/>
+            <a:ext cx="1285594" cy="511156"/>
+          </a:xfrm>
+          <a:prstGeom prst="rect">
+            <a:avLst/>
+          </a:prstGeom>
+          <a:solidFill>
+            <a:schemeClr val="tx1">
+              <a:lumMod val="85000"/>
+              <a:lumOff val="15000"/>
+            </a:schemeClr>
+          </a:solidFill>
+          <a:ln>
+            <a:noFill/>
+          </a:ln>
+          <a:effectLst/>
+        </p:spPr>
+        <p:style>
+          <a:lnRef idx="1">
+            <a:schemeClr val="accent1"/>
+          </a:lnRef>
+          <a:fillRef idx="3">
+            <a:schemeClr val="accent1"/>
+          </a:fillRef>
+          <a:effectRef idx="2">
+            <a:schemeClr val="accent1"/>
+          </a:effectRef>
+          <a:fontRef idx="minor">
+            <a:schemeClr val="lt1"/>
+          </a:fontRef>
+        </p:style>
+        <p:txBody>
+          <a:bodyPr rtlCol="0" anchor="ctr"/>
+          <a:lstStyle/>
+          <a:p>
+            <a:pPr algn="ctr"/>
+            <a:r>
+              <a:rPr lang="en-US" sz="1600" dirty="0"/>
+              <a:t>Blogger</a:t>
+            </a:r>
+          </a:p>
+        </p:txBody>
+      </p:sp>
+      <p:cxnSp>
+        <p:nvCxnSpPr>
+          <p:cNvPr id="4" name="Straight Connector 3"/>
+          <p:cNvCxnSpPr>
+            <a:stCxn id="3" idx="2"/>
+          </p:cNvCxnSpPr>
+          <p:nvPr/>
+        </p:nvCxnSpPr>
+        <p:spPr>
+          <a:xfrm>
+            <a:off x="678453" y="1431492"/>
+            <a:ext cx="0" cy="4813480"/>
+          </a:xfrm>
+          <a:prstGeom prst="line">
+            <a:avLst/>
+          </a:prstGeom>
+          <a:ln>
+            <a:solidFill>
+              <a:schemeClr val="tx1"/>
+            </a:solidFill>
+          </a:ln>
+          <a:effectLst/>
+        </p:spPr>
+        <p:style>
+          <a:lnRef idx="2">
+            <a:schemeClr val="accent1"/>
+          </a:lnRef>
+          <a:fillRef idx="0">
+            <a:schemeClr val="accent1"/>
+          </a:fillRef>
+          <a:effectRef idx="1">
+            <a:schemeClr val="accent1"/>
+          </a:effectRef>
+          <a:fontRef idx="minor">
+            <a:schemeClr val="tx1"/>
+          </a:fontRef>
+        </p:style>
+      </p:cxnSp>
+      <p:sp>
+        <p:nvSpPr>
+          <p:cNvPr id="5" name="Rectangle 4"/>
+          <p:cNvSpPr/>
+          <p:nvPr/>
+        </p:nvSpPr>
+        <p:spPr>
+          <a:xfrm>
+            <a:off x="4974032" y="920336"/>
+            <a:ext cx="1733249" cy="511156"/>
+          </a:xfrm>
+          <a:prstGeom prst="rect">
+            <a:avLst/>
+          </a:prstGeom>
+          <a:solidFill>
+            <a:schemeClr val="tx1">
+              <a:lumMod val="85000"/>
+              <a:lumOff val="15000"/>
+            </a:schemeClr>
+          </a:solidFill>
+          <a:ln>
+            <a:noFill/>
+          </a:ln>
+          <a:effectLst/>
+        </p:spPr>
+        <p:style>
+          <a:lnRef idx="1">
+            <a:schemeClr val="accent1"/>
+          </a:lnRef>
+          <a:fillRef idx="3">
+            <a:schemeClr val="accent1"/>
+          </a:fillRef>
+          <a:effectRef idx="2">
+            <a:schemeClr val="accent1"/>
+          </a:effectRef>
+          <a:fontRef idx="minor">
+            <a:schemeClr val="lt1"/>
+          </a:fontRef>
+        </p:style>
+        <p:txBody>
+          <a:bodyPr rtlCol="0" anchor="ctr"/>
+          <a:lstStyle/>
+          <a:p>
+            <a:pPr algn="ctr"/>
+            <a:r>
+              <a:rPr lang="en-US" sz="1600" dirty="0" smtClean="0"/>
+              <a:t>Tutorial</a:t>
+            </a:r>
+            <a:br>
+              <a:rPr lang="en-US" sz="1600" dirty="0" smtClean="0"/>
+            </a:br>
+            <a:r>
+              <a:rPr lang="en-US" sz="1600" dirty="0" smtClean="0"/>
+              <a:t>Management</a:t>
+            </a:r>
+            <a:endParaRPr lang="en-US" sz="1600" dirty="0"/>
+          </a:p>
+        </p:txBody>
+      </p:sp>
+      <p:sp>
+        <p:nvSpPr>
+          <p:cNvPr id="6" name="Rectangle 5"/>
+          <p:cNvSpPr/>
+          <p:nvPr/>
+        </p:nvSpPr>
+        <p:spPr>
+          <a:xfrm>
+            <a:off x="6778632" y="920336"/>
+            <a:ext cx="1356360" cy="511156"/>
+          </a:xfrm>
+          <a:prstGeom prst="rect">
+            <a:avLst/>
+          </a:prstGeom>
+          <a:solidFill>
+            <a:schemeClr val="tx1">
+              <a:lumMod val="85000"/>
+              <a:lumOff val="15000"/>
+            </a:schemeClr>
+          </a:solidFill>
+          <a:ln>
+            <a:noFill/>
+          </a:ln>
+          <a:effectLst/>
+        </p:spPr>
+        <p:style>
+          <a:lnRef idx="1">
+            <a:schemeClr val="accent1"/>
+          </a:lnRef>
+          <a:fillRef idx="3">
+            <a:schemeClr val="accent1"/>
+          </a:fillRef>
+          <a:effectRef idx="2">
+            <a:schemeClr val="accent1"/>
+          </a:effectRef>
+          <a:fontRef idx="minor">
+            <a:schemeClr val="lt1"/>
+          </a:fontRef>
+        </p:style>
+        <p:txBody>
+          <a:bodyPr rtlCol="0" anchor="ctr"/>
+          <a:lstStyle/>
+          <a:p>
+            <a:pPr algn="ctr"/>
+            <a:r>
+              <a:rPr lang="en-US" sz="1600" dirty="0" smtClean="0"/>
+              <a:t>Notification Database</a:t>
+            </a:r>
+            <a:endParaRPr lang="en-US" sz="1600" dirty="0"/>
+          </a:p>
+        </p:txBody>
+      </p:sp>
+      <p:sp>
+        <p:nvSpPr>
+          <p:cNvPr id="7" name="Rectangle 6"/>
+          <p:cNvSpPr/>
+          <p:nvPr/>
+        </p:nvSpPr>
+        <p:spPr>
+          <a:xfrm>
+            <a:off x="8211606" y="920336"/>
+            <a:ext cx="1138626" cy="511156"/>
+          </a:xfrm>
+          <a:prstGeom prst="rect">
+            <a:avLst/>
+          </a:prstGeom>
+          <a:solidFill>
+            <a:schemeClr val="tx1">
+              <a:lumMod val="85000"/>
+              <a:lumOff val="15000"/>
+            </a:schemeClr>
+          </a:solidFill>
+          <a:ln>
+            <a:noFill/>
+          </a:ln>
+          <a:effectLst/>
+        </p:spPr>
+        <p:style>
+          <a:lnRef idx="1">
+            <a:schemeClr val="accent1"/>
+          </a:lnRef>
+          <a:fillRef idx="3">
+            <a:schemeClr val="accent1"/>
+          </a:fillRef>
+          <a:effectRef idx="2">
+            <a:schemeClr val="accent1"/>
+          </a:effectRef>
+          <a:fontRef idx="minor">
+            <a:schemeClr val="lt1"/>
+          </a:fontRef>
+        </p:style>
+        <p:txBody>
+          <a:bodyPr rtlCol="0" anchor="ctr"/>
+          <a:lstStyle/>
+          <a:p>
+            <a:pPr algn="ctr"/>
+            <a:r>
+              <a:rPr lang="en-US" sz="1600" dirty="0" smtClean="0"/>
+              <a:t>Activity</a:t>
+            </a:r>
+            <a:r>
+              <a:rPr lang="en-US" sz="1600" dirty="0" smtClean="0"/>
+              <a:t> </a:t>
+            </a:r>
+            <a:r>
+              <a:rPr lang="en-US" sz="1600" dirty="0"/>
+              <a:t>Database</a:t>
+            </a:r>
+          </a:p>
+        </p:txBody>
+      </p:sp>
+      <p:cxnSp>
+        <p:nvCxnSpPr>
+          <p:cNvPr id="8" name="Straight Connector 7"/>
+          <p:cNvCxnSpPr>
+            <a:stCxn id="5" idx="2"/>
+          </p:cNvCxnSpPr>
+          <p:nvPr/>
+        </p:nvCxnSpPr>
+        <p:spPr>
+          <a:xfrm>
+            <a:off x="5840657" y="1431492"/>
+            <a:ext cx="0" cy="4813480"/>
+          </a:xfrm>
+          <a:prstGeom prst="line">
+            <a:avLst/>
+          </a:prstGeom>
+          <a:ln>
+            <a:solidFill>
+              <a:schemeClr val="tx1"/>
+            </a:solidFill>
+          </a:ln>
+          <a:effectLst/>
+        </p:spPr>
+        <p:style>
+          <a:lnRef idx="2">
+            <a:schemeClr val="accent1"/>
+          </a:lnRef>
+          <a:fillRef idx="0">
+            <a:schemeClr val="accent1"/>
+          </a:fillRef>
+          <a:effectRef idx="1">
+            <a:schemeClr val="accent1"/>
+          </a:effectRef>
+          <a:fontRef idx="minor">
+            <a:schemeClr val="tx1"/>
+          </a:fontRef>
+        </p:style>
+      </p:cxnSp>
+      <p:cxnSp>
+        <p:nvCxnSpPr>
+          <p:cNvPr id="9" name="Straight Connector 8"/>
+          <p:cNvCxnSpPr>
+            <a:stCxn id="6" idx="2"/>
+          </p:cNvCxnSpPr>
+          <p:nvPr/>
+        </p:nvCxnSpPr>
+        <p:spPr>
+          <a:xfrm flipH="1">
+            <a:off x="7453480" y="1431492"/>
+            <a:ext cx="3332" cy="4813480"/>
+          </a:xfrm>
+          <a:prstGeom prst="line">
+            <a:avLst/>
+          </a:prstGeom>
+          <a:ln>
+            <a:solidFill>
+              <a:schemeClr val="tx1"/>
+            </a:solidFill>
+          </a:ln>
+          <a:effectLst/>
+        </p:spPr>
+        <p:style>
+          <a:lnRef idx="2">
+            <a:schemeClr val="accent1"/>
+          </a:lnRef>
+          <a:fillRef idx="0">
+            <a:schemeClr val="accent1"/>
+          </a:fillRef>
+          <a:effectRef idx="1">
+            <a:schemeClr val="accent1"/>
+          </a:effectRef>
+          <a:fontRef idx="minor">
+            <a:schemeClr val="tx1"/>
+          </a:fontRef>
+        </p:style>
+      </p:cxnSp>
+      <p:cxnSp>
+        <p:nvCxnSpPr>
+          <p:cNvPr id="10" name="Straight Connector 9"/>
+          <p:cNvCxnSpPr>
+            <a:stCxn id="7" idx="2"/>
+          </p:cNvCxnSpPr>
+          <p:nvPr/>
+        </p:nvCxnSpPr>
+        <p:spPr>
+          <a:xfrm>
+            <a:off x="8780919" y="1431492"/>
+            <a:ext cx="0" cy="4813480"/>
+          </a:xfrm>
+          <a:prstGeom prst="line">
+            <a:avLst/>
+          </a:prstGeom>
+          <a:ln>
+            <a:solidFill>
+              <a:schemeClr val="tx1"/>
+            </a:solidFill>
+          </a:ln>
+          <a:effectLst/>
+        </p:spPr>
+        <p:style>
+          <a:lnRef idx="2">
+            <a:schemeClr val="accent1"/>
+          </a:lnRef>
+          <a:fillRef idx="0">
+            <a:schemeClr val="accent1"/>
+          </a:fillRef>
+          <a:effectRef idx="1">
+            <a:schemeClr val="accent1"/>
+          </a:effectRef>
+          <a:fontRef idx="minor">
+            <a:schemeClr val="tx1"/>
+          </a:fontRef>
+        </p:style>
+      </p:cxnSp>
+      <p:sp>
+        <p:nvSpPr>
+          <p:cNvPr id="16" name="Rectangle 15"/>
+          <p:cNvSpPr/>
+          <p:nvPr/>
+        </p:nvSpPr>
+        <p:spPr>
+          <a:xfrm>
+            <a:off x="608752" y="1606108"/>
+            <a:ext cx="139402" cy="4261874"/>
+          </a:xfrm>
+          <a:prstGeom prst="rect">
+            <a:avLst/>
+          </a:prstGeom>
+          <a:solidFill>
+            <a:schemeClr val="tx1"/>
+          </a:solidFill>
+          <a:ln>
+            <a:noFill/>
+          </a:ln>
+          <a:effectLst/>
+        </p:spPr>
+        <p:style>
+          <a:lnRef idx="1">
+            <a:schemeClr val="accent1"/>
+          </a:lnRef>
+          <a:fillRef idx="3">
+            <a:schemeClr val="accent1"/>
+          </a:fillRef>
+          <a:effectRef idx="2">
+            <a:schemeClr val="accent1"/>
+          </a:effectRef>
+          <a:fontRef idx="minor">
+            <a:schemeClr val="lt1"/>
+          </a:fontRef>
+        </p:style>
+        <p:txBody>
+          <a:bodyPr rtlCol="0" anchor="ctr"/>
+          <a:lstStyle/>
+          <a:p>
+            <a:pPr algn="ctr"/>
+            <a:endParaRPr lang="en-US" sz="1600"/>
+          </a:p>
+        </p:txBody>
+      </p:sp>
+      <p:sp>
+        <p:nvSpPr>
+          <p:cNvPr id="22" name="Rectangle 21"/>
+          <p:cNvSpPr/>
+          <p:nvPr/>
+        </p:nvSpPr>
+        <p:spPr>
+          <a:xfrm>
+            <a:off x="2184695" y="1606108"/>
+            <a:ext cx="139402" cy="498163"/>
+          </a:xfrm>
+          <a:prstGeom prst="rect">
+            <a:avLst/>
+          </a:prstGeom>
+          <a:solidFill>
+            <a:schemeClr val="tx1"/>
+          </a:solidFill>
+          <a:ln>
+            <a:noFill/>
+          </a:ln>
+          <a:effectLst/>
+        </p:spPr>
+        <p:style>
+          <a:lnRef idx="1">
+            <a:schemeClr val="accent1"/>
+          </a:lnRef>
+          <a:fillRef idx="3">
+            <a:schemeClr val="accent1"/>
+          </a:fillRef>
+          <a:effectRef idx="2">
+            <a:schemeClr val="accent1"/>
+          </a:effectRef>
+          <a:fontRef idx="minor">
+            <a:schemeClr val="lt1"/>
+          </a:fontRef>
+        </p:style>
+        <p:txBody>
+          <a:bodyPr rtlCol="0" anchor="ctr"/>
+          <a:lstStyle/>
+          <a:p>
+            <a:pPr algn="ctr"/>
+            <a:endParaRPr lang="en-US" sz="1600"/>
+          </a:p>
+        </p:txBody>
+      </p:sp>
+      <p:sp>
+        <p:nvSpPr>
+          <p:cNvPr id="23" name="Rectangle 22"/>
+          <p:cNvSpPr/>
+          <p:nvPr/>
+        </p:nvSpPr>
+        <p:spPr>
+          <a:xfrm>
+            <a:off x="3946209" y="1928744"/>
+            <a:ext cx="139402" cy="2467730"/>
+          </a:xfrm>
+          <a:prstGeom prst="rect">
+            <a:avLst/>
+          </a:prstGeom>
+          <a:solidFill>
+            <a:schemeClr val="tx1"/>
+          </a:solidFill>
+          <a:ln>
+            <a:noFill/>
+          </a:ln>
+          <a:effectLst/>
+        </p:spPr>
+        <p:style>
+          <a:lnRef idx="1">
+            <a:schemeClr val="accent1"/>
+          </a:lnRef>
+          <a:fillRef idx="3">
+            <a:schemeClr val="accent1"/>
+          </a:fillRef>
+          <a:effectRef idx="2">
+            <a:schemeClr val="accent1"/>
+          </a:effectRef>
+          <a:fontRef idx="minor">
+            <a:schemeClr val="lt1"/>
+          </a:fontRef>
+        </p:style>
+        <p:txBody>
+          <a:bodyPr rtlCol="0" anchor="ctr"/>
+          <a:lstStyle/>
+          <a:p>
+            <a:pPr algn="ctr"/>
+            <a:endParaRPr lang="en-US" sz="1600"/>
+          </a:p>
+        </p:txBody>
+      </p:sp>
+      <p:cxnSp>
+        <p:nvCxnSpPr>
+          <p:cNvPr id="26" name="Straight Arrow Connector 25"/>
+          <p:cNvCxnSpPr/>
+          <p:nvPr/>
+        </p:nvCxnSpPr>
+        <p:spPr>
+          <a:xfrm>
+            <a:off x="678453" y="1699043"/>
+            <a:ext cx="1506242" cy="0"/>
+          </a:xfrm>
+          <a:prstGeom prst="straightConnector1">
+            <a:avLst/>
+          </a:prstGeom>
+          <a:ln>
+            <a:solidFill>
+              <a:schemeClr val="tx1"/>
+            </a:solidFill>
+            <a:tailEnd type="arrow"/>
+          </a:ln>
+          <a:effectLst/>
+        </p:spPr>
+        <p:style>
+          <a:lnRef idx="2">
+            <a:schemeClr val="accent1"/>
+          </a:lnRef>
+          <a:fillRef idx="0">
+            <a:schemeClr val="accent1"/>
+          </a:fillRef>
+          <a:effectRef idx="1">
+            <a:schemeClr val="accent1"/>
+          </a:effectRef>
+          <a:fontRef idx="minor">
+            <a:schemeClr val="tx1"/>
+          </a:fontRef>
+        </p:style>
+      </p:cxnSp>
+      <p:cxnSp>
+        <p:nvCxnSpPr>
+          <p:cNvPr id="27" name="Straight Arrow Connector 26"/>
+          <p:cNvCxnSpPr/>
+          <p:nvPr/>
+        </p:nvCxnSpPr>
+        <p:spPr>
+          <a:xfrm>
+            <a:off x="2324097" y="1985586"/>
+            <a:ext cx="1640373" cy="0"/>
+          </a:xfrm>
+          <a:prstGeom prst="straightConnector1">
+            <a:avLst/>
+          </a:prstGeom>
+          <a:ln>
+            <a:solidFill>
+              <a:schemeClr val="tx1"/>
+            </a:solidFill>
+            <a:tailEnd type="arrow"/>
+          </a:ln>
+          <a:effectLst/>
+        </p:spPr>
+        <p:style>
+          <a:lnRef idx="2">
+            <a:schemeClr val="accent1"/>
+          </a:lnRef>
+          <a:fillRef idx="0">
+            <a:schemeClr val="accent1"/>
+          </a:fillRef>
+          <a:effectRef idx="1">
+            <a:schemeClr val="accent1"/>
+          </a:effectRef>
+          <a:fontRef idx="minor">
+            <a:schemeClr val="tx1"/>
+          </a:fontRef>
+        </p:style>
+      </p:cxnSp>
+      <p:cxnSp>
+        <p:nvCxnSpPr>
+          <p:cNvPr id="32" name="Straight Arrow Connector 31"/>
+          <p:cNvCxnSpPr/>
+          <p:nvPr/>
+        </p:nvCxnSpPr>
+        <p:spPr>
+          <a:xfrm>
+            <a:off x="3959931" y="2104271"/>
+            <a:ext cx="3383425" cy="0"/>
+          </a:xfrm>
+          <a:prstGeom prst="straightConnector1">
+            <a:avLst/>
+          </a:prstGeom>
+          <a:ln>
+            <a:solidFill>
+              <a:schemeClr val="tx1"/>
+            </a:solidFill>
+            <a:tailEnd type="arrow"/>
+          </a:ln>
+          <a:effectLst/>
+        </p:spPr>
+        <p:style>
+          <a:lnRef idx="2">
+            <a:schemeClr val="accent1"/>
+          </a:lnRef>
+          <a:fillRef idx="0">
+            <a:schemeClr val="accent1"/>
+          </a:fillRef>
+          <a:effectRef idx="1">
+            <a:schemeClr val="accent1"/>
+          </a:effectRef>
+          <a:fontRef idx="minor">
+            <a:schemeClr val="tx1"/>
+          </a:fontRef>
+        </p:style>
+      </p:cxnSp>
+      <p:cxnSp>
+        <p:nvCxnSpPr>
+          <p:cNvPr id="37" name="Straight Arrow Connector 36"/>
+          <p:cNvCxnSpPr/>
+          <p:nvPr/>
+        </p:nvCxnSpPr>
+        <p:spPr>
+          <a:xfrm>
+            <a:off x="733915" y="3702081"/>
+            <a:ext cx="3212294" cy="0"/>
+          </a:xfrm>
+          <a:prstGeom prst="straightConnector1">
+            <a:avLst/>
+          </a:prstGeom>
+          <a:ln>
+            <a:solidFill>
+              <a:schemeClr val="tx1"/>
+            </a:solidFill>
+            <a:tailEnd type="arrow"/>
+          </a:ln>
+          <a:effectLst/>
+        </p:spPr>
+        <p:style>
+          <a:lnRef idx="2">
+            <a:schemeClr val="accent1"/>
+          </a:lnRef>
+          <a:fillRef idx="0">
+            <a:schemeClr val="accent1"/>
+          </a:fillRef>
+          <a:effectRef idx="1">
+            <a:schemeClr val="accent1"/>
+          </a:effectRef>
+          <a:fontRef idx="minor">
+            <a:schemeClr val="tx1"/>
+          </a:fontRef>
+        </p:style>
+      </p:cxnSp>
+      <p:cxnSp>
+        <p:nvCxnSpPr>
+          <p:cNvPr id="38" name="Straight Arrow Connector 37"/>
+          <p:cNvCxnSpPr/>
+          <p:nvPr/>
+        </p:nvCxnSpPr>
+        <p:spPr>
+          <a:xfrm flipH="1" flipV="1">
+            <a:off x="4085611" y="2776111"/>
+            <a:ext cx="4726868" cy="1"/>
+          </a:xfrm>
+          <a:prstGeom prst="straightConnector1">
+            <a:avLst/>
+          </a:prstGeom>
+          <a:ln>
+            <a:solidFill>
+              <a:schemeClr val="tx1"/>
+            </a:solidFill>
+            <a:prstDash val="dash"/>
+            <a:tailEnd type="arrow"/>
+          </a:ln>
+          <a:effectLst/>
+        </p:spPr>
+        <p:style>
+          <a:lnRef idx="2">
+            <a:schemeClr val="accent1"/>
+          </a:lnRef>
+          <a:fillRef idx="0">
+            <a:schemeClr val="accent1"/>
+          </a:fillRef>
+          <a:effectRef idx="1">
+            <a:schemeClr val="accent1"/>
+          </a:effectRef>
+          <a:fontRef idx="minor">
+            <a:schemeClr val="tx1"/>
+          </a:fontRef>
+        </p:style>
+      </p:cxnSp>
+      <p:sp>
+        <p:nvSpPr>
+          <p:cNvPr id="55" name="Rectangle 54"/>
+          <p:cNvSpPr/>
+          <p:nvPr/>
+        </p:nvSpPr>
+        <p:spPr>
+          <a:xfrm>
+            <a:off x="7392363" y="2066334"/>
+            <a:ext cx="139402" cy="281612"/>
+          </a:xfrm>
+          <a:prstGeom prst="rect">
+            <a:avLst/>
+          </a:prstGeom>
+          <a:solidFill>
+            <a:schemeClr val="tx1"/>
+          </a:solidFill>
+          <a:ln>
+            <a:noFill/>
+          </a:ln>
+          <a:effectLst/>
+        </p:spPr>
+        <p:style>
+          <a:lnRef idx="1">
+            <a:schemeClr val="accent1"/>
+          </a:lnRef>
+          <a:fillRef idx="3">
+            <a:schemeClr val="accent1"/>
+          </a:fillRef>
+          <a:effectRef idx="2">
+            <a:schemeClr val="accent1"/>
+          </a:effectRef>
+          <a:fontRef idx="minor">
+            <a:schemeClr val="lt1"/>
+          </a:fontRef>
+        </p:style>
+        <p:txBody>
+          <a:bodyPr rtlCol="0" anchor="ctr"/>
+          <a:lstStyle/>
+          <a:p>
+            <a:pPr algn="ctr"/>
+            <a:endParaRPr lang="en-US" sz="1600"/>
+          </a:p>
+        </p:txBody>
+      </p:sp>
+      <p:pic>
+        <p:nvPicPr>
+          <p:cNvPr id="31" name="Picture 30" descr="user.png"/>
+          <p:cNvPicPr>
+            <a:picLocks noChangeAspect="1"/>
+          </p:cNvPicPr>
+          <p:nvPr/>
+        </p:nvPicPr>
+        <p:blipFill>
+          <a:blip r:embed="rId2">
+            <a:extLst>
+              <a:ext uri="{28A0092B-C50C-407E-A947-70E740481C1C}">
+                <a14:useLocalDpi xmlns:a14="http://schemas.microsoft.com/office/drawing/2010/main" val="0"/>
+              </a:ext>
+            </a:extLst>
+          </a:blip>
+          <a:stretch>
+            <a:fillRect/>
+          </a:stretch>
+        </p:blipFill>
+        <p:spPr>
+          <a:xfrm>
+            <a:off x="75531" y="-103123"/>
+            <a:ext cx="1199252" cy="1199252"/>
+          </a:xfrm>
+          <a:prstGeom prst="rect">
+            <a:avLst/>
+          </a:prstGeom>
+        </p:spPr>
+      </p:pic>
+      <p:sp>
+        <p:nvSpPr>
+          <p:cNvPr id="33" name="Rectangle 32"/>
+          <p:cNvSpPr/>
+          <p:nvPr/>
+        </p:nvSpPr>
+        <p:spPr>
+          <a:xfrm>
+            <a:off x="1450336" y="920336"/>
+            <a:ext cx="1600159" cy="511156"/>
+          </a:xfrm>
+          <a:prstGeom prst="rect">
+            <a:avLst/>
+          </a:prstGeom>
+          <a:solidFill>
+            <a:schemeClr val="tx1">
+              <a:lumMod val="85000"/>
+              <a:lumOff val="15000"/>
+            </a:schemeClr>
+          </a:solidFill>
+          <a:ln>
+            <a:noFill/>
+          </a:ln>
+          <a:effectLst/>
+        </p:spPr>
+        <p:style>
+          <a:lnRef idx="1">
+            <a:schemeClr val="accent1"/>
+          </a:lnRef>
+          <a:fillRef idx="3">
+            <a:schemeClr val="accent1"/>
+          </a:fillRef>
+          <a:effectRef idx="2">
+            <a:schemeClr val="accent1"/>
+          </a:effectRef>
+          <a:fontRef idx="minor">
+            <a:schemeClr val="lt1"/>
+          </a:fontRef>
+        </p:style>
+        <p:txBody>
+          <a:bodyPr rtlCol="0" anchor="ctr"/>
+          <a:lstStyle/>
+          <a:p>
+            <a:pPr algn="ctr"/>
+            <a:r>
+              <a:rPr lang="en-US" sz="1600" dirty="0" err="1" smtClean="0"/>
+              <a:t>HomeBlogger</a:t>
+            </a:r>
+            <a:endParaRPr lang="en-US" sz="1600" dirty="0" smtClean="0"/>
+          </a:p>
+        </p:txBody>
+      </p:sp>
+      <p:cxnSp>
+        <p:nvCxnSpPr>
+          <p:cNvPr id="34" name="Straight Connector 33"/>
+          <p:cNvCxnSpPr>
+            <a:stCxn id="33" idx="2"/>
+          </p:cNvCxnSpPr>
+          <p:nvPr/>
+        </p:nvCxnSpPr>
+        <p:spPr>
+          <a:xfrm>
+            <a:off x="2250416" y="1431492"/>
+            <a:ext cx="0" cy="4813480"/>
+          </a:xfrm>
+          <a:prstGeom prst="line">
+            <a:avLst/>
+          </a:prstGeom>
+          <a:ln>
+            <a:solidFill>
+              <a:schemeClr val="tx1"/>
+            </a:solidFill>
+          </a:ln>
+          <a:effectLst/>
+        </p:spPr>
+        <p:style>
+          <a:lnRef idx="2">
+            <a:schemeClr val="accent1"/>
+          </a:lnRef>
+          <a:fillRef idx="0">
+            <a:schemeClr val="accent1"/>
+          </a:fillRef>
+          <a:effectRef idx="1">
+            <a:schemeClr val="accent1"/>
+          </a:effectRef>
+          <a:fontRef idx="minor">
+            <a:schemeClr val="tx1"/>
+          </a:fontRef>
+        </p:style>
+      </p:cxnSp>
+      <p:cxnSp>
+        <p:nvCxnSpPr>
+          <p:cNvPr id="46" name="Straight Arrow Connector 45"/>
+          <p:cNvCxnSpPr/>
+          <p:nvPr/>
+        </p:nvCxnSpPr>
+        <p:spPr>
+          <a:xfrm flipH="1">
+            <a:off x="733915" y="2908726"/>
+            <a:ext cx="3230555" cy="11974"/>
+          </a:xfrm>
+          <a:prstGeom prst="straightConnector1">
+            <a:avLst/>
+          </a:prstGeom>
+          <a:ln>
+            <a:solidFill>
+              <a:schemeClr val="tx1"/>
+            </a:solidFill>
+            <a:prstDash val="dash"/>
+            <a:tailEnd type="arrow"/>
+          </a:ln>
+          <a:effectLst/>
+        </p:spPr>
+        <p:style>
+          <a:lnRef idx="2">
+            <a:schemeClr val="accent1"/>
+          </a:lnRef>
+          <a:fillRef idx="0">
+            <a:schemeClr val="accent1"/>
+          </a:fillRef>
+          <a:effectRef idx="1">
+            <a:schemeClr val="accent1"/>
+          </a:effectRef>
+          <a:fontRef idx="minor">
+            <a:schemeClr val="tx1"/>
+          </a:fontRef>
+        </p:style>
+      </p:cxnSp>
+      <p:sp>
+        <p:nvSpPr>
+          <p:cNvPr id="51" name="Rectangle 50"/>
+          <p:cNvSpPr/>
+          <p:nvPr/>
+        </p:nvSpPr>
+        <p:spPr>
+          <a:xfrm>
+            <a:off x="3174242" y="920336"/>
+            <a:ext cx="1671174" cy="511156"/>
+          </a:xfrm>
+          <a:prstGeom prst="rect">
+            <a:avLst/>
+          </a:prstGeom>
+          <a:solidFill>
+            <a:schemeClr val="tx1">
+              <a:lumMod val="85000"/>
+              <a:lumOff val="15000"/>
+            </a:schemeClr>
+          </a:solidFill>
+          <a:ln>
+            <a:noFill/>
+          </a:ln>
+          <a:effectLst/>
+        </p:spPr>
+        <p:style>
+          <a:lnRef idx="1">
+            <a:schemeClr val="accent1"/>
+          </a:lnRef>
+          <a:fillRef idx="3">
+            <a:schemeClr val="accent1"/>
+          </a:fillRef>
+          <a:effectRef idx="2">
+            <a:schemeClr val="accent1"/>
+          </a:effectRef>
+          <a:fontRef idx="minor">
+            <a:schemeClr val="lt1"/>
+          </a:fontRef>
+        </p:style>
+        <p:txBody>
+          <a:bodyPr rtlCol="0" anchor="ctr"/>
+          <a:lstStyle/>
+          <a:p>
+            <a:pPr algn="ctr"/>
+            <a:r>
+              <a:rPr lang="en-US" sz="1600" dirty="0" smtClean="0"/>
+              <a:t>Notification</a:t>
+            </a:r>
+            <a:br>
+              <a:rPr lang="en-US" sz="1600" dirty="0" smtClean="0"/>
+            </a:br>
+            <a:r>
+              <a:rPr lang="en-US" sz="1600" dirty="0" smtClean="0"/>
+              <a:t>Management</a:t>
+            </a:r>
+            <a:endParaRPr lang="en-US" sz="1600" dirty="0"/>
+          </a:p>
+        </p:txBody>
+      </p:sp>
+      <p:cxnSp>
+        <p:nvCxnSpPr>
+          <p:cNvPr id="52" name="Straight Connector 51"/>
+          <p:cNvCxnSpPr>
+            <a:stCxn id="51" idx="2"/>
+          </p:cNvCxnSpPr>
+          <p:nvPr/>
+        </p:nvCxnSpPr>
+        <p:spPr>
+          <a:xfrm>
+            <a:off x="4009829" y="1431492"/>
+            <a:ext cx="0" cy="4813480"/>
+          </a:xfrm>
+          <a:prstGeom prst="line">
+            <a:avLst/>
+          </a:prstGeom>
+          <a:ln>
+            <a:solidFill>
+              <a:schemeClr val="tx1"/>
+            </a:solidFill>
+          </a:ln>
+          <a:effectLst/>
+        </p:spPr>
+        <p:style>
+          <a:lnRef idx="2">
+            <a:schemeClr val="accent1"/>
+          </a:lnRef>
+          <a:fillRef idx="0">
+            <a:schemeClr val="accent1"/>
+          </a:fillRef>
+          <a:effectRef idx="1">
+            <a:schemeClr val="accent1"/>
+          </a:effectRef>
+          <a:fontRef idx="minor">
+            <a:schemeClr val="tx1"/>
+          </a:fontRef>
+        </p:style>
+      </p:cxnSp>
+      <p:sp>
+        <p:nvSpPr>
+          <p:cNvPr id="58" name="Rectangle 57"/>
+          <p:cNvSpPr/>
+          <p:nvPr/>
+        </p:nvSpPr>
+        <p:spPr>
+          <a:xfrm>
+            <a:off x="9448877" y="920336"/>
+            <a:ext cx="1138626" cy="511156"/>
+          </a:xfrm>
+          <a:prstGeom prst="rect">
+            <a:avLst/>
+          </a:prstGeom>
+          <a:solidFill>
+            <a:schemeClr val="tx1">
+              <a:lumMod val="85000"/>
+              <a:lumOff val="15000"/>
+            </a:schemeClr>
+          </a:solidFill>
+          <a:ln>
+            <a:noFill/>
+          </a:ln>
+          <a:effectLst/>
+        </p:spPr>
+        <p:style>
+          <a:lnRef idx="1">
+            <a:schemeClr val="accent1"/>
+          </a:lnRef>
+          <a:fillRef idx="3">
+            <a:schemeClr val="accent1"/>
+          </a:fillRef>
+          <a:effectRef idx="2">
+            <a:schemeClr val="accent1"/>
+          </a:effectRef>
+          <a:fontRef idx="minor">
+            <a:schemeClr val="lt1"/>
+          </a:fontRef>
+        </p:style>
+        <p:txBody>
+          <a:bodyPr rtlCol="0" anchor="ctr"/>
+          <a:lstStyle/>
+          <a:p>
+            <a:pPr algn="ctr"/>
+            <a:r>
+              <a:rPr lang="en-US" sz="1600" dirty="0" smtClean="0"/>
+              <a:t>Tutorial</a:t>
+            </a:r>
+            <a:endParaRPr lang="en-US" sz="1600" dirty="0" smtClean="0"/>
+          </a:p>
+          <a:p>
+            <a:pPr algn="ctr"/>
+            <a:r>
+              <a:rPr lang="en-US" sz="1600" dirty="0" smtClean="0"/>
+              <a:t>Database</a:t>
+            </a:r>
+            <a:endParaRPr lang="en-US" sz="1600" dirty="0"/>
+          </a:p>
+        </p:txBody>
+      </p:sp>
+      <p:cxnSp>
+        <p:nvCxnSpPr>
+          <p:cNvPr id="59" name="Straight Connector 58"/>
+          <p:cNvCxnSpPr>
+            <a:stCxn id="58" idx="2"/>
+          </p:cNvCxnSpPr>
+          <p:nvPr/>
+        </p:nvCxnSpPr>
+        <p:spPr>
+          <a:xfrm>
+            <a:off x="10018190" y="1431492"/>
+            <a:ext cx="0" cy="4813480"/>
+          </a:xfrm>
+          <a:prstGeom prst="line">
+            <a:avLst/>
+          </a:prstGeom>
+          <a:ln>
+            <a:solidFill>
+              <a:schemeClr val="tx1"/>
+            </a:solidFill>
+          </a:ln>
+          <a:effectLst/>
+        </p:spPr>
+        <p:style>
+          <a:lnRef idx="2">
+            <a:schemeClr val="accent1"/>
+          </a:lnRef>
+          <a:fillRef idx="0">
+            <a:schemeClr val="accent1"/>
+          </a:fillRef>
+          <a:effectRef idx="1">
+            <a:schemeClr val="accent1"/>
+          </a:effectRef>
+          <a:fontRef idx="minor">
+            <a:schemeClr val="tx1"/>
+          </a:fontRef>
+        </p:style>
+      </p:cxnSp>
+      <p:cxnSp>
+        <p:nvCxnSpPr>
+          <p:cNvPr id="97" name="Straight Arrow Connector 96"/>
+          <p:cNvCxnSpPr/>
+          <p:nvPr/>
+        </p:nvCxnSpPr>
+        <p:spPr>
+          <a:xfrm flipH="1">
+            <a:off x="5910358" y="5196239"/>
+            <a:ext cx="4012109" cy="0"/>
+          </a:xfrm>
+          <a:prstGeom prst="straightConnector1">
+            <a:avLst/>
+          </a:prstGeom>
+          <a:ln>
+            <a:solidFill>
+              <a:schemeClr val="tx1"/>
+            </a:solidFill>
+            <a:prstDash val="dash"/>
+            <a:tailEnd type="arrow"/>
+          </a:ln>
+          <a:effectLst/>
+        </p:spPr>
+        <p:style>
+          <a:lnRef idx="2">
+            <a:schemeClr val="accent1"/>
+          </a:lnRef>
+          <a:fillRef idx="0">
+            <a:schemeClr val="accent1"/>
+          </a:fillRef>
+          <a:effectRef idx="1">
+            <a:schemeClr val="accent1"/>
+          </a:effectRef>
+          <a:fontRef idx="minor">
+            <a:schemeClr val="tx1"/>
+          </a:fontRef>
+        </p:style>
+      </p:cxnSp>
+      <p:sp>
+        <p:nvSpPr>
+          <p:cNvPr id="53" name="TextBox 52"/>
+          <p:cNvSpPr txBox="1"/>
+          <p:nvPr/>
+        </p:nvSpPr>
+        <p:spPr>
+          <a:xfrm>
+            <a:off x="-329186" y="1408060"/>
+            <a:ext cx="3621849" cy="523220"/>
+          </a:xfrm>
+          <a:prstGeom prst="rect">
+            <a:avLst/>
+          </a:prstGeom>
+          <a:noFill/>
+        </p:spPr>
+        <p:txBody>
+          <a:bodyPr wrap="square" rtlCol="0">
+            <a:spAutoFit/>
+          </a:bodyPr>
+          <a:lstStyle/>
+          <a:p>
+            <a:pPr algn="ctr"/>
+            <a:r>
+              <a:rPr lang="en-US" sz="1400" dirty="0"/>
+              <a:t>1</a:t>
+            </a:r>
+            <a:r>
+              <a:rPr lang="en-US" sz="1400" dirty="0" smtClean="0"/>
+              <a:t>: Click home page </a:t>
+            </a:r>
+          </a:p>
+          <a:p>
+            <a:pPr algn="ctr"/>
+            <a:r>
+              <a:rPr lang="en-US" sz="1400" dirty="0" smtClean="0"/>
+              <a:t>for blogger link</a:t>
+            </a:r>
+            <a:endParaRPr lang="en-US" sz="1400" dirty="0"/>
+          </a:p>
+        </p:txBody>
+      </p:sp>
+      <p:cxnSp>
+        <p:nvCxnSpPr>
+          <p:cNvPr id="57" name="Straight Arrow Connector 56"/>
+          <p:cNvCxnSpPr/>
+          <p:nvPr/>
+        </p:nvCxnSpPr>
+        <p:spPr>
+          <a:xfrm flipH="1">
+            <a:off x="8821700" y="2649110"/>
+            <a:ext cx="509623" cy="0"/>
+          </a:xfrm>
+          <a:prstGeom prst="straightConnector1">
+            <a:avLst/>
+          </a:prstGeom>
+          <a:ln>
+            <a:solidFill>
+              <a:schemeClr val="tx1"/>
+            </a:solidFill>
+            <a:tailEnd type="arrow"/>
+          </a:ln>
+          <a:effectLst/>
+        </p:spPr>
+        <p:style>
+          <a:lnRef idx="2">
+            <a:schemeClr val="accent1"/>
+          </a:lnRef>
+          <a:fillRef idx="0">
+            <a:schemeClr val="accent1"/>
+          </a:fillRef>
+          <a:effectRef idx="1">
+            <a:schemeClr val="accent1"/>
+          </a:effectRef>
+          <a:fontRef idx="minor">
+            <a:schemeClr val="tx1"/>
+          </a:fontRef>
+        </p:style>
+      </p:cxnSp>
+      <p:cxnSp>
+        <p:nvCxnSpPr>
+          <p:cNvPr id="60" name="Straight Connector 59"/>
+          <p:cNvCxnSpPr/>
+          <p:nvPr/>
+        </p:nvCxnSpPr>
+        <p:spPr>
+          <a:xfrm flipV="1">
+            <a:off x="9331323" y="2287620"/>
+            <a:ext cx="0" cy="361490"/>
+          </a:xfrm>
+          <a:prstGeom prst="line">
+            <a:avLst/>
+          </a:prstGeom>
+          <a:ln>
+            <a:solidFill>
+              <a:schemeClr val="tx1"/>
+            </a:solidFill>
+          </a:ln>
+          <a:effectLst/>
+        </p:spPr>
+        <p:style>
+          <a:lnRef idx="2">
+            <a:schemeClr val="accent1"/>
+          </a:lnRef>
+          <a:fillRef idx="0">
+            <a:schemeClr val="accent1"/>
+          </a:fillRef>
+          <a:effectRef idx="1">
+            <a:schemeClr val="accent1"/>
+          </a:effectRef>
+          <a:fontRef idx="minor">
+            <a:schemeClr val="tx1"/>
+          </a:fontRef>
+        </p:style>
+      </p:cxnSp>
+      <p:cxnSp>
+        <p:nvCxnSpPr>
+          <p:cNvPr id="61" name="Straight Connector 60"/>
+          <p:cNvCxnSpPr/>
+          <p:nvPr/>
+        </p:nvCxnSpPr>
+        <p:spPr>
+          <a:xfrm flipH="1">
+            <a:off x="8821700" y="2277977"/>
+            <a:ext cx="509623" cy="9643"/>
+          </a:xfrm>
+          <a:prstGeom prst="line">
+            <a:avLst/>
+          </a:prstGeom>
+          <a:ln>
+            <a:solidFill>
+              <a:schemeClr val="tx1"/>
+            </a:solidFill>
+          </a:ln>
+          <a:effectLst/>
+        </p:spPr>
+        <p:style>
+          <a:lnRef idx="2">
+            <a:schemeClr val="accent1"/>
+          </a:lnRef>
+          <a:fillRef idx="0">
+            <a:schemeClr val="accent1"/>
+          </a:fillRef>
+          <a:effectRef idx="1">
+            <a:schemeClr val="accent1"/>
+          </a:effectRef>
+          <a:fontRef idx="minor">
+            <a:schemeClr val="tx1"/>
+          </a:fontRef>
+        </p:style>
+      </p:cxnSp>
+      <p:sp>
+        <p:nvSpPr>
+          <p:cNvPr id="62" name="TextBox 61"/>
+          <p:cNvSpPr txBox="1"/>
+          <p:nvPr/>
+        </p:nvSpPr>
+        <p:spPr>
+          <a:xfrm>
+            <a:off x="9067006" y="1943177"/>
+            <a:ext cx="979755" cy="523220"/>
+          </a:xfrm>
+          <a:prstGeom prst="rect">
+            <a:avLst/>
+          </a:prstGeom>
+          <a:noFill/>
+        </p:spPr>
+        <p:txBody>
+          <a:bodyPr wrap="none" rtlCol="0">
+            <a:spAutoFit/>
+          </a:bodyPr>
+          <a:lstStyle/>
+          <a:p>
+            <a:pPr algn="ctr"/>
+            <a:r>
+              <a:rPr lang="en-US" sz="1400" dirty="0"/>
+              <a:t>5</a:t>
+            </a:r>
+            <a:r>
+              <a:rPr lang="en-US" sz="1400" dirty="0" smtClean="0"/>
+              <a:t>: </a:t>
+            </a:r>
+            <a:r>
+              <a:rPr lang="en-US" sz="1400" dirty="0" smtClean="0"/>
+              <a:t>Retrieve </a:t>
+            </a:r>
+            <a:br>
+              <a:rPr lang="en-US" sz="1400" dirty="0" smtClean="0"/>
+            </a:br>
+            <a:r>
+              <a:rPr lang="en-US" sz="1400" dirty="0" smtClean="0"/>
+              <a:t>Data</a:t>
+            </a:r>
+            <a:endParaRPr lang="en-US" sz="1400" dirty="0"/>
+          </a:p>
+        </p:txBody>
+      </p:sp>
+      <p:cxnSp>
+        <p:nvCxnSpPr>
+          <p:cNvPr id="63" name="Straight Arrow Connector 62"/>
+          <p:cNvCxnSpPr/>
+          <p:nvPr/>
+        </p:nvCxnSpPr>
+        <p:spPr>
+          <a:xfrm flipH="1">
+            <a:off x="10086352" y="5046845"/>
+            <a:ext cx="571579" cy="0"/>
+          </a:xfrm>
+          <a:prstGeom prst="straightConnector1">
+            <a:avLst/>
+          </a:prstGeom>
+          <a:ln>
+            <a:solidFill>
+              <a:schemeClr val="tx1"/>
+            </a:solidFill>
+            <a:tailEnd type="arrow"/>
+          </a:ln>
+          <a:effectLst/>
+        </p:spPr>
+        <p:style>
+          <a:lnRef idx="2">
+            <a:schemeClr val="accent1"/>
+          </a:lnRef>
+          <a:fillRef idx="0">
+            <a:schemeClr val="accent1"/>
+          </a:fillRef>
+          <a:effectRef idx="1">
+            <a:schemeClr val="accent1"/>
+          </a:effectRef>
+          <a:fontRef idx="minor">
+            <a:schemeClr val="tx1"/>
+          </a:fontRef>
+        </p:style>
+      </p:cxnSp>
+      <p:cxnSp>
+        <p:nvCxnSpPr>
+          <p:cNvPr id="65" name="Straight Connector 64"/>
+          <p:cNvCxnSpPr/>
+          <p:nvPr/>
+        </p:nvCxnSpPr>
+        <p:spPr>
+          <a:xfrm flipV="1">
+            <a:off x="10657931" y="4685355"/>
+            <a:ext cx="0" cy="361490"/>
+          </a:xfrm>
+          <a:prstGeom prst="line">
+            <a:avLst/>
+          </a:prstGeom>
+          <a:ln>
+            <a:solidFill>
+              <a:schemeClr val="tx1"/>
+            </a:solidFill>
+          </a:ln>
+          <a:effectLst/>
+        </p:spPr>
+        <p:style>
+          <a:lnRef idx="2">
+            <a:schemeClr val="accent1"/>
+          </a:lnRef>
+          <a:fillRef idx="0">
+            <a:schemeClr val="accent1"/>
+          </a:fillRef>
+          <a:effectRef idx="1">
+            <a:schemeClr val="accent1"/>
+          </a:effectRef>
+          <a:fontRef idx="minor">
+            <a:schemeClr val="tx1"/>
+          </a:fontRef>
+        </p:style>
+      </p:cxnSp>
+      <p:cxnSp>
+        <p:nvCxnSpPr>
+          <p:cNvPr id="67" name="Straight Connector 66"/>
+          <p:cNvCxnSpPr/>
+          <p:nvPr/>
+        </p:nvCxnSpPr>
+        <p:spPr>
+          <a:xfrm flipH="1" flipV="1">
+            <a:off x="10086352" y="4685355"/>
+            <a:ext cx="571579" cy="9901"/>
+          </a:xfrm>
+          <a:prstGeom prst="line">
+            <a:avLst/>
+          </a:prstGeom>
+          <a:ln>
+            <a:solidFill>
+              <a:schemeClr val="tx1"/>
+            </a:solidFill>
+          </a:ln>
+          <a:effectLst/>
+        </p:spPr>
+        <p:style>
+          <a:lnRef idx="2">
+            <a:schemeClr val="accent1"/>
+          </a:lnRef>
+          <a:fillRef idx="0">
+            <a:schemeClr val="accent1"/>
+          </a:fillRef>
+          <a:effectRef idx="1">
+            <a:schemeClr val="accent1"/>
+          </a:effectRef>
+          <a:fontRef idx="minor">
+            <a:schemeClr val="tx1"/>
+          </a:fontRef>
+        </p:style>
+      </p:cxnSp>
+      <p:sp>
+        <p:nvSpPr>
+          <p:cNvPr id="69" name="TextBox 68"/>
+          <p:cNvSpPr txBox="1"/>
+          <p:nvPr/>
+        </p:nvSpPr>
+        <p:spPr>
+          <a:xfrm>
+            <a:off x="9986705" y="4210378"/>
+            <a:ext cx="860995" cy="738664"/>
+          </a:xfrm>
+          <a:prstGeom prst="rect">
+            <a:avLst/>
+          </a:prstGeom>
+          <a:noFill/>
+        </p:spPr>
+        <p:txBody>
+          <a:bodyPr wrap="none" rtlCol="0">
+            <a:spAutoFit/>
+          </a:bodyPr>
+          <a:lstStyle/>
+          <a:p>
+            <a:pPr algn="ctr"/>
+            <a:r>
+              <a:rPr lang="en-US" sz="1400" dirty="0"/>
+              <a:t>12: </a:t>
+            </a:r>
+            <a:r>
+              <a:rPr lang="en-US" sz="1400" dirty="0" err="1" smtClean="0"/>
+              <a:t>Retri</a:t>
+            </a:r>
+            <a:r>
+              <a:rPr lang="en-US" sz="1400" dirty="0" smtClean="0"/>
+              <a:t>-</a:t>
+            </a:r>
+          </a:p>
+          <a:p>
+            <a:pPr algn="ctr"/>
+            <a:r>
+              <a:rPr lang="en-US" sz="1400" dirty="0"/>
+              <a:t>-</a:t>
+            </a:r>
+            <a:r>
+              <a:rPr lang="en-US" sz="1400" dirty="0" smtClean="0"/>
+              <a:t>eve </a:t>
+            </a:r>
+            <a:br>
+              <a:rPr lang="en-US" sz="1400" dirty="0" smtClean="0"/>
+            </a:br>
+            <a:r>
+              <a:rPr lang="en-US" sz="1400" dirty="0" smtClean="0"/>
+              <a:t>Data</a:t>
+            </a:r>
+            <a:endParaRPr lang="en-US" sz="1400" dirty="0"/>
+          </a:p>
+        </p:txBody>
+      </p:sp>
+      <p:sp>
+        <p:nvSpPr>
+          <p:cNvPr id="72" name="Rectangle 71"/>
+          <p:cNvSpPr/>
+          <p:nvPr/>
+        </p:nvSpPr>
+        <p:spPr>
+          <a:xfrm>
+            <a:off x="8711218" y="2106032"/>
+            <a:ext cx="139402" cy="765134"/>
+          </a:xfrm>
+          <a:prstGeom prst="rect">
+            <a:avLst/>
+          </a:prstGeom>
+          <a:solidFill>
+            <a:schemeClr val="tx1"/>
+          </a:solidFill>
+          <a:ln>
+            <a:noFill/>
+          </a:ln>
+          <a:effectLst/>
+        </p:spPr>
+        <p:style>
+          <a:lnRef idx="1">
+            <a:schemeClr val="accent1"/>
+          </a:lnRef>
+          <a:fillRef idx="3">
+            <a:schemeClr val="accent1"/>
+          </a:fillRef>
+          <a:effectRef idx="2">
+            <a:schemeClr val="accent1"/>
+          </a:effectRef>
+          <a:fontRef idx="minor">
+            <a:schemeClr val="lt1"/>
+          </a:fontRef>
+        </p:style>
+        <p:txBody>
+          <a:bodyPr rtlCol="0" anchor="ctr"/>
+          <a:lstStyle/>
+          <a:p>
+            <a:pPr algn="ctr"/>
+            <a:endParaRPr lang="en-US" sz="1600"/>
+          </a:p>
+        </p:txBody>
+      </p:sp>
+      <p:cxnSp>
+        <p:nvCxnSpPr>
+          <p:cNvPr id="73" name="Straight Arrow Connector 72"/>
+          <p:cNvCxnSpPr/>
+          <p:nvPr/>
+        </p:nvCxnSpPr>
+        <p:spPr>
+          <a:xfrm>
+            <a:off x="7531765" y="2202242"/>
+            <a:ext cx="1179453" cy="0"/>
+          </a:xfrm>
+          <a:prstGeom prst="straightConnector1">
+            <a:avLst/>
+          </a:prstGeom>
+          <a:ln>
+            <a:solidFill>
+              <a:schemeClr val="tx1"/>
+            </a:solidFill>
+            <a:tailEnd type="arrow"/>
+          </a:ln>
+          <a:effectLst/>
+        </p:spPr>
+        <p:style>
+          <a:lnRef idx="2">
+            <a:schemeClr val="accent1"/>
+          </a:lnRef>
+          <a:fillRef idx="0">
+            <a:schemeClr val="accent1"/>
+          </a:fillRef>
+          <a:effectRef idx="1">
+            <a:schemeClr val="accent1"/>
+          </a:effectRef>
+          <a:fontRef idx="minor">
+            <a:schemeClr val="tx1"/>
+          </a:fontRef>
+        </p:style>
+      </p:cxnSp>
+      <p:cxnSp>
+        <p:nvCxnSpPr>
+          <p:cNvPr id="77" name="Straight Arrow Connector 76"/>
+          <p:cNvCxnSpPr/>
+          <p:nvPr/>
+        </p:nvCxnSpPr>
+        <p:spPr>
+          <a:xfrm>
+            <a:off x="4029873" y="4341261"/>
+            <a:ext cx="1741083" cy="0"/>
+          </a:xfrm>
+          <a:prstGeom prst="straightConnector1">
+            <a:avLst/>
+          </a:prstGeom>
+          <a:ln>
+            <a:solidFill>
+              <a:schemeClr val="tx1"/>
+            </a:solidFill>
+            <a:tailEnd type="arrow"/>
+          </a:ln>
+          <a:effectLst/>
+        </p:spPr>
+        <p:style>
+          <a:lnRef idx="2">
+            <a:schemeClr val="accent1"/>
+          </a:lnRef>
+          <a:fillRef idx="0">
+            <a:schemeClr val="accent1"/>
+          </a:fillRef>
+          <a:effectRef idx="1">
+            <a:schemeClr val="accent1"/>
+          </a:effectRef>
+          <a:fontRef idx="minor">
+            <a:schemeClr val="tx1"/>
+          </a:fontRef>
+        </p:style>
+      </p:cxnSp>
+      <p:sp>
+        <p:nvSpPr>
+          <p:cNvPr id="78" name="Rectangle 77"/>
+          <p:cNvSpPr/>
+          <p:nvPr/>
+        </p:nvSpPr>
+        <p:spPr>
+          <a:xfrm>
+            <a:off x="9948489" y="4433822"/>
+            <a:ext cx="137863" cy="813556"/>
+          </a:xfrm>
+          <a:prstGeom prst="rect">
+            <a:avLst/>
+          </a:prstGeom>
+          <a:solidFill>
+            <a:schemeClr val="tx1"/>
+          </a:solidFill>
+          <a:ln>
+            <a:noFill/>
+          </a:ln>
+          <a:effectLst/>
+        </p:spPr>
+        <p:style>
+          <a:lnRef idx="1">
+            <a:schemeClr val="accent1"/>
+          </a:lnRef>
+          <a:fillRef idx="3">
+            <a:schemeClr val="accent1"/>
+          </a:fillRef>
+          <a:effectRef idx="2">
+            <a:schemeClr val="accent1"/>
+          </a:effectRef>
+          <a:fontRef idx="minor">
+            <a:schemeClr val="lt1"/>
+          </a:fontRef>
+        </p:style>
+        <p:txBody>
+          <a:bodyPr rtlCol="0" anchor="ctr"/>
+          <a:lstStyle/>
+          <a:p>
+            <a:pPr algn="ctr"/>
+            <a:endParaRPr lang="en-US" sz="1600"/>
+          </a:p>
+        </p:txBody>
+      </p:sp>
+      <p:sp>
+        <p:nvSpPr>
+          <p:cNvPr id="79" name="Rectangle 78"/>
+          <p:cNvSpPr/>
+          <p:nvPr/>
+        </p:nvSpPr>
+        <p:spPr>
+          <a:xfrm>
+            <a:off x="5770956" y="4274344"/>
+            <a:ext cx="139402" cy="1309162"/>
+          </a:xfrm>
+          <a:prstGeom prst="rect">
+            <a:avLst/>
+          </a:prstGeom>
+          <a:solidFill>
+            <a:schemeClr val="tx1"/>
+          </a:solidFill>
+          <a:ln>
+            <a:noFill/>
+          </a:ln>
+          <a:effectLst/>
+        </p:spPr>
+        <p:style>
+          <a:lnRef idx="1">
+            <a:schemeClr val="accent1"/>
+          </a:lnRef>
+          <a:fillRef idx="3">
+            <a:schemeClr val="accent1"/>
+          </a:fillRef>
+          <a:effectRef idx="2">
+            <a:schemeClr val="accent1"/>
+          </a:effectRef>
+          <a:fontRef idx="minor">
+            <a:schemeClr val="lt1"/>
+          </a:fontRef>
+        </p:style>
+        <p:txBody>
+          <a:bodyPr rtlCol="0" anchor="ctr"/>
+          <a:lstStyle/>
+          <a:p>
+            <a:pPr algn="ctr"/>
+            <a:endParaRPr lang="en-US" sz="1600"/>
+          </a:p>
+        </p:txBody>
+      </p:sp>
+      <p:cxnSp>
+        <p:nvCxnSpPr>
+          <p:cNvPr id="82" name="Straight Arrow Connector 81"/>
+          <p:cNvCxnSpPr/>
+          <p:nvPr/>
+        </p:nvCxnSpPr>
+        <p:spPr>
+          <a:xfrm flipH="1">
+            <a:off x="748154" y="5415444"/>
+            <a:ext cx="5073042" cy="11974"/>
+          </a:xfrm>
+          <a:prstGeom prst="straightConnector1">
+            <a:avLst/>
+          </a:prstGeom>
+          <a:ln>
+            <a:solidFill>
+              <a:schemeClr val="tx1"/>
+            </a:solidFill>
+            <a:prstDash val="dash"/>
+            <a:tailEnd type="arrow"/>
+          </a:ln>
+          <a:effectLst/>
+        </p:spPr>
+        <p:style>
+          <a:lnRef idx="2">
+            <a:schemeClr val="accent1"/>
+          </a:lnRef>
+          <a:fillRef idx="0">
+            <a:schemeClr val="accent1"/>
+          </a:fillRef>
+          <a:effectRef idx="1">
+            <a:schemeClr val="accent1"/>
+          </a:effectRef>
+          <a:fontRef idx="minor">
+            <a:schemeClr val="tx1"/>
+          </a:fontRef>
+        </p:style>
+      </p:cxnSp>
+      <p:sp>
+        <p:nvSpPr>
+          <p:cNvPr id="85" name="TextBox 84"/>
+          <p:cNvSpPr txBox="1"/>
+          <p:nvPr/>
+        </p:nvSpPr>
+        <p:spPr>
+          <a:xfrm>
+            <a:off x="2345025" y="1691828"/>
+            <a:ext cx="1481658" cy="523220"/>
+          </a:xfrm>
+          <a:prstGeom prst="rect">
+            <a:avLst/>
+          </a:prstGeom>
+          <a:noFill/>
+        </p:spPr>
+        <p:txBody>
+          <a:bodyPr wrap="none" rtlCol="0">
+            <a:spAutoFit/>
+          </a:bodyPr>
+          <a:lstStyle/>
+          <a:p>
+            <a:pPr algn="ctr"/>
+            <a:r>
+              <a:rPr lang="en-US" sz="1400" dirty="0"/>
+              <a:t>2</a:t>
+            </a:r>
+            <a:r>
+              <a:rPr lang="en-US" sz="1400" dirty="0" smtClean="0"/>
+              <a:t>: </a:t>
+            </a:r>
+            <a:r>
+              <a:rPr lang="en-US" sz="1400" dirty="0"/>
+              <a:t>S</a:t>
+            </a:r>
+            <a:r>
+              <a:rPr lang="en-US" sz="1400" dirty="0" smtClean="0"/>
+              <a:t>elect </a:t>
+            </a:r>
+            <a:endParaRPr lang="en-US" sz="1400" dirty="0" smtClean="0"/>
+          </a:p>
+          <a:p>
+            <a:pPr algn="ctr"/>
+            <a:r>
+              <a:rPr lang="en-US" sz="1400" dirty="0" smtClean="0"/>
+              <a:t>notification menu</a:t>
+            </a:r>
+            <a:endParaRPr lang="en-US" sz="1400" dirty="0"/>
+          </a:p>
+        </p:txBody>
+      </p:sp>
+      <p:sp>
+        <p:nvSpPr>
+          <p:cNvPr id="86" name="TextBox 85"/>
+          <p:cNvSpPr txBox="1"/>
+          <p:nvPr/>
+        </p:nvSpPr>
+        <p:spPr>
+          <a:xfrm>
+            <a:off x="4656841" y="1792999"/>
+            <a:ext cx="2507033" cy="307777"/>
+          </a:xfrm>
+          <a:prstGeom prst="rect">
+            <a:avLst/>
+          </a:prstGeom>
+          <a:noFill/>
+        </p:spPr>
+        <p:txBody>
+          <a:bodyPr wrap="square" rtlCol="0">
+            <a:spAutoFit/>
+          </a:bodyPr>
+          <a:lstStyle/>
+          <a:p>
+            <a:pPr algn="ctr"/>
+            <a:r>
+              <a:rPr lang="en-US" sz="1400" dirty="0"/>
+              <a:t>3</a:t>
+            </a:r>
+            <a:r>
+              <a:rPr lang="en-US" sz="1400" dirty="0" smtClean="0"/>
+              <a:t>: Request </a:t>
+            </a:r>
+            <a:r>
+              <a:rPr lang="en-US" sz="1400" dirty="0" smtClean="0"/>
+              <a:t>notifications</a:t>
+            </a:r>
+            <a:endParaRPr lang="en-US" sz="1400" dirty="0"/>
+          </a:p>
+        </p:txBody>
+      </p:sp>
+      <p:sp>
+        <p:nvSpPr>
+          <p:cNvPr id="89" name="TextBox 88"/>
+          <p:cNvSpPr txBox="1"/>
+          <p:nvPr/>
+        </p:nvSpPr>
+        <p:spPr>
+          <a:xfrm>
+            <a:off x="7258974" y="1907509"/>
+            <a:ext cx="1679464" cy="523220"/>
+          </a:xfrm>
+          <a:prstGeom prst="rect">
+            <a:avLst/>
+          </a:prstGeom>
+          <a:noFill/>
+        </p:spPr>
+        <p:txBody>
+          <a:bodyPr wrap="square" rtlCol="0">
+            <a:spAutoFit/>
+          </a:bodyPr>
+          <a:lstStyle/>
+          <a:p>
+            <a:pPr algn="ctr"/>
+            <a:r>
+              <a:rPr lang="en-US" sz="1400" dirty="0"/>
+              <a:t>4</a:t>
+            </a:r>
+            <a:r>
+              <a:rPr lang="en-US" sz="1400" dirty="0" smtClean="0"/>
+              <a:t>: </a:t>
+            </a:r>
+            <a:r>
+              <a:rPr lang="en-US" sz="1400" dirty="0" smtClean="0"/>
+              <a:t>Request </a:t>
+            </a:r>
+            <a:r>
+              <a:rPr lang="en-US" sz="1400" dirty="0" smtClean="0"/>
+              <a:t/>
+            </a:r>
+            <a:br>
+              <a:rPr lang="en-US" sz="1400" dirty="0" smtClean="0"/>
+            </a:br>
+            <a:r>
+              <a:rPr lang="en-US" sz="1400" dirty="0" smtClean="0"/>
+              <a:t>new activities</a:t>
+            </a:r>
+            <a:endParaRPr lang="en-US" sz="1400" dirty="0"/>
+          </a:p>
+        </p:txBody>
+      </p:sp>
+      <p:sp>
+        <p:nvSpPr>
+          <p:cNvPr id="92" name="TextBox 91"/>
+          <p:cNvSpPr txBox="1"/>
+          <p:nvPr/>
+        </p:nvSpPr>
+        <p:spPr>
+          <a:xfrm>
+            <a:off x="5438082" y="2475200"/>
+            <a:ext cx="2322564" cy="307777"/>
+          </a:xfrm>
+          <a:prstGeom prst="rect">
+            <a:avLst/>
+          </a:prstGeom>
+          <a:noFill/>
+        </p:spPr>
+        <p:txBody>
+          <a:bodyPr wrap="square" rtlCol="0">
+            <a:spAutoFit/>
+          </a:bodyPr>
+          <a:lstStyle/>
+          <a:p>
+            <a:pPr algn="ctr"/>
+            <a:r>
+              <a:rPr lang="en-US" sz="1400" dirty="0"/>
+              <a:t>6</a:t>
+            </a:r>
+            <a:r>
+              <a:rPr lang="en-US" sz="1400" dirty="0" smtClean="0"/>
+              <a:t>: </a:t>
+            </a:r>
+            <a:r>
+              <a:rPr lang="en-US" sz="1400" dirty="0" smtClean="0"/>
+              <a:t>Return </a:t>
+            </a:r>
+            <a:r>
+              <a:rPr lang="en-US" sz="1400" dirty="0" smtClean="0"/>
+              <a:t>results</a:t>
+            </a:r>
+            <a:endParaRPr lang="en-US" sz="1400" dirty="0" smtClean="0"/>
+          </a:p>
+        </p:txBody>
+      </p:sp>
+      <p:sp>
+        <p:nvSpPr>
+          <p:cNvPr id="94" name="TextBox 93"/>
+          <p:cNvSpPr txBox="1"/>
+          <p:nvPr/>
+        </p:nvSpPr>
+        <p:spPr>
+          <a:xfrm>
+            <a:off x="880359" y="2651485"/>
+            <a:ext cx="3018775" cy="738664"/>
+          </a:xfrm>
+          <a:prstGeom prst="rect">
+            <a:avLst/>
+          </a:prstGeom>
+          <a:noFill/>
+        </p:spPr>
+        <p:txBody>
+          <a:bodyPr wrap="none" rtlCol="0">
+            <a:spAutoFit/>
+          </a:bodyPr>
+          <a:lstStyle/>
+          <a:p>
+            <a:pPr algn="ctr"/>
+            <a:r>
+              <a:rPr lang="en-US" sz="1400" dirty="0"/>
+              <a:t>7</a:t>
+            </a:r>
+            <a:r>
+              <a:rPr lang="en-US" sz="1400" dirty="0" smtClean="0"/>
+              <a:t>: </a:t>
+            </a:r>
+            <a:r>
+              <a:rPr lang="en-US" sz="1400" dirty="0" smtClean="0"/>
+              <a:t>Return </a:t>
+            </a:r>
+            <a:r>
+              <a:rPr lang="en-US" sz="1400" dirty="0" smtClean="0"/>
+              <a:t>list of new activities</a:t>
+            </a:r>
+            <a:br>
+              <a:rPr lang="en-US" sz="1400" dirty="0" smtClean="0"/>
+            </a:br>
+            <a:r>
+              <a:rPr lang="en-US" sz="1400" dirty="0" smtClean="0"/>
+              <a:t>(activity type, username of the blogger </a:t>
+            </a:r>
+            <a:br>
+              <a:rPr lang="en-US" sz="1400" dirty="0" smtClean="0"/>
+            </a:br>
+            <a:r>
+              <a:rPr lang="en-US" sz="1400" dirty="0" smtClean="0"/>
+              <a:t>that create the activity) </a:t>
+            </a:r>
+            <a:endParaRPr lang="en-US" sz="1400" dirty="0" smtClean="0"/>
+          </a:p>
+        </p:txBody>
+      </p:sp>
+      <p:sp>
+        <p:nvSpPr>
+          <p:cNvPr id="96" name="TextBox 95"/>
+          <p:cNvSpPr txBox="1"/>
+          <p:nvPr/>
+        </p:nvSpPr>
+        <p:spPr>
+          <a:xfrm>
+            <a:off x="1246395" y="3407213"/>
+            <a:ext cx="2165770" cy="523220"/>
+          </a:xfrm>
+          <a:prstGeom prst="rect">
+            <a:avLst/>
+          </a:prstGeom>
+          <a:noFill/>
+        </p:spPr>
+        <p:txBody>
+          <a:bodyPr wrap="square" rtlCol="0">
+            <a:spAutoFit/>
+          </a:bodyPr>
+          <a:lstStyle/>
+          <a:p>
+            <a:pPr algn="ctr"/>
+            <a:r>
+              <a:rPr lang="en-US" sz="1400" dirty="0"/>
+              <a:t>8</a:t>
+            </a:r>
+            <a:r>
+              <a:rPr lang="en-US" sz="1400" dirty="0" smtClean="0"/>
+              <a:t>: </a:t>
+            </a:r>
+            <a:r>
+              <a:rPr lang="en-US" sz="1400" dirty="0"/>
+              <a:t>S</a:t>
+            </a:r>
+            <a:r>
+              <a:rPr lang="en-US" sz="1400" dirty="0" smtClean="0"/>
+              <a:t>elect </a:t>
+            </a:r>
+            <a:r>
+              <a:rPr lang="en-US" sz="1400" dirty="0" smtClean="0"/>
+              <a:t>a</a:t>
+            </a:r>
+            <a:r>
+              <a:rPr lang="en-US" sz="1400" dirty="0" smtClean="0"/>
+              <a:t>n activity </a:t>
+            </a:r>
+            <a:br>
+              <a:rPr lang="en-US" sz="1400" dirty="0" smtClean="0"/>
+            </a:br>
+            <a:r>
+              <a:rPr lang="en-US" sz="1400" dirty="0" smtClean="0"/>
+              <a:t>(like or comment)</a:t>
+            </a:r>
+            <a:endParaRPr lang="en-US" sz="1400" dirty="0"/>
+          </a:p>
+        </p:txBody>
+      </p:sp>
+      <p:cxnSp>
+        <p:nvCxnSpPr>
+          <p:cNvPr id="99" name="Straight Arrow Connector 98"/>
+          <p:cNvCxnSpPr/>
+          <p:nvPr/>
+        </p:nvCxnSpPr>
+        <p:spPr>
+          <a:xfrm>
+            <a:off x="5908090" y="4493661"/>
+            <a:ext cx="4014377" cy="0"/>
+          </a:xfrm>
+          <a:prstGeom prst="straightConnector1">
+            <a:avLst/>
+          </a:prstGeom>
+          <a:ln>
+            <a:solidFill>
+              <a:schemeClr val="tx1"/>
+            </a:solidFill>
+            <a:tailEnd type="arrow"/>
+          </a:ln>
+          <a:effectLst/>
+        </p:spPr>
+        <p:style>
+          <a:lnRef idx="2">
+            <a:schemeClr val="accent1"/>
+          </a:lnRef>
+          <a:fillRef idx="0">
+            <a:schemeClr val="accent1"/>
+          </a:fillRef>
+          <a:effectRef idx="1">
+            <a:schemeClr val="accent1"/>
+          </a:effectRef>
+          <a:fontRef idx="minor">
+            <a:schemeClr val="tx1"/>
+          </a:fontRef>
+        </p:style>
+      </p:cxnSp>
+      <p:sp>
+        <p:nvSpPr>
+          <p:cNvPr id="101" name="Rectangle 100"/>
+          <p:cNvSpPr/>
+          <p:nvPr/>
+        </p:nvSpPr>
+        <p:spPr>
+          <a:xfrm>
+            <a:off x="7387111" y="3818080"/>
+            <a:ext cx="144654" cy="290185"/>
+          </a:xfrm>
+          <a:prstGeom prst="rect">
+            <a:avLst/>
+          </a:prstGeom>
+          <a:solidFill>
+            <a:schemeClr val="tx1"/>
+          </a:solidFill>
+          <a:ln>
+            <a:noFill/>
+          </a:ln>
+          <a:effectLst/>
+        </p:spPr>
+        <p:style>
+          <a:lnRef idx="1">
+            <a:schemeClr val="accent1"/>
+          </a:lnRef>
+          <a:fillRef idx="3">
+            <a:schemeClr val="accent1"/>
+          </a:fillRef>
+          <a:effectRef idx="2">
+            <a:schemeClr val="accent1"/>
+          </a:effectRef>
+          <a:fontRef idx="minor">
+            <a:schemeClr val="lt1"/>
+          </a:fontRef>
+        </p:style>
+        <p:txBody>
+          <a:bodyPr rtlCol="0" anchor="ctr"/>
+          <a:lstStyle/>
+          <a:p>
+            <a:pPr algn="ctr"/>
+            <a:endParaRPr lang="en-US" sz="1600"/>
+          </a:p>
+        </p:txBody>
+      </p:sp>
+      <p:cxnSp>
+        <p:nvCxnSpPr>
+          <p:cNvPr id="102" name="Straight Arrow Connector 101"/>
+          <p:cNvCxnSpPr>
+            <a:endCxn id="101" idx="1"/>
+          </p:cNvCxnSpPr>
+          <p:nvPr/>
+        </p:nvCxnSpPr>
+        <p:spPr>
+          <a:xfrm>
+            <a:off x="4009829" y="3952117"/>
+            <a:ext cx="3377282" cy="11056"/>
+          </a:xfrm>
+          <a:prstGeom prst="straightConnector1">
+            <a:avLst/>
+          </a:prstGeom>
+          <a:ln>
+            <a:solidFill>
+              <a:schemeClr val="tx1"/>
+            </a:solidFill>
+            <a:tailEnd type="arrow"/>
+          </a:ln>
+          <a:effectLst/>
+        </p:spPr>
+        <p:style>
+          <a:lnRef idx="2">
+            <a:schemeClr val="accent1"/>
+          </a:lnRef>
+          <a:fillRef idx="0">
+            <a:schemeClr val="accent1"/>
+          </a:fillRef>
+          <a:effectRef idx="1">
+            <a:schemeClr val="accent1"/>
+          </a:effectRef>
+          <a:fontRef idx="minor">
+            <a:schemeClr val="tx1"/>
+          </a:fontRef>
+        </p:style>
+      </p:cxnSp>
+      <p:sp>
+        <p:nvSpPr>
+          <p:cNvPr id="103" name="TextBox 102"/>
+          <p:cNvSpPr txBox="1"/>
+          <p:nvPr/>
+        </p:nvSpPr>
+        <p:spPr>
+          <a:xfrm>
+            <a:off x="4632040" y="3663014"/>
+            <a:ext cx="2165770" cy="307777"/>
+          </a:xfrm>
+          <a:prstGeom prst="rect">
+            <a:avLst/>
+          </a:prstGeom>
+          <a:noFill/>
+        </p:spPr>
+        <p:txBody>
+          <a:bodyPr wrap="square" rtlCol="0">
+            <a:spAutoFit/>
+          </a:bodyPr>
+          <a:lstStyle/>
+          <a:p>
+            <a:pPr algn="ctr"/>
+            <a:r>
+              <a:rPr lang="en-US" sz="1400" dirty="0"/>
+              <a:t>9</a:t>
+            </a:r>
+            <a:r>
+              <a:rPr lang="en-US" sz="1400" dirty="0" smtClean="0"/>
+              <a:t>: Update status</a:t>
+            </a:r>
+            <a:endParaRPr lang="en-US" sz="1400" dirty="0"/>
+          </a:p>
+        </p:txBody>
+      </p:sp>
+      <p:sp>
+        <p:nvSpPr>
+          <p:cNvPr id="104" name="TextBox 103"/>
+          <p:cNvSpPr txBox="1"/>
+          <p:nvPr/>
+        </p:nvSpPr>
+        <p:spPr>
+          <a:xfrm>
+            <a:off x="3770652" y="4052158"/>
+            <a:ext cx="2165770" cy="307777"/>
+          </a:xfrm>
+          <a:prstGeom prst="rect">
+            <a:avLst/>
+          </a:prstGeom>
+          <a:noFill/>
+        </p:spPr>
+        <p:txBody>
+          <a:bodyPr wrap="square" rtlCol="0">
+            <a:spAutoFit/>
+          </a:bodyPr>
+          <a:lstStyle/>
+          <a:p>
+            <a:pPr algn="ctr"/>
+            <a:r>
+              <a:rPr lang="en-US" sz="1400" dirty="0" smtClean="0"/>
+              <a:t>10</a:t>
+            </a:r>
+            <a:r>
+              <a:rPr lang="en-US" sz="1400" dirty="0" smtClean="0"/>
+              <a:t>: Request tutorial </a:t>
+            </a:r>
+            <a:endParaRPr lang="en-US" sz="1400" dirty="0"/>
+          </a:p>
+        </p:txBody>
+      </p:sp>
+      <p:sp>
+        <p:nvSpPr>
+          <p:cNvPr id="105" name="TextBox 104"/>
+          <p:cNvSpPr txBox="1"/>
+          <p:nvPr/>
+        </p:nvSpPr>
+        <p:spPr>
+          <a:xfrm>
+            <a:off x="6143228" y="4213981"/>
+            <a:ext cx="3549944" cy="307777"/>
+          </a:xfrm>
+          <a:prstGeom prst="rect">
+            <a:avLst/>
+          </a:prstGeom>
+          <a:noFill/>
+        </p:spPr>
+        <p:txBody>
+          <a:bodyPr wrap="square" rtlCol="0">
+            <a:spAutoFit/>
+          </a:bodyPr>
+          <a:lstStyle/>
+          <a:p>
+            <a:pPr algn="ctr"/>
+            <a:r>
+              <a:rPr lang="en-US" sz="1400" dirty="0" smtClean="0"/>
+              <a:t>11</a:t>
+            </a:r>
+            <a:r>
+              <a:rPr lang="en-US" sz="1400" dirty="0" smtClean="0"/>
+              <a:t>: Request tutorial information </a:t>
+            </a:r>
+            <a:endParaRPr lang="en-US" sz="1400" dirty="0"/>
+          </a:p>
+        </p:txBody>
+      </p:sp>
+      <p:sp>
+        <p:nvSpPr>
+          <p:cNvPr id="108" name="TextBox 107"/>
+          <p:cNvSpPr txBox="1"/>
+          <p:nvPr/>
+        </p:nvSpPr>
+        <p:spPr>
+          <a:xfrm>
+            <a:off x="786974" y="5106452"/>
+            <a:ext cx="4699987" cy="954107"/>
+          </a:xfrm>
+          <a:prstGeom prst="rect">
+            <a:avLst/>
+          </a:prstGeom>
+          <a:noFill/>
+        </p:spPr>
+        <p:txBody>
+          <a:bodyPr wrap="none" rtlCol="0">
+            <a:spAutoFit/>
+          </a:bodyPr>
+          <a:lstStyle/>
+          <a:p>
+            <a:pPr algn="ctr"/>
+            <a:r>
+              <a:rPr lang="en-US" sz="1400" dirty="0" smtClean="0"/>
+              <a:t>14</a:t>
+            </a:r>
+            <a:r>
+              <a:rPr lang="en-US" sz="1400" dirty="0" smtClean="0"/>
+              <a:t>: </a:t>
+            </a:r>
+            <a:r>
+              <a:rPr lang="en-US" sz="1400" dirty="0" smtClean="0"/>
+              <a:t>Display tutorial information</a:t>
+            </a:r>
+          </a:p>
+          <a:p>
+            <a:pPr algn="ctr"/>
+            <a:r>
+              <a:rPr lang="en-US" sz="1400" dirty="0" smtClean="0"/>
+              <a:t>(tutorial picture, title, category, owner username, </a:t>
+            </a:r>
+          </a:p>
+          <a:p>
+            <a:pPr algn="ctr"/>
+            <a:r>
+              <a:rPr lang="en-US" sz="1400" dirty="0" smtClean="0"/>
+              <a:t>number of like, material description, material picture,</a:t>
+            </a:r>
+          </a:p>
+          <a:p>
+            <a:pPr algn="ctr"/>
+            <a:r>
+              <a:rPr lang="en-US" sz="1400" dirty="0" smtClean="0"/>
+              <a:t> step number, step description, step picture, </a:t>
+            </a:r>
+            <a:r>
+              <a:rPr lang="en-US" sz="1400" dirty="0"/>
+              <a:t>video, comment)  </a:t>
+            </a:r>
+          </a:p>
+        </p:txBody>
+      </p:sp>
+      <p:sp>
+        <p:nvSpPr>
+          <p:cNvPr id="109" name="TextBox 108"/>
+          <p:cNvSpPr txBox="1"/>
+          <p:nvPr/>
+        </p:nvSpPr>
+        <p:spPr>
+          <a:xfrm>
+            <a:off x="5918873" y="4712913"/>
+            <a:ext cx="4058365" cy="1815882"/>
+          </a:xfrm>
+          <a:prstGeom prst="rect">
+            <a:avLst/>
+          </a:prstGeom>
+          <a:noFill/>
+        </p:spPr>
+        <p:txBody>
+          <a:bodyPr wrap="square" rtlCol="0">
+            <a:spAutoFit/>
+          </a:bodyPr>
+          <a:lstStyle/>
+          <a:p>
+            <a:pPr algn="ctr"/>
+            <a:r>
+              <a:rPr lang="en-US" sz="1400" dirty="0" smtClean="0"/>
+              <a:t>13</a:t>
+            </a:r>
+            <a:r>
+              <a:rPr lang="en-US" sz="1400" dirty="0" smtClean="0"/>
+              <a:t>: </a:t>
+            </a:r>
+            <a:r>
+              <a:rPr lang="en-US" sz="1400" dirty="0" smtClean="0"/>
+              <a:t>Return selected </a:t>
+            </a:r>
+          </a:p>
+          <a:p>
+            <a:pPr algn="ctr"/>
+            <a:r>
+              <a:rPr lang="en-US" sz="1400" dirty="0" smtClean="0"/>
+              <a:t>tutorial </a:t>
+            </a:r>
+            <a:r>
+              <a:rPr lang="en-US" sz="1400" dirty="0"/>
+              <a:t>information</a:t>
+            </a:r>
+            <a:br>
+              <a:rPr lang="en-US" sz="1400" dirty="0"/>
+            </a:br>
+            <a:r>
+              <a:rPr lang="en-US" sz="1400" dirty="0"/>
+              <a:t>(tutorial picture, title</a:t>
+            </a:r>
+            <a:r>
+              <a:rPr lang="en-US" sz="1400" dirty="0" smtClean="0"/>
+              <a:t>,</a:t>
+            </a:r>
+          </a:p>
+          <a:p>
+            <a:pPr algn="ctr"/>
+            <a:r>
+              <a:rPr lang="en-US" sz="1400" dirty="0" smtClean="0"/>
+              <a:t> </a:t>
+            </a:r>
+            <a:r>
+              <a:rPr lang="en-US" sz="1400" dirty="0"/>
+              <a:t>category, owner username, </a:t>
+            </a:r>
+          </a:p>
+          <a:p>
+            <a:pPr algn="ctr"/>
+            <a:r>
+              <a:rPr lang="en-US" sz="1400" dirty="0"/>
+              <a:t>number of like, material description, </a:t>
+            </a:r>
+            <a:endParaRPr lang="en-US" sz="1400" dirty="0" smtClean="0"/>
+          </a:p>
+          <a:p>
+            <a:pPr algn="ctr"/>
+            <a:r>
+              <a:rPr lang="en-US" sz="1400" dirty="0" smtClean="0"/>
+              <a:t>material </a:t>
+            </a:r>
+            <a:r>
+              <a:rPr lang="en-US" sz="1400" dirty="0"/>
+              <a:t>picture</a:t>
+            </a:r>
+            <a:r>
+              <a:rPr lang="en-US" sz="1400" dirty="0" smtClean="0"/>
+              <a:t>, </a:t>
+            </a:r>
+            <a:r>
+              <a:rPr lang="en-US" sz="1400" dirty="0"/>
+              <a:t>step number, </a:t>
+            </a:r>
+            <a:endParaRPr lang="en-US" sz="1400" dirty="0" smtClean="0"/>
+          </a:p>
+          <a:p>
+            <a:pPr algn="ctr"/>
+            <a:r>
+              <a:rPr lang="en-US" sz="1400" dirty="0" smtClean="0"/>
+              <a:t>step </a:t>
+            </a:r>
+            <a:r>
+              <a:rPr lang="en-US" sz="1400" dirty="0"/>
+              <a:t>description, step picture, video, comment)  </a:t>
+            </a:r>
+          </a:p>
+          <a:p>
+            <a:pPr algn="ctr"/>
+            <a:endParaRPr lang="en-US" sz="1400" dirty="0"/>
+          </a:p>
+        </p:txBody>
+      </p:sp>
+    </p:spTree>
+    <p:extLst>
+      <p:ext uri="{BB962C8B-B14F-4D97-AF65-F5344CB8AC3E}">
+        <p14:creationId xmlns:p14="http://schemas.microsoft.com/office/powerpoint/2010/main" val="550855488"/>
+      </p:ext>
+    </p:extLst>
+  </p:cSld>
+  <p:clrMapOvr>
+    <a:masterClrMapping/>
+  </p:clrMapOvr>
+  <p:timing>
+    <p:tnLst>
+      <p:par>
+        <p:cTn xmlns:p14="http://schemas.microsoft.com/office/powerpoint/2010/main" id="1" dur="indefinite" restart="never" nodeType="tmRoot"/>
+      </p:par>
+    </p:tnLst>
+  </p:timing>
+</p:sld>
+</file>
+
+<file path=ppt/slides/slide35.xml><?xml version="1.0" encoding="utf-8"?>
+<p:sld xmlns:a="http://schemas.openxmlformats.org/drawingml/2006/main" xmlns:r="http://schemas.openxmlformats.org/officeDocument/2006/relationships" xmlns:p="http://schemas.openxmlformats.org/presentationml/2006/main">
+  <p:cSld>
+    <p:spTree>
+      <p:nvGrpSpPr>
+        <p:cNvPr id="1" name=""/>
+        <p:cNvGrpSpPr/>
+        <p:nvPr/>
+      </p:nvGrpSpPr>
+      <p:grpSpPr>
+        <a:xfrm>
+          <a:off x="0" y="0"/>
+          <a:ext cx="0" cy="0"/>
+          <a:chOff x="0" y="0"/>
+          <a:chExt cx="0" cy="0"/>
+        </a:xfrm>
+      </p:grpSpPr>
+      <p:sp>
+        <p:nvSpPr>
+          <p:cNvPr id="3" name="Rectangle 2"/>
+          <p:cNvSpPr/>
+          <p:nvPr/>
+        </p:nvSpPr>
+        <p:spPr>
+          <a:xfrm>
+            <a:off x="35656" y="920336"/>
+            <a:ext cx="1285594" cy="511156"/>
+          </a:xfrm>
+          <a:prstGeom prst="rect">
+            <a:avLst/>
+          </a:prstGeom>
+          <a:solidFill>
+            <a:schemeClr val="tx1">
+              <a:lumMod val="85000"/>
+              <a:lumOff val="15000"/>
+            </a:schemeClr>
+          </a:solidFill>
+          <a:ln>
+            <a:noFill/>
+          </a:ln>
+          <a:effectLst/>
+        </p:spPr>
+        <p:style>
+          <a:lnRef idx="1">
+            <a:schemeClr val="accent1"/>
+          </a:lnRef>
+          <a:fillRef idx="3">
+            <a:schemeClr val="accent1"/>
+          </a:fillRef>
+          <a:effectRef idx="2">
+            <a:schemeClr val="accent1"/>
+          </a:effectRef>
+          <a:fontRef idx="minor">
+            <a:schemeClr val="lt1"/>
+          </a:fontRef>
+        </p:style>
+        <p:txBody>
+          <a:bodyPr rtlCol="0" anchor="ctr"/>
+          <a:lstStyle/>
+          <a:p>
+            <a:pPr algn="ctr"/>
+            <a:r>
+              <a:rPr lang="en-US" sz="1600" dirty="0"/>
+              <a:t>Blogger</a:t>
+            </a:r>
+          </a:p>
+        </p:txBody>
+      </p:sp>
+      <p:cxnSp>
+        <p:nvCxnSpPr>
+          <p:cNvPr id="4" name="Straight Connector 3"/>
+          <p:cNvCxnSpPr>
+            <a:stCxn id="3" idx="2"/>
+          </p:cNvCxnSpPr>
+          <p:nvPr/>
+        </p:nvCxnSpPr>
+        <p:spPr>
+          <a:xfrm>
+            <a:off x="678453" y="1431492"/>
+            <a:ext cx="0" cy="4813480"/>
+          </a:xfrm>
+          <a:prstGeom prst="line">
+            <a:avLst/>
+          </a:prstGeom>
+          <a:ln>
+            <a:solidFill>
+              <a:schemeClr val="tx1"/>
+            </a:solidFill>
+          </a:ln>
+          <a:effectLst/>
+        </p:spPr>
+        <p:style>
+          <a:lnRef idx="2">
+            <a:schemeClr val="accent1"/>
+          </a:lnRef>
+          <a:fillRef idx="0">
+            <a:schemeClr val="accent1"/>
+          </a:fillRef>
+          <a:effectRef idx="1">
+            <a:schemeClr val="accent1"/>
+          </a:effectRef>
+          <a:fontRef idx="minor">
+            <a:schemeClr val="tx1"/>
+          </a:fontRef>
+        </p:style>
+      </p:cxnSp>
+      <p:sp>
+        <p:nvSpPr>
+          <p:cNvPr id="5" name="Rectangle 4"/>
+          <p:cNvSpPr/>
+          <p:nvPr/>
+        </p:nvSpPr>
+        <p:spPr>
+          <a:xfrm>
+            <a:off x="4974032" y="920336"/>
+            <a:ext cx="1733249" cy="511156"/>
+          </a:xfrm>
+          <a:prstGeom prst="rect">
+            <a:avLst/>
+          </a:prstGeom>
+          <a:solidFill>
+            <a:schemeClr val="tx1">
+              <a:lumMod val="85000"/>
+              <a:lumOff val="15000"/>
+            </a:schemeClr>
+          </a:solidFill>
+          <a:ln>
+            <a:noFill/>
+          </a:ln>
+          <a:effectLst/>
+        </p:spPr>
+        <p:style>
+          <a:lnRef idx="1">
+            <a:schemeClr val="accent1"/>
+          </a:lnRef>
+          <a:fillRef idx="3">
+            <a:schemeClr val="accent1"/>
+          </a:fillRef>
+          <a:effectRef idx="2">
+            <a:schemeClr val="accent1"/>
+          </a:effectRef>
+          <a:fontRef idx="minor">
+            <a:schemeClr val="lt1"/>
+          </a:fontRef>
+        </p:style>
+        <p:txBody>
+          <a:bodyPr rtlCol="0" anchor="ctr"/>
+          <a:lstStyle/>
+          <a:p>
+            <a:pPr algn="ctr"/>
+            <a:r>
+              <a:rPr lang="en-US" sz="1600" dirty="0" err="1" smtClean="0"/>
+              <a:t>ViewProfileDetail</a:t>
+            </a:r>
+            <a:endParaRPr lang="en-US" sz="1600" dirty="0"/>
+          </a:p>
+        </p:txBody>
+      </p:sp>
+      <p:sp>
+        <p:nvSpPr>
+          <p:cNvPr id="6" name="Rectangle 5"/>
+          <p:cNvSpPr/>
+          <p:nvPr/>
+        </p:nvSpPr>
+        <p:spPr>
+          <a:xfrm>
+            <a:off x="6778632" y="920336"/>
+            <a:ext cx="1356360" cy="511156"/>
+          </a:xfrm>
+          <a:prstGeom prst="rect">
+            <a:avLst/>
+          </a:prstGeom>
+          <a:solidFill>
+            <a:schemeClr val="tx1">
+              <a:lumMod val="85000"/>
+              <a:lumOff val="15000"/>
+            </a:schemeClr>
+          </a:solidFill>
+          <a:ln>
+            <a:noFill/>
+          </a:ln>
+          <a:effectLst/>
+        </p:spPr>
+        <p:style>
+          <a:lnRef idx="1">
+            <a:schemeClr val="accent1"/>
+          </a:lnRef>
+          <a:fillRef idx="3">
+            <a:schemeClr val="accent1"/>
+          </a:fillRef>
+          <a:effectRef idx="2">
+            <a:schemeClr val="accent1"/>
+          </a:effectRef>
+          <a:fontRef idx="minor">
+            <a:schemeClr val="lt1"/>
+          </a:fontRef>
+        </p:style>
+        <p:txBody>
+          <a:bodyPr rtlCol="0" anchor="ctr"/>
+          <a:lstStyle/>
+          <a:p>
+            <a:pPr algn="ctr"/>
+            <a:r>
+              <a:rPr lang="en-US" sz="1600" dirty="0" smtClean="0"/>
+              <a:t>Notification Database</a:t>
+            </a:r>
+            <a:endParaRPr lang="en-US" sz="1600" dirty="0"/>
+          </a:p>
+        </p:txBody>
+      </p:sp>
+      <p:sp>
+        <p:nvSpPr>
+          <p:cNvPr id="7" name="Rectangle 6"/>
+          <p:cNvSpPr/>
+          <p:nvPr/>
+        </p:nvSpPr>
+        <p:spPr>
+          <a:xfrm>
+            <a:off x="8211606" y="920336"/>
+            <a:ext cx="1138626" cy="511156"/>
+          </a:xfrm>
+          <a:prstGeom prst="rect">
+            <a:avLst/>
+          </a:prstGeom>
+          <a:solidFill>
+            <a:schemeClr val="tx1">
+              <a:lumMod val="85000"/>
+              <a:lumOff val="15000"/>
+            </a:schemeClr>
+          </a:solidFill>
+          <a:ln>
+            <a:noFill/>
+          </a:ln>
+          <a:effectLst/>
+        </p:spPr>
+        <p:style>
+          <a:lnRef idx="1">
+            <a:schemeClr val="accent1"/>
+          </a:lnRef>
+          <a:fillRef idx="3">
+            <a:schemeClr val="accent1"/>
+          </a:fillRef>
+          <a:effectRef idx="2">
+            <a:schemeClr val="accent1"/>
+          </a:effectRef>
+          <a:fontRef idx="minor">
+            <a:schemeClr val="lt1"/>
+          </a:fontRef>
+        </p:style>
+        <p:txBody>
+          <a:bodyPr rtlCol="0" anchor="ctr"/>
+          <a:lstStyle/>
+          <a:p>
+            <a:pPr algn="ctr"/>
+            <a:r>
+              <a:rPr lang="en-US" sz="1600" dirty="0" smtClean="0"/>
+              <a:t>Activity</a:t>
+            </a:r>
+            <a:r>
+              <a:rPr lang="en-US" sz="1600" dirty="0" smtClean="0"/>
+              <a:t> </a:t>
+            </a:r>
+            <a:r>
+              <a:rPr lang="en-US" sz="1600" dirty="0"/>
+              <a:t>Database</a:t>
+            </a:r>
+          </a:p>
+        </p:txBody>
+      </p:sp>
+      <p:cxnSp>
+        <p:nvCxnSpPr>
+          <p:cNvPr id="8" name="Straight Connector 7"/>
+          <p:cNvCxnSpPr>
+            <a:stCxn id="5" idx="2"/>
+          </p:cNvCxnSpPr>
+          <p:nvPr/>
+        </p:nvCxnSpPr>
+        <p:spPr>
+          <a:xfrm>
+            <a:off x="5840657" y="1431492"/>
+            <a:ext cx="0" cy="4813480"/>
+          </a:xfrm>
+          <a:prstGeom prst="line">
+            <a:avLst/>
+          </a:prstGeom>
+          <a:ln>
+            <a:solidFill>
+              <a:schemeClr val="tx1"/>
+            </a:solidFill>
+          </a:ln>
+          <a:effectLst/>
+        </p:spPr>
+        <p:style>
+          <a:lnRef idx="2">
+            <a:schemeClr val="accent1"/>
+          </a:lnRef>
+          <a:fillRef idx="0">
+            <a:schemeClr val="accent1"/>
+          </a:fillRef>
+          <a:effectRef idx="1">
+            <a:schemeClr val="accent1"/>
+          </a:effectRef>
+          <a:fontRef idx="minor">
+            <a:schemeClr val="tx1"/>
+          </a:fontRef>
+        </p:style>
+      </p:cxnSp>
+      <p:cxnSp>
+        <p:nvCxnSpPr>
+          <p:cNvPr id="9" name="Straight Connector 8"/>
+          <p:cNvCxnSpPr>
+            <a:stCxn id="6" idx="2"/>
+          </p:cNvCxnSpPr>
+          <p:nvPr/>
+        </p:nvCxnSpPr>
+        <p:spPr>
+          <a:xfrm flipH="1">
+            <a:off x="7453480" y="1431492"/>
+            <a:ext cx="3332" cy="4813480"/>
+          </a:xfrm>
+          <a:prstGeom prst="line">
+            <a:avLst/>
+          </a:prstGeom>
+          <a:ln>
+            <a:solidFill>
+              <a:schemeClr val="tx1"/>
+            </a:solidFill>
+          </a:ln>
+          <a:effectLst/>
+        </p:spPr>
+        <p:style>
+          <a:lnRef idx="2">
+            <a:schemeClr val="accent1"/>
+          </a:lnRef>
+          <a:fillRef idx="0">
+            <a:schemeClr val="accent1"/>
+          </a:fillRef>
+          <a:effectRef idx="1">
+            <a:schemeClr val="accent1"/>
+          </a:effectRef>
+          <a:fontRef idx="minor">
+            <a:schemeClr val="tx1"/>
+          </a:fontRef>
+        </p:style>
+      </p:cxnSp>
+      <p:cxnSp>
+        <p:nvCxnSpPr>
+          <p:cNvPr id="10" name="Straight Connector 9"/>
+          <p:cNvCxnSpPr>
+            <a:stCxn id="7" idx="2"/>
+          </p:cNvCxnSpPr>
+          <p:nvPr/>
+        </p:nvCxnSpPr>
+        <p:spPr>
+          <a:xfrm>
+            <a:off x="8780919" y="1431492"/>
+            <a:ext cx="0" cy="4813480"/>
+          </a:xfrm>
+          <a:prstGeom prst="line">
+            <a:avLst/>
+          </a:prstGeom>
+          <a:ln>
+            <a:solidFill>
+              <a:schemeClr val="tx1"/>
+            </a:solidFill>
+          </a:ln>
+          <a:effectLst/>
+        </p:spPr>
+        <p:style>
+          <a:lnRef idx="2">
+            <a:schemeClr val="accent1"/>
+          </a:lnRef>
+          <a:fillRef idx="0">
+            <a:schemeClr val="accent1"/>
+          </a:fillRef>
+          <a:effectRef idx="1">
+            <a:schemeClr val="accent1"/>
+          </a:effectRef>
+          <a:fontRef idx="minor">
+            <a:schemeClr val="tx1"/>
+          </a:fontRef>
+        </p:style>
+      </p:cxnSp>
+      <p:sp>
+        <p:nvSpPr>
+          <p:cNvPr id="16" name="Rectangle 15"/>
+          <p:cNvSpPr/>
+          <p:nvPr/>
+        </p:nvSpPr>
+        <p:spPr>
+          <a:xfrm>
+            <a:off x="608752" y="1606108"/>
+            <a:ext cx="139402" cy="4261874"/>
+          </a:xfrm>
+          <a:prstGeom prst="rect">
+            <a:avLst/>
+          </a:prstGeom>
+          <a:solidFill>
+            <a:schemeClr val="tx1"/>
+          </a:solidFill>
+          <a:ln>
+            <a:noFill/>
+          </a:ln>
+          <a:effectLst/>
+        </p:spPr>
+        <p:style>
+          <a:lnRef idx="1">
+            <a:schemeClr val="accent1"/>
+          </a:lnRef>
+          <a:fillRef idx="3">
+            <a:schemeClr val="accent1"/>
+          </a:fillRef>
+          <a:effectRef idx="2">
+            <a:schemeClr val="accent1"/>
+          </a:effectRef>
+          <a:fontRef idx="minor">
+            <a:schemeClr val="lt1"/>
+          </a:fontRef>
+        </p:style>
+        <p:txBody>
+          <a:bodyPr rtlCol="0" anchor="ctr"/>
+          <a:lstStyle/>
+          <a:p>
+            <a:pPr algn="ctr"/>
+            <a:endParaRPr lang="en-US" sz="1600"/>
+          </a:p>
+        </p:txBody>
+      </p:sp>
+      <p:sp>
+        <p:nvSpPr>
+          <p:cNvPr id="22" name="Rectangle 21"/>
+          <p:cNvSpPr/>
+          <p:nvPr/>
+        </p:nvSpPr>
+        <p:spPr>
+          <a:xfrm>
+            <a:off x="2184695" y="1606108"/>
+            <a:ext cx="139402" cy="498163"/>
+          </a:xfrm>
+          <a:prstGeom prst="rect">
+            <a:avLst/>
+          </a:prstGeom>
+          <a:solidFill>
+            <a:schemeClr val="tx1"/>
+          </a:solidFill>
+          <a:ln>
+            <a:noFill/>
+          </a:ln>
+          <a:effectLst/>
+        </p:spPr>
+        <p:style>
+          <a:lnRef idx="1">
+            <a:schemeClr val="accent1"/>
+          </a:lnRef>
+          <a:fillRef idx="3">
+            <a:schemeClr val="accent1"/>
+          </a:fillRef>
+          <a:effectRef idx="2">
+            <a:schemeClr val="accent1"/>
+          </a:effectRef>
+          <a:fontRef idx="minor">
+            <a:schemeClr val="lt1"/>
+          </a:fontRef>
+        </p:style>
+        <p:txBody>
+          <a:bodyPr rtlCol="0" anchor="ctr"/>
+          <a:lstStyle/>
+          <a:p>
+            <a:pPr algn="ctr"/>
+            <a:endParaRPr lang="en-US" sz="1600"/>
+          </a:p>
+        </p:txBody>
+      </p:sp>
+      <p:sp>
+        <p:nvSpPr>
+          <p:cNvPr id="23" name="Rectangle 22"/>
+          <p:cNvSpPr/>
+          <p:nvPr/>
+        </p:nvSpPr>
+        <p:spPr>
+          <a:xfrm>
+            <a:off x="3946209" y="1928744"/>
+            <a:ext cx="139402" cy="2467730"/>
+          </a:xfrm>
+          <a:prstGeom prst="rect">
+            <a:avLst/>
+          </a:prstGeom>
+          <a:solidFill>
+            <a:schemeClr val="tx1"/>
+          </a:solidFill>
+          <a:ln>
+            <a:noFill/>
+          </a:ln>
+          <a:effectLst/>
+        </p:spPr>
+        <p:style>
+          <a:lnRef idx="1">
+            <a:schemeClr val="accent1"/>
+          </a:lnRef>
+          <a:fillRef idx="3">
+            <a:schemeClr val="accent1"/>
+          </a:fillRef>
+          <a:effectRef idx="2">
+            <a:schemeClr val="accent1"/>
+          </a:effectRef>
+          <a:fontRef idx="minor">
+            <a:schemeClr val="lt1"/>
+          </a:fontRef>
+        </p:style>
+        <p:txBody>
+          <a:bodyPr rtlCol="0" anchor="ctr"/>
+          <a:lstStyle/>
+          <a:p>
+            <a:pPr algn="ctr"/>
+            <a:endParaRPr lang="en-US" sz="1600"/>
+          </a:p>
+        </p:txBody>
+      </p:sp>
+      <p:cxnSp>
+        <p:nvCxnSpPr>
+          <p:cNvPr id="26" name="Straight Arrow Connector 25"/>
+          <p:cNvCxnSpPr/>
+          <p:nvPr/>
+        </p:nvCxnSpPr>
+        <p:spPr>
+          <a:xfrm>
+            <a:off x="678453" y="1699043"/>
+            <a:ext cx="1506242" cy="0"/>
+          </a:xfrm>
+          <a:prstGeom prst="straightConnector1">
+            <a:avLst/>
+          </a:prstGeom>
+          <a:ln>
+            <a:solidFill>
+              <a:schemeClr val="tx1"/>
+            </a:solidFill>
+            <a:tailEnd type="arrow"/>
+          </a:ln>
+          <a:effectLst/>
+        </p:spPr>
+        <p:style>
+          <a:lnRef idx="2">
+            <a:schemeClr val="accent1"/>
+          </a:lnRef>
+          <a:fillRef idx="0">
+            <a:schemeClr val="accent1"/>
+          </a:fillRef>
+          <a:effectRef idx="1">
+            <a:schemeClr val="accent1"/>
+          </a:effectRef>
+          <a:fontRef idx="minor">
+            <a:schemeClr val="tx1"/>
+          </a:fontRef>
+        </p:style>
+      </p:cxnSp>
+      <p:cxnSp>
+        <p:nvCxnSpPr>
+          <p:cNvPr id="27" name="Straight Arrow Connector 26"/>
+          <p:cNvCxnSpPr/>
+          <p:nvPr/>
+        </p:nvCxnSpPr>
+        <p:spPr>
+          <a:xfrm>
+            <a:off x="2324097" y="1985586"/>
+            <a:ext cx="1640373" cy="0"/>
+          </a:xfrm>
+          <a:prstGeom prst="straightConnector1">
+            <a:avLst/>
+          </a:prstGeom>
+          <a:ln>
+            <a:solidFill>
+              <a:schemeClr val="tx1"/>
+            </a:solidFill>
+            <a:tailEnd type="arrow"/>
+          </a:ln>
+          <a:effectLst/>
+        </p:spPr>
+        <p:style>
+          <a:lnRef idx="2">
+            <a:schemeClr val="accent1"/>
+          </a:lnRef>
+          <a:fillRef idx="0">
+            <a:schemeClr val="accent1"/>
+          </a:fillRef>
+          <a:effectRef idx="1">
+            <a:schemeClr val="accent1"/>
+          </a:effectRef>
+          <a:fontRef idx="minor">
+            <a:schemeClr val="tx1"/>
+          </a:fontRef>
+        </p:style>
+      </p:cxnSp>
+      <p:cxnSp>
+        <p:nvCxnSpPr>
+          <p:cNvPr id="32" name="Straight Arrow Connector 31"/>
+          <p:cNvCxnSpPr/>
+          <p:nvPr/>
+        </p:nvCxnSpPr>
+        <p:spPr>
+          <a:xfrm>
+            <a:off x="3959931" y="2104271"/>
+            <a:ext cx="3383425" cy="0"/>
+          </a:xfrm>
+          <a:prstGeom prst="straightConnector1">
+            <a:avLst/>
+          </a:prstGeom>
+          <a:ln>
+            <a:solidFill>
+              <a:schemeClr val="tx1"/>
+            </a:solidFill>
+            <a:tailEnd type="arrow"/>
+          </a:ln>
+          <a:effectLst/>
+        </p:spPr>
+        <p:style>
+          <a:lnRef idx="2">
+            <a:schemeClr val="accent1"/>
+          </a:lnRef>
+          <a:fillRef idx="0">
+            <a:schemeClr val="accent1"/>
+          </a:fillRef>
+          <a:effectRef idx="1">
+            <a:schemeClr val="accent1"/>
+          </a:effectRef>
+          <a:fontRef idx="minor">
+            <a:schemeClr val="tx1"/>
+          </a:fontRef>
+        </p:style>
+      </p:cxnSp>
+      <p:cxnSp>
+        <p:nvCxnSpPr>
+          <p:cNvPr id="37" name="Straight Arrow Connector 36"/>
+          <p:cNvCxnSpPr/>
+          <p:nvPr/>
+        </p:nvCxnSpPr>
+        <p:spPr>
+          <a:xfrm>
+            <a:off x="733915" y="3702081"/>
+            <a:ext cx="3212294" cy="0"/>
+          </a:xfrm>
+          <a:prstGeom prst="straightConnector1">
+            <a:avLst/>
+          </a:prstGeom>
+          <a:ln>
+            <a:solidFill>
+              <a:schemeClr val="tx1"/>
+            </a:solidFill>
+            <a:tailEnd type="arrow"/>
+          </a:ln>
+          <a:effectLst/>
+        </p:spPr>
+        <p:style>
+          <a:lnRef idx="2">
+            <a:schemeClr val="accent1"/>
+          </a:lnRef>
+          <a:fillRef idx="0">
+            <a:schemeClr val="accent1"/>
+          </a:fillRef>
+          <a:effectRef idx="1">
+            <a:schemeClr val="accent1"/>
+          </a:effectRef>
+          <a:fontRef idx="minor">
+            <a:schemeClr val="tx1"/>
+          </a:fontRef>
+        </p:style>
+      </p:cxnSp>
+      <p:cxnSp>
+        <p:nvCxnSpPr>
+          <p:cNvPr id="38" name="Straight Arrow Connector 37"/>
+          <p:cNvCxnSpPr/>
+          <p:nvPr/>
+        </p:nvCxnSpPr>
+        <p:spPr>
+          <a:xfrm flipH="1" flipV="1">
+            <a:off x="4085611" y="2776111"/>
+            <a:ext cx="4726868" cy="1"/>
+          </a:xfrm>
+          <a:prstGeom prst="straightConnector1">
+            <a:avLst/>
+          </a:prstGeom>
+          <a:ln>
+            <a:solidFill>
+              <a:schemeClr val="tx1"/>
+            </a:solidFill>
+            <a:prstDash val="dash"/>
+            <a:tailEnd type="arrow"/>
+          </a:ln>
+          <a:effectLst/>
+        </p:spPr>
+        <p:style>
+          <a:lnRef idx="2">
+            <a:schemeClr val="accent1"/>
+          </a:lnRef>
+          <a:fillRef idx="0">
+            <a:schemeClr val="accent1"/>
+          </a:fillRef>
+          <a:effectRef idx="1">
+            <a:schemeClr val="accent1"/>
+          </a:effectRef>
+          <a:fontRef idx="minor">
+            <a:schemeClr val="tx1"/>
+          </a:fontRef>
+        </p:style>
+      </p:cxnSp>
+      <p:sp>
+        <p:nvSpPr>
+          <p:cNvPr id="55" name="Rectangle 54"/>
+          <p:cNvSpPr/>
+          <p:nvPr/>
+        </p:nvSpPr>
+        <p:spPr>
+          <a:xfrm>
+            <a:off x="7392363" y="2066334"/>
+            <a:ext cx="139402" cy="281612"/>
+          </a:xfrm>
+          <a:prstGeom prst="rect">
+            <a:avLst/>
+          </a:prstGeom>
+          <a:solidFill>
+            <a:schemeClr val="tx1"/>
+          </a:solidFill>
+          <a:ln>
+            <a:noFill/>
+          </a:ln>
+          <a:effectLst/>
+        </p:spPr>
+        <p:style>
+          <a:lnRef idx="1">
+            <a:schemeClr val="accent1"/>
+          </a:lnRef>
+          <a:fillRef idx="3">
+            <a:schemeClr val="accent1"/>
+          </a:fillRef>
+          <a:effectRef idx="2">
+            <a:schemeClr val="accent1"/>
+          </a:effectRef>
+          <a:fontRef idx="minor">
+            <a:schemeClr val="lt1"/>
+          </a:fontRef>
+        </p:style>
+        <p:txBody>
+          <a:bodyPr rtlCol="0" anchor="ctr"/>
+          <a:lstStyle/>
+          <a:p>
+            <a:pPr algn="ctr"/>
+            <a:endParaRPr lang="en-US" sz="1600"/>
+          </a:p>
+        </p:txBody>
+      </p:sp>
+      <p:pic>
+        <p:nvPicPr>
+          <p:cNvPr id="31" name="Picture 30" descr="user.png"/>
+          <p:cNvPicPr>
+            <a:picLocks noChangeAspect="1"/>
+          </p:cNvPicPr>
+          <p:nvPr/>
+        </p:nvPicPr>
+        <p:blipFill>
+          <a:blip r:embed="rId2">
+            <a:extLst>
+              <a:ext uri="{28A0092B-C50C-407E-A947-70E740481C1C}">
+                <a14:useLocalDpi xmlns:a14="http://schemas.microsoft.com/office/drawing/2010/main" val="0"/>
+              </a:ext>
+            </a:extLst>
+          </a:blip>
+          <a:stretch>
+            <a:fillRect/>
+          </a:stretch>
+        </p:blipFill>
+        <p:spPr>
+          <a:xfrm>
+            <a:off x="75531" y="-103123"/>
+            <a:ext cx="1199252" cy="1199252"/>
+          </a:xfrm>
+          <a:prstGeom prst="rect">
+            <a:avLst/>
+          </a:prstGeom>
+        </p:spPr>
+      </p:pic>
+      <p:sp>
+        <p:nvSpPr>
+          <p:cNvPr id="33" name="Rectangle 32"/>
+          <p:cNvSpPr/>
+          <p:nvPr/>
+        </p:nvSpPr>
+        <p:spPr>
+          <a:xfrm>
+            <a:off x="1450336" y="920336"/>
+            <a:ext cx="1600159" cy="511156"/>
+          </a:xfrm>
+          <a:prstGeom prst="rect">
+            <a:avLst/>
+          </a:prstGeom>
+          <a:solidFill>
+            <a:schemeClr val="tx1">
+              <a:lumMod val="85000"/>
+              <a:lumOff val="15000"/>
+            </a:schemeClr>
+          </a:solidFill>
+          <a:ln>
+            <a:noFill/>
+          </a:ln>
+          <a:effectLst/>
+        </p:spPr>
+        <p:style>
+          <a:lnRef idx="1">
+            <a:schemeClr val="accent1"/>
+          </a:lnRef>
+          <a:fillRef idx="3">
+            <a:schemeClr val="accent1"/>
+          </a:fillRef>
+          <a:effectRef idx="2">
+            <a:schemeClr val="accent1"/>
+          </a:effectRef>
+          <a:fontRef idx="minor">
+            <a:schemeClr val="lt1"/>
+          </a:fontRef>
+        </p:style>
+        <p:txBody>
+          <a:bodyPr rtlCol="0" anchor="ctr"/>
+          <a:lstStyle/>
+          <a:p>
+            <a:pPr algn="ctr"/>
+            <a:r>
+              <a:rPr lang="en-US" sz="1600" dirty="0" err="1" smtClean="0"/>
+              <a:t>HomeBlogger</a:t>
+            </a:r>
+            <a:endParaRPr lang="en-US" sz="1600" dirty="0" smtClean="0"/>
+          </a:p>
+        </p:txBody>
+      </p:sp>
+      <p:cxnSp>
+        <p:nvCxnSpPr>
+          <p:cNvPr id="34" name="Straight Connector 33"/>
+          <p:cNvCxnSpPr>
+            <a:stCxn id="33" idx="2"/>
+          </p:cNvCxnSpPr>
+          <p:nvPr/>
+        </p:nvCxnSpPr>
+        <p:spPr>
+          <a:xfrm>
+            <a:off x="2250416" y="1431492"/>
+            <a:ext cx="0" cy="4813480"/>
+          </a:xfrm>
+          <a:prstGeom prst="line">
+            <a:avLst/>
+          </a:prstGeom>
+          <a:ln>
+            <a:solidFill>
+              <a:schemeClr val="tx1"/>
+            </a:solidFill>
+          </a:ln>
+          <a:effectLst/>
+        </p:spPr>
+        <p:style>
+          <a:lnRef idx="2">
+            <a:schemeClr val="accent1"/>
+          </a:lnRef>
+          <a:fillRef idx="0">
+            <a:schemeClr val="accent1"/>
+          </a:fillRef>
+          <a:effectRef idx="1">
+            <a:schemeClr val="accent1"/>
+          </a:effectRef>
+          <a:fontRef idx="minor">
+            <a:schemeClr val="tx1"/>
+          </a:fontRef>
+        </p:style>
+      </p:cxnSp>
+      <p:cxnSp>
+        <p:nvCxnSpPr>
+          <p:cNvPr id="46" name="Straight Arrow Connector 45"/>
+          <p:cNvCxnSpPr/>
+          <p:nvPr/>
+        </p:nvCxnSpPr>
+        <p:spPr>
+          <a:xfrm flipH="1">
+            <a:off x="733915" y="2908726"/>
+            <a:ext cx="3230555" cy="11974"/>
+          </a:xfrm>
+          <a:prstGeom prst="straightConnector1">
+            <a:avLst/>
+          </a:prstGeom>
+          <a:ln>
+            <a:solidFill>
+              <a:schemeClr val="tx1"/>
+            </a:solidFill>
+            <a:prstDash val="dash"/>
+            <a:tailEnd type="arrow"/>
+          </a:ln>
+          <a:effectLst/>
+        </p:spPr>
+        <p:style>
+          <a:lnRef idx="2">
+            <a:schemeClr val="accent1"/>
+          </a:lnRef>
+          <a:fillRef idx="0">
+            <a:schemeClr val="accent1"/>
+          </a:fillRef>
+          <a:effectRef idx="1">
+            <a:schemeClr val="accent1"/>
+          </a:effectRef>
+          <a:fontRef idx="minor">
+            <a:schemeClr val="tx1"/>
+          </a:fontRef>
+        </p:style>
+      </p:cxnSp>
+      <p:sp>
+        <p:nvSpPr>
+          <p:cNvPr id="51" name="Rectangle 50"/>
+          <p:cNvSpPr/>
+          <p:nvPr/>
+        </p:nvSpPr>
+        <p:spPr>
+          <a:xfrm>
+            <a:off x="3174242" y="920336"/>
+            <a:ext cx="1671174" cy="511156"/>
+          </a:xfrm>
+          <a:prstGeom prst="rect">
+            <a:avLst/>
+          </a:prstGeom>
+          <a:solidFill>
+            <a:schemeClr val="tx1">
+              <a:lumMod val="85000"/>
+              <a:lumOff val="15000"/>
+            </a:schemeClr>
+          </a:solidFill>
+          <a:ln>
+            <a:noFill/>
+          </a:ln>
+          <a:effectLst/>
+        </p:spPr>
+        <p:style>
+          <a:lnRef idx="1">
+            <a:schemeClr val="accent1"/>
+          </a:lnRef>
+          <a:fillRef idx="3">
+            <a:schemeClr val="accent1"/>
+          </a:fillRef>
+          <a:effectRef idx="2">
+            <a:schemeClr val="accent1"/>
+          </a:effectRef>
+          <a:fontRef idx="minor">
+            <a:schemeClr val="lt1"/>
+          </a:fontRef>
+        </p:style>
+        <p:txBody>
+          <a:bodyPr rtlCol="0" anchor="ctr"/>
+          <a:lstStyle/>
+          <a:p>
+            <a:pPr algn="ctr"/>
+            <a:r>
+              <a:rPr lang="en-US" sz="1600" dirty="0" smtClean="0"/>
+              <a:t>Notification</a:t>
+            </a:r>
+            <a:br>
+              <a:rPr lang="en-US" sz="1600" dirty="0" smtClean="0"/>
+            </a:br>
+            <a:r>
+              <a:rPr lang="en-US" sz="1600" dirty="0" smtClean="0"/>
+              <a:t>Management</a:t>
+            </a:r>
+            <a:endParaRPr lang="en-US" sz="1600" dirty="0"/>
+          </a:p>
+        </p:txBody>
+      </p:sp>
+      <p:cxnSp>
+        <p:nvCxnSpPr>
+          <p:cNvPr id="52" name="Straight Connector 51"/>
+          <p:cNvCxnSpPr>
+            <a:stCxn id="51" idx="2"/>
+          </p:cNvCxnSpPr>
+          <p:nvPr/>
+        </p:nvCxnSpPr>
+        <p:spPr>
+          <a:xfrm>
+            <a:off x="4009829" y="1431492"/>
+            <a:ext cx="0" cy="4813480"/>
+          </a:xfrm>
+          <a:prstGeom prst="line">
+            <a:avLst/>
+          </a:prstGeom>
+          <a:ln>
+            <a:solidFill>
+              <a:schemeClr val="tx1"/>
+            </a:solidFill>
+          </a:ln>
+          <a:effectLst/>
+        </p:spPr>
+        <p:style>
+          <a:lnRef idx="2">
+            <a:schemeClr val="accent1"/>
+          </a:lnRef>
+          <a:fillRef idx="0">
+            <a:schemeClr val="accent1"/>
+          </a:fillRef>
+          <a:effectRef idx="1">
+            <a:schemeClr val="accent1"/>
+          </a:effectRef>
+          <a:fontRef idx="minor">
+            <a:schemeClr val="tx1"/>
+          </a:fontRef>
+        </p:style>
+      </p:cxnSp>
+      <p:sp>
+        <p:nvSpPr>
+          <p:cNvPr id="58" name="Rectangle 57"/>
+          <p:cNvSpPr/>
+          <p:nvPr/>
+        </p:nvSpPr>
+        <p:spPr>
+          <a:xfrm>
+            <a:off x="9448877" y="920336"/>
+            <a:ext cx="1138626" cy="511156"/>
+          </a:xfrm>
+          <a:prstGeom prst="rect">
+            <a:avLst/>
+          </a:prstGeom>
+          <a:solidFill>
+            <a:schemeClr val="tx1">
+              <a:lumMod val="85000"/>
+              <a:lumOff val="15000"/>
+            </a:schemeClr>
+          </a:solidFill>
+          <a:ln>
+            <a:noFill/>
+          </a:ln>
+          <a:effectLst/>
+        </p:spPr>
+        <p:style>
+          <a:lnRef idx="1">
+            <a:schemeClr val="accent1"/>
+          </a:lnRef>
+          <a:fillRef idx="3">
+            <a:schemeClr val="accent1"/>
+          </a:fillRef>
+          <a:effectRef idx="2">
+            <a:schemeClr val="accent1"/>
+          </a:effectRef>
+          <a:fontRef idx="minor">
+            <a:schemeClr val="lt1"/>
+          </a:fontRef>
+        </p:style>
+        <p:txBody>
+          <a:bodyPr rtlCol="0" anchor="ctr"/>
+          <a:lstStyle/>
+          <a:p>
+            <a:pPr algn="ctr"/>
+            <a:r>
+              <a:rPr lang="en-US" sz="1200" dirty="0"/>
+              <a:t>Registered User Database</a:t>
+            </a:r>
+            <a:endParaRPr lang="en-US" sz="1200" dirty="0"/>
+          </a:p>
+        </p:txBody>
+      </p:sp>
+      <p:cxnSp>
+        <p:nvCxnSpPr>
+          <p:cNvPr id="59" name="Straight Connector 58"/>
+          <p:cNvCxnSpPr>
+            <a:stCxn id="58" idx="2"/>
+          </p:cNvCxnSpPr>
+          <p:nvPr/>
+        </p:nvCxnSpPr>
+        <p:spPr>
+          <a:xfrm>
+            <a:off x="10018190" y="1431492"/>
+            <a:ext cx="0" cy="4813480"/>
+          </a:xfrm>
+          <a:prstGeom prst="line">
+            <a:avLst/>
+          </a:prstGeom>
+          <a:ln>
+            <a:solidFill>
+              <a:schemeClr val="tx1"/>
+            </a:solidFill>
+          </a:ln>
+          <a:effectLst/>
+        </p:spPr>
+        <p:style>
+          <a:lnRef idx="2">
+            <a:schemeClr val="accent1"/>
+          </a:lnRef>
+          <a:fillRef idx="0">
+            <a:schemeClr val="accent1"/>
+          </a:fillRef>
+          <a:effectRef idx="1">
+            <a:schemeClr val="accent1"/>
+          </a:effectRef>
+          <a:fontRef idx="minor">
+            <a:schemeClr val="tx1"/>
+          </a:fontRef>
+        </p:style>
+      </p:cxnSp>
+      <p:cxnSp>
+        <p:nvCxnSpPr>
+          <p:cNvPr id="97" name="Straight Arrow Connector 96"/>
+          <p:cNvCxnSpPr/>
+          <p:nvPr/>
+        </p:nvCxnSpPr>
+        <p:spPr>
+          <a:xfrm flipH="1">
+            <a:off x="5910358" y="5196239"/>
+            <a:ext cx="4012109" cy="0"/>
+          </a:xfrm>
+          <a:prstGeom prst="straightConnector1">
+            <a:avLst/>
+          </a:prstGeom>
+          <a:ln>
+            <a:solidFill>
+              <a:schemeClr val="tx1"/>
+            </a:solidFill>
+            <a:prstDash val="dash"/>
+            <a:tailEnd type="arrow"/>
+          </a:ln>
+          <a:effectLst/>
+        </p:spPr>
+        <p:style>
+          <a:lnRef idx="2">
+            <a:schemeClr val="accent1"/>
+          </a:lnRef>
+          <a:fillRef idx="0">
+            <a:schemeClr val="accent1"/>
+          </a:fillRef>
+          <a:effectRef idx="1">
+            <a:schemeClr val="accent1"/>
+          </a:effectRef>
+          <a:fontRef idx="minor">
+            <a:schemeClr val="tx1"/>
+          </a:fontRef>
+        </p:style>
+      </p:cxnSp>
+      <p:sp>
+        <p:nvSpPr>
+          <p:cNvPr id="53" name="TextBox 52"/>
+          <p:cNvSpPr txBox="1"/>
+          <p:nvPr/>
+        </p:nvSpPr>
+        <p:spPr>
+          <a:xfrm>
+            <a:off x="-329186" y="1408060"/>
+            <a:ext cx="3621849" cy="523220"/>
+          </a:xfrm>
+          <a:prstGeom prst="rect">
+            <a:avLst/>
+          </a:prstGeom>
+          <a:noFill/>
+        </p:spPr>
+        <p:txBody>
+          <a:bodyPr wrap="square" rtlCol="0">
+            <a:spAutoFit/>
+          </a:bodyPr>
+          <a:lstStyle/>
+          <a:p>
+            <a:pPr algn="ctr"/>
+            <a:r>
+              <a:rPr lang="en-US" sz="1400" dirty="0"/>
+              <a:t>1</a:t>
+            </a:r>
+            <a:r>
+              <a:rPr lang="en-US" sz="1400" dirty="0" smtClean="0"/>
+              <a:t>: Click home page </a:t>
+            </a:r>
+          </a:p>
+          <a:p>
+            <a:pPr algn="ctr"/>
+            <a:r>
+              <a:rPr lang="en-US" sz="1400" dirty="0" smtClean="0"/>
+              <a:t>for blogger link</a:t>
+            </a:r>
+            <a:endParaRPr lang="en-US" sz="1400" dirty="0"/>
+          </a:p>
+        </p:txBody>
+      </p:sp>
+      <p:cxnSp>
+        <p:nvCxnSpPr>
+          <p:cNvPr id="57" name="Straight Arrow Connector 56"/>
+          <p:cNvCxnSpPr/>
+          <p:nvPr/>
+        </p:nvCxnSpPr>
+        <p:spPr>
+          <a:xfrm flipH="1">
+            <a:off x="8821700" y="2649110"/>
+            <a:ext cx="509623" cy="0"/>
+          </a:xfrm>
+          <a:prstGeom prst="straightConnector1">
+            <a:avLst/>
+          </a:prstGeom>
+          <a:ln>
+            <a:solidFill>
+              <a:schemeClr val="tx1"/>
+            </a:solidFill>
+            <a:tailEnd type="arrow"/>
+          </a:ln>
+          <a:effectLst/>
+        </p:spPr>
+        <p:style>
+          <a:lnRef idx="2">
+            <a:schemeClr val="accent1"/>
+          </a:lnRef>
+          <a:fillRef idx="0">
+            <a:schemeClr val="accent1"/>
+          </a:fillRef>
+          <a:effectRef idx="1">
+            <a:schemeClr val="accent1"/>
+          </a:effectRef>
+          <a:fontRef idx="minor">
+            <a:schemeClr val="tx1"/>
+          </a:fontRef>
+        </p:style>
+      </p:cxnSp>
+      <p:cxnSp>
+        <p:nvCxnSpPr>
+          <p:cNvPr id="60" name="Straight Connector 59"/>
+          <p:cNvCxnSpPr/>
+          <p:nvPr/>
+        </p:nvCxnSpPr>
+        <p:spPr>
+          <a:xfrm flipV="1">
+            <a:off x="9331323" y="2287620"/>
+            <a:ext cx="0" cy="361490"/>
+          </a:xfrm>
+          <a:prstGeom prst="line">
+            <a:avLst/>
+          </a:prstGeom>
+          <a:ln>
+            <a:solidFill>
+              <a:schemeClr val="tx1"/>
+            </a:solidFill>
+          </a:ln>
+          <a:effectLst/>
+        </p:spPr>
+        <p:style>
+          <a:lnRef idx="2">
+            <a:schemeClr val="accent1"/>
+          </a:lnRef>
+          <a:fillRef idx="0">
+            <a:schemeClr val="accent1"/>
+          </a:fillRef>
+          <a:effectRef idx="1">
+            <a:schemeClr val="accent1"/>
+          </a:effectRef>
+          <a:fontRef idx="minor">
+            <a:schemeClr val="tx1"/>
+          </a:fontRef>
+        </p:style>
+      </p:cxnSp>
+      <p:cxnSp>
+        <p:nvCxnSpPr>
+          <p:cNvPr id="61" name="Straight Connector 60"/>
+          <p:cNvCxnSpPr/>
+          <p:nvPr/>
+        </p:nvCxnSpPr>
+        <p:spPr>
+          <a:xfrm flipH="1">
+            <a:off x="8821700" y="2277977"/>
+            <a:ext cx="509623" cy="9643"/>
+          </a:xfrm>
+          <a:prstGeom prst="line">
+            <a:avLst/>
+          </a:prstGeom>
+          <a:ln>
+            <a:solidFill>
+              <a:schemeClr val="tx1"/>
+            </a:solidFill>
+          </a:ln>
+          <a:effectLst/>
+        </p:spPr>
+        <p:style>
+          <a:lnRef idx="2">
+            <a:schemeClr val="accent1"/>
+          </a:lnRef>
+          <a:fillRef idx="0">
+            <a:schemeClr val="accent1"/>
+          </a:fillRef>
+          <a:effectRef idx="1">
+            <a:schemeClr val="accent1"/>
+          </a:effectRef>
+          <a:fontRef idx="minor">
+            <a:schemeClr val="tx1"/>
+          </a:fontRef>
+        </p:style>
+      </p:cxnSp>
+      <p:sp>
+        <p:nvSpPr>
+          <p:cNvPr id="62" name="TextBox 61"/>
+          <p:cNvSpPr txBox="1"/>
+          <p:nvPr/>
+        </p:nvSpPr>
+        <p:spPr>
+          <a:xfrm>
+            <a:off x="9067006" y="1943177"/>
+            <a:ext cx="979755" cy="523220"/>
+          </a:xfrm>
+          <a:prstGeom prst="rect">
+            <a:avLst/>
+          </a:prstGeom>
+          <a:noFill/>
+        </p:spPr>
+        <p:txBody>
+          <a:bodyPr wrap="none" rtlCol="0">
+            <a:spAutoFit/>
+          </a:bodyPr>
+          <a:lstStyle/>
+          <a:p>
+            <a:pPr algn="ctr"/>
+            <a:r>
+              <a:rPr lang="en-US" sz="1400" dirty="0"/>
+              <a:t>5</a:t>
+            </a:r>
+            <a:r>
+              <a:rPr lang="en-US" sz="1400" dirty="0" smtClean="0"/>
+              <a:t>: </a:t>
+            </a:r>
+            <a:r>
+              <a:rPr lang="en-US" sz="1400" dirty="0" smtClean="0"/>
+              <a:t>Retrieve </a:t>
+            </a:r>
+            <a:br>
+              <a:rPr lang="en-US" sz="1400" dirty="0" smtClean="0"/>
+            </a:br>
+            <a:r>
+              <a:rPr lang="en-US" sz="1400" dirty="0" smtClean="0"/>
+              <a:t>Data</a:t>
+            </a:r>
+            <a:endParaRPr lang="en-US" sz="1400" dirty="0"/>
+          </a:p>
+        </p:txBody>
+      </p:sp>
+      <p:cxnSp>
+        <p:nvCxnSpPr>
+          <p:cNvPr id="63" name="Straight Arrow Connector 62"/>
+          <p:cNvCxnSpPr/>
+          <p:nvPr/>
+        </p:nvCxnSpPr>
+        <p:spPr>
+          <a:xfrm flipH="1">
+            <a:off x="10086352" y="5046845"/>
+            <a:ext cx="571579" cy="0"/>
+          </a:xfrm>
+          <a:prstGeom prst="straightConnector1">
+            <a:avLst/>
+          </a:prstGeom>
+          <a:ln>
+            <a:solidFill>
+              <a:schemeClr val="tx1"/>
+            </a:solidFill>
+            <a:tailEnd type="arrow"/>
+          </a:ln>
+          <a:effectLst/>
+        </p:spPr>
+        <p:style>
+          <a:lnRef idx="2">
+            <a:schemeClr val="accent1"/>
+          </a:lnRef>
+          <a:fillRef idx="0">
+            <a:schemeClr val="accent1"/>
+          </a:fillRef>
+          <a:effectRef idx="1">
+            <a:schemeClr val="accent1"/>
+          </a:effectRef>
+          <a:fontRef idx="minor">
+            <a:schemeClr val="tx1"/>
+          </a:fontRef>
+        </p:style>
+      </p:cxnSp>
+      <p:cxnSp>
+        <p:nvCxnSpPr>
+          <p:cNvPr id="65" name="Straight Connector 64"/>
+          <p:cNvCxnSpPr/>
+          <p:nvPr/>
+        </p:nvCxnSpPr>
+        <p:spPr>
+          <a:xfrm flipV="1">
+            <a:off x="10657931" y="4685355"/>
+            <a:ext cx="0" cy="361490"/>
+          </a:xfrm>
+          <a:prstGeom prst="line">
+            <a:avLst/>
+          </a:prstGeom>
+          <a:ln>
+            <a:solidFill>
+              <a:schemeClr val="tx1"/>
+            </a:solidFill>
+          </a:ln>
+          <a:effectLst/>
+        </p:spPr>
+        <p:style>
+          <a:lnRef idx="2">
+            <a:schemeClr val="accent1"/>
+          </a:lnRef>
+          <a:fillRef idx="0">
+            <a:schemeClr val="accent1"/>
+          </a:fillRef>
+          <a:effectRef idx="1">
+            <a:schemeClr val="accent1"/>
+          </a:effectRef>
+          <a:fontRef idx="minor">
+            <a:schemeClr val="tx1"/>
+          </a:fontRef>
+        </p:style>
+      </p:cxnSp>
+      <p:cxnSp>
+        <p:nvCxnSpPr>
+          <p:cNvPr id="67" name="Straight Connector 66"/>
+          <p:cNvCxnSpPr/>
+          <p:nvPr/>
+        </p:nvCxnSpPr>
+        <p:spPr>
+          <a:xfrm flipH="1" flipV="1">
+            <a:off x="10086352" y="4685355"/>
+            <a:ext cx="571579" cy="9901"/>
+          </a:xfrm>
+          <a:prstGeom prst="line">
+            <a:avLst/>
+          </a:prstGeom>
+          <a:ln>
+            <a:solidFill>
+              <a:schemeClr val="tx1"/>
+            </a:solidFill>
+          </a:ln>
+          <a:effectLst/>
+        </p:spPr>
+        <p:style>
+          <a:lnRef idx="2">
+            <a:schemeClr val="accent1"/>
+          </a:lnRef>
+          <a:fillRef idx="0">
+            <a:schemeClr val="accent1"/>
+          </a:fillRef>
+          <a:effectRef idx="1">
+            <a:schemeClr val="accent1"/>
+          </a:effectRef>
+          <a:fontRef idx="minor">
+            <a:schemeClr val="tx1"/>
+          </a:fontRef>
+        </p:style>
+      </p:cxnSp>
+      <p:sp>
+        <p:nvSpPr>
+          <p:cNvPr id="69" name="TextBox 68"/>
+          <p:cNvSpPr txBox="1"/>
+          <p:nvPr/>
+        </p:nvSpPr>
+        <p:spPr>
+          <a:xfrm>
+            <a:off x="9986705" y="4210378"/>
+            <a:ext cx="860995" cy="738664"/>
+          </a:xfrm>
+          <a:prstGeom prst="rect">
+            <a:avLst/>
+          </a:prstGeom>
+          <a:noFill/>
+        </p:spPr>
+        <p:txBody>
+          <a:bodyPr wrap="none" rtlCol="0">
+            <a:spAutoFit/>
+          </a:bodyPr>
+          <a:lstStyle/>
+          <a:p>
+            <a:pPr algn="ctr"/>
+            <a:r>
+              <a:rPr lang="en-US" sz="1400" dirty="0"/>
+              <a:t>12: </a:t>
+            </a:r>
+            <a:r>
+              <a:rPr lang="en-US" sz="1400" dirty="0" err="1" smtClean="0"/>
+              <a:t>Retri</a:t>
+            </a:r>
+            <a:r>
+              <a:rPr lang="en-US" sz="1400" dirty="0" smtClean="0"/>
+              <a:t>-</a:t>
+            </a:r>
+          </a:p>
+          <a:p>
+            <a:pPr algn="ctr"/>
+            <a:r>
+              <a:rPr lang="en-US" sz="1400" dirty="0"/>
+              <a:t>-</a:t>
+            </a:r>
+            <a:r>
+              <a:rPr lang="en-US" sz="1400" dirty="0" smtClean="0"/>
+              <a:t>eve </a:t>
+            </a:r>
+            <a:br>
+              <a:rPr lang="en-US" sz="1400" dirty="0" smtClean="0"/>
+            </a:br>
+            <a:r>
+              <a:rPr lang="en-US" sz="1400" dirty="0" smtClean="0"/>
+              <a:t>Data</a:t>
+            </a:r>
+            <a:endParaRPr lang="en-US" sz="1400" dirty="0"/>
+          </a:p>
+        </p:txBody>
+      </p:sp>
+      <p:sp>
+        <p:nvSpPr>
+          <p:cNvPr id="72" name="Rectangle 71"/>
+          <p:cNvSpPr/>
+          <p:nvPr/>
+        </p:nvSpPr>
+        <p:spPr>
+          <a:xfrm>
+            <a:off x="8711218" y="2106032"/>
+            <a:ext cx="139402" cy="765134"/>
+          </a:xfrm>
+          <a:prstGeom prst="rect">
+            <a:avLst/>
+          </a:prstGeom>
+          <a:solidFill>
+            <a:schemeClr val="tx1"/>
+          </a:solidFill>
+          <a:ln>
+            <a:noFill/>
+          </a:ln>
+          <a:effectLst/>
+        </p:spPr>
+        <p:style>
+          <a:lnRef idx="1">
+            <a:schemeClr val="accent1"/>
+          </a:lnRef>
+          <a:fillRef idx="3">
+            <a:schemeClr val="accent1"/>
+          </a:fillRef>
+          <a:effectRef idx="2">
+            <a:schemeClr val="accent1"/>
+          </a:effectRef>
+          <a:fontRef idx="minor">
+            <a:schemeClr val="lt1"/>
+          </a:fontRef>
+        </p:style>
+        <p:txBody>
+          <a:bodyPr rtlCol="0" anchor="ctr"/>
+          <a:lstStyle/>
+          <a:p>
+            <a:pPr algn="ctr"/>
+            <a:endParaRPr lang="en-US" sz="1600"/>
+          </a:p>
+        </p:txBody>
+      </p:sp>
+      <p:cxnSp>
+        <p:nvCxnSpPr>
+          <p:cNvPr id="73" name="Straight Arrow Connector 72"/>
+          <p:cNvCxnSpPr/>
+          <p:nvPr/>
+        </p:nvCxnSpPr>
+        <p:spPr>
+          <a:xfrm>
+            <a:off x="7531765" y="2202242"/>
+            <a:ext cx="1179453" cy="0"/>
+          </a:xfrm>
+          <a:prstGeom prst="straightConnector1">
+            <a:avLst/>
+          </a:prstGeom>
+          <a:ln>
+            <a:solidFill>
+              <a:schemeClr val="tx1"/>
+            </a:solidFill>
+            <a:tailEnd type="arrow"/>
+          </a:ln>
+          <a:effectLst/>
+        </p:spPr>
+        <p:style>
+          <a:lnRef idx="2">
+            <a:schemeClr val="accent1"/>
+          </a:lnRef>
+          <a:fillRef idx="0">
+            <a:schemeClr val="accent1"/>
+          </a:fillRef>
+          <a:effectRef idx="1">
+            <a:schemeClr val="accent1"/>
+          </a:effectRef>
+          <a:fontRef idx="minor">
+            <a:schemeClr val="tx1"/>
+          </a:fontRef>
+        </p:style>
+      </p:cxnSp>
+      <p:cxnSp>
+        <p:nvCxnSpPr>
+          <p:cNvPr id="77" name="Straight Arrow Connector 76"/>
+          <p:cNvCxnSpPr/>
+          <p:nvPr/>
+        </p:nvCxnSpPr>
+        <p:spPr>
+          <a:xfrm>
+            <a:off x="4029873" y="4341261"/>
+            <a:ext cx="1741083" cy="0"/>
+          </a:xfrm>
+          <a:prstGeom prst="straightConnector1">
+            <a:avLst/>
+          </a:prstGeom>
+          <a:ln>
+            <a:solidFill>
+              <a:schemeClr val="tx1"/>
+            </a:solidFill>
+            <a:tailEnd type="arrow"/>
+          </a:ln>
+          <a:effectLst/>
+        </p:spPr>
+        <p:style>
+          <a:lnRef idx="2">
+            <a:schemeClr val="accent1"/>
+          </a:lnRef>
+          <a:fillRef idx="0">
+            <a:schemeClr val="accent1"/>
+          </a:fillRef>
+          <a:effectRef idx="1">
+            <a:schemeClr val="accent1"/>
+          </a:effectRef>
+          <a:fontRef idx="minor">
+            <a:schemeClr val="tx1"/>
+          </a:fontRef>
+        </p:style>
+      </p:cxnSp>
+      <p:sp>
+        <p:nvSpPr>
+          <p:cNvPr id="78" name="Rectangle 77"/>
+          <p:cNvSpPr/>
+          <p:nvPr/>
+        </p:nvSpPr>
+        <p:spPr>
+          <a:xfrm>
+            <a:off x="9948489" y="4433822"/>
+            <a:ext cx="137863" cy="813556"/>
+          </a:xfrm>
+          <a:prstGeom prst="rect">
+            <a:avLst/>
+          </a:prstGeom>
+          <a:solidFill>
+            <a:schemeClr val="tx1"/>
+          </a:solidFill>
+          <a:ln>
+            <a:noFill/>
+          </a:ln>
+          <a:effectLst/>
+        </p:spPr>
+        <p:style>
+          <a:lnRef idx="1">
+            <a:schemeClr val="accent1"/>
+          </a:lnRef>
+          <a:fillRef idx="3">
+            <a:schemeClr val="accent1"/>
+          </a:fillRef>
+          <a:effectRef idx="2">
+            <a:schemeClr val="accent1"/>
+          </a:effectRef>
+          <a:fontRef idx="minor">
+            <a:schemeClr val="lt1"/>
+          </a:fontRef>
+        </p:style>
+        <p:txBody>
+          <a:bodyPr rtlCol="0" anchor="ctr"/>
+          <a:lstStyle/>
+          <a:p>
+            <a:pPr algn="ctr"/>
+            <a:endParaRPr lang="en-US" sz="1600"/>
+          </a:p>
+        </p:txBody>
+      </p:sp>
+      <p:sp>
+        <p:nvSpPr>
+          <p:cNvPr id="79" name="Rectangle 78"/>
+          <p:cNvSpPr/>
+          <p:nvPr/>
+        </p:nvSpPr>
+        <p:spPr>
+          <a:xfrm>
+            <a:off x="5770956" y="4274344"/>
+            <a:ext cx="139402" cy="1309162"/>
+          </a:xfrm>
+          <a:prstGeom prst="rect">
+            <a:avLst/>
+          </a:prstGeom>
+          <a:solidFill>
+            <a:schemeClr val="tx1"/>
+          </a:solidFill>
+          <a:ln>
+            <a:noFill/>
+          </a:ln>
+          <a:effectLst/>
+        </p:spPr>
+        <p:style>
+          <a:lnRef idx="1">
+            <a:schemeClr val="accent1"/>
+          </a:lnRef>
+          <a:fillRef idx="3">
+            <a:schemeClr val="accent1"/>
+          </a:fillRef>
+          <a:effectRef idx="2">
+            <a:schemeClr val="accent1"/>
+          </a:effectRef>
+          <a:fontRef idx="minor">
+            <a:schemeClr val="lt1"/>
+          </a:fontRef>
+        </p:style>
+        <p:txBody>
+          <a:bodyPr rtlCol="0" anchor="ctr"/>
+          <a:lstStyle/>
+          <a:p>
+            <a:pPr algn="ctr"/>
+            <a:endParaRPr lang="en-US" sz="1600"/>
+          </a:p>
+        </p:txBody>
+      </p:sp>
+      <p:cxnSp>
+        <p:nvCxnSpPr>
+          <p:cNvPr id="82" name="Straight Arrow Connector 81"/>
+          <p:cNvCxnSpPr/>
+          <p:nvPr/>
+        </p:nvCxnSpPr>
+        <p:spPr>
+          <a:xfrm flipH="1">
+            <a:off x="748154" y="5415444"/>
+            <a:ext cx="5073042" cy="11974"/>
+          </a:xfrm>
+          <a:prstGeom prst="straightConnector1">
+            <a:avLst/>
+          </a:prstGeom>
+          <a:ln>
+            <a:solidFill>
+              <a:schemeClr val="tx1"/>
+            </a:solidFill>
+            <a:prstDash val="dash"/>
+            <a:tailEnd type="arrow"/>
+          </a:ln>
+          <a:effectLst/>
+        </p:spPr>
+        <p:style>
+          <a:lnRef idx="2">
+            <a:schemeClr val="accent1"/>
+          </a:lnRef>
+          <a:fillRef idx="0">
+            <a:schemeClr val="accent1"/>
+          </a:fillRef>
+          <a:effectRef idx="1">
+            <a:schemeClr val="accent1"/>
+          </a:effectRef>
+          <a:fontRef idx="minor">
+            <a:schemeClr val="tx1"/>
+          </a:fontRef>
+        </p:style>
+      </p:cxnSp>
+      <p:sp>
+        <p:nvSpPr>
+          <p:cNvPr id="85" name="TextBox 84"/>
+          <p:cNvSpPr txBox="1"/>
+          <p:nvPr/>
+        </p:nvSpPr>
+        <p:spPr>
+          <a:xfrm>
+            <a:off x="2345025" y="1691828"/>
+            <a:ext cx="1481658" cy="523220"/>
+          </a:xfrm>
+          <a:prstGeom prst="rect">
+            <a:avLst/>
+          </a:prstGeom>
+          <a:noFill/>
+        </p:spPr>
+        <p:txBody>
+          <a:bodyPr wrap="none" rtlCol="0">
+            <a:spAutoFit/>
+          </a:bodyPr>
+          <a:lstStyle/>
+          <a:p>
+            <a:pPr algn="ctr"/>
+            <a:r>
+              <a:rPr lang="en-US" sz="1400" dirty="0"/>
+              <a:t>2</a:t>
+            </a:r>
+            <a:r>
+              <a:rPr lang="en-US" sz="1400" dirty="0" smtClean="0"/>
+              <a:t>: </a:t>
+            </a:r>
+            <a:r>
+              <a:rPr lang="en-US" sz="1400" dirty="0"/>
+              <a:t>S</a:t>
+            </a:r>
+            <a:r>
+              <a:rPr lang="en-US" sz="1400" dirty="0" smtClean="0"/>
+              <a:t>elect </a:t>
+            </a:r>
+            <a:endParaRPr lang="en-US" sz="1400" dirty="0" smtClean="0"/>
+          </a:p>
+          <a:p>
+            <a:pPr algn="ctr"/>
+            <a:r>
+              <a:rPr lang="en-US" sz="1400" dirty="0" smtClean="0"/>
+              <a:t>notification menu</a:t>
+            </a:r>
+            <a:endParaRPr lang="en-US" sz="1400" dirty="0"/>
+          </a:p>
+        </p:txBody>
+      </p:sp>
+      <p:sp>
+        <p:nvSpPr>
+          <p:cNvPr id="86" name="TextBox 85"/>
+          <p:cNvSpPr txBox="1"/>
+          <p:nvPr/>
+        </p:nvSpPr>
+        <p:spPr>
+          <a:xfrm>
+            <a:off x="4656841" y="1792999"/>
+            <a:ext cx="2507033" cy="307777"/>
+          </a:xfrm>
+          <a:prstGeom prst="rect">
+            <a:avLst/>
+          </a:prstGeom>
+          <a:noFill/>
+        </p:spPr>
+        <p:txBody>
+          <a:bodyPr wrap="square" rtlCol="0">
+            <a:spAutoFit/>
+          </a:bodyPr>
+          <a:lstStyle/>
+          <a:p>
+            <a:pPr algn="ctr"/>
+            <a:r>
+              <a:rPr lang="en-US" sz="1400" dirty="0"/>
+              <a:t>3</a:t>
+            </a:r>
+            <a:r>
+              <a:rPr lang="en-US" sz="1400" dirty="0" smtClean="0"/>
+              <a:t>: Request </a:t>
+            </a:r>
+            <a:r>
+              <a:rPr lang="en-US" sz="1400" dirty="0" smtClean="0"/>
+              <a:t>notifications</a:t>
+            </a:r>
+            <a:endParaRPr lang="en-US" sz="1400" dirty="0"/>
+          </a:p>
+        </p:txBody>
+      </p:sp>
+      <p:sp>
+        <p:nvSpPr>
+          <p:cNvPr id="89" name="TextBox 88"/>
+          <p:cNvSpPr txBox="1"/>
+          <p:nvPr/>
+        </p:nvSpPr>
+        <p:spPr>
+          <a:xfrm>
+            <a:off x="7258974" y="1907509"/>
+            <a:ext cx="1679464" cy="523220"/>
+          </a:xfrm>
+          <a:prstGeom prst="rect">
+            <a:avLst/>
+          </a:prstGeom>
+          <a:noFill/>
+        </p:spPr>
+        <p:txBody>
+          <a:bodyPr wrap="square" rtlCol="0">
+            <a:spAutoFit/>
+          </a:bodyPr>
+          <a:lstStyle/>
+          <a:p>
+            <a:pPr algn="ctr"/>
+            <a:r>
+              <a:rPr lang="en-US" sz="1400" dirty="0"/>
+              <a:t>4</a:t>
+            </a:r>
+            <a:r>
+              <a:rPr lang="en-US" sz="1400" dirty="0" smtClean="0"/>
+              <a:t>: </a:t>
+            </a:r>
+            <a:r>
+              <a:rPr lang="en-US" sz="1400" dirty="0" smtClean="0"/>
+              <a:t>Request </a:t>
+            </a:r>
+            <a:r>
+              <a:rPr lang="en-US" sz="1400" dirty="0" smtClean="0"/>
+              <a:t/>
+            </a:r>
+            <a:br>
+              <a:rPr lang="en-US" sz="1400" dirty="0" smtClean="0"/>
+            </a:br>
+            <a:r>
+              <a:rPr lang="en-US" sz="1400" dirty="0" smtClean="0"/>
+              <a:t>new activities</a:t>
+            </a:r>
+            <a:endParaRPr lang="en-US" sz="1400" dirty="0"/>
+          </a:p>
+        </p:txBody>
+      </p:sp>
+      <p:sp>
+        <p:nvSpPr>
+          <p:cNvPr id="92" name="TextBox 91"/>
+          <p:cNvSpPr txBox="1"/>
+          <p:nvPr/>
+        </p:nvSpPr>
+        <p:spPr>
+          <a:xfrm>
+            <a:off x="5438082" y="2475200"/>
+            <a:ext cx="2322564" cy="307777"/>
+          </a:xfrm>
+          <a:prstGeom prst="rect">
+            <a:avLst/>
+          </a:prstGeom>
+          <a:noFill/>
+        </p:spPr>
+        <p:txBody>
+          <a:bodyPr wrap="square" rtlCol="0">
+            <a:spAutoFit/>
+          </a:bodyPr>
+          <a:lstStyle/>
+          <a:p>
+            <a:pPr algn="ctr"/>
+            <a:r>
+              <a:rPr lang="en-US" sz="1400" dirty="0"/>
+              <a:t>6</a:t>
+            </a:r>
+            <a:r>
+              <a:rPr lang="en-US" sz="1400" dirty="0" smtClean="0"/>
+              <a:t>: </a:t>
+            </a:r>
+            <a:r>
+              <a:rPr lang="en-US" sz="1400" dirty="0" smtClean="0"/>
+              <a:t>Return </a:t>
+            </a:r>
+            <a:r>
+              <a:rPr lang="en-US" sz="1400" dirty="0" smtClean="0"/>
+              <a:t>results</a:t>
+            </a:r>
+            <a:endParaRPr lang="en-US" sz="1400" dirty="0" smtClean="0"/>
+          </a:p>
+        </p:txBody>
+      </p:sp>
+      <p:sp>
+        <p:nvSpPr>
+          <p:cNvPr id="94" name="TextBox 93"/>
+          <p:cNvSpPr txBox="1"/>
+          <p:nvPr/>
+        </p:nvSpPr>
+        <p:spPr>
+          <a:xfrm>
+            <a:off x="880359" y="2651485"/>
+            <a:ext cx="3018775" cy="738664"/>
+          </a:xfrm>
+          <a:prstGeom prst="rect">
+            <a:avLst/>
+          </a:prstGeom>
+          <a:noFill/>
+        </p:spPr>
+        <p:txBody>
+          <a:bodyPr wrap="none" rtlCol="0">
+            <a:spAutoFit/>
+          </a:bodyPr>
+          <a:lstStyle/>
+          <a:p>
+            <a:pPr algn="ctr"/>
+            <a:r>
+              <a:rPr lang="en-US" sz="1400" dirty="0"/>
+              <a:t>7</a:t>
+            </a:r>
+            <a:r>
+              <a:rPr lang="en-US" sz="1400" dirty="0" smtClean="0"/>
+              <a:t>: </a:t>
+            </a:r>
+            <a:r>
+              <a:rPr lang="en-US" sz="1400" dirty="0" smtClean="0"/>
+              <a:t>Return </a:t>
+            </a:r>
+            <a:r>
+              <a:rPr lang="en-US" sz="1400" dirty="0" smtClean="0"/>
+              <a:t>list of new activities</a:t>
+            </a:r>
+            <a:br>
+              <a:rPr lang="en-US" sz="1400" dirty="0" smtClean="0"/>
+            </a:br>
+            <a:r>
+              <a:rPr lang="en-US" sz="1400" dirty="0" smtClean="0"/>
+              <a:t>(activity type, username of the blogger </a:t>
+            </a:r>
+            <a:br>
+              <a:rPr lang="en-US" sz="1400" dirty="0" smtClean="0"/>
+            </a:br>
+            <a:r>
+              <a:rPr lang="en-US" sz="1400" dirty="0" smtClean="0"/>
+              <a:t>that create the activity) </a:t>
+            </a:r>
+            <a:endParaRPr lang="en-US" sz="1400" dirty="0" smtClean="0"/>
+          </a:p>
+        </p:txBody>
+      </p:sp>
+      <p:sp>
+        <p:nvSpPr>
+          <p:cNvPr id="96" name="TextBox 95"/>
+          <p:cNvSpPr txBox="1"/>
+          <p:nvPr/>
+        </p:nvSpPr>
+        <p:spPr>
+          <a:xfrm>
+            <a:off x="1227718" y="3425887"/>
+            <a:ext cx="2165770" cy="523220"/>
+          </a:xfrm>
+          <a:prstGeom prst="rect">
+            <a:avLst/>
+          </a:prstGeom>
+          <a:noFill/>
+        </p:spPr>
+        <p:txBody>
+          <a:bodyPr wrap="square" rtlCol="0">
+            <a:spAutoFit/>
+          </a:bodyPr>
+          <a:lstStyle/>
+          <a:p>
+            <a:pPr algn="ctr"/>
+            <a:r>
+              <a:rPr lang="en-US" sz="1400" dirty="0"/>
+              <a:t>8</a:t>
+            </a:r>
+            <a:r>
+              <a:rPr lang="en-US" sz="1400" dirty="0" smtClean="0"/>
+              <a:t>: </a:t>
+            </a:r>
+            <a:r>
+              <a:rPr lang="en-US" sz="1400" dirty="0"/>
+              <a:t>S</a:t>
+            </a:r>
+            <a:r>
+              <a:rPr lang="en-US" sz="1400" dirty="0" smtClean="0"/>
+              <a:t>elect </a:t>
+            </a:r>
+            <a:r>
+              <a:rPr lang="en-US" sz="1400" dirty="0" smtClean="0"/>
+              <a:t>a</a:t>
+            </a:r>
+            <a:r>
+              <a:rPr lang="en-US" sz="1400" dirty="0" smtClean="0"/>
+              <a:t>n activity</a:t>
+            </a:r>
+            <a:br>
+              <a:rPr lang="en-US" sz="1400" dirty="0" smtClean="0"/>
+            </a:br>
+            <a:r>
+              <a:rPr lang="en-US" sz="1400" dirty="0" smtClean="0"/>
+              <a:t>(follow)</a:t>
+            </a:r>
+            <a:endParaRPr lang="en-US" sz="1400" dirty="0"/>
+          </a:p>
+        </p:txBody>
+      </p:sp>
+      <p:cxnSp>
+        <p:nvCxnSpPr>
+          <p:cNvPr id="99" name="Straight Arrow Connector 98"/>
+          <p:cNvCxnSpPr/>
+          <p:nvPr/>
+        </p:nvCxnSpPr>
+        <p:spPr>
+          <a:xfrm>
+            <a:off x="5908090" y="4493661"/>
+            <a:ext cx="4014377" cy="0"/>
+          </a:xfrm>
+          <a:prstGeom prst="straightConnector1">
+            <a:avLst/>
+          </a:prstGeom>
+          <a:ln>
+            <a:solidFill>
+              <a:schemeClr val="tx1"/>
+            </a:solidFill>
+            <a:tailEnd type="arrow"/>
+          </a:ln>
+          <a:effectLst/>
+        </p:spPr>
+        <p:style>
+          <a:lnRef idx="2">
+            <a:schemeClr val="accent1"/>
+          </a:lnRef>
+          <a:fillRef idx="0">
+            <a:schemeClr val="accent1"/>
+          </a:fillRef>
+          <a:effectRef idx="1">
+            <a:schemeClr val="accent1"/>
+          </a:effectRef>
+          <a:fontRef idx="minor">
+            <a:schemeClr val="tx1"/>
+          </a:fontRef>
+        </p:style>
+      </p:cxnSp>
+      <p:sp>
+        <p:nvSpPr>
+          <p:cNvPr id="101" name="Rectangle 100"/>
+          <p:cNvSpPr/>
+          <p:nvPr/>
+        </p:nvSpPr>
+        <p:spPr>
+          <a:xfrm>
+            <a:off x="7387111" y="3818080"/>
+            <a:ext cx="144654" cy="290185"/>
+          </a:xfrm>
+          <a:prstGeom prst="rect">
+            <a:avLst/>
+          </a:prstGeom>
+          <a:solidFill>
+            <a:schemeClr val="tx1"/>
+          </a:solidFill>
+          <a:ln>
+            <a:noFill/>
+          </a:ln>
+          <a:effectLst/>
+        </p:spPr>
+        <p:style>
+          <a:lnRef idx="1">
+            <a:schemeClr val="accent1"/>
+          </a:lnRef>
+          <a:fillRef idx="3">
+            <a:schemeClr val="accent1"/>
+          </a:fillRef>
+          <a:effectRef idx="2">
+            <a:schemeClr val="accent1"/>
+          </a:effectRef>
+          <a:fontRef idx="minor">
+            <a:schemeClr val="lt1"/>
+          </a:fontRef>
+        </p:style>
+        <p:txBody>
+          <a:bodyPr rtlCol="0" anchor="ctr"/>
+          <a:lstStyle/>
+          <a:p>
+            <a:pPr algn="ctr"/>
+            <a:endParaRPr lang="en-US" sz="1600"/>
+          </a:p>
+        </p:txBody>
+      </p:sp>
+      <p:cxnSp>
+        <p:nvCxnSpPr>
+          <p:cNvPr id="102" name="Straight Arrow Connector 101"/>
+          <p:cNvCxnSpPr>
+            <a:endCxn id="101" idx="1"/>
+          </p:cNvCxnSpPr>
+          <p:nvPr/>
+        </p:nvCxnSpPr>
+        <p:spPr>
+          <a:xfrm>
+            <a:off x="4009829" y="3952117"/>
+            <a:ext cx="3377282" cy="11056"/>
+          </a:xfrm>
+          <a:prstGeom prst="straightConnector1">
+            <a:avLst/>
+          </a:prstGeom>
+          <a:ln>
+            <a:solidFill>
+              <a:schemeClr val="tx1"/>
+            </a:solidFill>
+            <a:tailEnd type="arrow"/>
+          </a:ln>
+          <a:effectLst/>
+        </p:spPr>
+        <p:style>
+          <a:lnRef idx="2">
+            <a:schemeClr val="accent1"/>
+          </a:lnRef>
+          <a:fillRef idx="0">
+            <a:schemeClr val="accent1"/>
+          </a:fillRef>
+          <a:effectRef idx="1">
+            <a:schemeClr val="accent1"/>
+          </a:effectRef>
+          <a:fontRef idx="minor">
+            <a:schemeClr val="tx1"/>
+          </a:fontRef>
+        </p:style>
+      </p:cxnSp>
+      <p:sp>
+        <p:nvSpPr>
+          <p:cNvPr id="103" name="TextBox 102"/>
+          <p:cNvSpPr txBox="1"/>
+          <p:nvPr/>
+        </p:nvSpPr>
+        <p:spPr>
+          <a:xfrm>
+            <a:off x="4632040" y="3663014"/>
+            <a:ext cx="2165770" cy="307777"/>
+          </a:xfrm>
+          <a:prstGeom prst="rect">
+            <a:avLst/>
+          </a:prstGeom>
+          <a:noFill/>
+        </p:spPr>
+        <p:txBody>
+          <a:bodyPr wrap="square" rtlCol="0">
+            <a:spAutoFit/>
+          </a:bodyPr>
+          <a:lstStyle/>
+          <a:p>
+            <a:pPr algn="ctr"/>
+            <a:r>
+              <a:rPr lang="en-US" sz="1400" dirty="0"/>
+              <a:t>9</a:t>
+            </a:r>
+            <a:r>
+              <a:rPr lang="en-US" sz="1400" dirty="0" smtClean="0"/>
+              <a:t>: Update status</a:t>
+            </a:r>
+            <a:endParaRPr lang="en-US" sz="1400" dirty="0"/>
+          </a:p>
+        </p:txBody>
+      </p:sp>
+      <p:sp>
+        <p:nvSpPr>
+          <p:cNvPr id="104" name="TextBox 103"/>
+          <p:cNvSpPr txBox="1"/>
+          <p:nvPr/>
+        </p:nvSpPr>
+        <p:spPr>
+          <a:xfrm>
+            <a:off x="3770652" y="4052158"/>
+            <a:ext cx="2165770" cy="523220"/>
+          </a:xfrm>
+          <a:prstGeom prst="rect">
+            <a:avLst/>
+          </a:prstGeom>
+          <a:noFill/>
+        </p:spPr>
+        <p:txBody>
+          <a:bodyPr wrap="square" rtlCol="0">
+            <a:spAutoFit/>
+          </a:bodyPr>
+          <a:lstStyle/>
+          <a:p>
+            <a:pPr algn="ctr"/>
+            <a:r>
+              <a:rPr lang="en-US" sz="1400" dirty="0" smtClean="0"/>
+              <a:t>10</a:t>
+            </a:r>
+            <a:r>
+              <a:rPr lang="en-US" sz="1400" dirty="0" smtClean="0"/>
+              <a:t>: Request </a:t>
+            </a:r>
+            <a:br>
+              <a:rPr lang="en-US" sz="1400" dirty="0" smtClean="0"/>
+            </a:br>
+            <a:r>
+              <a:rPr lang="en-US" sz="1400" dirty="0" smtClean="0"/>
+              <a:t>user’s profile </a:t>
+            </a:r>
+            <a:endParaRPr lang="en-US" sz="1400" dirty="0"/>
+          </a:p>
+        </p:txBody>
+      </p:sp>
+      <p:sp>
+        <p:nvSpPr>
+          <p:cNvPr id="105" name="TextBox 104"/>
+          <p:cNvSpPr txBox="1"/>
+          <p:nvPr/>
+        </p:nvSpPr>
+        <p:spPr>
+          <a:xfrm>
+            <a:off x="6143228" y="4213981"/>
+            <a:ext cx="3549944" cy="307777"/>
+          </a:xfrm>
+          <a:prstGeom prst="rect">
+            <a:avLst/>
+          </a:prstGeom>
+          <a:noFill/>
+        </p:spPr>
+        <p:txBody>
+          <a:bodyPr wrap="square" rtlCol="0">
+            <a:spAutoFit/>
+          </a:bodyPr>
+          <a:lstStyle/>
+          <a:p>
+            <a:pPr algn="ctr"/>
+            <a:r>
+              <a:rPr lang="en-US" sz="1400" dirty="0" smtClean="0"/>
+              <a:t>11</a:t>
+            </a:r>
+            <a:r>
+              <a:rPr lang="en-US" sz="1400" dirty="0" smtClean="0"/>
+              <a:t>: Request user’s information </a:t>
+            </a:r>
+            <a:endParaRPr lang="en-US" sz="1400" dirty="0"/>
+          </a:p>
+        </p:txBody>
+      </p:sp>
+      <p:sp>
+        <p:nvSpPr>
+          <p:cNvPr id="64" name="TextBox 63"/>
+          <p:cNvSpPr txBox="1"/>
+          <p:nvPr/>
+        </p:nvSpPr>
+        <p:spPr>
+          <a:xfrm>
+            <a:off x="6216901" y="4896416"/>
+            <a:ext cx="3780274" cy="1169551"/>
+          </a:xfrm>
+          <a:prstGeom prst="rect">
+            <a:avLst/>
+          </a:prstGeom>
+          <a:noFill/>
+        </p:spPr>
+        <p:txBody>
+          <a:bodyPr wrap="square" rtlCol="0">
+            <a:spAutoFit/>
+          </a:bodyPr>
+          <a:lstStyle/>
+          <a:p>
+            <a:pPr algn="ctr"/>
+            <a:r>
+              <a:rPr lang="en-US" sz="1400" dirty="0" smtClean="0"/>
+              <a:t>13</a:t>
+            </a:r>
+            <a:r>
+              <a:rPr lang="en-US" sz="1400" dirty="0" smtClean="0"/>
+              <a:t>: </a:t>
+            </a:r>
+            <a:r>
+              <a:rPr lang="en-US" sz="1400" dirty="0" smtClean="0"/>
+              <a:t>Return result</a:t>
+            </a:r>
+          </a:p>
+          <a:p>
+            <a:pPr algn="ctr"/>
+            <a:r>
+              <a:rPr lang="en-US" sz="1400" dirty="0"/>
+              <a:t>(profile picture, username, </a:t>
+            </a:r>
+            <a:endParaRPr lang="en-US" sz="1400" dirty="0" smtClean="0"/>
+          </a:p>
+          <a:p>
+            <a:pPr algn="ctr"/>
+            <a:r>
+              <a:rPr lang="en-US" sz="1400" dirty="0" smtClean="0"/>
+              <a:t>follower </a:t>
+            </a:r>
+            <a:r>
+              <a:rPr lang="en-US" sz="1400" dirty="0"/>
+              <a:t>number, </a:t>
+            </a:r>
+            <a:r>
+              <a:rPr lang="en-US" sz="1400" dirty="0" smtClean="0"/>
+              <a:t>following </a:t>
+            </a:r>
+            <a:r>
+              <a:rPr lang="en-US" sz="1400" dirty="0"/>
+              <a:t>number, </a:t>
+            </a:r>
+            <a:r>
+              <a:rPr lang="en-US" sz="1400" dirty="0" smtClean="0"/>
+              <a:t>email</a:t>
+            </a:r>
+            <a:r>
+              <a:rPr lang="en-US" sz="1400" dirty="0"/>
+              <a:t>, list of created tutorials)</a:t>
+            </a:r>
+          </a:p>
+          <a:p>
+            <a:pPr algn="ctr"/>
+            <a:endParaRPr lang="en-US" sz="1400" dirty="0"/>
+          </a:p>
+        </p:txBody>
+      </p:sp>
+      <p:sp>
+        <p:nvSpPr>
+          <p:cNvPr id="66" name="TextBox 65"/>
+          <p:cNvSpPr txBox="1"/>
+          <p:nvPr/>
+        </p:nvSpPr>
+        <p:spPr>
+          <a:xfrm>
+            <a:off x="1274783" y="5127360"/>
+            <a:ext cx="3780274" cy="1169551"/>
+          </a:xfrm>
+          <a:prstGeom prst="rect">
+            <a:avLst/>
+          </a:prstGeom>
+          <a:noFill/>
+        </p:spPr>
+        <p:txBody>
+          <a:bodyPr wrap="square" rtlCol="0">
+            <a:spAutoFit/>
+          </a:bodyPr>
+          <a:lstStyle/>
+          <a:p>
+            <a:pPr algn="ctr"/>
+            <a:r>
+              <a:rPr lang="en-US" sz="1400" dirty="0" smtClean="0"/>
+              <a:t>14</a:t>
+            </a:r>
+            <a:r>
+              <a:rPr lang="en-US" sz="1400" dirty="0" smtClean="0"/>
+              <a:t>: Display user’s profile</a:t>
+            </a:r>
+            <a:endParaRPr lang="en-US" sz="1400" dirty="0" smtClean="0"/>
+          </a:p>
+          <a:p>
+            <a:pPr algn="ctr"/>
+            <a:r>
+              <a:rPr lang="en-US" sz="1400" dirty="0"/>
+              <a:t>(profile picture, username, </a:t>
+            </a:r>
+            <a:endParaRPr lang="en-US" sz="1400" dirty="0" smtClean="0"/>
+          </a:p>
+          <a:p>
+            <a:pPr algn="ctr"/>
+            <a:r>
+              <a:rPr lang="en-US" sz="1400" dirty="0" smtClean="0"/>
+              <a:t>follower </a:t>
+            </a:r>
+            <a:r>
+              <a:rPr lang="en-US" sz="1400" dirty="0"/>
+              <a:t>number, </a:t>
+            </a:r>
+            <a:r>
+              <a:rPr lang="en-US" sz="1400" dirty="0" smtClean="0"/>
+              <a:t>following </a:t>
+            </a:r>
+            <a:r>
+              <a:rPr lang="en-US" sz="1400" dirty="0"/>
+              <a:t>number, </a:t>
+            </a:r>
+            <a:r>
+              <a:rPr lang="en-US" sz="1400" dirty="0" smtClean="0"/>
+              <a:t>email</a:t>
+            </a:r>
+            <a:r>
+              <a:rPr lang="en-US" sz="1400" dirty="0"/>
+              <a:t>, list of created tutorials)</a:t>
+            </a:r>
+          </a:p>
+          <a:p>
+            <a:pPr algn="ctr"/>
+            <a:endParaRPr lang="en-US" sz="1400" dirty="0"/>
+          </a:p>
+        </p:txBody>
+      </p:sp>
+    </p:spTree>
+    <p:extLst>
+      <p:ext uri="{BB962C8B-B14F-4D97-AF65-F5344CB8AC3E}">
+        <p14:creationId xmlns:p14="http://schemas.microsoft.com/office/powerpoint/2010/main" val="4065854904"/>
+      </p:ext>
+    </p:extLst>
+  </p:cSld>
+  <p:clrMapOvr>
+    <a:masterClrMapping/>
+  </p:clrMapOvr>
+  <p:timing>
+    <p:tnLst>
+      <p:par>
+        <p:cTn xmlns:p14="http://schemas.microsoft.com/office/powerpoint/2010/main" id="1" dur="indefinite" restart="never" nodeType="tmRoot"/>
+      </p:par>
+    </p:tnLst>
+  </p:timing>
 </p:sld>
 </file>
 

--- a/Design/SQ web.pptx
+++ b/Design/SQ web.pptx
@@ -323,7 +323,7 @@
             <a:fld id="{E97F63ED-244D-4346-A15C-DC13E53AAAF7}" type="datetimeFigureOut">
               <a:rPr lang="en-US" smtClean="0"/>
               <a:pPr/>
-              <a:t>12/2/14 </a:t>
+              <a:t>12/22/14 </a:t>
             </a:fld>
             <a:endParaRPr lang="en-US"/>
           </a:p>
@@ -495,7 +495,7 @@
             <a:fld id="{E97F63ED-244D-4346-A15C-DC13E53AAAF7}" type="datetimeFigureOut">
               <a:rPr lang="en-US" smtClean="0"/>
               <a:pPr/>
-              <a:t>12/2/14 </a:t>
+              <a:t>12/22/14 </a:t>
             </a:fld>
             <a:endParaRPr lang="en-US"/>
           </a:p>
@@ -677,7 +677,7 @@
             <a:fld id="{E97F63ED-244D-4346-A15C-DC13E53AAAF7}" type="datetimeFigureOut">
               <a:rPr lang="en-US" smtClean="0"/>
               <a:pPr/>
-              <a:t>12/2/14 </a:t>
+              <a:t>12/22/14 </a:t>
             </a:fld>
             <a:endParaRPr lang="en-US"/>
           </a:p>
@@ -849,7 +849,7 @@
             <a:fld id="{E97F63ED-244D-4346-A15C-DC13E53AAAF7}" type="datetimeFigureOut">
               <a:rPr lang="en-US" smtClean="0"/>
               <a:pPr/>
-              <a:t>12/2/14 </a:t>
+              <a:t>12/22/14 </a:t>
             </a:fld>
             <a:endParaRPr lang="en-US"/>
           </a:p>
@@ -1097,7 +1097,7 @@
             <a:fld id="{E97F63ED-244D-4346-A15C-DC13E53AAAF7}" type="datetimeFigureOut">
               <a:rPr lang="en-US" smtClean="0"/>
               <a:pPr/>
-              <a:t>12/2/14 </a:t>
+              <a:t>12/22/14 </a:t>
             </a:fld>
             <a:endParaRPr lang="en-US"/>
           </a:p>
@@ -1387,7 +1387,7 @@
             <a:fld id="{E97F63ED-244D-4346-A15C-DC13E53AAAF7}" type="datetimeFigureOut">
               <a:rPr lang="en-US" smtClean="0"/>
               <a:pPr/>
-              <a:t>12/2/14 </a:t>
+              <a:t>12/22/14 </a:t>
             </a:fld>
             <a:endParaRPr lang="en-US"/>
           </a:p>
@@ -1811,7 +1811,7 @@
             <a:fld id="{E97F63ED-244D-4346-A15C-DC13E53AAAF7}" type="datetimeFigureOut">
               <a:rPr lang="en-US" smtClean="0"/>
               <a:pPr/>
-              <a:t>12/2/14 </a:t>
+              <a:t>12/22/14 </a:t>
             </a:fld>
             <a:endParaRPr lang="en-US"/>
           </a:p>
@@ -1931,7 +1931,7 @@
             <a:fld id="{E97F63ED-244D-4346-A15C-DC13E53AAAF7}" type="datetimeFigureOut">
               <a:rPr lang="en-US" smtClean="0"/>
               <a:pPr/>
-              <a:t>12/2/14 </a:t>
+              <a:t>12/22/14 </a:t>
             </a:fld>
             <a:endParaRPr lang="en-US"/>
           </a:p>
@@ -2028,7 +2028,7 @@
             <a:fld id="{E97F63ED-244D-4346-A15C-DC13E53AAAF7}" type="datetimeFigureOut">
               <a:rPr lang="en-US" smtClean="0"/>
               <a:pPr/>
-              <a:t>12/2/14 </a:t>
+              <a:t>12/22/14 </a:t>
             </a:fld>
             <a:endParaRPr lang="en-US"/>
           </a:p>
@@ -2307,7 +2307,7 @@
             <a:fld id="{E97F63ED-244D-4346-A15C-DC13E53AAAF7}" type="datetimeFigureOut">
               <a:rPr lang="en-US" smtClean="0"/>
               <a:pPr/>
-              <a:t>12/2/14 </a:t>
+              <a:t>12/22/14 </a:t>
             </a:fld>
             <a:endParaRPr lang="en-US"/>
           </a:p>
@@ -2562,7 +2562,7 @@
             <a:fld id="{E97F63ED-244D-4346-A15C-DC13E53AAAF7}" type="datetimeFigureOut">
               <a:rPr lang="en-US" smtClean="0"/>
               <a:pPr/>
-              <a:t>12/2/14 </a:t>
+              <a:t>12/22/14 </a:t>
             </a:fld>
             <a:endParaRPr lang="en-US"/>
           </a:p>
@@ -2777,7 +2777,7 @@
             <a:fld id="{E97F63ED-244D-4346-A15C-DC13E53AAAF7}" type="datetimeFigureOut">
               <a:rPr lang="en-US" smtClean="0"/>
               <a:pPr/>
-              <a:t>12/2/14 </a:t>
+              <a:t>12/22/14 </a:t>
             </a:fld>
             <a:endParaRPr lang="en-US"/>
           </a:p>
@@ -3161,7 +3161,7 @@
         </p:nvSpPr>
         <p:spPr>
           <a:xfrm>
-            <a:off x="875355" y="1270613"/>
+            <a:off x="875355" y="1076562"/>
             <a:ext cx="1285594" cy="511156"/>
           </a:xfrm>
           <a:prstGeom prst="rect">
@@ -3215,8 +3215,8 @@
         </p:nvCxnSpPr>
         <p:spPr>
           <a:xfrm>
-            <a:off x="1518152" y="1781769"/>
-            <a:ext cx="0" cy="4522479"/>
+            <a:off x="1518152" y="1587718"/>
+            <a:ext cx="0" cy="4833663"/>
           </a:xfrm>
           <a:prstGeom prst="line">
             <a:avLst/>
@@ -3251,7 +3251,7 @@
         </p:nvSpPr>
         <p:spPr>
           <a:xfrm>
-            <a:off x="4949660" y="1270613"/>
+            <a:off x="4949660" y="1076562"/>
             <a:ext cx="1985094" cy="511156"/>
           </a:xfrm>
           <a:prstGeom prst="rect">
@@ -3303,7 +3303,7 @@
         </p:nvSpPr>
         <p:spPr>
           <a:xfrm>
-            <a:off x="7608716" y="1272959"/>
+            <a:off x="7608716" y="1078908"/>
             <a:ext cx="1615847" cy="511156"/>
           </a:xfrm>
           <a:prstGeom prst="rect">
@@ -3357,8 +3357,8 @@
         </p:nvCxnSpPr>
         <p:spPr>
           <a:xfrm>
-            <a:off x="5942207" y="1781769"/>
-            <a:ext cx="0" cy="4522479"/>
+            <a:off x="5942207" y="1587718"/>
+            <a:ext cx="0" cy="4833663"/>
           </a:xfrm>
           <a:prstGeom prst="line">
             <a:avLst/>
@@ -3395,8 +3395,8 @@
         </p:nvCxnSpPr>
         <p:spPr>
           <a:xfrm>
-            <a:off x="8416640" y="1784115"/>
-            <a:ext cx="0" cy="4520133"/>
+            <a:off x="8416640" y="1590064"/>
+            <a:ext cx="0" cy="4831317"/>
           </a:xfrm>
           <a:prstGeom prst="line">
             <a:avLst/>
@@ -3431,7 +3431,7 @@
         </p:nvSpPr>
         <p:spPr>
           <a:xfrm>
-            <a:off x="2469148" y="1270613"/>
+            <a:off x="2469148" y="1076562"/>
             <a:ext cx="2252145" cy="511156"/>
           </a:xfrm>
           <a:prstGeom prst="rect">
@@ -3485,8 +3485,8 @@
         </p:nvCxnSpPr>
         <p:spPr>
           <a:xfrm>
-            <a:off x="3595221" y="1781769"/>
-            <a:ext cx="0" cy="4522479"/>
+            <a:off x="3595221" y="1587718"/>
+            <a:ext cx="0" cy="4833663"/>
           </a:xfrm>
           <a:prstGeom prst="line">
             <a:avLst/>
@@ -3521,8 +3521,8 @@
         </p:nvSpPr>
         <p:spPr>
           <a:xfrm>
-            <a:off x="1448451" y="2074823"/>
-            <a:ext cx="122846" cy="3857676"/>
+            <a:off x="1448451" y="1880772"/>
+            <a:ext cx="122846" cy="4311274"/>
           </a:xfrm>
           <a:prstGeom prst="rect">
             <a:avLst/>
@@ -3566,7 +3566,7 @@
         </p:nvSpPr>
         <p:spPr>
           <a:xfrm>
-            <a:off x="3513806" y="2090313"/>
+            <a:off x="3513806" y="1896262"/>
             <a:ext cx="139402" cy="557624"/>
           </a:xfrm>
           <a:prstGeom prst="rect">
@@ -3611,8 +3611,8 @@
         </p:nvSpPr>
         <p:spPr>
           <a:xfrm>
-            <a:off x="5872506" y="2480882"/>
-            <a:ext cx="139402" cy="3451617"/>
+            <a:off x="5872506" y="2286831"/>
+            <a:ext cx="139401" cy="3905215"/>
           </a:xfrm>
           <a:prstGeom prst="rect">
             <a:avLst/>
@@ -3656,8 +3656,8 @@
         </p:nvSpPr>
         <p:spPr>
           <a:xfrm>
-            <a:off x="8343287" y="3735709"/>
-            <a:ext cx="139402" cy="959931"/>
+            <a:off x="8343287" y="3382888"/>
+            <a:ext cx="139402" cy="2549825"/>
           </a:xfrm>
           <a:prstGeom prst="rect">
             <a:avLst/>
@@ -3701,7 +3701,7 @@
         </p:nvCxnSpPr>
         <p:spPr>
           <a:xfrm>
-            <a:off x="1518152" y="2167759"/>
+            <a:off x="1518152" y="1973708"/>
             <a:ext cx="1995654" cy="0"/>
           </a:xfrm>
           <a:prstGeom prst="straightConnector1">
@@ -3738,7 +3738,7 @@
         </p:nvCxnSpPr>
         <p:spPr>
           <a:xfrm>
-            <a:off x="3653208" y="2587147"/>
+            <a:off x="3653208" y="2393096"/>
             <a:ext cx="2219298" cy="0"/>
           </a:xfrm>
           <a:prstGeom prst="straightConnector1">
@@ -3775,7 +3775,7 @@
         </p:nvCxnSpPr>
         <p:spPr>
           <a:xfrm>
-            <a:off x="1448451" y="3592854"/>
+            <a:off x="1448451" y="3204752"/>
             <a:ext cx="4424055" cy="0"/>
           </a:xfrm>
           <a:prstGeom prst="straightConnector1">
@@ -3812,7 +3812,7 @@
         </p:nvCxnSpPr>
         <p:spPr>
           <a:xfrm flipH="1">
-            <a:off x="8454201" y="4421650"/>
+            <a:off x="8454201" y="4515879"/>
             <a:ext cx="741959" cy="0"/>
           </a:xfrm>
           <a:prstGeom prst="straightConnector1">
@@ -3848,9 +3848,9 @@
           <p:nvPr/>
         </p:nvCxnSpPr>
         <p:spPr>
-          <a:xfrm flipV="1">
-            <a:off x="9196160" y="3954646"/>
-            <a:ext cx="0" cy="467004"/>
+          <a:xfrm flipH="1" flipV="1">
+            <a:off x="9196160" y="4190766"/>
+            <a:ext cx="1" cy="325114"/>
           </a:xfrm>
           <a:prstGeom prst="line">
             <a:avLst/>
@@ -3885,7 +3885,7 @@
         </p:nvCxnSpPr>
         <p:spPr>
           <a:xfrm flipH="1">
-            <a:off x="8454201" y="3973050"/>
+            <a:off x="8454201" y="4190766"/>
             <a:ext cx="741959" cy="0"/>
           </a:xfrm>
           <a:prstGeom prst="line">
@@ -3921,8 +3921,8 @@
         </p:nvSpPr>
         <p:spPr>
           <a:xfrm>
-            <a:off x="8549095" y="3635045"/>
-            <a:ext cx="1641595" cy="338554"/>
+            <a:off x="8567481" y="3874418"/>
+            <a:ext cx="1604826" cy="338554"/>
           </a:xfrm>
           <a:prstGeom prst="rect">
             <a:avLst/>
@@ -3938,7 +3938,7 @@
             <a:pPr algn="ctr"/>
             <a:r>
               <a:rPr lang="en-US" sz="1600" dirty="0" smtClean="0"/>
-              <a:t>6: Validate inputs</a:t>
+              <a:t>6: if (input=valid)</a:t>
             </a:r>
             <a:endParaRPr lang="en-US" sz="1600" dirty="0"/>
           </a:p>
@@ -3966,7 +3966,7 @@
         </p:blipFill>
         <p:spPr>
           <a:xfrm>
-            <a:off x="918526" y="237437"/>
+            <a:off x="918526" y="43386"/>
             <a:ext cx="1199252" cy="1199252"/>
           </a:xfrm>
           <a:prstGeom prst="rect">
@@ -3982,7 +3982,7 @@
         </p:nvCxnSpPr>
         <p:spPr>
           <a:xfrm flipH="1">
-            <a:off x="1571297" y="2989683"/>
+            <a:off x="1571297" y="2795632"/>
             <a:ext cx="4301209" cy="0"/>
           </a:xfrm>
           <a:prstGeom prst="straightConnector1">
@@ -4020,7 +4020,7 @@
         </p:nvSpPr>
         <p:spPr>
           <a:xfrm>
-            <a:off x="3300504" y="2647937"/>
+            <a:off x="3300504" y="2453886"/>
             <a:ext cx="2424762" cy="338554"/>
           </a:xfrm>
           <a:prstGeom prst="rect">
@@ -4054,7 +4054,7 @@
         </p:nvCxnSpPr>
         <p:spPr>
           <a:xfrm>
-            <a:off x="6011908" y="3837275"/>
+            <a:off x="6011908" y="3449173"/>
             <a:ext cx="2331379" cy="0"/>
           </a:xfrm>
           <a:prstGeom prst="straightConnector1">
@@ -4091,7 +4091,7 @@
         </p:nvCxnSpPr>
         <p:spPr>
           <a:xfrm flipH="1" flipV="1">
-            <a:off x="6011908" y="4646511"/>
+            <a:off x="6011908" y="4846586"/>
             <a:ext cx="2331380" cy="2"/>
           </a:xfrm>
           <a:prstGeom prst="straightConnector1">
@@ -4129,7 +4129,7 @@
         </p:nvSpPr>
         <p:spPr>
           <a:xfrm>
-            <a:off x="6468702" y="4307957"/>
+            <a:off x="6468702" y="4508032"/>
             <a:ext cx="1483199" cy="338554"/>
           </a:xfrm>
           <a:prstGeom prst="rect">
@@ -4159,7 +4159,7 @@
         </p:nvSpPr>
         <p:spPr>
           <a:xfrm>
-            <a:off x="3643820" y="3270725"/>
+            <a:off x="3643820" y="2882623"/>
             <a:ext cx="2030223" cy="830997"/>
           </a:xfrm>
           <a:prstGeom prst="rect">
@@ -4208,7 +4208,7 @@
         </p:nvSpPr>
         <p:spPr>
           <a:xfrm>
-            <a:off x="6021922" y="3499897"/>
+            <a:off x="6021922" y="3111795"/>
             <a:ext cx="2030223" cy="830997"/>
           </a:xfrm>
           <a:prstGeom prst="rect">
@@ -4253,7 +4253,7 @@
         </p:nvSpPr>
         <p:spPr>
           <a:xfrm>
-            <a:off x="1623398" y="1844650"/>
+            <a:off x="1623398" y="1650599"/>
             <a:ext cx="1753104" cy="584776"/>
           </a:xfrm>
           <a:prstGeom prst="rect">
@@ -4295,7 +4295,7 @@
         </p:nvSpPr>
         <p:spPr>
           <a:xfrm>
-            <a:off x="3820545" y="2273937"/>
+            <a:off x="3820545" y="2079886"/>
             <a:ext cx="1801495" cy="338554"/>
           </a:xfrm>
           <a:prstGeom prst="rect">
@@ -4329,7 +4329,7 @@
         </p:nvCxnSpPr>
         <p:spPr>
           <a:xfrm flipH="1">
-            <a:off x="1587855" y="5023207"/>
+            <a:off x="1587855" y="5223282"/>
             <a:ext cx="4284651" cy="0"/>
           </a:xfrm>
           <a:prstGeom prst="straightConnector1">
@@ -4367,7 +4367,7 @@
         </p:nvSpPr>
         <p:spPr>
           <a:xfrm>
-            <a:off x="2613376" y="4457632"/>
+            <a:off x="2613376" y="4657707"/>
             <a:ext cx="2442195" cy="584776"/>
           </a:xfrm>
           <a:prstGeom prst="rect">
@@ -4403,7 +4403,7 @@
         </p:nvCxnSpPr>
         <p:spPr>
           <a:xfrm flipH="1">
-            <a:off x="1571297" y="5755961"/>
+            <a:off x="1571297" y="6144063"/>
             <a:ext cx="4284651" cy="0"/>
           </a:xfrm>
           <a:prstGeom prst="straightConnector1">
@@ -4441,7 +4441,7 @@
         </p:nvSpPr>
         <p:spPr>
           <a:xfrm>
-            <a:off x="2614095" y="5175532"/>
+            <a:off x="2614095" y="5563634"/>
             <a:ext cx="2025414" cy="584776"/>
           </a:xfrm>
           <a:prstGeom prst="rect">
@@ -4456,20 +4456,352 @@
           <a:lstStyle/>
           <a:p>
             <a:r>
+              <a:rPr lang="en-US" sz="1600" dirty="0" smtClean="0"/>
+              <a:t>11: Result = Fail</a:t>
+            </a:r>
+          </a:p>
+          <a:p>
+            <a:r>
+              <a:rPr lang="en-US" sz="1600" dirty="0" smtClean="0"/>
+              <a:t>Display error message</a:t>
+            </a:r>
+            <a:endParaRPr lang="en-US" sz="1600" dirty="0"/>
+          </a:p>
+        </p:txBody>
+      </p:sp>
+      <p:cxnSp>
+        <p:nvCxnSpPr>
+          <p:cNvPr id="52" name="Straight Arrow Connector 51"/>
+          <p:cNvCxnSpPr/>
+          <p:nvPr/>
+        </p:nvCxnSpPr>
+        <p:spPr>
+          <a:xfrm flipH="1">
+            <a:off x="8451918" y="5540369"/>
+            <a:ext cx="741959" cy="0"/>
+          </a:xfrm>
+          <a:prstGeom prst="straightConnector1">
+            <a:avLst/>
+          </a:prstGeom>
+          <a:ln>
+            <a:solidFill>
+              <a:schemeClr val="tx1"/>
+            </a:solidFill>
+            <a:tailEnd type="arrow"/>
+          </a:ln>
+          <a:effectLst/>
+        </p:spPr>
+        <p:style>
+          <a:lnRef idx="2">
+            <a:schemeClr val="accent1"/>
+          </a:lnRef>
+          <a:fillRef idx="0">
+            <a:schemeClr val="accent1"/>
+          </a:fillRef>
+          <a:effectRef idx="1">
+            <a:schemeClr val="accent1"/>
+          </a:effectRef>
+          <a:fontRef idx="minor">
+            <a:schemeClr val="tx1"/>
+          </a:fontRef>
+        </p:style>
+      </p:cxnSp>
+      <p:cxnSp>
+        <p:nvCxnSpPr>
+          <p:cNvPr id="53" name="Straight Connector 52"/>
+          <p:cNvCxnSpPr/>
+          <p:nvPr/>
+        </p:nvCxnSpPr>
+        <p:spPr>
+          <a:xfrm flipV="1">
+            <a:off x="9193877" y="5218770"/>
+            <a:ext cx="0" cy="321599"/>
+          </a:xfrm>
+          <a:prstGeom prst="line">
+            <a:avLst/>
+          </a:prstGeom>
+          <a:ln>
+            <a:solidFill>
+              <a:schemeClr val="tx1"/>
+            </a:solidFill>
+          </a:ln>
+          <a:effectLst/>
+        </p:spPr>
+        <p:style>
+          <a:lnRef idx="2">
+            <a:schemeClr val="accent1"/>
+          </a:lnRef>
+          <a:fillRef idx="0">
+            <a:schemeClr val="accent1"/>
+          </a:fillRef>
+          <a:effectRef idx="1">
+            <a:schemeClr val="accent1"/>
+          </a:effectRef>
+          <a:fontRef idx="minor">
+            <a:schemeClr val="tx1"/>
+          </a:fontRef>
+        </p:style>
+      </p:cxnSp>
+      <p:cxnSp>
+        <p:nvCxnSpPr>
+          <p:cNvPr id="54" name="Straight Connector 53"/>
+          <p:cNvCxnSpPr/>
+          <p:nvPr/>
+        </p:nvCxnSpPr>
+        <p:spPr>
+          <a:xfrm flipH="1">
+            <a:off x="8451918" y="5218770"/>
+            <a:ext cx="741959" cy="0"/>
+          </a:xfrm>
+          <a:prstGeom prst="line">
+            <a:avLst/>
+          </a:prstGeom>
+          <a:ln>
+            <a:solidFill>
+              <a:schemeClr val="tx1"/>
+            </a:solidFill>
+          </a:ln>
+          <a:effectLst/>
+        </p:spPr>
+        <p:style>
+          <a:lnRef idx="2">
+            <a:schemeClr val="accent1"/>
+          </a:lnRef>
+          <a:fillRef idx="0">
+            <a:schemeClr val="accent1"/>
+          </a:fillRef>
+          <a:effectRef idx="1">
+            <a:schemeClr val="accent1"/>
+          </a:effectRef>
+          <a:fontRef idx="minor">
+            <a:schemeClr val="tx1"/>
+          </a:fontRef>
+        </p:style>
+      </p:cxnSp>
+      <p:sp>
+        <p:nvSpPr>
+          <p:cNvPr id="55" name="TextBox 54"/>
+          <p:cNvSpPr txBox="1"/>
+          <p:nvPr/>
+        </p:nvSpPr>
+        <p:spPr>
+          <a:xfrm>
+            <a:off x="8567481" y="4917051"/>
+            <a:ext cx="845905" cy="338554"/>
+          </a:xfrm>
+          <a:prstGeom prst="rect">
+            <a:avLst/>
+          </a:prstGeom>
+          <a:noFill/>
+        </p:spPr>
+        <p:txBody>
+          <a:bodyPr wrap="none" rtlCol="0">
+            <a:spAutoFit/>
+          </a:bodyPr>
+          <a:lstStyle/>
+          <a:p>
+            <a:pPr algn="ctr"/>
+            <a:r>
               <a:rPr lang="en-US" sz="1600" dirty="0"/>
               <a:t>9</a:t>
             </a:r>
             <a:r>
               <a:rPr lang="en-US" sz="1600" dirty="0" smtClean="0"/>
-              <a:t>: Result = Fail</a:t>
-            </a:r>
-          </a:p>
+              <a:t>: else()</a:t>
+            </a:r>
+            <a:endParaRPr lang="en-US" sz="1600" dirty="0"/>
+          </a:p>
+        </p:txBody>
+      </p:sp>
+      <p:cxnSp>
+        <p:nvCxnSpPr>
+          <p:cNvPr id="56" name="Straight Arrow Connector 55"/>
+          <p:cNvCxnSpPr/>
+          <p:nvPr/>
+        </p:nvCxnSpPr>
+        <p:spPr>
+          <a:xfrm flipH="1" flipV="1">
+            <a:off x="6011907" y="5801751"/>
+            <a:ext cx="2331380" cy="2"/>
+          </a:xfrm>
+          <a:prstGeom prst="straightConnector1">
+            <a:avLst/>
+          </a:prstGeom>
+          <a:ln>
+            <a:solidFill>
+              <a:schemeClr val="tx1"/>
+            </a:solidFill>
+            <a:prstDash val="dash"/>
+            <a:tailEnd type="arrow"/>
+          </a:ln>
+          <a:effectLst/>
+        </p:spPr>
+        <p:style>
+          <a:lnRef idx="2">
+            <a:schemeClr val="accent1"/>
+          </a:lnRef>
+          <a:fillRef idx="0">
+            <a:schemeClr val="accent1"/>
+          </a:fillRef>
+          <a:effectRef idx="1">
+            <a:schemeClr val="accent1"/>
+          </a:effectRef>
+          <a:fontRef idx="minor">
+            <a:schemeClr val="tx1"/>
+          </a:fontRef>
+        </p:style>
+      </p:cxnSp>
+      <p:sp>
+        <p:nvSpPr>
+          <p:cNvPr id="57" name="TextBox 56"/>
+          <p:cNvSpPr txBox="1"/>
+          <p:nvPr/>
+        </p:nvSpPr>
+        <p:spPr>
+          <a:xfrm>
+            <a:off x="6468701" y="5463197"/>
+            <a:ext cx="1587193" cy="338554"/>
+          </a:xfrm>
+          <a:prstGeom prst="rect">
+            <a:avLst/>
+          </a:prstGeom>
+          <a:noFill/>
+        </p:spPr>
+        <p:txBody>
+          <a:bodyPr wrap="none" rtlCol="0">
+            <a:spAutoFit/>
+          </a:bodyPr>
+          <a:lstStyle/>
           <a:p>
             <a:r>
               <a:rPr lang="en-US" sz="1600" dirty="0" smtClean="0"/>
-              <a:t>Display error message</a:t>
+              <a:t>10: Return result</a:t>
             </a:r>
             <a:endParaRPr lang="en-US" sz="1600" dirty="0"/>
+          </a:p>
+        </p:txBody>
+      </p:sp>
+      <p:sp>
+        <p:nvSpPr>
+          <p:cNvPr id="13" name="Rectangle 12"/>
+          <p:cNvSpPr/>
+          <p:nvPr/>
+        </p:nvSpPr>
+        <p:spPr>
+          <a:xfrm>
+            <a:off x="508011" y="3888362"/>
+            <a:ext cx="9869922" cy="2376255"/>
+          </a:xfrm>
+          <a:prstGeom prst="rect">
+            <a:avLst/>
+          </a:prstGeom>
+          <a:noFill/>
+          <a:ln w="12700" cmpd="sng">
+            <a:solidFill>
+              <a:schemeClr val="tx1"/>
+            </a:solidFill>
+          </a:ln>
+          <a:effectLst/>
+        </p:spPr>
+        <p:style>
+          <a:lnRef idx="1">
+            <a:schemeClr val="accent1"/>
+          </a:lnRef>
+          <a:fillRef idx="3">
+            <a:schemeClr val="accent1"/>
+          </a:fillRef>
+          <a:effectRef idx="2">
+            <a:schemeClr val="accent1"/>
+          </a:effectRef>
+          <a:fontRef idx="minor">
+            <a:schemeClr val="lt1"/>
+          </a:fontRef>
+        </p:style>
+        <p:txBody>
+          <a:bodyPr rtlCol="0" anchor="ctr"/>
+          <a:lstStyle/>
+          <a:p>
+            <a:pPr algn="ctr"/>
+            <a:endParaRPr lang="en-US"/>
+          </a:p>
+        </p:txBody>
+      </p:sp>
+      <p:sp>
+        <p:nvSpPr>
+          <p:cNvPr id="15" name="Snip Single Corner Rectangle 14"/>
+          <p:cNvSpPr/>
+          <p:nvPr/>
+        </p:nvSpPr>
+        <p:spPr>
+          <a:xfrm rot="5400000">
+            <a:off x="724374" y="3663259"/>
+            <a:ext cx="302404" cy="752615"/>
+          </a:xfrm>
+          <a:prstGeom prst="snip1Rect">
+            <a:avLst>
+              <a:gd name="adj" fmla="val 50000"/>
+            </a:avLst>
+          </a:prstGeom>
+          <a:solidFill>
+            <a:schemeClr val="bg1"/>
+          </a:solidFill>
+          <a:ln>
+            <a:solidFill>
+              <a:schemeClr val="tx1"/>
+            </a:solidFill>
+          </a:ln>
+          <a:effectLst/>
+        </p:spPr>
+        <p:style>
+          <a:lnRef idx="1">
+            <a:schemeClr val="accent1"/>
+          </a:lnRef>
+          <a:fillRef idx="3">
+            <a:schemeClr val="accent1"/>
+          </a:fillRef>
+          <a:effectRef idx="2">
+            <a:schemeClr val="accent1"/>
+          </a:effectRef>
+          <a:fontRef idx="minor">
+            <a:schemeClr val="lt1"/>
+          </a:fontRef>
+        </p:style>
+        <p:txBody>
+          <a:bodyPr rtlCol="0" anchor="ctr"/>
+          <a:lstStyle/>
+          <a:p>
+            <a:pPr algn="ctr"/>
+            <a:endParaRPr lang="en-US"/>
+          </a:p>
+        </p:txBody>
+      </p:sp>
+      <p:sp>
+        <p:nvSpPr>
+          <p:cNvPr id="17" name="TextBox 16"/>
+          <p:cNvSpPr txBox="1"/>
+          <p:nvPr/>
+        </p:nvSpPr>
+        <p:spPr>
+          <a:xfrm>
+            <a:off x="586435" y="3843640"/>
+            <a:ext cx="505267" cy="369332"/>
+          </a:xfrm>
+          <a:prstGeom prst="rect">
+            <a:avLst/>
+          </a:prstGeom>
+          <a:noFill/>
+        </p:spPr>
+        <p:txBody>
+          <a:bodyPr wrap="none" rtlCol="0">
+            <a:spAutoFit/>
+          </a:bodyPr>
+          <a:lstStyle/>
+          <a:p>
+            <a:r>
+              <a:rPr lang="en-US" dirty="0" smtClean="0"/>
+              <a:t>opt</a:t>
+            </a:r>
+            <a:endParaRPr lang="en-US" dirty="0"/>
           </a:p>
         </p:txBody>
       </p:sp>
@@ -6177,7 +6509,7 @@
         <p:spPr>
           <a:xfrm>
             <a:off x="5770956" y="3725294"/>
-            <a:ext cx="139402" cy="1341281"/>
+            <a:ext cx="139402" cy="1075175"/>
           </a:xfrm>
           <a:prstGeom prst="rect">
             <a:avLst/>
@@ -6297,8 +6629,8 @@
         </p:nvCxnSpPr>
         <p:spPr>
           <a:xfrm>
-            <a:off x="5850665" y="5004181"/>
-            <a:ext cx="1527475" cy="0"/>
+            <a:off x="678453" y="5004181"/>
+            <a:ext cx="6699687" cy="0"/>
           </a:xfrm>
           <a:prstGeom prst="straightConnector1">
             <a:avLst/>
@@ -24221,7 +24553,7 @@
         </p:nvSpPr>
         <p:spPr>
           <a:xfrm>
-            <a:off x="36630" y="1092848"/>
+            <a:off x="36630" y="969361"/>
             <a:ext cx="1285594" cy="511156"/>
           </a:xfrm>
           <a:prstGeom prst="rect">
@@ -24275,8 +24607,8 @@
         </p:nvCxnSpPr>
         <p:spPr>
           <a:xfrm>
-            <a:off x="679427" y="1604004"/>
-            <a:ext cx="0" cy="4917098"/>
+            <a:off x="679427" y="1480517"/>
+            <a:ext cx="0" cy="5117276"/>
           </a:xfrm>
           <a:prstGeom prst="line">
             <a:avLst/>
@@ -24311,7 +24643,7 @@
         </p:nvSpPr>
         <p:spPr>
           <a:xfrm>
-            <a:off x="6263645" y="1059935"/>
+            <a:off x="6263645" y="936448"/>
             <a:ext cx="1985094" cy="511156"/>
           </a:xfrm>
           <a:prstGeom prst="rect">
@@ -24363,7 +24695,7 @@
         </p:nvSpPr>
         <p:spPr>
           <a:xfrm>
-            <a:off x="8361221" y="1053174"/>
+            <a:off x="8361221" y="929687"/>
             <a:ext cx="1615847" cy="511156"/>
           </a:xfrm>
           <a:prstGeom prst="rect">
@@ -24416,8 +24748,8 @@
         </p:nvCxnSpPr>
         <p:spPr>
           <a:xfrm>
-            <a:off x="7256192" y="1571091"/>
-            <a:ext cx="0" cy="4950011"/>
+            <a:off x="7256192" y="1447604"/>
+            <a:ext cx="0" cy="5150189"/>
           </a:xfrm>
           <a:prstGeom prst="line">
             <a:avLst/>
@@ -24454,8 +24786,8 @@
         </p:nvCxnSpPr>
         <p:spPr>
           <a:xfrm>
-            <a:off x="9169145" y="1564330"/>
-            <a:ext cx="0" cy="4956772"/>
+            <a:off x="9169145" y="1440843"/>
+            <a:ext cx="0" cy="5156950"/>
           </a:xfrm>
           <a:prstGeom prst="line">
             <a:avLst/>
@@ -24490,8 +24822,8 @@
         </p:nvSpPr>
         <p:spPr>
           <a:xfrm>
-            <a:off x="609725" y="1885878"/>
-            <a:ext cx="150119" cy="4325431"/>
+            <a:off x="609725" y="1762391"/>
+            <a:ext cx="150119" cy="4658990"/>
           </a:xfrm>
           <a:prstGeom prst="rect">
             <a:avLst/>
@@ -24535,7 +24867,7 @@
         </p:nvSpPr>
         <p:spPr>
           <a:xfrm>
-            <a:off x="2504702" y="1934443"/>
+            <a:off x="2504702" y="1810956"/>
             <a:ext cx="145054" cy="464684"/>
           </a:xfrm>
           <a:prstGeom prst="rect">
@@ -24580,7 +24912,7 @@
         </p:nvSpPr>
         <p:spPr>
           <a:xfrm>
-            <a:off x="7186491" y="3513862"/>
+            <a:off x="7186491" y="3390375"/>
             <a:ext cx="139402" cy="504315"/>
           </a:xfrm>
           <a:prstGeom prst="rect">
@@ -24625,8 +24957,8 @@
         </p:nvSpPr>
         <p:spPr>
           <a:xfrm>
-            <a:off x="9117987" y="3851501"/>
-            <a:ext cx="139402" cy="1166439"/>
+            <a:off x="9100348" y="3869141"/>
+            <a:ext cx="164396" cy="2359809"/>
           </a:xfrm>
           <a:prstGeom prst="rect">
             <a:avLst/>
@@ -24670,7 +25002,7 @@
         </p:nvCxnSpPr>
         <p:spPr>
           <a:xfrm>
-            <a:off x="759844" y="1978814"/>
+            <a:off x="759844" y="1855327"/>
             <a:ext cx="1744858" cy="0"/>
           </a:xfrm>
           <a:prstGeom prst="straightConnector1">
@@ -24707,7 +25039,7 @@
         </p:nvCxnSpPr>
         <p:spPr>
           <a:xfrm>
-            <a:off x="2644104" y="2366052"/>
+            <a:off x="2644104" y="2242565"/>
             <a:ext cx="2283251" cy="0"/>
           </a:xfrm>
           <a:prstGeom prst="straightConnector1">
@@ -24744,7 +25076,7 @@
         </p:nvCxnSpPr>
         <p:spPr>
           <a:xfrm>
-            <a:off x="679427" y="3280252"/>
+            <a:off x="679427" y="3156765"/>
             <a:ext cx="4247928" cy="0"/>
           </a:xfrm>
           <a:prstGeom prst="straightConnector1">
@@ -24781,7 +25113,7 @@
         </p:nvCxnSpPr>
         <p:spPr>
           <a:xfrm flipH="1">
-            <a:off x="9228901" y="4613976"/>
+            <a:off x="9228901" y="4921905"/>
             <a:ext cx="741959" cy="0"/>
           </a:xfrm>
           <a:prstGeom prst="straightConnector1">
@@ -24818,8 +25150,8 @@
         </p:nvCxnSpPr>
         <p:spPr>
           <a:xfrm flipH="1" flipV="1">
-            <a:off x="9970860" y="4128567"/>
-            <a:ext cx="6208" cy="485409"/>
+            <a:off x="9970860" y="4612905"/>
+            <a:ext cx="6208" cy="309001"/>
           </a:xfrm>
           <a:prstGeom prst="line">
             <a:avLst/>
@@ -24854,7 +25186,7 @@
         </p:nvCxnSpPr>
         <p:spPr>
           <a:xfrm flipH="1">
-            <a:off x="9228901" y="4128566"/>
+            <a:off x="9228901" y="4612905"/>
             <a:ext cx="741959" cy="0"/>
           </a:xfrm>
           <a:prstGeom prst="line">
@@ -24890,7 +25222,7 @@
         </p:nvCxnSpPr>
         <p:spPr>
           <a:xfrm flipH="1">
-            <a:off x="5080999" y="4932167"/>
+            <a:off x="5080999" y="5169532"/>
             <a:ext cx="4036988" cy="12575"/>
           </a:xfrm>
           <a:prstGeom prst="straightConnector1">
@@ -24928,7 +25260,7 @@
         </p:nvSpPr>
         <p:spPr>
           <a:xfrm>
-            <a:off x="2548148" y="2961236"/>
+            <a:off x="2548148" y="2837749"/>
             <a:ext cx="2041244" cy="584776"/>
           </a:xfrm>
           <a:prstGeom prst="rect">
@@ -24970,7 +25302,7 @@
         </p:nvSpPr>
         <p:spPr>
           <a:xfrm>
-            <a:off x="6385979" y="4632653"/>
+            <a:off x="6385979" y="4870018"/>
             <a:ext cx="1483199" cy="338554"/>
           </a:xfrm>
           <a:prstGeom prst="rect">
@@ -24986,7 +25318,7 @@
           <a:p>
             <a:r>
               <a:rPr lang="en-US" sz="1600" dirty="0"/>
-              <a:t>7</a:t>
+              <a:t>8</a:t>
             </a:r>
             <a:r>
               <a:rPr lang="en-US" sz="1600" dirty="0" smtClean="0"/>
@@ -25004,8 +25336,8 @@
         </p:nvSpPr>
         <p:spPr>
           <a:xfrm>
-            <a:off x="4927354" y="2336591"/>
-            <a:ext cx="153645" cy="3874719"/>
+            <a:off x="4927354" y="2177822"/>
+            <a:ext cx="166197" cy="4208277"/>
           </a:xfrm>
           <a:prstGeom prst="rect">
             <a:avLst/>
@@ -25063,7 +25395,7 @@
         </p:blipFill>
         <p:spPr>
           <a:xfrm>
-            <a:off x="52959" y="62183"/>
+            <a:off x="52959" y="-61304"/>
             <a:ext cx="1199252" cy="1199252"/>
           </a:xfrm>
           <a:prstGeom prst="rect">
@@ -25079,7 +25411,7 @@
         </p:nvSpPr>
         <p:spPr>
           <a:xfrm>
-            <a:off x="1462211" y="1059918"/>
+            <a:off x="1462211" y="936431"/>
             <a:ext cx="2252145" cy="511156"/>
           </a:xfrm>
           <a:prstGeom prst="rect">
@@ -25126,15 +25458,13 @@
       <p:cxnSp>
         <p:nvCxnSpPr>
           <p:cNvPr id="48" name="Straight Connector 47"/>
-          <p:cNvCxnSpPr>
-            <a:stCxn id="37" idx="2"/>
-          </p:cNvCxnSpPr>
-          <p:nvPr/>
-        </p:nvCxnSpPr>
-        <p:spPr>
-          <a:xfrm flipH="1">
-            <a:off x="2563719" y="1571074"/>
-            <a:ext cx="24565" cy="4950028"/>
+          <p:cNvCxnSpPr/>
+          <p:nvPr/>
+        </p:nvCxnSpPr>
+        <p:spPr>
+          <a:xfrm>
+            <a:off x="2570645" y="1447587"/>
+            <a:ext cx="0" cy="5150206"/>
           </a:xfrm>
           <a:prstGeom prst="line">
             <a:avLst/>
@@ -25169,7 +25499,7 @@
         </p:nvCxnSpPr>
         <p:spPr>
           <a:xfrm flipH="1">
-            <a:off x="759845" y="2841428"/>
+            <a:off x="759845" y="2717941"/>
             <a:ext cx="4167509" cy="0"/>
           </a:xfrm>
           <a:prstGeom prst="straightConnector1">
@@ -25207,7 +25537,7 @@
         </p:nvSpPr>
         <p:spPr>
           <a:xfrm>
-            <a:off x="2649756" y="2499682"/>
+            <a:off x="2649756" y="2376195"/>
             <a:ext cx="1911501" cy="338554"/>
           </a:xfrm>
           <a:prstGeom prst="rect">
@@ -25241,7 +25571,7 @@
         </p:nvCxnSpPr>
         <p:spPr>
           <a:xfrm>
-            <a:off x="7325893" y="3951438"/>
+            <a:off x="7325893" y="3827951"/>
             <a:ext cx="1792094" cy="0"/>
           </a:xfrm>
           <a:prstGeom prst="straightConnector1">
@@ -25278,7 +25608,7 @@
         </p:nvSpPr>
         <p:spPr>
           <a:xfrm>
-            <a:off x="3878105" y="1059918"/>
+            <a:off x="3878105" y="936431"/>
             <a:ext cx="2252145" cy="511156"/>
           </a:xfrm>
           <a:prstGeom prst="rect">
@@ -25331,9 +25661,9 @@
           <p:nvPr/>
         </p:nvCxnSpPr>
         <p:spPr>
-          <a:xfrm flipH="1">
-            <a:off x="4989310" y="1571074"/>
-            <a:ext cx="14868" cy="4950028"/>
+          <a:xfrm>
+            <a:off x="5004178" y="1447587"/>
+            <a:ext cx="1690" cy="5150206"/>
           </a:xfrm>
           <a:prstGeom prst="line">
             <a:avLst/>
@@ -25368,7 +25698,7 @@
         </p:nvSpPr>
         <p:spPr>
           <a:xfrm>
-            <a:off x="7177804" y="3628070"/>
+            <a:off x="7177804" y="3504583"/>
             <a:ext cx="2041244" cy="584776"/>
           </a:xfrm>
           <a:prstGeom prst="rect">
@@ -25385,7 +25715,7 @@
             <a:pPr algn="ctr"/>
             <a:r>
               <a:rPr lang="en-US" sz="1600" dirty="0"/>
-              <a:t>5</a:t>
+              <a:t>6</a:t>
             </a:r>
             <a:r>
               <a:rPr lang="en-US" sz="1600" dirty="0" smtClean="0"/>
@@ -25410,8 +25740,8 @@
         </p:nvSpPr>
         <p:spPr>
           <a:xfrm>
-            <a:off x="9257389" y="3572966"/>
-            <a:ext cx="1075735" cy="584776"/>
+            <a:off x="9282383" y="4329030"/>
+            <a:ext cx="1427306" cy="307777"/>
           </a:xfrm>
           <a:prstGeom prst="rect">
             <a:avLst/>
@@ -25426,17 +25756,14 @@
           <a:p>
             <a:pPr algn="ctr"/>
             <a:r>
-              <a:rPr lang="en-US" sz="1600" dirty="0" smtClean="0"/>
-              <a:t>6: Validate </a:t>
-            </a:r>
-          </a:p>
-          <a:p>
-            <a:pPr algn="ctr"/>
-            <a:r>
-              <a:rPr lang="en-US" sz="1600" dirty="0" smtClean="0"/>
-              <a:t>inputs</a:t>
-            </a:r>
-            <a:endParaRPr lang="en-US" sz="1600" dirty="0"/>
+              <a:rPr lang="en-US" sz="1400" dirty="0"/>
+              <a:t>7</a:t>
+            </a:r>
+            <a:r>
+              <a:rPr lang="en-US" sz="1400" dirty="0" smtClean="0"/>
+              <a:t>: if (input=valid)</a:t>
+            </a:r>
+            <a:endParaRPr lang="en-US" sz="1400" dirty="0"/>
           </a:p>
         </p:txBody>
       </p:sp>
@@ -25448,7 +25775,7 @@
         </p:nvCxnSpPr>
         <p:spPr>
           <a:xfrm flipV="1">
-            <a:off x="5019418" y="3577231"/>
+            <a:off x="5019418" y="3453744"/>
             <a:ext cx="2158386" cy="1091"/>
           </a:xfrm>
           <a:prstGeom prst="straightConnector1">
@@ -25485,7 +25812,7 @@
         </p:nvSpPr>
         <p:spPr>
           <a:xfrm>
-            <a:off x="5093551" y="3259386"/>
+            <a:off x="5093551" y="3135899"/>
             <a:ext cx="2041244" cy="584776"/>
           </a:xfrm>
           <a:prstGeom prst="rect">
@@ -25502,7 +25829,7 @@
             <a:pPr algn="ctr"/>
             <a:r>
               <a:rPr lang="en-US" sz="1600" dirty="0"/>
-              <a:t>4</a:t>
+              <a:t>5</a:t>
             </a:r>
             <a:r>
               <a:rPr lang="en-US" sz="1600" dirty="0" smtClean="0"/>
@@ -25535,7 +25862,7 @@
         </p:nvSpPr>
         <p:spPr>
           <a:xfrm>
-            <a:off x="810615" y="1674902"/>
+            <a:off x="810615" y="1551415"/>
             <a:ext cx="1753104" cy="584776"/>
           </a:xfrm>
           <a:prstGeom prst="rect">
@@ -25577,7 +25904,7 @@
         </p:nvSpPr>
         <p:spPr>
           <a:xfrm>
-            <a:off x="2813608" y="2045331"/>
+            <a:off x="2813608" y="1921844"/>
             <a:ext cx="1614745" cy="338554"/>
           </a:xfrm>
           <a:prstGeom prst="rect">
@@ -25611,7 +25938,7 @@
         </p:nvCxnSpPr>
         <p:spPr>
           <a:xfrm flipH="1">
-            <a:off x="721217" y="5332997"/>
+            <a:off x="721217" y="5407075"/>
             <a:ext cx="4284651" cy="0"/>
           </a:xfrm>
           <a:prstGeom prst="straightConnector1">
@@ -25649,7 +25976,7 @@
         </p:nvSpPr>
         <p:spPr>
           <a:xfrm>
-            <a:off x="1746738" y="4767422"/>
+            <a:off x="1746738" y="4841500"/>
             <a:ext cx="2409834" cy="584776"/>
           </a:xfrm>
           <a:prstGeom prst="rect">
@@ -25664,8 +25991,12 @@
           <a:lstStyle/>
           <a:p>
             <a:r>
+              <a:rPr lang="en-US" sz="1600" dirty="0"/>
+              <a:t>9</a:t>
+            </a:r>
+            <a:r>
               <a:rPr lang="en-US" sz="1600" dirty="0" smtClean="0"/>
-              <a:t>8: Result = Success</a:t>
+              <a:t>: Result = Success</a:t>
             </a:r>
           </a:p>
           <a:p>
@@ -25685,7 +26016,7 @@
         </p:nvCxnSpPr>
         <p:spPr>
           <a:xfrm flipH="1">
-            <a:off x="704659" y="6065751"/>
+            <a:off x="704659" y="6309713"/>
             <a:ext cx="4284651" cy="0"/>
           </a:xfrm>
           <a:prstGeom prst="straightConnector1">
@@ -25723,7 +26054,7 @@
         </p:nvSpPr>
         <p:spPr>
           <a:xfrm>
-            <a:off x="1747457" y="5485322"/>
+            <a:off x="1747457" y="5729284"/>
             <a:ext cx="2025414" cy="584776"/>
           </a:xfrm>
           <a:prstGeom prst="rect">
@@ -25738,12 +26069,16 @@
           <a:lstStyle/>
           <a:p>
             <a:r>
+              <a:rPr lang="en-US" sz="1600" dirty="0" smtClean="0"/>
+              <a:t>1</a:t>
+            </a:r>
+            <a:r>
               <a:rPr lang="en-US" sz="1600" dirty="0"/>
-              <a:t>9</a:t>
+              <a:t>2: </a:t>
             </a:r>
             <a:r>
               <a:rPr lang="en-US" sz="1600" dirty="0" smtClean="0"/>
-              <a:t>: Result = Fail</a:t>
+              <a:t>Result = Fail</a:t>
             </a:r>
           </a:p>
           <a:p>
@@ -25752,6 +26087,338 @@
               <a:t>Display error message</a:t>
             </a:r>
             <a:endParaRPr lang="en-US" sz="1600" dirty="0"/>
+          </a:p>
+        </p:txBody>
+      </p:sp>
+      <p:cxnSp>
+        <p:nvCxnSpPr>
+          <p:cNvPr id="41" name="Straight Arrow Connector 40"/>
+          <p:cNvCxnSpPr/>
+          <p:nvPr/>
+        </p:nvCxnSpPr>
+        <p:spPr>
+          <a:xfrm flipH="1">
+            <a:off x="9235109" y="5836212"/>
+            <a:ext cx="741959" cy="0"/>
+          </a:xfrm>
+          <a:prstGeom prst="straightConnector1">
+            <a:avLst/>
+          </a:prstGeom>
+          <a:ln>
+            <a:solidFill>
+              <a:schemeClr val="tx1"/>
+            </a:solidFill>
+            <a:tailEnd type="arrow"/>
+          </a:ln>
+          <a:effectLst/>
+        </p:spPr>
+        <p:style>
+          <a:lnRef idx="2">
+            <a:schemeClr val="accent1"/>
+          </a:lnRef>
+          <a:fillRef idx="0">
+            <a:schemeClr val="accent1"/>
+          </a:fillRef>
+          <a:effectRef idx="1">
+            <a:schemeClr val="accent1"/>
+          </a:effectRef>
+          <a:fontRef idx="minor">
+            <a:schemeClr val="tx1"/>
+          </a:fontRef>
+        </p:style>
+      </p:cxnSp>
+      <p:cxnSp>
+        <p:nvCxnSpPr>
+          <p:cNvPr id="42" name="Straight Connector 41"/>
+          <p:cNvCxnSpPr/>
+          <p:nvPr/>
+        </p:nvCxnSpPr>
+        <p:spPr>
+          <a:xfrm flipH="1" flipV="1">
+            <a:off x="9977068" y="5532232"/>
+            <a:ext cx="6208" cy="303981"/>
+          </a:xfrm>
+          <a:prstGeom prst="line">
+            <a:avLst/>
+          </a:prstGeom>
+          <a:ln>
+            <a:solidFill>
+              <a:schemeClr val="tx1"/>
+            </a:solidFill>
+          </a:ln>
+          <a:effectLst/>
+        </p:spPr>
+        <p:style>
+          <a:lnRef idx="2">
+            <a:schemeClr val="accent1"/>
+          </a:lnRef>
+          <a:fillRef idx="0">
+            <a:schemeClr val="accent1"/>
+          </a:fillRef>
+          <a:effectRef idx="1">
+            <a:schemeClr val="accent1"/>
+          </a:effectRef>
+          <a:fontRef idx="minor">
+            <a:schemeClr val="tx1"/>
+          </a:fontRef>
+        </p:style>
+      </p:cxnSp>
+      <p:cxnSp>
+        <p:nvCxnSpPr>
+          <p:cNvPr id="60" name="Straight Connector 59"/>
+          <p:cNvCxnSpPr/>
+          <p:nvPr/>
+        </p:nvCxnSpPr>
+        <p:spPr>
+          <a:xfrm flipH="1">
+            <a:off x="9235109" y="5532232"/>
+            <a:ext cx="741959" cy="0"/>
+          </a:xfrm>
+          <a:prstGeom prst="line">
+            <a:avLst/>
+          </a:prstGeom>
+          <a:ln>
+            <a:solidFill>
+              <a:schemeClr val="tx1"/>
+            </a:solidFill>
+          </a:ln>
+          <a:effectLst/>
+        </p:spPr>
+        <p:style>
+          <a:lnRef idx="2">
+            <a:schemeClr val="accent1"/>
+          </a:lnRef>
+          <a:fillRef idx="0">
+            <a:schemeClr val="accent1"/>
+          </a:fillRef>
+          <a:effectRef idx="1">
+            <a:schemeClr val="accent1"/>
+          </a:effectRef>
+          <a:fontRef idx="minor">
+            <a:schemeClr val="tx1"/>
+          </a:fontRef>
+        </p:style>
+      </p:cxnSp>
+      <p:sp>
+        <p:nvSpPr>
+          <p:cNvPr id="61" name="TextBox 60"/>
+          <p:cNvSpPr txBox="1"/>
+          <p:nvPr/>
+        </p:nvSpPr>
+        <p:spPr>
+          <a:xfrm>
+            <a:off x="9229466" y="5237822"/>
+            <a:ext cx="894834" cy="307777"/>
+          </a:xfrm>
+          <a:prstGeom prst="rect">
+            <a:avLst/>
+          </a:prstGeom>
+          <a:noFill/>
+        </p:spPr>
+        <p:txBody>
+          <a:bodyPr wrap="none" rtlCol="0">
+            <a:spAutoFit/>
+          </a:bodyPr>
+          <a:lstStyle/>
+          <a:p>
+            <a:pPr algn="ctr"/>
+            <a:r>
+              <a:rPr lang="en-US" sz="1400" dirty="0" smtClean="0"/>
+              <a:t>10: else ()</a:t>
+            </a:r>
+            <a:endParaRPr lang="en-US" sz="1400" dirty="0"/>
+          </a:p>
+        </p:txBody>
+      </p:sp>
+      <p:cxnSp>
+        <p:nvCxnSpPr>
+          <p:cNvPr id="62" name="Straight Arrow Connector 61"/>
+          <p:cNvCxnSpPr/>
+          <p:nvPr/>
+        </p:nvCxnSpPr>
+        <p:spPr>
+          <a:xfrm flipH="1">
+            <a:off x="5093551" y="6049445"/>
+            <a:ext cx="4036988" cy="12575"/>
+          </a:xfrm>
+          <a:prstGeom prst="straightConnector1">
+            <a:avLst/>
+          </a:prstGeom>
+          <a:ln>
+            <a:solidFill>
+              <a:schemeClr val="tx1"/>
+            </a:solidFill>
+            <a:prstDash val="dash"/>
+            <a:tailEnd type="arrow"/>
+          </a:ln>
+          <a:effectLst/>
+        </p:spPr>
+        <p:style>
+          <a:lnRef idx="2">
+            <a:schemeClr val="accent1"/>
+          </a:lnRef>
+          <a:fillRef idx="0">
+            <a:schemeClr val="accent1"/>
+          </a:fillRef>
+          <a:effectRef idx="1">
+            <a:schemeClr val="accent1"/>
+          </a:effectRef>
+          <a:fontRef idx="minor">
+            <a:schemeClr val="tx1"/>
+          </a:fontRef>
+        </p:style>
+      </p:cxnSp>
+      <p:sp>
+        <p:nvSpPr>
+          <p:cNvPr id="63" name="TextBox 62"/>
+          <p:cNvSpPr txBox="1"/>
+          <p:nvPr/>
+        </p:nvSpPr>
+        <p:spPr>
+          <a:xfrm>
+            <a:off x="6398531" y="5749931"/>
+            <a:ext cx="1587193" cy="338554"/>
+          </a:xfrm>
+          <a:prstGeom prst="rect">
+            <a:avLst/>
+          </a:prstGeom>
+          <a:noFill/>
+        </p:spPr>
+        <p:txBody>
+          <a:bodyPr wrap="none" rtlCol="0">
+            <a:spAutoFit/>
+          </a:bodyPr>
+          <a:lstStyle/>
+          <a:p>
+            <a:r>
+              <a:rPr lang="en-US" sz="1600" dirty="0" smtClean="0"/>
+              <a:t>11: Return result</a:t>
+            </a:r>
+            <a:endParaRPr lang="en-US" sz="1600" dirty="0"/>
+          </a:p>
+        </p:txBody>
+      </p:sp>
+      <p:sp>
+        <p:nvSpPr>
+          <p:cNvPr id="83" name="Rectangle 82"/>
+          <p:cNvSpPr/>
+          <p:nvPr/>
+        </p:nvSpPr>
+        <p:spPr>
+          <a:xfrm>
+            <a:off x="236738" y="4261334"/>
+            <a:ext cx="10455311" cy="2230612"/>
+          </a:xfrm>
+          <a:prstGeom prst="rect">
+            <a:avLst/>
+          </a:prstGeom>
+          <a:noFill/>
+          <a:ln w="12700" cmpd="sng">
+            <a:solidFill>
+              <a:schemeClr val="tx1"/>
+            </a:solidFill>
+          </a:ln>
+          <a:effectLst/>
+        </p:spPr>
+        <p:style>
+          <a:lnRef idx="1">
+            <a:schemeClr val="accent1"/>
+          </a:lnRef>
+          <a:fillRef idx="3">
+            <a:schemeClr val="accent1"/>
+          </a:fillRef>
+          <a:effectRef idx="2">
+            <a:schemeClr val="accent1"/>
+          </a:effectRef>
+          <a:fontRef idx="minor">
+            <a:schemeClr val="lt1"/>
+          </a:fontRef>
+        </p:style>
+        <p:txBody>
+          <a:bodyPr rtlCol="0" anchor="ctr"/>
+          <a:lstStyle/>
+          <a:p>
+            <a:pPr algn="ctr"/>
+            <a:endParaRPr lang="en-US"/>
+          </a:p>
+        </p:txBody>
+      </p:sp>
+      <p:sp>
+        <p:nvSpPr>
+          <p:cNvPr id="84" name="Snip Single Corner Rectangle 83"/>
+          <p:cNvSpPr/>
+          <p:nvPr/>
+        </p:nvSpPr>
+        <p:spPr>
+          <a:xfrm rot="5400000">
+            <a:off x="453102" y="4036230"/>
+            <a:ext cx="302404" cy="752615"/>
+          </a:xfrm>
+          <a:prstGeom prst="snip1Rect">
+            <a:avLst>
+              <a:gd name="adj" fmla="val 50000"/>
+            </a:avLst>
+          </a:prstGeom>
+          <a:solidFill>
+            <a:schemeClr val="bg1"/>
+          </a:solidFill>
+          <a:ln>
+            <a:solidFill>
+              <a:schemeClr val="tx1"/>
+            </a:solidFill>
+          </a:ln>
+          <a:effectLst/>
+        </p:spPr>
+        <p:style>
+          <a:lnRef idx="1">
+            <a:schemeClr val="accent1"/>
+          </a:lnRef>
+          <a:fillRef idx="3">
+            <a:schemeClr val="accent1"/>
+          </a:fillRef>
+          <a:effectRef idx="2">
+            <a:schemeClr val="accent1"/>
+          </a:effectRef>
+          <a:fontRef idx="minor">
+            <a:schemeClr val="lt1"/>
+          </a:fontRef>
+        </p:style>
+        <p:txBody>
+          <a:bodyPr rtlCol="0" anchor="ctr"/>
+          <a:lstStyle/>
+          <a:p>
+            <a:pPr algn="ctr"/>
+            <a:endParaRPr lang="en-US"/>
+          </a:p>
+        </p:txBody>
+      </p:sp>
+      <p:sp>
+        <p:nvSpPr>
+          <p:cNvPr id="85" name="TextBox 84"/>
+          <p:cNvSpPr txBox="1"/>
+          <p:nvPr/>
+        </p:nvSpPr>
+        <p:spPr>
+          <a:xfrm>
+            <a:off x="315163" y="4216611"/>
+            <a:ext cx="505267" cy="369332"/>
+          </a:xfrm>
+          <a:prstGeom prst="rect">
+            <a:avLst/>
+          </a:prstGeom>
+          <a:noFill/>
+        </p:spPr>
+        <p:txBody>
+          <a:bodyPr wrap="none" rtlCol="0">
+            <a:spAutoFit/>
+          </a:bodyPr>
+          <a:lstStyle/>
+          <a:p>
+            <a:r>
+              <a:rPr lang="en-US" dirty="0" smtClean="0"/>
+              <a:t>opt</a:t>
+            </a:r>
+            <a:endParaRPr lang="en-US" dirty="0"/>
           </a:p>
         </p:txBody>
       </p:sp>
@@ -51615,17 +52282,8 @@
             </a:r>
             <a:r>
               <a:rPr lang="en-US" sz="1400" dirty="0" smtClean="0"/>
-              <a:t>: </a:t>
-            </a:r>
-            <a:r>
-              <a:rPr lang="en-US" sz="1400" dirty="0" smtClean="0"/>
-              <a:t>Return </a:t>
-            </a:r>
-            <a:r>
-              <a:rPr lang="en-US" sz="1400" dirty="0" smtClean="0"/>
-              <a:t>results</a:t>
-            </a:r>
-            <a:endParaRPr lang="en-US" sz="1400" dirty="0" smtClean="0"/>
+              <a:t>: Return results</a:t>
+            </a:r>
           </a:p>
         </p:txBody>
       </p:sp>
@@ -52014,11 +52672,7 @@
             </a:r>
             <a:r>
               <a:rPr lang="en-US" sz="1400" dirty="0" smtClean="0"/>
-              <a:t>: </a:t>
-            </a:r>
-            <a:r>
-              <a:rPr lang="en-US" sz="1400" dirty="0" smtClean="0"/>
-              <a:t>Retrieve </a:t>
+              <a:t>: Retrieve </a:t>
             </a:r>
             <a:br>
               <a:rPr lang="en-US" sz="1400" dirty="0" smtClean="0"/>
@@ -52217,11 +52871,7 @@
             </a:r>
             <a:r>
               <a:rPr lang="en-US" sz="1400" dirty="0" smtClean="0"/>
-              <a:t>elect </a:t>
-            </a:r>
-            <a:r>
-              <a:rPr lang="en-US" sz="1400" dirty="0" smtClean="0"/>
-              <a:t>notification menu</a:t>
+              <a:t>elect notification menu</a:t>
             </a:r>
             <a:endParaRPr lang="en-US" sz="1400" dirty="0"/>
           </a:p>
@@ -52256,11 +52906,7 @@
             </a:r>
             <a:r>
               <a:rPr lang="en-US" sz="1400" dirty="0" smtClean="0"/>
-              <a:t>: Request </a:t>
-            </a:r>
-            <a:r>
-              <a:rPr lang="en-US" sz="1400" dirty="0" smtClean="0"/>
-              <a:t>notifications</a:t>
+              <a:t>: Request notifications</a:t>
             </a:r>
             <a:endParaRPr lang="en-US" sz="1400" dirty="0"/>
           </a:p>
@@ -52332,15 +52978,7 @@
             </a:r>
             <a:r>
               <a:rPr lang="en-US" sz="1400" dirty="0" smtClean="0"/>
-              <a:t>: </a:t>
-            </a:r>
-            <a:r>
-              <a:rPr lang="en-US" sz="1400" dirty="0" smtClean="0"/>
-              <a:t>Request </a:t>
-            </a:r>
-            <a:r>
-              <a:rPr lang="en-US" sz="1400" dirty="0" smtClean="0"/>
-              <a:t/>
+              <a:t>: Request </a:t>
             </a:r>
             <a:br>
               <a:rPr lang="en-US" sz="1400" dirty="0" smtClean="0"/>
@@ -52382,15 +53020,7 @@
             </a:r>
             <a:r>
               <a:rPr lang="en-US" sz="1400" dirty="0" smtClean="0"/>
-              <a:t>: </a:t>
-            </a:r>
-            <a:r>
-              <a:rPr lang="en-US" sz="1400" dirty="0" smtClean="0"/>
-              <a:t>Return </a:t>
-            </a:r>
-            <a:r>
-              <a:rPr lang="en-US" sz="1400" dirty="0" smtClean="0"/>
-              <a:t>list of new activities</a:t>
+              <a:t>: Return list of new activities</a:t>
             </a:r>
             <a:br>
               <a:rPr lang="en-US" sz="1400" dirty="0" smtClean="0"/>
@@ -52406,7 +53036,6 @@
               <a:rPr lang="en-US" sz="1400" dirty="0" smtClean="0"/>
               <a:t>that create the activity) </a:t>
             </a:r>
-            <a:endParaRPr lang="en-US" sz="1400" dirty="0" smtClean="0"/>
           </a:p>
         </p:txBody>
       </p:sp>
@@ -52686,11 +53315,7 @@
             <a:pPr algn="ctr"/>
             <a:r>
               <a:rPr lang="en-US" sz="1600" dirty="0" smtClean="0"/>
-              <a:t>Activity</a:t>
-            </a:r>
-            <a:r>
-              <a:rPr lang="en-US" sz="1600" dirty="0" smtClean="0"/>
-              <a:t> </a:t>
+              <a:t>Activity </a:t>
             </a:r>
             <a:r>
               <a:rPr lang="en-US" sz="1600" dirty="0"/>
@@ -53482,7 +54107,6 @@
               <a:rPr lang="en-US" sz="1600" dirty="0" smtClean="0"/>
               <a:t>Tutorial</a:t>
             </a:r>
-            <a:endParaRPr lang="en-US" sz="1600" dirty="0" smtClean="0"/>
           </a:p>
           <a:p>
             <a:pPr algn="ctr"/>
@@ -53750,11 +54374,7 @@
             </a:r>
             <a:r>
               <a:rPr lang="en-US" sz="1400" dirty="0" smtClean="0"/>
-              <a:t>: </a:t>
-            </a:r>
-            <a:r>
-              <a:rPr lang="en-US" sz="1400" dirty="0" smtClean="0"/>
-              <a:t>Retrieve </a:t>
+              <a:t>: Retrieve </a:t>
             </a:r>
             <a:br>
               <a:rPr lang="en-US" sz="1400" dirty="0" smtClean="0"/>
@@ -54219,7 +54839,6 @@
               <a:rPr lang="en-US" sz="1400" dirty="0" smtClean="0"/>
               <a:t>elect </a:t>
             </a:r>
-            <a:endParaRPr lang="en-US" sz="1400" dirty="0" smtClean="0"/>
           </a:p>
           <a:p>
             <a:pPr algn="ctr"/>
@@ -54260,11 +54879,7 @@
             </a:r>
             <a:r>
               <a:rPr lang="en-US" sz="1400" dirty="0" smtClean="0"/>
-              <a:t>: Request </a:t>
-            </a:r>
-            <a:r>
-              <a:rPr lang="en-US" sz="1400" dirty="0" smtClean="0"/>
-              <a:t>notifications</a:t>
+              <a:t>: Request notifications</a:t>
             </a:r>
             <a:endParaRPr lang="en-US" sz="1400" dirty="0"/>
           </a:p>
@@ -54299,15 +54914,7 @@
             </a:r>
             <a:r>
               <a:rPr lang="en-US" sz="1400" dirty="0" smtClean="0"/>
-              <a:t>: </a:t>
-            </a:r>
-            <a:r>
-              <a:rPr lang="en-US" sz="1400" dirty="0" smtClean="0"/>
-              <a:t>Request </a:t>
-            </a:r>
-            <a:r>
-              <a:rPr lang="en-US" sz="1400" dirty="0" smtClean="0"/>
-              <a:t/>
+              <a:t>: Request </a:t>
             </a:r>
             <a:br>
               <a:rPr lang="en-US" sz="1400" dirty="0" smtClean="0"/>
@@ -54349,17 +54956,8 @@
             </a:r>
             <a:r>
               <a:rPr lang="en-US" sz="1400" dirty="0" smtClean="0"/>
-              <a:t>: </a:t>
-            </a:r>
-            <a:r>
-              <a:rPr lang="en-US" sz="1400" dirty="0" smtClean="0"/>
-              <a:t>Return </a:t>
-            </a:r>
-            <a:r>
-              <a:rPr lang="en-US" sz="1400" dirty="0" smtClean="0"/>
-              <a:t>results</a:t>
-            </a:r>
-            <a:endParaRPr lang="en-US" sz="1400" dirty="0" smtClean="0"/>
+              <a:t>: Return results</a:t>
+            </a:r>
           </a:p>
         </p:txBody>
       </p:sp>
@@ -54392,15 +54990,7 @@
             </a:r>
             <a:r>
               <a:rPr lang="en-US" sz="1400" dirty="0" smtClean="0"/>
-              <a:t>: </a:t>
-            </a:r>
-            <a:r>
-              <a:rPr lang="en-US" sz="1400" dirty="0" smtClean="0"/>
-              <a:t>Return </a:t>
-            </a:r>
-            <a:r>
-              <a:rPr lang="en-US" sz="1400" dirty="0" smtClean="0"/>
-              <a:t>list of new activities</a:t>
+              <a:t>: Return list of new activities</a:t>
             </a:r>
             <a:br>
               <a:rPr lang="en-US" sz="1400" dirty="0" smtClean="0"/>
@@ -54416,7 +55006,6 @@
               <a:rPr lang="en-US" sz="1400" dirty="0" smtClean="0"/>
               <a:t>that create the activity) </a:t>
             </a:r>
-            <a:endParaRPr lang="en-US" sz="1400" dirty="0" smtClean="0"/>
           </a:p>
         </p:txBody>
       </p:sp>
@@ -54457,15 +55046,7 @@
             </a:r>
             <a:r>
               <a:rPr lang="en-US" sz="1400" dirty="0" smtClean="0"/>
-              <a:t>elect </a:t>
-            </a:r>
-            <a:r>
-              <a:rPr lang="en-US" sz="1400" dirty="0" smtClean="0"/>
-              <a:t>a</a:t>
-            </a:r>
-            <a:r>
-              <a:rPr lang="en-US" sz="1400" dirty="0" smtClean="0"/>
-              <a:t>n activity </a:t>
+              <a:t>elect an activity </a:t>
             </a:r>
             <a:br>
               <a:rPr lang="en-US" sz="1400" dirty="0" smtClean="0"/>
@@ -54659,11 +55240,7 @@
             <a:pPr algn="ctr"/>
             <a:r>
               <a:rPr lang="en-US" sz="1400" dirty="0" smtClean="0"/>
-              <a:t>10</a:t>
-            </a:r>
-            <a:r>
-              <a:rPr lang="en-US" sz="1400" dirty="0" smtClean="0"/>
-              <a:t>: Request tutorial </a:t>
+              <a:t>10: Request tutorial </a:t>
             </a:r>
             <a:endParaRPr lang="en-US" sz="1400" dirty="0"/>
           </a:p>
@@ -54694,11 +55271,7 @@
             <a:pPr algn="ctr"/>
             <a:r>
               <a:rPr lang="en-US" sz="1400" dirty="0" smtClean="0"/>
-              <a:t>11</a:t>
-            </a:r>
-            <a:r>
-              <a:rPr lang="en-US" sz="1400" dirty="0" smtClean="0"/>
-              <a:t>: Request tutorial information </a:t>
+              <a:t>11: Request tutorial information </a:t>
             </a:r>
             <a:endParaRPr lang="en-US" sz="1400" dirty="0"/>
           </a:p>
@@ -54729,15 +55302,7 @@
             <a:pPr algn="ctr"/>
             <a:r>
               <a:rPr lang="en-US" sz="1400" dirty="0" smtClean="0"/>
-              <a:t>14</a:t>
-            </a:r>
-            <a:r>
-              <a:rPr lang="en-US" sz="1400" dirty="0" smtClean="0"/>
-              <a:t>: </a:t>
-            </a:r>
-            <a:r>
-              <a:rPr lang="en-US" sz="1400" dirty="0" smtClean="0"/>
-              <a:t>Display tutorial information</a:t>
+              <a:t>14: Display tutorial information</a:t>
             </a:r>
           </a:p>
           <a:p>
@@ -54792,15 +55357,7 @@
             <a:pPr algn="ctr"/>
             <a:r>
               <a:rPr lang="en-US" sz="1400" dirty="0" smtClean="0"/>
-              <a:t>13</a:t>
-            </a:r>
-            <a:r>
-              <a:rPr lang="en-US" sz="1400" dirty="0" smtClean="0"/>
-              <a:t>: </a:t>
-            </a:r>
-            <a:r>
-              <a:rPr lang="en-US" sz="1400" dirty="0" smtClean="0"/>
-              <a:t>Return selected </a:t>
+              <a:t>13: Return selected </a:t>
             </a:r>
           </a:p>
           <a:p>
@@ -55157,11 +55714,7 @@
             <a:pPr algn="ctr"/>
             <a:r>
               <a:rPr lang="en-US" sz="1600" dirty="0" smtClean="0"/>
-              <a:t>Activity</a:t>
-            </a:r>
-            <a:r>
-              <a:rPr lang="en-US" sz="1600" dirty="0" smtClean="0"/>
-              <a:t> </a:t>
+              <a:t>Activity </a:t>
             </a:r>
             <a:r>
               <a:rPr lang="en-US" sz="1600" dirty="0"/>
@@ -55953,7 +56506,6 @@
               <a:rPr lang="en-US" sz="1200" dirty="0"/>
               <a:t>Registered User Database</a:t>
             </a:r>
-            <a:endParaRPr lang="en-US" sz="1200" dirty="0"/>
           </a:p>
         </p:txBody>
       </p:sp>
@@ -56213,11 +56765,7 @@
             </a:r>
             <a:r>
               <a:rPr lang="en-US" sz="1400" dirty="0" smtClean="0"/>
-              <a:t>: </a:t>
-            </a:r>
-            <a:r>
-              <a:rPr lang="en-US" sz="1400" dirty="0" smtClean="0"/>
-              <a:t>Retrieve </a:t>
+              <a:t>: Retrieve </a:t>
             </a:r>
             <a:br>
               <a:rPr lang="en-US" sz="1400" dirty="0" smtClean="0"/>
@@ -56682,7 +57230,6 @@
               <a:rPr lang="en-US" sz="1400" dirty="0" smtClean="0"/>
               <a:t>elect </a:t>
             </a:r>
-            <a:endParaRPr lang="en-US" sz="1400" dirty="0" smtClean="0"/>
           </a:p>
           <a:p>
             <a:pPr algn="ctr"/>
@@ -56723,11 +57270,7 @@
             </a:r>
             <a:r>
               <a:rPr lang="en-US" sz="1400" dirty="0" smtClean="0"/>
-              <a:t>: Request </a:t>
-            </a:r>
-            <a:r>
-              <a:rPr lang="en-US" sz="1400" dirty="0" smtClean="0"/>
-              <a:t>notifications</a:t>
+              <a:t>: Request notifications</a:t>
             </a:r>
             <a:endParaRPr lang="en-US" sz="1400" dirty="0"/>
           </a:p>
@@ -56762,15 +57305,7 @@
             </a:r>
             <a:r>
               <a:rPr lang="en-US" sz="1400" dirty="0" smtClean="0"/>
-              <a:t>: </a:t>
-            </a:r>
-            <a:r>
-              <a:rPr lang="en-US" sz="1400" dirty="0" smtClean="0"/>
-              <a:t>Request </a:t>
-            </a:r>
-            <a:r>
-              <a:rPr lang="en-US" sz="1400" dirty="0" smtClean="0"/>
-              <a:t/>
+              <a:t>: Request </a:t>
             </a:r>
             <a:br>
               <a:rPr lang="en-US" sz="1400" dirty="0" smtClean="0"/>
@@ -56812,17 +57347,8 @@
             </a:r>
             <a:r>
               <a:rPr lang="en-US" sz="1400" dirty="0" smtClean="0"/>
-              <a:t>: </a:t>
-            </a:r>
-            <a:r>
-              <a:rPr lang="en-US" sz="1400" dirty="0" smtClean="0"/>
-              <a:t>Return </a:t>
-            </a:r>
-            <a:r>
-              <a:rPr lang="en-US" sz="1400" dirty="0" smtClean="0"/>
-              <a:t>results</a:t>
-            </a:r>
-            <a:endParaRPr lang="en-US" sz="1400" dirty="0" smtClean="0"/>
+              <a:t>: Return results</a:t>
+            </a:r>
           </a:p>
         </p:txBody>
       </p:sp>
@@ -56855,15 +57381,7 @@
             </a:r>
             <a:r>
               <a:rPr lang="en-US" sz="1400" dirty="0" smtClean="0"/>
-              <a:t>: </a:t>
-            </a:r>
-            <a:r>
-              <a:rPr lang="en-US" sz="1400" dirty="0" smtClean="0"/>
-              <a:t>Return </a:t>
-            </a:r>
-            <a:r>
-              <a:rPr lang="en-US" sz="1400" dirty="0" smtClean="0"/>
-              <a:t>list of new activities</a:t>
+              <a:t>: Return list of new activities</a:t>
             </a:r>
             <a:br>
               <a:rPr lang="en-US" sz="1400" dirty="0" smtClean="0"/>
@@ -56879,7 +57397,6 @@
               <a:rPr lang="en-US" sz="1400" dirty="0" smtClean="0"/>
               <a:t>that create the activity) </a:t>
             </a:r>
-            <a:endParaRPr lang="en-US" sz="1400" dirty="0" smtClean="0"/>
           </a:p>
         </p:txBody>
       </p:sp>
@@ -56920,15 +57437,7 @@
             </a:r>
             <a:r>
               <a:rPr lang="en-US" sz="1400" dirty="0" smtClean="0"/>
-              <a:t>elect </a:t>
-            </a:r>
-            <a:r>
-              <a:rPr lang="en-US" sz="1400" dirty="0" smtClean="0"/>
-              <a:t>a</a:t>
-            </a:r>
-            <a:r>
-              <a:rPr lang="en-US" sz="1400" dirty="0" smtClean="0"/>
-              <a:t>n activity</a:t>
+              <a:t>elect an activity</a:t>
             </a:r>
             <a:br>
               <a:rPr lang="en-US" sz="1400" dirty="0" smtClean="0"/>
@@ -57122,11 +57631,7 @@
             <a:pPr algn="ctr"/>
             <a:r>
               <a:rPr lang="en-US" sz="1400" dirty="0" smtClean="0"/>
-              <a:t>10</a:t>
-            </a:r>
-            <a:r>
-              <a:rPr lang="en-US" sz="1400" dirty="0" smtClean="0"/>
-              <a:t>: Request </a:t>
+              <a:t>10: Request </a:t>
             </a:r>
             <a:br>
               <a:rPr lang="en-US" sz="1400" dirty="0" smtClean="0"/>
@@ -57164,11 +57669,7 @@
             <a:pPr algn="ctr"/>
             <a:r>
               <a:rPr lang="en-US" sz="1400" dirty="0" smtClean="0"/>
-              <a:t>11</a:t>
-            </a:r>
-            <a:r>
-              <a:rPr lang="en-US" sz="1400" dirty="0" smtClean="0"/>
-              <a:t>: Request user’s information </a:t>
+              <a:t>11: Request user’s information </a:t>
             </a:r>
             <a:endParaRPr lang="en-US" sz="1400" dirty="0"/>
           </a:p>
@@ -57199,15 +57700,7 @@
             <a:pPr algn="ctr"/>
             <a:r>
               <a:rPr lang="en-US" sz="1400" dirty="0" smtClean="0"/>
-              <a:t>13</a:t>
-            </a:r>
-            <a:r>
-              <a:rPr lang="en-US" sz="1400" dirty="0" smtClean="0"/>
-              <a:t>: </a:t>
-            </a:r>
-            <a:r>
-              <a:rPr lang="en-US" sz="1400" dirty="0" smtClean="0"/>
-              <a:t>Return result</a:t>
+              <a:t>13: Return result</a:t>
             </a:r>
           </a:p>
           <a:p>
@@ -57276,13 +57769,8 @@
             <a:pPr algn="ctr"/>
             <a:r>
               <a:rPr lang="en-US" sz="1400" dirty="0" smtClean="0"/>
-              <a:t>14</a:t>
-            </a:r>
-            <a:r>
-              <a:rPr lang="en-US" sz="1400" dirty="0" smtClean="0"/>
-              <a:t>: Display user’s profile</a:t>
-            </a:r>
-            <a:endParaRPr lang="en-US" sz="1400" dirty="0" smtClean="0"/>
+              <a:t>14: Display user’s profile</a:t>
+            </a:r>
           </a:p>
           <a:p>
             <a:pPr algn="ctr"/>
